--- a/Day_2/Lectures/Day_2_Lecture_1_Data_Collection_Data_Preparation.pptx
+++ b/Day_2/Lectures/Day_2_Lecture_1_Data_Collection_Data_Preparation.pptx
@@ -29381,285 +29381,6 @@
 </file>
 
 <file path=ppt/theme/theme2.xml><?xml version="1.0" encoding="utf-8"?>
-<a:theme xmlns:a="http://schemas.openxmlformats.org/drawingml/2006/main" xmlns:r="http://schemas.openxmlformats.org/officeDocument/2006/relationships" name="Simple Light">
-  <a:themeElements>
-    <a:clrScheme name="Simple Light">
-      <a:dk1>
-        <a:srgbClr val="000000"/>
-      </a:dk1>
-      <a:lt1>
-        <a:srgbClr val="FFFFFF"/>
-      </a:lt1>
-      <a:dk2>
-        <a:srgbClr val="595959"/>
-      </a:dk2>
-      <a:lt2>
-        <a:srgbClr val="EEEEEE"/>
-      </a:lt2>
-      <a:accent1>
-        <a:srgbClr val="4285F4"/>
-      </a:accent1>
-      <a:accent2>
-        <a:srgbClr val="212121"/>
-      </a:accent2>
-      <a:accent3>
-        <a:srgbClr val="78909C"/>
-      </a:accent3>
-      <a:accent4>
-        <a:srgbClr val="FFAB40"/>
-      </a:accent4>
-      <a:accent5>
-        <a:srgbClr val="0097A7"/>
-      </a:accent5>
-      <a:accent6>
-        <a:srgbClr val="EEFF41"/>
-      </a:accent6>
-      <a:hlink>
-        <a:srgbClr val="0097A7"/>
-      </a:hlink>
-      <a:folHlink>
-        <a:srgbClr val="0097A7"/>
-      </a:folHlink>
-    </a:clrScheme>
-    <a:fontScheme name="Office">
-      <a:majorFont>
-        <a:latin typeface="Arial"/>
-        <a:ea typeface=""/>
-        <a:cs typeface=""/>
-        <a:font script="Jpan" typeface="ＭＳ Ｐゴシック"/>
-        <a:font script="Hang" typeface="맑은 고딕"/>
-        <a:font script="Hans" typeface="宋体"/>
-        <a:font script="Hant" typeface="新細明體"/>
-        <a:font script="Arab" typeface="Times New Roman"/>
-        <a:font script="Hebr" typeface="Times New Roman"/>
-        <a:font script="Thai" typeface="Angsana New"/>
-        <a:font script="Ethi" typeface="Nyala"/>
-        <a:font script="Beng" typeface="Vrinda"/>
-        <a:font script="Gujr" typeface="Shruti"/>
-        <a:font script="Khmr" typeface="MoolBoran"/>
-        <a:font script="Knda" typeface="Tunga"/>
-        <a:font script="Guru" typeface="Raavi"/>
-        <a:font script="Cans" typeface="Euphemia"/>
-        <a:font script="Cher" typeface="Plantagenet Cherokee"/>
-        <a:font script="Yiii" typeface="Microsoft Yi Baiti"/>
-        <a:font script="Tibt" typeface="Microsoft Himalaya"/>
-        <a:font script="Thaa" typeface="MV Boli"/>
-        <a:font script="Deva" typeface="Mangal"/>
-        <a:font script="Telu" typeface="Gautami"/>
-        <a:font script="Taml" typeface="Latha"/>
-        <a:font script="Syrc" typeface="Estrangelo Edessa"/>
-        <a:font script="Orya" typeface="Kalinga"/>
-        <a:font script="Mlym" typeface="Kartika"/>
-        <a:font script="Laoo" typeface="DokChampa"/>
-        <a:font script="Sinh" typeface="Iskoola Pota"/>
-        <a:font script="Mong" typeface="Mongolian Baiti"/>
-        <a:font script="Viet" typeface="Times New Roman"/>
-        <a:font script="Uigh" typeface="Microsoft Uighur"/>
-        <a:font script="Geor" typeface="Sylfaen"/>
-      </a:majorFont>
-      <a:minorFont>
-        <a:latin typeface="Arial"/>
-        <a:ea typeface=""/>
-        <a:cs typeface=""/>
-        <a:font script="Jpan" typeface="ＭＳ Ｐゴシック"/>
-        <a:font script="Hang" typeface="맑은 고딕"/>
-        <a:font script="Hans" typeface="宋体"/>
-        <a:font script="Hant" typeface="新細明體"/>
-        <a:font script="Arab" typeface="Arial"/>
-        <a:font script="Hebr" typeface="Arial"/>
-        <a:font script="Thai" typeface="Cordia New"/>
-        <a:font script="Ethi" typeface="Nyala"/>
-        <a:font script="Beng" typeface="Vrinda"/>
-        <a:font script="Gujr" typeface="Shruti"/>
-        <a:font script="Khmr" typeface="DaunPenh"/>
-        <a:font script="Knda" typeface="Tunga"/>
-        <a:font script="Guru" typeface="Raavi"/>
-        <a:font script="Cans" typeface="Euphemia"/>
-        <a:font script="Cher" typeface="Plantagenet Cherokee"/>
-        <a:font script="Yiii" typeface="Microsoft Yi Baiti"/>
-        <a:font script="Tibt" typeface="Microsoft Himalaya"/>
-        <a:font script="Thaa" typeface="MV Boli"/>
-        <a:font script="Deva" typeface="Mangal"/>
-        <a:font script="Telu" typeface="Gautami"/>
-        <a:font script="Taml" typeface="Latha"/>
-        <a:font script="Syrc" typeface="Estrangelo Edessa"/>
-        <a:font script="Orya" typeface="Kalinga"/>
-        <a:font script="Mlym" typeface="Kartika"/>
-        <a:font script="Laoo" typeface="DokChampa"/>
-        <a:font script="Sinh" typeface="Iskoola Pota"/>
-        <a:font script="Mong" typeface="Mongolian Baiti"/>
-        <a:font script="Viet" typeface="Arial"/>
-        <a:font script="Uigh" typeface="Microsoft Uighur"/>
-        <a:font script="Geor" typeface="Sylfaen"/>
-      </a:minorFont>
-    </a:fontScheme>
-    <a:fmtScheme name="Office">
-      <a:fillStyleLst>
-        <a:solidFill>
-          <a:schemeClr val="phClr"/>
-        </a:solidFill>
-        <a:gradFill rotWithShape="1">
-          <a:gsLst>
-            <a:gs pos="0">
-              <a:schemeClr val="phClr">
-                <a:tint val="50000"/>
-                <a:satMod val="300000"/>
-              </a:schemeClr>
-            </a:gs>
-            <a:gs pos="35000">
-              <a:schemeClr val="phClr">
-                <a:tint val="37000"/>
-                <a:satMod val="300000"/>
-              </a:schemeClr>
-            </a:gs>
-            <a:gs pos="100000">
-              <a:schemeClr val="phClr">
-                <a:tint val="15000"/>
-                <a:satMod val="350000"/>
-              </a:schemeClr>
-            </a:gs>
-          </a:gsLst>
-          <a:lin ang="16200000" scaled="1"/>
-        </a:gradFill>
-        <a:gradFill rotWithShape="1">
-          <a:gsLst>
-            <a:gs pos="0">
-              <a:schemeClr val="phClr">
-                <a:tint val="100000"/>
-                <a:shade val="100000"/>
-                <a:satMod val="130000"/>
-              </a:schemeClr>
-            </a:gs>
-            <a:gs pos="100000">
-              <a:schemeClr val="phClr">
-                <a:tint val="50000"/>
-                <a:shade val="100000"/>
-                <a:satMod val="350000"/>
-              </a:schemeClr>
-            </a:gs>
-          </a:gsLst>
-          <a:lin ang="16200000" scaled="0"/>
-        </a:gradFill>
-      </a:fillStyleLst>
-      <a:lnStyleLst>
-        <a:ln w="9525" cap="flat" cmpd="sng" algn="ctr">
-          <a:solidFill>
-            <a:schemeClr val="phClr">
-              <a:shade val="95000"/>
-              <a:satMod val="105000"/>
-            </a:schemeClr>
-          </a:solidFill>
-          <a:prstDash val="solid"/>
-        </a:ln>
-        <a:ln w="25400" cap="flat" cmpd="sng" algn="ctr">
-          <a:solidFill>
-            <a:schemeClr val="phClr"/>
-          </a:solidFill>
-          <a:prstDash val="solid"/>
-        </a:ln>
-        <a:ln w="38100" cap="flat" cmpd="sng" algn="ctr">
-          <a:solidFill>
-            <a:schemeClr val="phClr"/>
-          </a:solidFill>
-          <a:prstDash val="solid"/>
-        </a:ln>
-      </a:lnStyleLst>
-      <a:effectStyleLst>
-        <a:effectStyle>
-          <a:effectLst>
-            <a:outerShdw blurRad="40000" dist="20000" dir="5400000" rotWithShape="0">
-              <a:srgbClr val="000000">
-                <a:alpha val="38000"/>
-              </a:srgbClr>
-            </a:outerShdw>
-          </a:effectLst>
-        </a:effectStyle>
-        <a:effectStyle>
-          <a:effectLst>
-            <a:outerShdw blurRad="40000" dist="23000" dir="5400000" rotWithShape="0">
-              <a:srgbClr val="000000">
-                <a:alpha val="35000"/>
-              </a:srgbClr>
-            </a:outerShdw>
-          </a:effectLst>
-        </a:effectStyle>
-        <a:effectStyle>
-          <a:effectLst>
-            <a:outerShdw blurRad="40000" dist="23000" dir="5400000" rotWithShape="0">
-              <a:srgbClr val="000000">
-                <a:alpha val="35000"/>
-              </a:srgbClr>
-            </a:outerShdw>
-          </a:effectLst>
-          <a:scene3d>
-            <a:camera prst="orthographicFront">
-              <a:rot lat="0" lon="0" rev="0"/>
-            </a:camera>
-            <a:lightRig rig="threePt" dir="t">
-              <a:rot lat="0" lon="0" rev="1200000"/>
-            </a:lightRig>
-          </a:scene3d>
-          <a:sp3d>
-            <a:bevelT w="63500" h="25400"/>
-          </a:sp3d>
-        </a:effectStyle>
-      </a:effectStyleLst>
-      <a:bgFillStyleLst>
-        <a:solidFill>
-          <a:schemeClr val="phClr"/>
-        </a:solidFill>
-        <a:gradFill rotWithShape="1">
-          <a:gsLst>
-            <a:gs pos="0">
-              <a:schemeClr val="phClr">
-                <a:tint val="40000"/>
-                <a:satMod val="350000"/>
-              </a:schemeClr>
-            </a:gs>
-            <a:gs pos="40000">
-              <a:schemeClr val="phClr">
-                <a:tint val="45000"/>
-                <a:shade val="99000"/>
-                <a:satMod val="350000"/>
-              </a:schemeClr>
-            </a:gs>
-            <a:gs pos="100000">
-              <a:schemeClr val="phClr">
-                <a:shade val="20000"/>
-                <a:satMod val="255000"/>
-              </a:schemeClr>
-            </a:gs>
-          </a:gsLst>
-          <a:path path="circle">
-            <a:fillToRect l="50000" t="-80000" r="50000" b="180000"/>
-          </a:path>
-        </a:gradFill>
-        <a:gradFill rotWithShape="1">
-          <a:gsLst>
-            <a:gs pos="0">
-              <a:schemeClr val="phClr">
-                <a:tint val="80000"/>
-                <a:satMod val="300000"/>
-              </a:schemeClr>
-            </a:gs>
-            <a:gs pos="100000">
-              <a:schemeClr val="phClr">
-                <a:shade val="30000"/>
-                <a:satMod val="200000"/>
-              </a:schemeClr>
-            </a:gs>
-          </a:gsLst>
-          <a:path path="circle">
-            <a:fillToRect l="50000" t="50000" r="50000" b="50000"/>
-          </a:path>
-        </a:gradFill>
-      </a:bgFillStyleLst>
-    </a:fmtScheme>
-  </a:themeElements>
-</a:theme>
-</file>
-
-<file path=ppt/theme/theme3.xml><?xml version="1.0" encoding="utf-8"?>
 <a:theme xmlns:a="http://schemas.openxmlformats.org/drawingml/2006/main" xmlns:r="http://schemas.openxmlformats.org/officeDocument/2006/relationships" name="Geometric">
   <a:themeElements>
     <a:clrScheme name="Geometric">
@@ -29938,7 +29659,7 @@
 </a:theme>
 </file>
 
-<file path=ppt/theme/theme4.xml><?xml version="1.0" encoding="utf-8"?>
+<file path=ppt/theme/theme3.xml><?xml version="1.0" encoding="utf-8"?>
 <a:theme xmlns:a="http://schemas.openxmlformats.org/drawingml/2006/main" xmlns:r="http://schemas.openxmlformats.org/officeDocument/2006/relationships">
   <a:themeElements>
     <a:clrScheme name="Default">
@@ -30215,4 +29936,283 @@
     </a:fmtScheme>
   </a:themeElements>
 </a:theme>
+</file>
+
+<file path=ppt/theme/theme4.xml><?xml version="1.0" encoding="utf-8"?>
+<a:theme xmlns:a="http://schemas.openxmlformats.org/drawingml/2006/main" xmlns:r="http://schemas.openxmlformats.org/officeDocument/2006/relationships" name="Simple Light">
+  <a:themeElements>
+    <a:clrScheme name="Simple Light">
+      <a:dk1>
+        <a:srgbClr val="000000"/>
+      </a:dk1>
+      <a:lt1>
+        <a:srgbClr val="FFFFFF"/>
+      </a:lt1>
+      <a:dk2>
+        <a:srgbClr val="595959"/>
+      </a:dk2>
+      <a:lt2>
+        <a:srgbClr val="EEEEEE"/>
+      </a:lt2>
+      <a:accent1>
+        <a:srgbClr val="4285F4"/>
+      </a:accent1>
+      <a:accent2>
+        <a:srgbClr val="212121"/>
+      </a:accent2>
+      <a:accent3>
+        <a:srgbClr val="78909C"/>
+      </a:accent3>
+      <a:accent4>
+        <a:srgbClr val="FFAB40"/>
+      </a:accent4>
+      <a:accent5>
+        <a:srgbClr val="0097A7"/>
+      </a:accent5>
+      <a:accent6>
+        <a:srgbClr val="EEFF41"/>
+      </a:accent6>
+      <a:hlink>
+        <a:srgbClr val="0097A7"/>
+      </a:hlink>
+      <a:folHlink>
+        <a:srgbClr val="0097A7"/>
+      </a:folHlink>
+    </a:clrScheme>
+    <a:fontScheme name="Office">
+      <a:majorFont>
+        <a:latin typeface="Arial"/>
+        <a:ea typeface=""/>
+        <a:cs typeface=""/>
+        <a:font script="Jpan" typeface="ＭＳ Ｐゴシック"/>
+        <a:font script="Hang" typeface="맑은 고딕"/>
+        <a:font script="Hans" typeface="宋体"/>
+        <a:font script="Hant" typeface="新細明體"/>
+        <a:font script="Arab" typeface="Times New Roman"/>
+        <a:font script="Hebr" typeface="Times New Roman"/>
+        <a:font script="Thai" typeface="Angsana New"/>
+        <a:font script="Ethi" typeface="Nyala"/>
+        <a:font script="Beng" typeface="Vrinda"/>
+        <a:font script="Gujr" typeface="Shruti"/>
+        <a:font script="Khmr" typeface="MoolBoran"/>
+        <a:font script="Knda" typeface="Tunga"/>
+        <a:font script="Guru" typeface="Raavi"/>
+        <a:font script="Cans" typeface="Euphemia"/>
+        <a:font script="Cher" typeface="Plantagenet Cherokee"/>
+        <a:font script="Yiii" typeface="Microsoft Yi Baiti"/>
+        <a:font script="Tibt" typeface="Microsoft Himalaya"/>
+        <a:font script="Thaa" typeface="MV Boli"/>
+        <a:font script="Deva" typeface="Mangal"/>
+        <a:font script="Telu" typeface="Gautami"/>
+        <a:font script="Taml" typeface="Latha"/>
+        <a:font script="Syrc" typeface="Estrangelo Edessa"/>
+        <a:font script="Orya" typeface="Kalinga"/>
+        <a:font script="Mlym" typeface="Kartika"/>
+        <a:font script="Laoo" typeface="DokChampa"/>
+        <a:font script="Sinh" typeface="Iskoola Pota"/>
+        <a:font script="Mong" typeface="Mongolian Baiti"/>
+        <a:font script="Viet" typeface="Times New Roman"/>
+        <a:font script="Uigh" typeface="Microsoft Uighur"/>
+        <a:font script="Geor" typeface="Sylfaen"/>
+      </a:majorFont>
+      <a:minorFont>
+        <a:latin typeface="Arial"/>
+        <a:ea typeface=""/>
+        <a:cs typeface=""/>
+        <a:font script="Jpan" typeface="ＭＳ Ｐゴシック"/>
+        <a:font script="Hang" typeface="맑은 고딕"/>
+        <a:font script="Hans" typeface="宋体"/>
+        <a:font script="Hant" typeface="新細明體"/>
+        <a:font script="Arab" typeface="Arial"/>
+        <a:font script="Hebr" typeface="Arial"/>
+        <a:font script="Thai" typeface="Cordia New"/>
+        <a:font script="Ethi" typeface="Nyala"/>
+        <a:font script="Beng" typeface="Vrinda"/>
+        <a:font script="Gujr" typeface="Shruti"/>
+        <a:font script="Khmr" typeface="DaunPenh"/>
+        <a:font script="Knda" typeface="Tunga"/>
+        <a:font script="Guru" typeface="Raavi"/>
+        <a:font script="Cans" typeface="Euphemia"/>
+        <a:font script="Cher" typeface="Plantagenet Cherokee"/>
+        <a:font script="Yiii" typeface="Microsoft Yi Baiti"/>
+        <a:font script="Tibt" typeface="Microsoft Himalaya"/>
+        <a:font script="Thaa" typeface="MV Boli"/>
+        <a:font script="Deva" typeface="Mangal"/>
+        <a:font script="Telu" typeface="Gautami"/>
+        <a:font script="Taml" typeface="Latha"/>
+        <a:font script="Syrc" typeface="Estrangelo Edessa"/>
+        <a:font script="Orya" typeface="Kalinga"/>
+        <a:font script="Mlym" typeface="Kartika"/>
+        <a:font script="Laoo" typeface="DokChampa"/>
+        <a:font script="Sinh" typeface="Iskoola Pota"/>
+        <a:font script="Mong" typeface="Mongolian Baiti"/>
+        <a:font script="Viet" typeface="Arial"/>
+        <a:font script="Uigh" typeface="Microsoft Uighur"/>
+        <a:font script="Geor" typeface="Sylfaen"/>
+      </a:minorFont>
+    </a:fontScheme>
+    <a:fmtScheme name="Office">
+      <a:fillStyleLst>
+        <a:solidFill>
+          <a:schemeClr val="phClr"/>
+        </a:solidFill>
+        <a:gradFill rotWithShape="1">
+          <a:gsLst>
+            <a:gs pos="0">
+              <a:schemeClr val="phClr">
+                <a:tint val="50000"/>
+                <a:satMod val="300000"/>
+              </a:schemeClr>
+            </a:gs>
+            <a:gs pos="35000">
+              <a:schemeClr val="phClr">
+                <a:tint val="37000"/>
+                <a:satMod val="300000"/>
+              </a:schemeClr>
+            </a:gs>
+            <a:gs pos="100000">
+              <a:schemeClr val="phClr">
+                <a:tint val="15000"/>
+                <a:satMod val="350000"/>
+              </a:schemeClr>
+            </a:gs>
+          </a:gsLst>
+          <a:lin ang="16200000" scaled="1"/>
+        </a:gradFill>
+        <a:gradFill rotWithShape="1">
+          <a:gsLst>
+            <a:gs pos="0">
+              <a:schemeClr val="phClr">
+                <a:tint val="100000"/>
+                <a:shade val="100000"/>
+                <a:satMod val="130000"/>
+              </a:schemeClr>
+            </a:gs>
+            <a:gs pos="100000">
+              <a:schemeClr val="phClr">
+                <a:tint val="50000"/>
+                <a:shade val="100000"/>
+                <a:satMod val="350000"/>
+              </a:schemeClr>
+            </a:gs>
+          </a:gsLst>
+          <a:lin ang="16200000" scaled="0"/>
+        </a:gradFill>
+      </a:fillStyleLst>
+      <a:lnStyleLst>
+        <a:ln w="9525" cap="flat" cmpd="sng" algn="ctr">
+          <a:solidFill>
+            <a:schemeClr val="phClr">
+              <a:shade val="95000"/>
+              <a:satMod val="105000"/>
+            </a:schemeClr>
+          </a:solidFill>
+          <a:prstDash val="solid"/>
+        </a:ln>
+        <a:ln w="25400" cap="flat" cmpd="sng" algn="ctr">
+          <a:solidFill>
+            <a:schemeClr val="phClr"/>
+          </a:solidFill>
+          <a:prstDash val="solid"/>
+        </a:ln>
+        <a:ln w="38100" cap="flat" cmpd="sng" algn="ctr">
+          <a:solidFill>
+            <a:schemeClr val="phClr"/>
+          </a:solidFill>
+          <a:prstDash val="solid"/>
+        </a:ln>
+      </a:lnStyleLst>
+      <a:effectStyleLst>
+        <a:effectStyle>
+          <a:effectLst>
+            <a:outerShdw blurRad="40000" dist="20000" dir="5400000" rotWithShape="0">
+              <a:srgbClr val="000000">
+                <a:alpha val="38000"/>
+              </a:srgbClr>
+            </a:outerShdw>
+          </a:effectLst>
+        </a:effectStyle>
+        <a:effectStyle>
+          <a:effectLst>
+            <a:outerShdw blurRad="40000" dist="23000" dir="5400000" rotWithShape="0">
+              <a:srgbClr val="000000">
+                <a:alpha val="35000"/>
+              </a:srgbClr>
+            </a:outerShdw>
+          </a:effectLst>
+        </a:effectStyle>
+        <a:effectStyle>
+          <a:effectLst>
+            <a:outerShdw blurRad="40000" dist="23000" dir="5400000" rotWithShape="0">
+              <a:srgbClr val="000000">
+                <a:alpha val="35000"/>
+              </a:srgbClr>
+            </a:outerShdw>
+          </a:effectLst>
+          <a:scene3d>
+            <a:camera prst="orthographicFront">
+              <a:rot lat="0" lon="0" rev="0"/>
+            </a:camera>
+            <a:lightRig rig="threePt" dir="t">
+              <a:rot lat="0" lon="0" rev="1200000"/>
+            </a:lightRig>
+          </a:scene3d>
+          <a:sp3d>
+            <a:bevelT w="63500" h="25400"/>
+          </a:sp3d>
+        </a:effectStyle>
+      </a:effectStyleLst>
+      <a:bgFillStyleLst>
+        <a:solidFill>
+          <a:schemeClr val="phClr"/>
+        </a:solidFill>
+        <a:gradFill rotWithShape="1">
+          <a:gsLst>
+            <a:gs pos="0">
+              <a:schemeClr val="phClr">
+                <a:tint val="40000"/>
+                <a:satMod val="350000"/>
+              </a:schemeClr>
+            </a:gs>
+            <a:gs pos="40000">
+              <a:schemeClr val="phClr">
+                <a:tint val="45000"/>
+                <a:shade val="99000"/>
+                <a:satMod val="350000"/>
+              </a:schemeClr>
+            </a:gs>
+            <a:gs pos="100000">
+              <a:schemeClr val="phClr">
+                <a:shade val="20000"/>
+                <a:satMod val="255000"/>
+              </a:schemeClr>
+            </a:gs>
+          </a:gsLst>
+          <a:path path="circle">
+            <a:fillToRect l="50000" t="-80000" r="50000" b="180000"/>
+          </a:path>
+        </a:gradFill>
+        <a:gradFill rotWithShape="1">
+          <a:gsLst>
+            <a:gs pos="0">
+              <a:schemeClr val="phClr">
+                <a:tint val="80000"/>
+                <a:satMod val="300000"/>
+              </a:schemeClr>
+            </a:gs>
+            <a:gs pos="100000">
+              <a:schemeClr val="phClr">
+                <a:shade val="30000"/>
+                <a:satMod val="200000"/>
+              </a:schemeClr>
+            </a:gs>
+          </a:gsLst>
+          <a:path path="circle">
+            <a:fillToRect l="50000" t="50000" r="50000" b="50000"/>
+          </a:path>
+        </a:gradFill>
+      </a:bgFillStyleLst>
+    </a:fmtScheme>
+  </a:themeElements>
+</a:theme>
 </file>
--- a/Day_2/Lectures/Day_2_Lecture_1_Data_Collection_Data_Preparation.pptx
+++ b/Day_2/Lectures/Day_2_Lecture_1_Data_Collection_Data_Preparation.pptx
@@ -36,17 +36,16 @@
     <p:sldId id="279" r:id="rId31"/>
     <p:sldId id="280" r:id="rId32"/>
     <p:sldId id="281" r:id="rId33"/>
-    <p:sldId id="282" r:id="rId34"/>
   </p:sldIdLst>
   <p:sldSz cy="5143500" cx="9144000"/>
   <p:notesSz cx="6858000" cy="9144000"/>
   <p:embeddedFontLst>
     <p:embeddedFont>
       <p:font typeface="Roboto"/>
-      <p:regular r:id="rId35"/>
-      <p:bold r:id="rId36"/>
-      <p:italic r:id="rId37"/>
-      <p:boldItalic r:id="rId38"/>
+      <p:regular r:id="rId34"/>
+      <p:bold r:id="rId35"/>
+      <p:italic r:id="rId36"/>
+      <p:boldItalic r:id="rId37"/>
     </p:embeddedFont>
   </p:embeddedFontLst>
   <p:defaultTextStyle>
@@ -915,7 +914,7 @@
   <p:cSld>
     <p:spTree>
       <p:nvGrpSpPr>
-        <p:cNvPr id="245" name="Shape 245"/>
+        <p:cNvPr id="246" name="Shape 246"/>
         <p:cNvGrpSpPr/>
         <p:nvPr/>
       </p:nvGrpSpPr>
@@ -929,7 +928,7 @@
       </p:grpSpPr>
       <p:sp>
         <p:nvSpPr>
-          <p:cNvPr id="246" name="Google Shape;246;g11edce180b9_0_14:notes"/>
+          <p:cNvPr id="247" name="Google Shape;247;g11edce180b9_0_14:notes"/>
           <p:cNvSpPr/>
           <p:nvPr>
             <p:ph idx="2" type="sldImg"/>
@@ -964,7 +963,7 @@
       </p:sp>
       <p:sp>
         <p:nvSpPr>
-          <p:cNvPr id="247" name="Google Shape;247;g11edce180b9_0_14:notes"/>
+          <p:cNvPr id="248" name="Google Shape;248;g11edce180b9_0_14:notes"/>
           <p:cNvSpPr txBox="1"/>
           <p:nvPr>
             <p:ph idx="1" type="body"/>
@@ -1014,7 +1013,7 @@
   <p:cSld>
     <p:spTree>
       <p:nvGrpSpPr>
-        <p:cNvPr id="254" name="Shape 254"/>
+        <p:cNvPr id="255" name="Shape 255"/>
         <p:cNvGrpSpPr/>
         <p:nvPr/>
       </p:nvGrpSpPr>
@@ -1028,7 +1027,7 @@
       </p:grpSpPr>
       <p:sp>
         <p:nvSpPr>
-          <p:cNvPr id="255" name="Google Shape;255;g11edce180b9_0_24:notes"/>
+          <p:cNvPr id="256" name="Google Shape;256;g11edce180b9_0_24:notes"/>
           <p:cNvSpPr/>
           <p:nvPr>
             <p:ph idx="2" type="sldImg"/>
@@ -1063,7 +1062,7 @@
       </p:sp>
       <p:sp>
         <p:nvSpPr>
-          <p:cNvPr id="256" name="Google Shape;256;g11edce180b9_0_24:notes"/>
+          <p:cNvPr id="257" name="Google Shape;257;g11edce180b9_0_24:notes"/>
           <p:cNvSpPr txBox="1"/>
           <p:nvPr>
             <p:ph idx="1" type="body"/>
@@ -1113,7 +1112,7 @@
   <p:cSld>
     <p:spTree>
       <p:nvGrpSpPr>
-        <p:cNvPr id="263" name="Shape 263"/>
+        <p:cNvPr id="264" name="Shape 264"/>
         <p:cNvGrpSpPr/>
         <p:nvPr/>
       </p:nvGrpSpPr>
@@ -1127,7 +1126,7 @@
       </p:grpSpPr>
       <p:sp>
         <p:nvSpPr>
-          <p:cNvPr id="264" name="Google Shape;264;g11edce180b9_0_32:notes"/>
+          <p:cNvPr id="265" name="Google Shape;265;g11edce180b9_0_32:notes"/>
           <p:cNvSpPr/>
           <p:nvPr>
             <p:ph idx="2" type="sldImg"/>
@@ -1162,7 +1161,7 @@
       </p:sp>
       <p:sp>
         <p:nvSpPr>
-          <p:cNvPr id="265" name="Google Shape;265;g11edce180b9_0_32:notes"/>
+          <p:cNvPr id="266" name="Google Shape;266;g11edce180b9_0_32:notes"/>
           <p:cNvSpPr txBox="1"/>
           <p:nvPr>
             <p:ph idx="1" type="body"/>
@@ -1212,7 +1211,7 @@
   <p:cSld>
     <p:spTree>
       <p:nvGrpSpPr>
-        <p:cNvPr id="272" name="Shape 272"/>
+        <p:cNvPr id="273" name="Shape 273"/>
         <p:cNvGrpSpPr/>
         <p:nvPr/>
       </p:nvGrpSpPr>
@@ -1226,7 +1225,7 @@
       </p:grpSpPr>
       <p:sp>
         <p:nvSpPr>
-          <p:cNvPr id="273" name="Google Shape;273;g11edce180b9_0_42:notes"/>
+          <p:cNvPr id="274" name="Google Shape;274;g11edce180b9_0_52:notes"/>
           <p:cNvSpPr/>
           <p:nvPr>
             <p:ph idx="2" type="sldImg"/>
@@ -1261,7 +1260,7 @@
       </p:sp>
       <p:sp>
         <p:nvSpPr>
-          <p:cNvPr id="274" name="Google Shape;274;g11edce180b9_0_42:notes"/>
+          <p:cNvPr id="275" name="Google Shape;275;g11edce180b9_0_52:notes"/>
           <p:cNvSpPr txBox="1"/>
           <p:nvPr>
             <p:ph idx="1" type="body"/>
@@ -1311,7 +1310,7 @@
   <p:cSld>
     <p:spTree>
       <p:nvGrpSpPr>
-        <p:cNvPr id="280" name="Shape 280"/>
+        <p:cNvPr id="281" name="Shape 281"/>
         <p:cNvGrpSpPr/>
         <p:nvPr/>
       </p:nvGrpSpPr>
@@ -1325,7 +1324,7 @@
       </p:grpSpPr>
       <p:sp>
         <p:nvSpPr>
-          <p:cNvPr id="281" name="Google Shape;281;g11edce180b9_0_52:notes"/>
+          <p:cNvPr id="282" name="Google Shape;282;g11c1ae6140b_0_9:notes"/>
           <p:cNvSpPr/>
           <p:nvPr>
             <p:ph idx="2" type="sldImg"/>
@@ -1360,7 +1359,7 @@
       </p:sp>
       <p:sp>
         <p:nvSpPr>
-          <p:cNvPr id="282" name="Google Shape;282;g11edce180b9_0_52:notes"/>
+          <p:cNvPr id="283" name="Google Shape;283;g11c1ae6140b_0_9:notes"/>
           <p:cNvSpPr txBox="1"/>
           <p:nvPr>
             <p:ph idx="1" type="body"/>
@@ -1410,7 +1409,7 @@
   <p:cSld>
     <p:spTree>
       <p:nvGrpSpPr>
-        <p:cNvPr id="288" name="Shape 288"/>
+        <p:cNvPr id="290" name="Shape 290"/>
         <p:cNvGrpSpPr/>
         <p:nvPr/>
       </p:nvGrpSpPr>
@@ -1424,7 +1423,7 @@
       </p:grpSpPr>
       <p:sp>
         <p:nvSpPr>
-          <p:cNvPr id="289" name="Google Shape;289;g11c1ae6140b_0_9:notes"/>
+          <p:cNvPr id="291" name="Google Shape;291;g11edce180b9_0_58:notes"/>
           <p:cNvSpPr/>
           <p:nvPr>
             <p:ph idx="2" type="sldImg"/>
@@ -1459,7 +1458,7 @@
       </p:sp>
       <p:sp>
         <p:nvSpPr>
-          <p:cNvPr id="290" name="Google Shape;290;g11c1ae6140b_0_9:notes"/>
+          <p:cNvPr id="292" name="Google Shape;292;g11edce180b9_0_58:notes"/>
           <p:cNvSpPr txBox="1"/>
           <p:nvPr>
             <p:ph idx="1" type="body"/>
@@ -1509,7 +1508,7 @@
   <p:cSld>
     <p:spTree>
       <p:nvGrpSpPr>
-        <p:cNvPr id="297" name="Shape 297"/>
+        <p:cNvPr id="298" name="Shape 298"/>
         <p:cNvGrpSpPr/>
         <p:nvPr/>
       </p:nvGrpSpPr>
@@ -1523,7 +1522,7 @@
       </p:grpSpPr>
       <p:sp>
         <p:nvSpPr>
-          <p:cNvPr id="298" name="Google Shape;298;g11edce180b9_0_58:notes"/>
+          <p:cNvPr id="299" name="Google Shape;299;g110a238f71a_0_13:notes"/>
           <p:cNvSpPr/>
           <p:nvPr>
             <p:ph idx="2" type="sldImg"/>
@@ -1558,7 +1557,7 @@
       </p:sp>
       <p:sp>
         <p:nvSpPr>
-          <p:cNvPr id="299" name="Google Shape;299;g11edce180b9_0_58:notes"/>
+          <p:cNvPr id="300" name="Google Shape;300;g110a238f71a_0_13:notes"/>
           <p:cNvSpPr txBox="1"/>
           <p:nvPr>
             <p:ph idx="1" type="body"/>
@@ -1608,7 +1607,7 @@
   <p:cSld>
     <p:spTree>
       <p:nvGrpSpPr>
-        <p:cNvPr id="305" name="Shape 305"/>
+        <p:cNvPr id="306" name="Shape 306"/>
         <p:cNvGrpSpPr/>
         <p:nvPr/>
       </p:nvGrpSpPr>
@@ -1622,7 +1621,7 @@
       </p:grpSpPr>
       <p:sp>
         <p:nvSpPr>
-          <p:cNvPr id="306" name="Google Shape;306;g110a238f71a_0_13:notes"/>
+          <p:cNvPr id="307" name="Google Shape;307;g110a238f71a_0_19:notes"/>
           <p:cNvSpPr/>
           <p:nvPr>
             <p:ph idx="2" type="sldImg"/>
@@ -1657,7 +1656,7 @@
       </p:sp>
       <p:sp>
         <p:nvSpPr>
-          <p:cNvPr id="307" name="Google Shape;307;g110a238f71a_0_13:notes"/>
+          <p:cNvPr id="308" name="Google Shape;308;g110a238f71a_0_19:notes"/>
           <p:cNvSpPr txBox="1"/>
           <p:nvPr>
             <p:ph idx="1" type="body"/>
@@ -1707,7 +1706,7 @@
   <p:cSld>
     <p:spTree>
       <p:nvGrpSpPr>
-        <p:cNvPr id="313" name="Shape 313"/>
+        <p:cNvPr id="314" name="Shape 314"/>
         <p:cNvGrpSpPr/>
         <p:nvPr/>
       </p:nvGrpSpPr>
@@ -1721,7 +1720,7 @@
       </p:grpSpPr>
       <p:sp>
         <p:nvSpPr>
-          <p:cNvPr id="314" name="Google Shape;314;g110a238f71a_0_19:notes"/>
+          <p:cNvPr id="315" name="Google Shape;315;g110a238f71a_0_1:notes"/>
           <p:cNvSpPr/>
           <p:nvPr>
             <p:ph idx="2" type="sldImg"/>
@@ -1756,7 +1755,7 @@
       </p:sp>
       <p:sp>
         <p:nvSpPr>
-          <p:cNvPr id="315" name="Google Shape;315;g110a238f71a_0_19:notes"/>
+          <p:cNvPr id="316" name="Google Shape;316;g110a238f71a_0_1:notes"/>
           <p:cNvSpPr txBox="1"/>
           <p:nvPr>
             <p:ph idx="1" type="body"/>
@@ -1806,7 +1805,7 @@
   <p:cSld>
     <p:spTree>
       <p:nvGrpSpPr>
-        <p:cNvPr id="321" name="Shape 321"/>
+        <p:cNvPr id="322" name="Shape 322"/>
         <p:cNvGrpSpPr/>
         <p:nvPr/>
       </p:nvGrpSpPr>
@@ -1820,7 +1819,7 @@
       </p:grpSpPr>
       <p:sp>
         <p:nvSpPr>
-          <p:cNvPr id="322" name="Google Shape;322;g110a238f71a_0_1:notes"/>
+          <p:cNvPr id="323" name="Google Shape;323;g110a238f71a_0_25:notes"/>
           <p:cNvSpPr/>
           <p:nvPr>
             <p:ph idx="2" type="sldImg"/>
@@ -1855,7 +1854,7 @@
       </p:sp>
       <p:sp>
         <p:nvSpPr>
-          <p:cNvPr id="323" name="Google Shape;323;g110a238f71a_0_1:notes"/>
+          <p:cNvPr id="324" name="Google Shape;324;g110a238f71a_0_25:notes"/>
           <p:cNvSpPr txBox="1"/>
           <p:nvPr>
             <p:ph idx="1" type="body"/>
@@ -1905,7 +1904,7 @@
   <p:cSld>
     <p:spTree>
       <p:nvGrpSpPr>
-        <p:cNvPr id="179" name="Shape 179"/>
+        <p:cNvPr id="180" name="Shape 180"/>
         <p:cNvGrpSpPr/>
         <p:nvPr/>
       </p:nvGrpSpPr>
@@ -1919,7 +1918,7 @@
       </p:grpSpPr>
       <p:sp>
         <p:nvSpPr>
-          <p:cNvPr id="180" name="Google Shape;180;g11be0e5f55c_0_104:notes"/>
+          <p:cNvPr id="181" name="Google Shape;181;g11be0e5f55c_0_104:notes"/>
           <p:cNvSpPr/>
           <p:nvPr>
             <p:ph idx="2" type="sldImg"/>
@@ -1954,7 +1953,7 @@
       </p:sp>
       <p:sp>
         <p:nvSpPr>
-          <p:cNvPr id="181" name="Google Shape;181;g11be0e5f55c_0_104:notes"/>
+          <p:cNvPr id="182" name="Google Shape;182;g11be0e5f55c_0_104:notes"/>
           <p:cNvSpPr txBox="1"/>
           <p:nvPr>
             <p:ph idx="1" type="body"/>
@@ -2004,7 +2003,7 @@
   <p:cSld>
     <p:spTree>
       <p:nvGrpSpPr>
-        <p:cNvPr id="329" name="Shape 329"/>
+        <p:cNvPr id="332" name="Shape 332"/>
         <p:cNvGrpSpPr/>
         <p:nvPr/>
       </p:nvGrpSpPr>
@@ -2018,7 +2017,7 @@
       </p:grpSpPr>
       <p:sp>
         <p:nvSpPr>
-          <p:cNvPr id="330" name="Google Shape;330;g110a238f71a_0_25:notes"/>
+          <p:cNvPr id="333" name="Google Shape;333;g110a238f71a_0_34:notes"/>
           <p:cNvSpPr/>
           <p:nvPr>
             <p:ph idx="2" type="sldImg"/>
@@ -2053,7 +2052,7 @@
       </p:sp>
       <p:sp>
         <p:nvSpPr>
-          <p:cNvPr id="331" name="Google Shape;331;g110a238f71a_0_25:notes"/>
+          <p:cNvPr id="334" name="Google Shape;334;g110a238f71a_0_34:notes"/>
           <p:cNvSpPr txBox="1"/>
           <p:nvPr>
             <p:ph idx="1" type="body"/>
@@ -2075,6 +2074,166 @@
           <a:lstStyle/>
           <a:p>
             <a:pPr indent="0" lvl="0" marL="0" rtl="0" algn="l">
+              <a:lnSpc>
+                <a:spcPct val="115000"/>
+              </a:lnSpc>
+              <a:spcBef>
+                <a:spcPts val="0"/>
+              </a:spcBef>
+              <a:spcAft>
+                <a:spcPts val="0"/>
+              </a:spcAft>
+              <a:buClr>
+                <a:schemeClr val="dk1"/>
+              </a:buClr>
+              <a:buSzPts val="1100"/>
+              <a:buFont typeface="Arial"/>
+              <a:buNone/>
+            </a:pPr>
+            <a:r>
+              <a:rPr lang="en" sz="900">
+                <a:solidFill>
+                  <a:schemeClr val="dk1"/>
+                </a:solidFill>
+              </a:rPr>
+              <a:t>Feature selection techniques may generally grouped into those that use the target variable</a:t>
+            </a:r>
+            <a:endParaRPr sz="900">
+              <a:solidFill>
+                <a:schemeClr val="dk1"/>
+              </a:solidFill>
+            </a:endParaRPr>
+          </a:p>
+          <a:p>
+            <a:pPr indent="0" lvl="0" marL="0" rtl="0" algn="l">
+              <a:lnSpc>
+                <a:spcPct val="115000"/>
+              </a:lnSpc>
+              <a:spcBef>
+                <a:spcPts val="0"/>
+              </a:spcBef>
+              <a:spcAft>
+                <a:spcPts val="0"/>
+              </a:spcAft>
+              <a:buClr>
+                <a:schemeClr val="dk1"/>
+              </a:buClr>
+              <a:buSzPts val="1100"/>
+              <a:buFont typeface="Arial"/>
+              <a:buNone/>
+            </a:pPr>
+            <a:r>
+              <a:rPr lang="en" sz="900">
+                <a:solidFill>
+                  <a:schemeClr val="dk1"/>
+                </a:solidFill>
+              </a:rPr>
+              <a:t>(supervised) and those that do not (unsupervised). Additionally, the supervised techniques</a:t>
+            </a:r>
+            <a:endParaRPr sz="900">
+              <a:solidFill>
+                <a:schemeClr val="dk1"/>
+              </a:solidFill>
+            </a:endParaRPr>
+          </a:p>
+          <a:p>
+            <a:pPr indent="0" lvl="0" marL="0" rtl="0" algn="l">
+              <a:lnSpc>
+                <a:spcPct val="115000"/>
+              </a:lnSpc>
+              <a:spcBef>
+                <a:spcPts val="0"/>
+              </a:spcBef>
+              <a:spcAft>
+                <a:spcPts val="0"/>
+              </a:spcAft>
+              <a:buClr>
+                <a:schemeClr val="dk1"/>
+              </a:buClr>
+              <a:buSzPts val="1100"/>
+              <a:buFont typeface="Arial"/>
+              <a:buNone/>
+            </a:pPr>
+            <a:r>
+              <a:rPr lang="en" sz="900">
+                <a:solidFill>
+                  <a:schemeClr val="dk1"/>
+                </a:solidFill>
+              </a:rPr>
+              <a:t>can be further divided into models that automatically select features as part of fitting the</a:t>
+            </a:r>
+            <a:endParaRPr sz="900">
+              <a:solidFill>
+                <a:schemeClr val="dk1"/>
+              </a:solidFill>
+            </a:endParaRPr>
+          </a:p>
+          <a:p>
+            <a:pPr indent="0" lvl="0" marL="0" rtl="0" algn="l">
+              <a:lnSpc>
+                <a:spcPct val="115000"/>
+              </a:lnSpc>
+              <a:spcBef>
+                <a:spcPts val="0"/>
+              </a:spcBef>
+              <a:spcAft>
+                <a:spcPts val="0"/>
+              </a:spcAft>
+              <a:buClr>
+                <a:schemeClr val="dk1"/>
+              </a:buClr>
+              <a:buSzPts val="1100"/>
+              <a:buFont typeface="Arial"/>
+              <a:buNone/>
+            </a:pPr>
+            <a:r>
+              <a:rPr lang="en" sz="900">
+                <a:solidFill>
+                  <a:schemeClr val="dk1"/>
+                </a:solidFill>
+              </a:rPr>
+              <a:t>model (intrinsic), those that explicitly choose features that result in the best performing model</a:t>
+            </a:r>
+            <a:endParaRPr sz="900">
+              <a:solidFill>
+                <a:schemeClr val="dk1"/>
+              </a:solidFill>
+            </a:endParaRPr>
+          </a:p>
+          <a:p>
+            <a:pPr indent="0" lvl="0" marL="0" rtl="0" algn="l">
+              <a:lnSpc>
+                <a:spcPct val="115000"/>
+              </a:lnSpc>
+              <a:spcBef>
+                <a:spcPts val="0"/>
+              </a:spcBef>
+              <a:spcAft>
+                <a:spcPts val="0"/>
+              </a:spcAft>
+              <a:buClr>
+                <a:schemeClr val="dk1"/>
+              </a:buClr>
+              <a:buSzPts val="1100"/>
+              <a:buFont typeface="Arial"/>
+              <a:buNone/>
+            </a:pPr>
+            <a:r>
+              <a:rPr lang="en" sz="900">
+                <a:solidFill>
+                  <a:schemeClr val="dk1"/>
+                </a:solidFill>
+              </a:rPr>
+              <a:t>(wrapper) and those that score each input feature and allow a subset to be selected (filter).</a:t>
+            </a:r>
+            <a:endParaRPr sz="900">
+              <a:solidFill>
+                <a:schemeClr val="dk1"/>
+              </a:solidFill>
+            </a:endParaRPr>
+          </a:p>
+          <a:p>
+            <a:pPr indent="0" lvl="0" marL="0" rtl="0" algn="l">
               <a:spcBef>
                 <a:spcPts val="0"/>
               </a:spcBef>
@@ -2103,7 +2262,7 @@
   <p:cSld>
     <p:spTree>
       <p:nvGrpSpPr>
-        <p:cNvPr id="339" name="Shape 339"/>
+        <p:cNvPr id="342" name="Shape 342"/>
         <p:cNvGrpSpPr/>
         <p:nvPr/>
       </p:nvGrpSpPr>
@@ -2117,7 +2276,7 @@
       </p:grpSpPr>
       <p:sp>
         <p:nvSpPr>
-          <p:cNvPr id="340" name="Google Shape;340;g110a238f71a_0_34:notes"/>
+          <p:cNvPr id="343" name="Google Shape;343;g110a238f71a_0_44:notes"/>
           <p:cNvSpPr/>
           <p:nvPr>
             <p:ph idx="2" type="sldImg"/>
@@ -2152,7 +2311,7 @@
       </p:sp>
       <p:sp>
         <p:nvSpPr>
-          <p:cNvPr id="341" name="Google Shape;341;g110a238f71a_0_34:notes"/>
+          <p:cNvPr id="344" name="Google Shape;344;g110a238f71a_0_44:notes"/>
           <p:cNvSpPr txBox="1"/>
           <p:nvPr>
             <p:ph idx="1" type="body"/>
@@ -2174,166 +2333,6 @@
           <a:lstStyle/>
           <a:p>
             <a:pPr indent="0" lvl="0" marL="0" rtl="0" algn="l">
-              <a:lnSpc>
-                <a:spcPct val="115000"/>
-              </a:lnSpc>
-              <a:spcBef>
-                <a:spcPts val="0"/>
-              </a:spcBef>
-              <a:spcAft>
-                <a:spcPts val="0"/>
-              </a:spcAft>
-              <a:buClr>
-                <a:schemeClr val="dk1"/>
-              </a:buClr>
-              <a:buSzPts val="1100"/>
-              <a:buFont typeface="Arial"/>
-              <a:buNone/>
-            </a:pPr>
-            <a:r>
-              <a:rPr lang="en" sz="900">
-                <a:solidFill>
-                  <a:schemeClr val="dk1"/>
-                </a:solidFill>
-              </a:rPr>
-              <a:t>Feature selection techniques may generally grouped into those that use the target variable</a:t>
-            </a:r>
-            <a:endParaRPr sz="900">
-              <a:solidFill>
-                <a:schemeClr val="dk1"/>
-              </a:solidFill>
-            </a:endParaRPr>
-          </a:p>
-          <a:p>
-            <a:pPr indent="0" lvl="0" marL="0" rtl="0" algn="l">
-              <a:lnSpc>
-                <a:spcPct val="115000"/>
-              </a:lnSpc>
-              <a:spcBef>
-                <a:spcPts val="0"/>
-              </a:spcBef>
-              <a:spcAft>
-                <a:spcPts val="0"/>
-              </a:spcAft>
-              <a:buClr>
-                <a:schemeClr val="dk1"/>
-              </a:buClr>
-              <a:buSzPts val="1100"/>
-              <a:buFont typeface="Arial"/>
-              <a:buNone/>
-            </a:pPr>
-            <a:r>
-              <a:rPr lang="en" sz="900">
-                <a:solidFill>
-                  <a:schemeClr val="dk1"/>
-                </a:solidFill>
-              </a:rPr>
-              <a:t>(supervised) and those that do not (unsupervised). Additionally, the supervised techniques</a:t>
-            </a:r>
-            <a:endParaRPr sz="900">
-              <a:solidFill>
-                <a:schemeClr val="dk1"/>
-              </a:solidFill>
-            </a:endParaRPr>
-          </a:p>
-          <a:p>
-            <a:pPr indent="0" lvl="0" marL="0" rtl="0" algn="l">
-              <a:lnSpc>
-                <a:spcPct val="115000"/>
-              </a:lnSpc>
-              <a:spcBef>
-                <a:spcPts val="0"/>
-              </a:spcBef>
-              <a:spcAft>
-                <a:spcPts val="0"/>
-              </a:spcAft>
-              <a:buClr>
-                <a:schemeClr val="dk1"/>
-              </a:buClr>
-              <a:buSzPts val="1100"/>
-              <a:buFont typeface="Arial"/>
-              <a:buNone/>
-            </a:pPr>
-            <a:r>
-              <a:rPr lang="en" sz="900">
-                <a:solidFill>
-                  <a:schemeClr val="dk1"/>
-                </a:solidFill>
-              </a:rPr>
-              <a:t>can be further divided into models that automatically select features as part of fitting the</a:t>
-            </a:r>
-            <a:endParaRPr sz="900">
-              <a:solidFill>
-                <a:schemeClr val="dk1"/>
-              </a:solidFill>
-            </a:endParaRPr>
-          </a:p>
-          <a:p>
-            <a:pPr indent="0" lvl="0" marL="0" rtl="0" algn="l">
-              <a:lnSpc>
-                <a:spcPct val="115000"/>
-              </a:lnSpc>
-              <a:spcBef>
-                <a:spcPts val="0"/>
-              </a:spcBef>
-              <a:spcAft>
-                <a:spcPts val="0"/>
-              </a:spcAft>
-              <a:buClr>
-                <a:schemeClr val="dk1"/>
-              </a:buClr>
-              <a:buSzPts val="1100"/>
-              <a:buFont typeface="Arial"/>
-              <a:buNone/>
-            </a:pPr>
-            <a:r>
-              <a:rPr lang="en" sz="900">
-                <a:solidFill>
-                  <a:schemeClr val="dk1"/>
-                </a:solidFill>
-              </a:rPr>
-              <a:t>model (intrinsic), those that explicitly choose features that result in the best performing model</a:t>
-            </a:r>
-            <a:endParaRPr sz="900">
-              <a:solidFill>
-                <a:schemeClr val="dk1"/>
-              </a:solidFill>
-            </a:endParaRPr>
-          </a:p>
-          <a:p>
-            <a:pPr indent="0" lvl="0" marL="0" rtl="0" algn="l">
-              <a:lnSpc>
-                <a:spcPct val="115000"/>
-              </a:lnSpc>
-              <a:spcBef>
-                <a:spcPts val="0"/>
-              </a:spcBef>
-              <a:spcAft>
-                <a:spcPts val="0"/>
-              </a:spcAft>
-              <a:buClr>
-                <a:schemeClr val="dk1"/>
-              </a:buClr>
-              <a:buSzPts val="1100"/>
-              <a:buFont typeface="Arial"/>
-              <a:buNone/>
-            </a:pPr>
-            <a:r>
-              <a:rPr lang="en" sz="900">
-                <a:solidFill>
-                  <a:schemeClr val="dk1"/>
-                </a:solidFill>
-              </a:rPr>
-              <a:t>(wrapper) and those that score each input feature and allow a subset to be selected (filter).</a:t>
-            </a:r>
-            <a:endParaRPr sz="900">
-              <a:solidFill>
-                <a:schemeClr val="dk1"/>
-              </a:solidFill>
-            </a:endParaRPr>
-          </a:p>
-          <a:p>
-            <a:pPr indent="0" lvl="0" marL="0" rtl="0" algn="l">
               <a:spcBef>
                 <a:spcPts val="0"/>
               </a:spcBef>
@@ -2362,7 +2361,7 @@
   <p:cSld>
     <p:spTree>
       <p:nvGrpSpPr>
-        <p:cNvPr id="349" name="Shape 349"/>
+        <p:cNvPr id="353" name="Shape 353"/>
         <p:cNvGrpSpPr/>
         <p:nvPr/>
       </p:nvGrpSpPr>
@@ -2376,7 +2375,7 @@
       </p:grpSpPr>
       <p:sp>
         <p:nvSpPr>
-          <p:cNvPr id="350" name="Google Shape;350;g110a238f71a_0_44:notes"/>
+          <p:cNvPr id="354" name="Google Shape;354;g110a238f71a_0_54:notes"/>
           <p:cNvSpPr/>
           <p:nvPr>
             <p:ph idx="2" type="sldImg"/>
@@ -2411,7 +2410,7 @@
       </p:sp>
       <p:sp>
         <p:nvSpPr>
-          <p:cNvPr id="351" name="Google Shape;351;g110a238f71a_0_44:notes"/>
+          <p:cNvPr id="355" name="Google Shape;355;g110a238f71a_0_54:notes"/>
           <p:cNvSpPr txBox="1"/>
           <p:nvPr>
             <p:ph idx="1" type="body"/>
@@ -2461,7 +2460,7 @@
   <p:cSld>
     <p:spTree>
       <p:nvGrpSpPr>
-        <p:cNvPr id="360" name="Shape 360"/>
+        <p:cNvPr id="364" name="Shape 364"/>
         <p:cNvGrpSpPr/>
         <p:nvPr/>
       </p:nvGrpSpPr>
@@ -2475,7 +2474,7 @@
       </p:grpSpPr>
       <p:sp>
         <p:nvSpPr>
-          <p:cNvPr id="361" name="Google Shape;361;g110a238f71a_0_54:notes"/>
+          <p:cNvPr id="365" name="Google Shape;365;g110a238f71a_0_63:notes"/>
           <p:cNvSpPr/>
           <p:nvPr>
             <p:ph idx="2" type="sldImg"/>
@@ -2510,7 +2509,7 @@
       </p:sp>
       <p:sp>
         <p:nvSpPr>
-          <p:cNvPr id="362" name="Google Shape;362;g110a238f71a_0_54:notes"/>
+          <p:cNvPr id="366" name="Google Shape;366;g110a238f71a_0_63:notes"/>
           <p:cNvSpPr txBox="1"/>
           <p:nvPr>
             <p:ph idx="1" type="body"/>
@@ -2560,7 +2559,7 @@
   <p:cSld>
     <p:spTree>
       <p:nvGrpSpPr>
-        <p:cNvPr id="371" name="Shape 371"/>
+        <p:cNvPr id="374" name="Shape 374"/>
         <p:cNvGrpSpPr/>
         <p:nvPr/>
       </p:nvGrpSpPr>
@@ -2574,7 +2573,7 @@
       </p:grpSpPr>
       <p:sp>
         <p:nvSpPr>
-          <p:cNvPr id="372" name="Google Shape;372;g110a238f71a_0_63:notes"/>
+          <p:cNvPr id="375" name="Google Shape;375;g11ba22b7cc1_0_61:notes"/>
           <p:cNvSpPr/>
           <p:nvPr>
             <p:ph idx="2" type="sldImg"/>
@@ -2609,7 +2608,7 @@
       </p:sp>
       <p:sp>
         <p:nvSpPr>
-          <p:cNvPr id="373" name="Google Shape;373;g110a238f71a_0_63:notes"/>
+          <p:cNvPr id="376" name="Google Shape;376;g11ba22b7cc1_0_61:notes"/>
           <p:cNvSpPr txBox="1"/>
           <p:nvPr>
             <p:ph idx="1" type="body"/>
@@ -2659,7 +2658,7 @@
   <p:cSld>
     <p:spTree>
       <p:nvGrpSpPr>
-        <p:cNvPr id="381" name="Shape 381"/>
+        <p:cNvPr id="391" name="Shape 391"/>
         <p:cNvGrpSpPr/>
         <p:nvPr/>
       </p:nvGrpSpPr>
@@ -2673,7 +2672,7 @@
       </p:grpSpPr>
       <p:sp>
         <p:nvSpPr>
-          <p:cNvPr id="382" name="Google Shape;382;g11ba22b7cc1_0_61:notes"/>
+          <p:cNvPr id="392" name="Google Shape;392;g110c9cc373d_0_0:notes"/>
           <p:cNvSpPr/>
           <p:nvPr>
             <p:ph idx="2" type="sldImg"/>
@@ -2708,7 +2707,7 @@
       </p:sp>
       <p:sp>
         <p:nvSpPr>
-          <p:cNvPr id="383" name="Google Shape;383;g11ba22b7cc1_0_61:notes"/>
+          <p:cNvPr id="393" name="Google Shape;393;g110c9cc373d_0_0:notes"/>
           <p:cNvSpPr txBox="1"/>
           <p:nvPr>
             <p:ph idx="1" type="body"/>
@@ -2730,6 +2729,94 @@
           <a:lstStyle/>
           <a:p>
             <a:pPr indent="0" lvl="0" marL="0" rtl="0" algn="l">
+              <a:lnSpc>
+                <a:spcPct val="115000"/>
+              </a:lnSpc>
+              <a:spcBef>
+                <a:spcPts val="0"/>
+              </a:spcBef>
+              <a:spcAft>
+                <a:spcPts val="0"/>
+              </a:spcAft>
+              <a:buNone/>
+            </a:pPr>
+            <a:r>
+              <a:t/>
+            </a:r>
+            <a:endParaRPr sz="700">
+              <a:solidFill>
+                <a:schemeClr val="dk1"/>
+              </a:solidFill>
+            </a:endParaRPr>
+          </a:p>
+          <a:p>
+            <a:pPr indent="0" lvl="0" marL="0" rtl="0" algn="l">
+              <a:lnSpc>
+                <a:spcPct val="115000"/>
+              </a:lnSpc>
+              <a:spcBef>
+                <a:spcPts val="0"/>
+              </a:spcBef>
+              <a:spcAft>
+                <a:spcPts val="0"/>
+              </a:spcAft>
+              <a:buNone/>
+            </a:pPr>
+            <a:r>
+              <a:t/>
+            </a:r>
+            <a:endParaRPr sz="700">
+              <a:solidFill>
+                <a:schemeClr val="dk1"/>
+              </a:solidFill>
+            </a:endParaRPr>
+          </a:p>
+          <a:p>
+            <a:pPr indent="0" lvl="0" marL="0" rtl="0" algn="l">
+              <a:lnSpc>
+                <a:spcPct val="115000"/>
+              </a:lnSpc>
+              <a:spcBef>
+                <a:spcPts val="0"/>
+              </a:spcBef>
+              <a:spcAft>
+                <a:spcPts val="0"/>
+              </a:spcAft>
+              <a:buNone/>
+            </a:pPr>
+            <a:r>
+              <a:t/>
+            </a:r>
+            <a:endParaRPr sz="700">
+              <a:solidFill>
+                <a:schemeClr val="dk1"/>
+              </a:solidFill>
+            </a:endParaRPr>
+          </a:p>
+          <a:p>
+            <a:pPr indent="0" lvl="0" marL="0" rtl="0" algn="l">
+              <a:lnSpc>
+                <a:spcPct val="115000"/>
+              </a:lnSpc>
+              <a:spcBef>
+                <a:spcPts val="0"/>
+              </a:spcBef>
+              <a:spcAft>
+                <a:spcPts val="0"/>
+              </a:spcAft>
+              <a:buNone/>
+            </a:pPr>
+            <a:r>
+              <a:t/>
+            </a:r>
+            <a:endParaRPr sz="700">
+              <a:solidFill>
+                <a:schemeClr val="dk1"/>
+              </a:solidFill>
+            </a:endParaRPr>
+          </a:p>
+          <a:p>
+            <a:pPr indent="0" lvl="0" marL="0" rtl="0" algn="l">
               <a:spcBef>
                 <a:spcPts val="0"/>
               </a:spcBef>
@@ -2758,7 +2845,7 @@
   <p:cSld>
     <p:spTree>
       <p:nvGrpSpPr>
-        <p:cNvPr id="398" name="Shape 398"/>
+        <p:cNvPr id="399" name="Shape 399"/>
         <p:cNvGrpSpPr/>
         <p:nvPr/>
       </p:nvGrpSpPr>
@@ -2772,7 +2859,7 @@
       </p:grpSpPr>
       <p:sp>
         <p:nvSpPr>
-          <p:cNvPr id="399" name="Google Shape;399;g110c9cc373d_0_0:notes"/>
+          <p:cNvPr id="400" name="Google Shape;400;g11c1ae6140b_0_17:notes"/>
           <p:cNvSpPr/>
           <p:nvPr>
             <p:ph idx="2" type="sldImg"/>
@@ -2807,7 +2894,7 @@
       </p:sp>
       <p:sp>
         <p:nvSpPr>
-          <p:cNvPr id="400" name="Google Shape;400;g110c9cc373d_0_0:notes"/>
+          <p:cNvPr id="401" name="Google Shape;401;g11c1ae6140b_0_17:notes"/>
           <p:cNvSpPr txBox="1"/>
           <p:nvPr>
             <p:ph idx="1" type="body"/>
@@ -2829,94 +2916,6 @@
           <a:lstStyle/>
           <a:p>
             <a:pPr indent="0" lvl="0" marL="0" rtl="0" algn="l">
-              <a:lnSpc>
-                <a:spcPct val="115000"/>
-              </a:lnSpc>
-              <a:spcBef>
-                <a:spcPts val="0"/>
-              </a:spcBef>
-              <a:spcAft>
-                <a:spcPts val="0"/>
-              </a:spcAft>
-              <a:buNone/>
-            </a:pPr>
-            <a:r>
-              <a:t/>
-            </a:r>
-            <a:endParaRPr sz="700">
-              <a:solidFill>
-                <a:schemeClr val="dk1"/>
-              </a:solidFill>
-            </a:endParaRPr>
-          </a:p>
-          <a:p>
-            <a:pPr indent="0" lvl="0" marL="0" rtl="0" algn="l">
-              <a:lnSpc>
-                <a:spcPct val="115000"/>
-              </a:lnSpc>
-              <a:spcBef>
-                <a:spcPts val="0"/>
-              </a:spcBef>
-              <a:spcAft>
-                <a:spcPts val="0"/>
-              </a:spcAft>
-              <a:buNone/>
-            </a:pPr>
-            <a:r>
-              <a:t/>
-            </a:r>
-            <a:endParaRPr sz="700">
-              <a:solidFill>
-                <a:schemeClr val="dk1"/>
-              </a:solidFill>
-            </a:endParaRPr>
-          </a:p>
-          <a:p>
-            <a:pPr indent="0" lvl="0" marL="0" rtl="0" algn="l">
-              <a:lnSpc>
-                <a:spcPct val="115000"/>
-              </a:lnSpc>
-              <a:spcBef>
-                <a:spcPts val="0"/>
-              </a:spcBef>
-              <a:spcAft>
-                <a:spcPts val="0"/>
-              </a:spcAft>
-              <a:buNone/>
-            </a:pPr>
-            <a:r>
-              <a:t/>
-            </a:r>
-            <a:endParaRPr sz="700">
-              <a:solidFill>
-                <a:schemeClr val="dk1"/>
-              </a:solidFill>
-            </a:endParaRPr>
-          </a:p>
-          <a:p>
-            <a:pPr indent="0" lvl="0" marL="0" rtl="0" algn="l">
-              <a:lnSpc>
-                <a:spcPct val="115000"/>
-              </a:lnSpc>
-              <a:spcBef>
-                <a:spcPts val="0"/>
-              </a:spcBef>
-              <a:spcAft>
-                <a:spcPts val="0"/>
-              </a:spcAft>
-              <a:buNone/>
-            </a:pPr>
-            <a:r>
-              <a:t/>
-            </a:r>
-            <a:endParaRPr sz="700">
-              <a:solidFill>
-                <a:schemeClr val="dk1"/>
-              </a:solidFill>
-            </a:endParaRPr>
-          </a:p>
-          <a:p>
-            <a:pPr indent="0" lvl="0" marL="0" rtl="0" algn="l">
               <a:spcBef>
                 <a:spcPts val="0"/>
               </a:spcBef>
@@ -2940,12 +2939,12 @@
 </p:notes>
 </file>
 
-<file path=ppt/notesSlides/notesSlide27.xml><?xml version="1.0" encoding="utf-8"?>
+<file path=ppt/notesSlides/notesSlide3.xml><?xml version="1.0" encoding="utf-8"?>
 <p:notes xmlns:a="http://schemas.openxmlformats.org/drawingml/2006/main" xmlns:r="http://schemas.openxmlformats.org/officeDocument/2006/relationships" xmlns:mc="http://schemas.openxmlformats.org/markup-compatibility/2006" xmlns:mv="urn:schemas-microsoft-com:mac:vml" xmlns:p="http://schemas.openxmlformats.org/presentationml/2006/main" xmlns:c="http://schemas.openxmlformats.org/drawingml/2006/chart" xmlns:dgm="http://schemas.openxmlformats.org/drawingml/2006/diagram" xmlns:o="urn:schemas-microsoft-com:office:office" xmlns:v="urn:schemas-microsoft-com:vml" xmlns:pvml="urn:schemas-microsoft-com:office:powerpoint" xmlns:com="http://schemas.openxmlformats.org/drawingml/2006/compatibility" xmlns:p14="http://schemas.microsoft.com/office/powerpoint/2010/main" xmlns:p15="http://schemas.microsoft.com/office/powerpoint/2012/main" xmlns:ahyp="http://schemas.microsoft.com/office/drawing/2018/hyperlinkcolor" showMasterPhAnim="0" showMasterSp="0">
   <p:cSld>
     <p:spTree>
       <p:nvGrpSpPr>
-        <p:cNvPr id="406" name="Shape 406"/>
+        <p:cNvPr id="189" name="Shape 189"/>
         <p:cNvGrpSpPr/>
         <p:nvPr/>
       </p:nvGrpSpPr>
@@ -2959,7 +2958,7 @@
       </p:grpSpPr>
       <p:sp>
         <p:nvSpPr>
-          <p:cNvPr id="407" name="Google Shape;407;g11c1ae6140b_0_17:notes"/>
+          <p:cNvPr id="190" name="Google Shape;190;g11be0e5f55c_0_132:notes"/>
           <p:cNvSpPr/>
           <p:nvPr>
             <p:ph idx="2" type="sldImg"/>
@@ -2994,7 +2993,7 @@
       </p:sp>
       <p:sp>
         <p:nvSpPr>
-          <p:cNvPr id="408" name="Google Shape;408;g11c1ae6140b_0_17:notes"/>
+          <p:cNvPr id="191" name="Google Shape;191;g11be0e5f55c_0_132:notes"/>
           <p:cNvSpPr txBox="1"/>
           <p:nvPr>
             <p:ph idx="1" type="body"/>
@@ -3039,12 +3038,12 @@
 </p:notes>
 </file>
 
-<file path=ppt/notesSlides/notesSlide3.xml><?xml version="1.0" encoding="utf-8"?>
+<file path=ppt/notesSlides/notesSlide4.xml><?xml version="1.0" encoding="utf-8"?>
 <p:notes xmlns:a="http://schemas.openxmlformats.org/drawingml/2006/main" xmlns:r="http://schemas.openxmlformats.org/officeDocument/2006/relationships" xmlns:mc="http://schemas.openxmlformats.org/markup-compatibility/2006" xmlns:mv="urn:schemas-microsoft-com:mac:vml" xmlns:p="http://schemas.openxmlformats.org/presentationml/2006/main" xmlns:c="http://schemas.openxmlformats.org/drawingml/2006/chart" xmlns:dgm="http://schemas.openxmlformats.org/drawingml/2006/diagram" xmlns:o="urn:schemas-microsoft-com:office:office" xmlns:v="urn:schemas-microsoft-com:vml" xmlns:pvml="urn:schemas-microsoft-com:office:powerpoint" xmlns:com="http://schemas.openxmlformats.org/drawingml/2006/compatibility" xmlns:p14="http://schemas.microsoft.com/office/powerpoint/2010/main" xmlns:p15="http://schemas.microsoft.com/office/powerpoint/2012/main" xmlns:ahyp="http://schemas.microsoft.com/office/drawing/2018/hyperlinkcolor" showMasterPhAnim="0" showMasterSp="0">
   <p:cSld>
     <p:spTree>
       <p:nvGrpSpPr>
-        <p:cNvPr id="188" name="Shape 188"/>
+        <p:cNvPr id="197" name="Shape 197"/>
         <p:cNvGrpSpPr/>
         <p:nvPr/>
       </p:nvGrpSpPr>
@@ -3058,7 +3057,7 @@
       </p:grpSpPr>
       <p:sp>
         <p:nvSpPr>
-          <p:cNvPr id="189" name="Google Shape;189;g11be0e5f55c_0_132:notes"/>
+          <p:cNvPr id="198" name="Google Shape;198;g11c1ae6140b_0_1:notes"/>
           <p:cNvSpPr/>
           <p:nvPr>
             <p:ph idx="2" type="sldImg"/>
@@ -3093,7 +3092,7 @@
       </p:sp>
       <p:sp>
         <p:nvSpPr>
-          <p:cNvPr id="190" name="Google Shape;190;g11be0e5f55c_0_132:notes"/>
+          <p:cNvPr id="199" name="Google Shape;199;g11c1ae6140b_0_1:notes"/>
           <p:cNvSpPr txBox="1"/>
           <p:nvPr>
             <p:ph idx="1" type="body"/>
@@ -3138,12 +3137,12 @@
 </p:notes>
 </file>
 
-<file path=ppt/notesSlides/notesSlide4.xml><?xml version="1.0" encoding="utf-8"?>
+<file path=ppt/notesSlides/notesSlide5.xml><?xml version="1.0" encoding="utf-8"?>
 <p:notes xmlns:a="http://schemas.openxmlformats.org/drawingml/2006/main" xmlns:r="http://schemas.openxmlformats.org/officeDocument/2006/relationships" xmlns:mc="http://schemas.openxmlformats.org/markup-compatibility/2006" xmlns:mv="urn:schemas-microsoft-com:mac:vml" xmlns:p="http://schemas.openxmlformats.org/presentationml/2006/main" xmlns:c="http://schemas.openxmlformats.org/drawingml/2006/chart" xmlns:dgm="http://schemas.openxmlformats.org/drawingml/2006/diagram" xmlns:o="urn:schemas-microsoft-com:office:office" xmlns:v="urn:schemas-microsoft-com:vml" xmlns:pvml="urn:schemas-microsoft-com:office:powerpoint" xmlns:com="http://schemas.openxmlformats.org/drawingml/2006/compatibility" xmlns:p14="http://schemas.microsoft.com/office/powerpoint/2010/main" xmlns:p15="http://schemas.microsoft.com/office/powerpoint/2012/main" xmlns:ahyp="http://schemas.microsoft.com/office/drawing/2018/hyperlinkcolor" showMasterPhAnim="0" showMasterSp="0">
   <p:cSld>
     <p:spTree>
       <p:nvGrpSpPr>
-        <p:cNvPr id="196" name="Shape 196"/>
+        <p:cNvPr id="206" name="Shape 206"/>
         <p:cNvGrpSpPr/>
         <p:nvPr/>
       </p:nvGrpSpPr>
@@ -3157,7 +3156,7 @@
       </p:grpSpPr>
       <p:sp>
         <p:nvSpPr>
-          <p:cNvPr id="197" name="Google Shape;197;g11c1ae6140b_0_1:notes"/>
+          <p:cNvPr id="207" name="Google Shape;207;gc6f9e470d_0_0:notes"/>
           <p:cNvSpPr/>
           <p:nvPr>
             <p:ph idx="2" type="sldImg"/>
@@ -3192,7 +3191,7 @@
       </p:sp>
       <p:sp>
         <p:nvSpPr>
-          <p:cNvPr id="198" name="Google Shape;198;g11c1ae6140b_0_1:notes"/>
+          <p:cNvPr id="208" name="Google Shape;208;gc6f9e470d_0_0:notes"/>
           <p:cNvSpPr txBox="1"/>
           <p:nvPr>
             <p:ph idx="1" type="body"/>
@@ -3237,12 +3236,12 @@
 </p:notes>
 </file>
 
-<file path=ppt/notesSlides/notesSlide5.xml><?xml version="1.0" encoding="utf-8"?>
+<file path=ppt/notesSlides/notesSlide6.xml><?xml version="1.0" encoding="utf-8"?>
 <p:notes xmlns:a="http://schemas.openxmlformats.org/drawingml/2006/main" xmlns:r="http://schemas.openxmlformats.org/officeDocument/2006/relationships" xmlns:mc="http://schemas.openxmlformats.org/markup-compatibility/2006" xmlns:mv="urn:schemas-microsoft-com:mac:vml" xmlns:p="http://schemas.openxmlformats.org/presentationml/2006/main" xmlns:c="http://schemas.openxmlformats.org/drawingml/2006/chart" xmlns:dgm="http://schemas.openxmlformats.org/drawingml/2006/diagram" xmlns:o="urn:schemas-microsoft-com:office:office" xmlns:v="urn:schemas-microsoft-com:vml" xmlns:pvml="urn:schemas-microsoft-com:office:powerpoint" xmlns:com="http://schemas.openxmlformats.org/drawingml/2006/compatibility" xmlns:p14="http://schemas.microsoft.com/office/powerpoint/2010/main" xmlns:p15="http://schemas.microsoft.com/office/powerpoint/2012/main" xmlns:ahyp="http://schemas.microsoft.com/office/drawing/2018/hyperlinkcolor" showMasterPhAnim="0" showMasterSp="0">
   <p:cSld>
     <p:spTree>
       <p:nvGrpSpPr>
-        <p:cNvPr id="205" name="Shape 205"/>
+        <p:cNvPr id="213" name="Shape 213"/>
         <p:cNvGrpSpPr/>
         <p:nvPr/>
       </p:nvGrpSpPr>
@@ -3256,7 +3255,7 @@
       </p:grpSpPr>
       <p:sp>
         <p:nvSpPr>
-          <p:cNvPr id="206" name="Google Shape;206;gc6f9e470d_0_0:notes"/>
+          <p:cNvPr id="214" name="Google Shape;214;g10c858bddf3_0_0:notes"/>
           <p:cNvSpPr/>
           <p:nvPr>
             <p:ph idx="2" type="sldImg"/>
@@ -3291,7 +3290,7 @@
       </p:sp>
       <p:sp>
         <p:nvSpPr>
-          <p:cNvPr id="207" name="Google Shape;207;gc6f9e470d_0_0:notes"/>
+          <p:cNvPr id="215" name="Google Shape;215;g10c858bddf3_0_0:notes"/>
           <p:cNvSpPr txBox="1"/>
           <p:nvPr>
             <p:ph idx="1" type="body"/>
@@ -3336,12 +3335,12 @@
 </p:notes>
 </file>
 
-<file path=ppt/notesSlides/notesSlide6.xml><?xml version="1.0" encoding="utf-8"?>
+<file path=ppt/notesSlides/notesSlide7.xml><?xml version="1.0" encoding="utf-8"?>
 <p:notes xmlns:a="http://schemas.openxmlformats.org/drawingml/2006/main" xmlns:r="http://schemas.openxmlformats.org/officeDocument/2006/relationships" xmlns:mc="http://schemas.openxmlformats.org/markup-compatibility/2006" xmlns:mv="urn:schemas-microsoft-com:mac:vml" xmlns:p="http://schemas.openxmlformats.org/presentationml/2006/main" xmlns:c="http://schemas.openxmlformats.org/drawingml/2006/chart" xmlns:dgm="http://schemas.openxmlformats.org/drawingml/2006/diagram" xmlns:o="urn:schemas-microsoft-com:office:office" xmlns:v="urn:schemas-microsoft-com:vml" xmlns:pvml="urn:schemas-microsoft-com:office:powerpoint" xmlns:com="http://schemas.openxmlformats.org/drawingml/2006/compatibility" xmlns:p14="http://schemas.microsoft.com/office/powerpoint/2010/main" xmlns:p15="http://schemas.microsoft.com/office/powerpoint/2012/main" xmlns:ahyp="http://schemas.microsoft.com/office/drawing/2018/hyperlinkcolor" showMasterPhAnim="0" showMasterSp="0">
   <p:cSld>
     <p:spTree>
       <p:nvGrpSpPr>
-        <p:cNvPr id="212" name="Shape 212"/>
+        <p:cNvPr id="221" name="Shape 221"/>
         <p:cNvGrpSpPr/>
         <p:nvPr/>
       </p:nvGrpSpPr>
@@ -3355,7 +3354,7 @@
       </p:grpSpPr>
       <p:sp>
         <p:nvSpPr>
-          <p:cNvPr id="213" name="Google Shape;213;g10c858bddf3_0_0:notes"/>
+          <p:cNvPr id="222" name="Google Shape;222;g110a238f71a_0_7:notes"/>
           <p:cNvSpPr/>
           <p:nvPr>
             <p:ph idx="2" type="sldImg"/>
@@ -3390,7 +3389,7 @@
       </p:sp>
       <p:sp>
         <p:nvSpPr>
-          <p:cNvPr id="214" name="Google Shape;214;g10c858bddf3_0_0:notes"/>
+          <p:cNvPr id="223" name="Google Shape;223;g110a238f71a_0_7:notes"/>
           <p:cNvSpPr txBox="1"/>
           <p:nvPr>
             <p:ph idx="1" type="body"/>
@@ -3435,12 +3434,12 @@
 </p:notes>
 </file>
 
-<file path=ppt/notesSlides/notesSlide7.xml><?xml version="1.0" encoding="utf-8"?>
+<file path=ppt/notesSlides/notesSlide8.xml><?xml version="1.0" encoding="utf-8"?>
 <p:notes xmlns:a="http://schemas.openxmlformats.org/drawingml/2006/main" xmlns:r="http://schemas.openxmlformats.org/officeDocument/2006/relationships" xmlns:mc="http://schemas.openxmlformats.org/markup-compatibility/2006" xmlns:mv="urn:schemas-microsoft-com:mac:vml" xmlns:p="http://schemas.openxmlformats.org/presentationml/2006/main" xmlns:c="http://schemas.openxmlformats.org/drawingml/2006/chart" xmlns:dgm="http://schemas.openxmlformats.org/drawingml/2006/diagram" xmlns:o="urn:schemas-microsoft-com:office:office" xmlns:v="urn:schemas-microsoft-com:vml" xmlns:pvml="urn:schemas-microsoft-com:office:powerpoint" xmlns:com="http://schemas.openxmlformats.org/drawingml/2006/compatibility" xmlns:p14="http://schemas.microsoft.com/office/powerpoint/2010/main" xmlns:p15="http://schemas.microsoft.com/office/powerpoint/2012/main" xmlns:ahyp="http://schemas.microsoft.com/office/drawing/2018/hyperlinkcolor" showMasterPhAnim="0" showMasterSp="0">
   <p:cSld>
     <p:spTree>
       <p:nvGrpSpPr>
-        <p:cNvPr id="220" name="Shape 220"/>
+        <p:cNvPr id="229" name="Shape 229"/>
         <p:cNvGrpSpPr/>
         <p:nvPr/>
       </p:nvGrpSpPr>
@@ -3454,7 +3453,7 @@
       </p:grpSpPr>
       <p:sp>
         <p:nvSpPr>
-          <p:cNvPr id="221" name="Google Shape;221;g110a238f71a_0_7:notes"/>
+          <p:cNvPr id="230" name="Google Shape;230;g11edce180b9_0_0:notes"/>
           <p:cNvSpPr/>
           <p:nvPr>
             <p:ph idx="2" type="sldImg"/>
@@ -3489,7 +3488,7 @@
       </p:sp>
       <p:sp>
         <p:nvSpPr>
-          <p:cNvPr id="222" name="Google Shape;222;g110a238f71a_0_7:notes"/>
+          <p:cNvPr id="231" name="Google Shape;231;g11edce180b9_0_0:notes"/>
           <p:cNvSpPr txBox="1"/>
           <p:nvPr>
             <p:ph idx="1" type="body"/>
@@ -3534,12 +3533,12 @@
 </p:notes>
 </file>
 
-<file path=ppt/notesSlides/notesSlide8.xml><?xml version="1.0" encoding="utf-8"?>
+<file path=ppt/notesSlides/notesSlide9.xml><?xml version="1.0" encoding="utf-8"?>
 <p:notes xmlns:a="http://schemas.openxmlformats.org/drawingml/2006/main" xmlns:r="http://schemas.openxmlformats.org/officeDocument/2006/relationships" xmlns:mc="http://schemas.openxmlformats.org/markup-compatibility/2006" xmlns:mv="urn:schemas-microsoft-com:mac:vml" xmlns:p="http://schemas.openxmlformats.org/presentationml/2006/main" xmlns:c="http://schemas.openxmlformats.org/drawingml/2006/chart" xmlns:dgm="http://schemas.openxmlformats.org/drawingml/2006/diagram" xmlns:o="urn:schemas-microsoft-com:office:office" xmlns:v="urn:schemas-microsoft-com:vml" xmlns:pvml="urn:schemas-microsoft-com:office:powerpoint" xmlns:com="http://schemas.openxmlformats.org/drawingml/2006/compatibility" xmlns:p14="http://schemas.microsoft.com/office/powerpoint/2010/main" xmlns:p15="http://schemas.microsoft.com/office/powerpoint/2012/main" xmlns:ahyp="http://schemas.microsoft.com/office/drawing/2018/hyperlinkcolor" showMasterPhAnim="0" showMasterSp="0">
   <p:cSld>
     <p:spTree>
       <p:nvGrpSpPr>
-        <p:cNvPr id="228" name="Shape 228"/>
+        <p:cNvPr id="237" name="Shape 237"/>
         <p:cNvGrpSpPr/>
         <p:nvPr/>
       </p:nvGrpSpPr>
@@ -3553,7 +3552,7 @@
       </p:grpSpPr>
       <p:sp>
         <p:nvSpPr>
-          <p:cNvPr id="229" name="Google Shape;229;g11edce180b9_0_0:notes"/>
+          <p:cNvPr id="238" name="Google Shape;238;g11edce180b9_0_6:notes"/>
           <p:cNvSpPr/>
           <p:nvPr>
             <p:ph idx="2" type="sldImg"/>
@@ -3588,106 +3587,7 @@
       </p:sp>
       <p:sp>
         <p:nvSpPr>
-          <p:cNvPr id="230" name="Google Shape;230;g11edce180b9_0_0:notes"/>
-          <p:cNvSpPr txBox="1"/>
-          <p:nvPr>
-            <p:ph idx="1" type="body"/>
-          </p:nvPr>
-        </p:nvSpPr>
-        <p:spPr>
-          <a:xfrm>
-            <a:off x="685800" y="4343400"/>
-            <a:ext cx="5486400" cy="4114800"/>
-          </a:xfrm>
-          <a:prstGeom prst="rect">
-            <a:avLst/>
-          </a:prstGeom>
-        </p:spPr>
-        <p:txBody>
-          <a:bodyPr anchorCtr="0" anchor="t" bIns="91425" lIns="91425" spcFirstLastPara="1" rIns="91425" wrap="square" tIns="91425">
-            <a:noAutofit/>
-          </a:bodyPr>
-          <a:lstStyle/>
-          <a:p>
-            <a:pPr indent="0" lvl="0" marL="0" rtl="0" algn="l">
-              <a:spcBef>
-                <a:spcPts val="0"/>
-              </a:spcBef>
-              <a:spcAft>
-                <a:spcPts val="0"/>
-              </a:spcAft>
-              <a:buNone/>
-            </a:pPr>
-            <a:r>
-              <a:t/>
-            </a:r>
-            <a:endParaRPr/>
-          </a:p>
-        </p:txBody>
-      </p:sp>
-    </p:spTree>
-  </p:cSld>
-  <p:clrMapOvr>
-    <a:masterClrMapping/>
-  </p:clrMapOvr>
-</p:notes>
-</file>
-
-<file path=ppt/notesSlides/notesSlide9.xml><?xml version="1.0" encoding="utf-8"?>
-<p:notes xmlns:a="http://schemas.openxmlformats.org/drawingml/2006/main" xmlns:r="http://schemas.openxmlformats.org/officeDocument/2006/relationships" xmlns:mc="http://schemas.openxmlformats.org/markup-compatibility/2006" xmlns:mv="urn:schemas-microsoft-com:mac:vml" xmlns:p="http://schemas.openxmlformats.org/presentationml/2006/main" xmlns:c="http://schemas.openxmlformats.org/drawingml/2006/chart" xmlns:dgm="http://schemas.openxmlformats.org/drawingml/2006/diagram" xmlns:o="urn:schemas-microsoft-com:office:office" xmlns:v="urn:schemas-microsoft-com:vml" xmlns:pvml="urn:schemas-microsoft-com:office:powerpoint" xmlns:com="http://schemas.openxmlformats.org/drawingml/2006/compatibility" xmlns:p14="http://schemas.microsoft.com/office/powerpoint/2010/main" xmlns:p15="http://schemas.microsoft.com/office/powerpoint/2012/main" xmlns:ahyp="http://schemas.microsoft.com/office/drawing/2018/hyperlinkcolor" showMasterPhAnim="0" showMasterSp="0">
-  <p:cSld>
-    <p:spTree>
-      <p:nvGrpSpPr>
-        <p:cNvPr id="236" name="Shape 236"/>
-        <p:cNvGrpSpPr/>
-        <p:nvPr/>
-      </p:nvGrpSpPr>
-      <p:grpSpPr>
-        <a:xfrm>
-          <a:off x="0" y="0"/>
-          <a:ext cx="0" cy="0"/>
-          <a:chOff x="0" y="0"/>
-          <a:chExt cx="0" cy="0"/>
-        </a:xfrm>
-      </p:grpSpPr>
-      <p:sp>
-        <p:nvSpPr>
-          <p:cNvPr id="237" name="Google Shape;237;g11edce180b9_0_6:notes"/>
-          <p:cNvSpPr/>
-          <p:nvPr>
-            <p:ph idx="2" type="sldImg"/>
-          </p:nvPr>
-        </p:nvSpPr>
-        <p:spPr>
-          <a:xfrm>
-            <a:off x="381188" y="685800"/>
-            <a:ext cx="6096300" cy="3429000"/>
-          </a:xfrm>
-          <a:custGeom>
-            <a:rect b="b" l="l" r="r" t="t"/>
-            <a:pathLst>
-              <a:path extrusionOk="0" h="120000" w="120000">
-                <a:moveTo>
-                  <a:pt x="0" y="0"/>
-                </a:moveTo>
-                <a:lnTo>
-                  <a:pt x="120000" y="0"/>
-                </a:lnTo>
-                <a:lnTo>
-                  <a:pt x="120000" y="120000"/>
-                </a:lnTo>
-                <a:lnTo>
-                  <a:pt x="0" y="120000"/>
-                </a:lnTo>
-                <a:close/>
-              </a:path>
-            </a:pathLst>
-          </a:custGeom>
-        </p:spPr>
-      </p:sp>
-      <p:sp>
-        <p:nvSpPr>
-          <p:cNvPr id="238" name="Google Shape;238;g11edce180b9_0_6:notes"/>
+          <p:cNvPr id="239" name="Google Shape;239;g11edce180b9_0_6:notes"/>
           <p:cNvSpPr txBox="1"/>
           <p:nvPr>
             <p:ph idx="1" type="body"/>
@@ -20046,6 +19946,34 @@
           </a:p>
         </p:txBody>
       </p:sp>
+      <p:pic>
+        <p:nvPicPr>
+          <p:cNvPr id="179" name="Google Shape;179;p37"/>
+          <p:cNvPicPr preferRelativeResize="0"/>
+          <p:nvPr/>
+        </p:nvPicPr>
+        <p:blipFill>
+          <a:blip r:embed="rId5">
+            <a:alphaModFix/>
+          </a:blip>
+          <a:stretch>
+            <a:fillRect/>
+          </a:stretch>
+        </p:blipFill>
+        <p:spPr>
+          <a:xfrm>
+            <a:off x="7959900" y="3603500"/>
+            <a:ext cx="872400" cy="872400"/>
+          </a:xfrm>
+          <a:prstGeom prst="rect">
+            <a:avLst/>
+          </a:prstGeom>
+          <a:noFill/>
+          <a:ln>
+            <a:noFill/>
+          </a:ln>
+        </p:spPr>
+      </p:pic>
     </p:spTree>
   </p:cSld>
   <p:clrMapOvr>
@@ -20059,7 +19987,7 @@
   <p:cSld>
     <p:spTree>
       <p:nvGrpSpPr>
-        <p:cNvPr id="248" name="Shape 248"/>
+        <p:cNvPr id="249" name="Shape 249"/>
         <p:cNvGrpSpPr/>
         <p:nvPr/>
       </p:nvGrpSpPr>
@@ -20073,7 +20001,7 @@
       </p:grpSpPr>
       <p:pic>
         <p:nvPicPr>
-          <p:cNvPr id="249" name="Google Shape;249;p46"/>
+          <p:cNvPr id="250" name="Google Shape;250;p46"/>
           <p:cNvPicPr preferRelativeResize="0"/>
           <p:nvPr/>
         </p:nvPicPr>
@@ -20101,7 +20029,7 @@
       </p:pic>
       <p:sp>
         <p:nvSpPr>
-          <p:cNvPr id="250" name="Google Shape;250;p46"/>
+          <p:cNvPr id="251" name="Google Shape;251;p46"/>
           <p:cNvSpPr txBox="1"/>
           <p:nvPr>
             <p:ph type="title"/>
@@ -20157,7 +20085,7 @@
       </p:sp>
       <p:sp>
         <p:nvSpPr>
-          <p:cNvPr id="251" name="Google Shape;251;p46"/>
+          <p:cNvPr id="252" name="Google Shape;252;p46"/>
           <p:cNvSpPr txBox="1"/>
           <p:nvPr>
             <p:ph idx="12" type="sldNum"/>
@@ -20205,14 +20133,14 @@
       </p:sp>
       <p:sp>
         <p:nvSpPr>
-          <p:cNvPr id="252" name="Google Shape;252;p46"/>
+          <p:cNvPr id="253" name="Google Shape;253;p46"/>
           <p:cNvSpPr txBox="1"/>
           <p:nvPr/>
         </p:nvSpPr>
         <p:spPr>
           <a:xfrm>
             <a:off x="452100" y="740725"/>
-            <a:ext cx="8520600" cy="2274300"/>
+            <a:ext cx="8520600" cy="1477500"/>
           </a:xfrm>
           <a:prstGeom prst="rect">
             <a:avLst/>
@@ -20243,27 +20171,7 @@
             </a:pPr>
             <a:r>
               <a:rPr lang="en" sz="1500"/>
-              <a:t>XML is a markup language that defines rules for encoding data/documents to be shared across the Internet. </a:t>
-            </a:r>
-            <a:endParaRPr sz="1500"/>
-          </a:p>
-          <a:p>
-            <a:pPr indent="-323850" lvl="0" marL="457200" rtl="0" algn="l">
-              <a:lnSpc>
-                <a:spcPct val="115000"/>
-              </a:lnSpc>
-              <a:spcBef>
-                <a:spcPts val="0"/>
-              </a:spcBef>
-              <a:spcAft>
-                <a:spcPts val="0"/>
-              </a:spcAft>
-              <a:buSzPts val="1500"/>
-              <a:buChar char="●"/>
-            </a:pPr>
-            <a:r>
-              <a:rPr lang="en" sz="1500"/>
-              <a:t>XML defines rules for encoding data/documents to be shared across the Internet. More details on key concepts and details can be browsed at https://www.w3schools.com/xml/.</a:t>
+              <a:t>XML is a markup language that defines rules for encoding data/documents to be shared across the Internet. More details on key concepts and details can be browsed at https://www.w3schools.com/xml/.</a:t>
             </a:r>
             <a:endParaRPr sz="1500"/>
           </a:p>
@@ -20287,31 +20195,11 @@
             </a:r>
             <a:endParaRPr sz="1500"/>
           </a:p>
-          <a:p>
-            <a:pPr indent="-323850" lvl="0" marL="457200" rtl="0" algn="l">
-              <a:lnSpc>
-                <a:spcPct val="115000"/>
-              </a:lnSpc>
-              <a:spcBef>
-                <a:spcPts val="0"/>
-              </a:spcBef>
-              <a:spcAft>
-                <a:spcPts val="0"/>
-              </a:spcAft>
-              <a:buSzPts val="1500"/>
-              <a:buChar char="●"/>
-            </a:pPr>
-            <a:r>
-              <a:rPr lang="en" sz="1500"/>
-              <a:t>XMLs are widely used as configuration formats by different systems, metadata, and data representation format for services like RSS, SOAP, and many more.</a:t>
-            </a:r>
-            <a:endParaRPr sz="1500"/>
-          </a:p>
         </p:txBody>
       </p:sp>
       <p:pic>
         <p:nvPicPr>
-          <p:cNvPr id="253" name="Google Shape;253;p46"/>
+          <p:cNvPr id="254" name="Google Shape;254;p46"/>
           <p:cNvPicPr preferRelativeResize="0"/>
           <p:nvPr/>
         </p:nvPicPr>
@@ -20325,8 +20213,8 @@
         </p:blipFill>
         <p:spPr>
           <a:xfrm>
-            <a:off x="3099032" y="2959350"/>
-            <a:ext cx="2945931" cy="1636175"/>
+            <a:off x="1971275" y="2121400"/>
+            <a:ext cx="4454699" cy="2474125"/>
           </a:xfrm>
           <a:prstGeom prst="rect">
             <a:avLst/>
@@ -20350,7 +20238,7 @@
   <p:cSld>
     <p:spTree>
       <p:nvGrpSpPr>
-        <p:cNvPr id="257" name="Shape 257"/>
+        <p:cNvPr id="258" name="Shape 258"/>
         <p:cNvGrpSpPr/>
         <p:nvPr/>
       </p:nvGrpSpPr>
@@ -20364,7 +20252,7 @@
       </p:grpSpPr>
       <p:pic>
         <p:nvPicPr>
-          <p:cNvPr id="258" name="Google Shape;258;p47"/>
+          <p:cNvPr id="259" name="Google Shape;259;p47"/>
           <p:cNvPicPr preferRelativeResize="0"/>
           <p:nvPr/>
         </p:nvPicPr>
@@ -20392,7 +20280,7 @@
       </p:pic>
       <p:sp>
         <p:nvSpPr>
-          <p:cNvPr id="259" name="Google Shape;259;p47"/>
+          <p:cNvPr id="260" name="Google Shape;260;p47"/>
           <p:cNvSpPr txBox="1"/>
           <p:nvPr>
             <p:ph type="title"/>
@@ -20448,7 +20336,7 @@
       </p:sp>
       <p:sp>
         <p:nvSpPr>
-          <p:cNvPr id="260" name="Google Shape;260;p47"/>
+          <p:cNvPr id="261" name="Google Shape;261;p47"/>
           <p:cNvSpPr txBox="1"/>
           <p:nvPr>
             <p:ph idx="12" type="sldNum"/>
@@ -20496,7 +20384,7 @@
       </p:sp>
       <p:sp>
         <p:nvSpPr>
-          <p:cNvPr id="261" name="Google Shape;261;p47"/>
+          <p:cNvPr id="262" name="Google Shape;262;p47"/>
           <p:cNvSpPr txBox="1"/>
           <p:nvPr/>
         </p:nvSpPr>
@@ -20622,7 +20510,7 @@
       </p:sp>
       <p:pic>
         <p:nvPicPr>
-          <p:cNvPr id="262" name="Google Shape;262;p47"/>
+          <p:cNvPr id="263" name="Google Shape;263;p47"/>
           <p:cNvPicPr preferRelativeResize="0"/>
           <p:nvPr/>
         </p:nvPicPr>
@@ -20661,7 +20549,7 @@
   <p:cSld>
     <p:spTree>
       <p:nvGrpSpPr>
-        <p:cNvPr id="266" name="Shape 266"/>
+        <p:cNvPr id="267" name="Shape 267"/>
         <p:cNvGrpSpPr/>
         <p:nvPr/>
       </p:nvGrpSpPr>
@@ -20675,7 +20563,7 @@
       </p:grpSpPr>
       <p:pic>
         <p:nvPicPr>
-          <p:cNvPr id="267" name="Google Shape;267;p48"/>
+          <p:cNvPr id="268" name="Google Shape;268;p48"/>
           <p:cNvPicPr preferRelativeResize="0"/>
           <p:nvPr/>
         </p:nvPicPr>
@@ -20703,7 +20591,7 @@
       </p:pic>
       <p:sp>
         <p:nvSpPr>
-          <p:cNvPr id="268" name="Google Shape;268;p48"/>
+          <p:cNvPr id="269" name="Google Shape;269;p48"/>
           <p:cNvSpPr txBox="1"/>
           <p:nvPr>
             <p:ph type="title"/>
@@ -20759,7 +20647,7 @@
       </p:sp>
       <p:sp>
         <p:nvSpPr>
-          <p:cNvPr id="269" name="Google Shape;269;p48"/>
+          <p:cNvPr id="270" name="Google Shape;270;p48"/>
           <p:cNvSpPr txBox="1"/>
           <p:nvPr>
             <p:ph idx="12" type="sldNum"/>
@@ -20807,7 +20695,7 @@
       </p:sp>
       <p:sp>
         <p:nvSpPr>
-          <p:cNvPr id="270" name="Google Shape;270;p48"/>
+          <p:cNvPr id="271" name="Google Shape;271;p48"/>
           <p:cNvSpPr txBox="1"/>
           <p:nvPr/>
         </p:nvSpPr>
@@ -21120,7 +21008,7 @@
       </p:sp>
       <p:pic>
         <p:nvPicPr>
-          <p:cNvPr id="271" name="Google Shape;271;p48"/>
+          <p:cNvPr id="272" name="Google Shape;272;p48"/>
           <p:cNvPicPr preferRelativeResize="0"/>
           <p:nvPr/>
         </p:nvPicPr>
@@ -21159,7 +21047,7 @@
   <p:cSld>
     <p:spTree>
       <p:nvGrpSpPr>
-        <p:cNvPr id="275" name="Shape 275"/>
+        <p:cNvPr id="276" name="Shape 276"/>
         <p:cNvGrpSpPr/>
         <p:nvPr/>
       </p:nvGrpSpPr>
@@ -21173,7 +21061,7 @@
       </p:grpSpPr>
       <p:pic>
         <p:nvPicPr>
-          <p:cNvPr id="276" name="Google Shape;276;p49"/>
+          <p:cNvPr id="277" name="Google Shape;277;p49"/>
           <p:cNvPicPr preferRelativeResize="0"/>
           <p:nvPr/>
         </p:nvPicPr>
@@ -21201,7 +21089,7 @@
       </p:pic>
       <p:sp>
         <p:nvSpPr>
-          <p:cNvPr id="277" name="Google Shape;277;p49"/>
+          <p:cNvPr id="278" name="Google Shape;278;p49"/>
           <p:cNvSpPr txBox="1"/>
           <p:nvPr>
             <p:ph type="title"/>
@@ -21237,7 +21125,7 @@
                   <a:srgbClr val="4A86E8"/>
                 </a:solidFill>
               </a:rPr>
-              <a:t>Web Crawling and Scraping</a:t>
+              <a:t>Structured Query Language (SQL)</a:t>
             </a:r>
             <a:endParaRPr>
               <a:solidFill>
@@ -21249,7 +21137,7 @@
       </p:sp>
       <p:sp>
         <p:nvSpPr>
-          <p:cNvPr id="278" name="Google Shape;278;p49"/>
+          <p:cNvPr id="279" name="Google Shape;279;p49"/>
           <p:cNvSpPr txBox="1"/>
           <p:nvPr>
             <p:ph idx="12" type="sldNum"/>
@@ -21297,14 +21185,14 @@
       </p:sp>
       <p:sp>
         <p:nvSpPr>
-          <p:cNvPr id="279" name="Google Shape;279;p49"/>
+          <p:cNvPr id="280" name="Google Shape;280;p49"/>
           <p:cNvSpPr txBox="1"/>
           <p:nvPr/>
         </p:nvSpPr>
         <p:spPr>
           <a:xfrm>
             <a:off x="248200" y="740725"/>
-            <a:ext cx="8520600" cy="2805300"/>
+            <a:ext cx="8520600" cy="3070800"/>
           </a:xfrm>
           <a:prstGeom prst="rect">
             <a:avLst/>
@@ -21335,7 +21223,7 @@
             </a:pPr>
             <a:r>
               <a:rPr lang="en" sz="1500"/>
-              <a:t>A technique to scrape or extract data from the web, particularly from web pages.</a:t>
+              <a:t>Data available in the form of tables in databases, or to be more specific, relational databases, comprise of another format of structured data that we encounter when working on different use cases, most of them conforming to the SQL standard.</a:t>
             </a:r>
             <a:endParaRPr sz="1500"/>
           </a:p>
@@ -21355,12 +21243,28 @@
             </a:pPr>
             <a:r>
               <a:rPr lang="en" sz="1500"/>
-              <a:t>A typical web scraping flow can be summarized as follows:</a:t>
+              <a:t>The most common way used while working on data science and related use cases is to access data using SQL queries directly. To access data using SQL queries, powerful libraries like </a:t>
+            </a:r>
+            <a:r>
+              <a:rPr i="1" lang="en" sz="1500"/>
+              <a:t>sqlalchemy</a:t>
+            </a:r>
+            <a:r>
+              <a:rPr lang="en" sz="1500"/>
+              <a:t> and </a:t>
+            </a:r>
+            <a:r>
+              <a:rPr i="1" lang="en" sz="1500"/>
+              <a:t>pyodbc</a:t>
+            </a:r>
+            <a:r>
+              <a:rPr lang="en" sz="1500"/>
+              <a:t> provide convenient interfaces to connect, extract, and manipulate data from a variety of relational databases like MS SQL Server, Oracle and so on.</a:t>
             </a:r>
             <a:endParaRPr sz="1500"/>
           </a:p>
           <a:p>
-            <a:pPr indent="-323850" lvl="1" marL="1371600" rtl="0" algn="l">
+            <a:pPr indent="-323850" lvl="0" marL="457200" rtl="0" algn="l">
               <a:lnSpc>
                 <a:spcPct val="115000"/>
               </a:lnSpc>
@@ -21371,39 +21275,11 @@
                 <a:spcPts val="0"/>
               </a:spcAft>
               <a:buSzPts val="1500"/>
-              <a:buChar char="○"/>
-            </a:pPr>
-            <a:r>
-              <a:rPr b="1" lang="en" sz="1500"/>
-              <a:t>Crawl</a:t>
-            </a:r>
+              <a:buChar char="●"/>
+            </a:pPr>
             <a:r>
               <a:rPr lang="en" sz="1500"/>
-              <a:t>: A bot or a web crawler is designed to query a web server using the required set of URLs to fetch the web pages. A crawler may employ sophisticated techniques to fetch information from pages linked from the URLs in question and even parse information to a certain extent.</a:t>
-            </a:r>
-            <a:endParaRPr sz="1500"/>
-          </a:p>
-          <a:p>
-            <a:pPr indent="-323850" lvl="1" marL="1371600" rtl="0" algn="l">
-              <a:lnSpc>
-                <a:spcPct val="115000"/>
-              </a:lnSpc>
-              <a:spcBef>
-                <a:spcPts val="0"/>
-              </a:spcBef>
-              <a:spcAft>
-                <a:spcPts val="0"/>
-              </a:spcAft>
-              <a:buSzPts val="1500"/>
-              <a:buChar char="○"/>
-            </a:pPr>
-            <a:r>
-              <a:rPr b="1" lang="en" sz="1500"/>
-              <a:t>Scrape</a:t>
-            </a:r>
-            <a:r>
-              <a:rPr lang="en" sz="1500"/>
-              <a:t>: Once the raw web page has been fetched, the next task is to extract information from it. The task of scraping involves utilizing techniques like regular expressions, extraction based on XPath, or specific tags and so on to narrow down to the required information on the page.</a:t>
+              <a:t>The second way of interacting with databases is the ORM or the Object Relational Mapper method. This method is synonymous to the object oriented model of data, i.e., relational data is mapped in terms of objects and classes. Sqlalchemy provides a high-level interface to interact with databases in the ORM fashion.</a:t>
             </a:r>
             <a:endParaRPr sz="1500"/>
           </a:p>
@@ -21422,7 +21298,7 @@
   <p:cSld>
     <p:spTree>
       <p:nvGrpSpPr>
-        <p:cNvPr id="283" name="Shape 283"/>
+        <p:cNvPr id="284" name="Shape 284"/>
         <p:cNvGrpSpPr/>
         <p:nvPr/>
       </p:nvGrpSpPr>
@@ -21436,7 +21312,7 @@
       </p:grpSpPr>
       <p:pic>
         <p:nvPicPr>
-          <p:cNvPr id="284" name="Google Shape;284;p50"/>
+          <p:cNvPr id="285" name="Google Shape;285;p50"/>
           <p:cNvPicPr preferRelativeResize="0"/>
           <p:nvPr/>
         </p:nvPicPr>
@@ -21464,7 +21340,7 @@
       </p:pic>
       <p:sp>
         <p:nvSpPr>
-          <p:cNvPr id="285" name="Google Shape;285;p50"/>
+          <p:cNvPr id="286" name="Google Shape;286;p50"/>
           <p:cNvSpPr txBox="1"/>
           <p:nvPr>
             <p:ph type="title"/>
@@ -21472,7 +21348,7 @@
         </p:nvSpPr>
         <p:spPr>
           <a:xfrm>
-            <a:off x="311700" y="132925"/>
+            <a:off x="311700" y="410000"/>
             <a:ext cx="8520600" cy="607800"/>
           </a:xfrm>
           <a:prstGeom prst="rect">
@@ -21485,7 +21361,7 @@
           </a:bodyPr>
           <a:lstStyle/>
           <a:p>
-            <a:pPr indent="0" lvl="0" marL="0" rtl="0" algn="l">
+            <a:pPr indent="0" lvl="0" marL="0" rtl="0" algn="ctr">
               <a:spcBef>
                 <a:spcPts val="0"/>
               </a:spcBef>
@@ -21500,7 +21376,7 @@
                   <a:srgbClr val="4A86E8"/>
                 </a:solidFill>
               </a:rPr>
-              <a:t>Structured Query Language (SQL)</a:t>
+              <a:t>Lecture outline</a:t>
             </a:r>
             <a:endParaRPr>
               <a:solidFill>
@@ -21512,7 +21388,7 @@
       </p:sp>
       <p:sp>
         <p:nvSpPr>
-          <p:cNvPr id="286" name="Google Shape;286;p50"/>
+          <p:cNvPr id="287" name="Google Shape;287;p50"/>
           <p:cNvSpPr txBox="1"/>
           <p:nvPr>
             <p:ph idx="12" type="sldNum"/>
@@ -21560,258 +21436,7 @@
       </p:sp>
       <p:sp>
         <p:nvSpPr>
-          <p:cNvPr id="287" name="Google Shape;287;p50"/>
-          <p:cNvSpPr txBox="1"/>
-          <p:nvPr/>
-        </p:nvSpPr>
-        <p:spPr>
-          <a:xfrm>
-            <a:off x="248200" y="740725"/>
-            <a:ext cx="8520600" cy="3070800"/>
-          </a:xfrm>
-          <a:prstGeom prst="rect">
-            <a:avLst/>
-          </a:prstGeom>
-          <a:noFill/>
-          <a:ln>
-            <a:noFill/>
-          </a:ln>
-        </p:spPr>
-        <p:txBody>
-          <a:bodyPr anchorCtr="0" anchor="t" bIns="91425" lIns="91425" spcFirstLastPara="1" rIns="91425" wrap="square" tIns="91425">
-            <a:spAutoFit/>
-          </a:bodyPr>
-          <a:lstStyle/>
-          <a:p>
-            <a:pPr indent="-323850" lvl="0" marL="457200" rtl="0" algn="l">
-              <a:lnSpc>
-                <a:spcPct val="115000"/>
-              </a:lnSpc>
-              <a:spcBef>
-                <a:spcPts val="0"/>
-              </a:spcBef>
-              <a:spcAft>
-                <a:spcPts val="0"/>
-              </a:spcAft>
-              <a:buSzPts val="1500"/>
-              <a:buChar char="●"/>
-            </a:pPr>
-            <a:r>
-              <a:rPr lang="en" sz="1500"/>
-              <a:t>Data available in the form of tables in databases, or to be more specific, relational databases, comprise of another format of structured data that we encounter when working on different use cases, most of them conforming to the SQL standard.</a:t>
-            </a:r>
-            <a:endParaRPr sz="1500"/>
-          </a:p>
-          <a:p>
-            <a:pPr indent="-323850" lvl="0" marL="457200" rtl="0" algn="l">
-              <a:lnSpc>
-                <a:spcPct val="115000"/>
-              </a:lnSpc>
-              <a:spcBef>
-                <a:spcPts val="0"/>
-              </a:spcBef>
-              <a:spcAft>
-                <a:spcPts val="0"/>
-              </a:spcAft>
-              <a:buSzPts val="1500"/>
-              <a:buChar char="●"/>
-            </a:pPr>
-            <a:r>
-              <a:rPr lang="en" sz="1500"/>
-              <a:t>The most common way used while working on data science and related use cases is to access data using SQL queries directly. To access data using SQL queries, powerful libraries like </a:t>
-            </a:r>
-            <a:r>
-              <a:rPr i="1" lang="en" sz="1500"/>
-              <a:t>sqlalchemy</a:t>
-            </a:r>
-            <a:r>
-              <a:rPr lang="en" sz="1500"/>
-              <a:t> and </a:t>
-            </a:r>
-            <a:r>
-              <a:rPr i="1" lang="en" sz="1500"/>
-              <a:t>pyodbc</a:t>
-            </a:r>
-            <a:r>
-              <a:rPr lang="en" sz="1500"/>
-              <a:t> provide convenient interfaces to connect, extract, and manipulate data from a variety of relational databases like MS SQL Server, Oracle and so on.</a:t>
-            </a:r>
-            <a:endParaRPr sz="1500"/>
-          </a:p>
-          <a:p>
-            <a:pPr indent="-323850" lvl="0" marL="457200" rtl="0" algn="l">
-              <a:lnSpc>
-                <a:spcPct val="115000"/>
-              </a:lnSpc>
-              <a:spcBef>
-                <a:spcPts val="0"/>
-              </a:spcBef>
-              <a:spcAft>
-                <a:spcPts val="0"/>
-              </a:spcAft>
-              <a:buSzPts val="1500"/>
-              <a:buChar char="●"/>
-            </a:pPr>
-            <a:r>
-              <a:rPr lang="en" sz="1500"/>
-              <a:t>The second way of interacting with databases is the ORM or the Object Relational Mapper method. This method is synonymous to the object oriented model of data, i.e., relational data is mapped in terms of objects and classes. Sqlalchemy provides a high-level interface to interact with databases in the ORM fashion.</a:t>
-            </a:r>
-            <a:endParaRPr sz="1500"/>
-          </a:p>
-        </p:txBody>
-      </p:sp>
-    </p:spTree>
-  </p:cSld>
-  <p:clrMapOvr>
-    <a:masterClrMapping/>
-  </p:clrMapOvr>
-</p:sld>
-</file>
-
-<file path=ppt/slides/slide15.xml><?xml version="1.0" encoding="utf-8"?>
-<p:sld xmlns:a="http://schemas.openxmlformats.org/drawingml/2006/main" xmlns:r="http://schemas.openxmlformats.org/officeDocument/2006/relationships" xmlns:mc="http://schemas.openxmlformats.org/markup-compatibility/2006" xmlns:mv="urn:schemas-microsoft-com:mac:vml" xmlns:p="http://schemas.openxmlformats.org/presentationml/2006/main" xmlns:c="http://schemas.openxmlformats.org/drawingml/2006/chart" xmlns:dgm="http://schemas.openxmlformats.org/drawingml/2006/diagram" xmlns:o="urn:schemas-microsoft-com:office:office" xmlns:v="urn:schemas-microsoft-com:vml" xmlns:pvml="urn:schemas-microsoft-com:office:powerpoint" xmlns:com="http://schemas.openxmlformats.org/drawingml/2006/compatibility" xmlns:p14="http://schemas.microsoft.com/office/powerpoint/2010/main" xmlns:p15="http://schemas.microsoft.com/office/powerpoint/2012/main" xmlns:ahyp="http://schemas.microsoft.com/office/drawing/2018/hyperlinkcolor">
-  <p:cSld>
-    <p:spTree>
-      <p:nvGrpSpPr>
-        <p:cNvPr id="291" name="Shape 291"/>
-        <p:cNvGrpSpPr/>
-        <p:nvPr/>
-      </p:nvGrpSpPr>
-      <p:grpSpPr>
-        <a:xfrm>
-          <a:off x="0" y="0"/>
-          <a:ext cx="0" cy="0"/>
-          <a:chOff x="0" y="0"/>
-          <a:chExt cx="0" cy="0"/>
-        </a:xfrm>
-      </p:grpSpPr>
-      <p:pic>
-        <p:nvPicPr>
-          <p:cNvPr id="292" name="Google Shape;292;p51"/>
-          <p:cNvPicPr preferRelativeResize="0"/>
-          <p:nvPr/>
-        </p:nvPicPr>
-        <p:blipFill>
-          <a:blip r:embed="rId3">
-            <a:alphaModFix/>
-          </a:blip>
-          <a:stretch>
-            <a:fillRect/>
-          </a:stretch>
-        </p:blipFill>
-        <p:spPr>
-          <a:xfrm>
-            <a:off x="0" y="4710300"/>
-            <a:ext cx="9144000" cy="433200"/>
-          </a:xfrm>
-          <a:prstGeom prst="rect">
-            <a:avLst/>
-          </a:prstGeom>
-          <a:noFill/>
-          <a:ln>
-            <a:noFill/>
-          </a:ln>
-        </p:spPr>
-      </p:pic>
-      <p:sp>
-        <p:nvSpPr>
-          <p:cNvPr id="293" name="Google Shape;293;p51"/>
-          <p:cNvSpPr txBox="1"/>
-          <p:nvPr>
-            <p:ph type="title"/>
-          </p:nvPr>
-        </p:nvSpPr>
-        <p:spPr>
-          <a:xfrm>
-            <a:off x="311700" y="410000"/>
-            <a:ext cx="8520600" cy="607800"/>
-          </a:xfrm>
-          <a:prstGeom prst="rect">
-            <a:avLst/>
-          </a:prstGeom>
-        </p:spPr>
-        <p:txBody>
-          <a:bodyPr anchorCtr="0" anchor="t" bIns="91425" lIns="91425" spcFirstLastPara="1" rIns="91425" wrap="square" tIns="91425">
-            <a:noAutofit/>
-          </a:bodyPr>
-          <a:lstStyle/>
-          <a:p>
-            <a:pPr indent="0" lvl="0" marL="0" rtl="0" algn="ctr">
-              <a:spcBef>
-                <a:spcPts val="0"/>
-              </a:spcBef>
-              <a:spcAft>
-                <a:spcPts val="0"/>
-              </a:spcAft>
-              <a:buNone/>
-            </a:pPr>
-            <a:r>
-              <a:rPr lang="en">
-                <a:solidFill>
-                  <a:srgbClr val="4A86E8"/>
-                </a:solidFill>
-              </a:rPr>
-              <a:t>Lecture outline</a:t>
-            </a:r>
-            <a:endParaRPr>
-              <a:solidFill>
-                <a:srgbClr val="4A86E8"/>
-              </a:solidFill>
-            </a:endParaRPr>
-          </a:p>
-        </p:txBody>
-      </p:sp>
-      <p:sp>
-        <p:nvSpPr>
-          <p:cNvPr id="294" name="Google Shape;294;p51"/>
-          <p:cNvSpPr txBox="1"/>
-          <p:nvPr>
-            <p:ph idx="12" type="sldNum"/>
-          </p:nvPr>
-        </p:nvSpPr>
-        <p:spPr>
-          <a:xfrm>
-            <a:off x="6" y="4730090"/>
-            <a:ext cx="548700" cy="393600"/>
-          </a:xfrm>
-          <a:prstGeom prst="rect">
-            <a:avLst/>
-          </a:prstGeom>
-        </p:spPr>
-        <p:txBody>
-          <a:bodyPr anchorCtr="0" anchor="ctr" bIns="91425" lIns="91425" spcFirstLastPara="1" rIns="91425" wrap="square" tIns="91425">
-            <a:noAutofit/>
-          </a:bodyPr>
-          <a:lstStyle/>
-          <a:p>
-            <a:pPr indent="0" lvl="0" marL="0" rtl="0" algn="r">
-              <a:spcBef>
-                <a:spcPts val="0"/>
-              </a:spcBef>
-              <a:spcAft>
-                <a:spcPts val="0"/>
-              </a:spcAft>
-              <a:buNone/>
-            </a:pPr>
-            <a:fld id="{00000000-1234-1234-1234-123412341234}" type="slidenum">
-              <a:rPr lang="en">
-                <a:solidFill>
-                  <a:schemeClr val="lt1"/>
-                </a:solidFill>
-              </a:rPr>
-              <a:t>‹#›</a:t>
-            </a:fld>
-            <a:endParaRPr>
-              <a:solidFill>
-                <a:schemeClr val="lt1"/>
-              </a:solidFill>
-            </a:endParaRPr>
-          </a:p>
-        </p:txBody>
-      </p:sp>
-      <p:sp>
-        <p:nvSpPr>
-          <p:cNvPr id="295" name="Google Shape;295;p51"/>
+          <p:cNvPr id="288" name="Google Shape;288;p50"/>
           <p:cNvSpPr txBox="1"/>
           <p:nvPr/>
         </p:nvSpPr>
@@ -21967,7 +21592,7 @@
       </p:sp>
       <p:pic>
         <p:nvPicPr>
-          <p:cNvPr id="296" name="Google Shape;296;p51"/>
+          <p:cNvPr id="289" name="Google Shape;289;p50"/>
           <p:cNvPicPr preferRelativeResize="0"/>
           <p:nvPr/>
         </p:nvPicPr>
@@ -22000,12 +21625,12 @@
 </p:sld>
 </file>
 
-<file path=ppt/slides/slide16.xml><?xml version="1.0" encoding="utf-8"?>
+<file path=ppt/slides/slide15.xml><?xml version="1.0" encoding="utf-8"?>
 <p:sld xmlns:a="http://schemas.openxmlformats.org/drawingml/2006/main" xmlns:r="http://schemas.openxmlformats.org/officeDocument/2006/relationships" xmlns:mc="http://schemas.openxmlformats.org/markup-compatibility/2006" xmlns:mv="urn:schemas-microsoft-com:mac:vml" xmlns:p="http://schemas.openxmlformats.org/presentationml/2006/main" xmlns:c="http://schemas.openxmlformats.org/drawingml/2006/chart" xmlns:dgm="http://schemas.openxmlformats.org/drawingml/2006/diagram" xmlns:o="urn:schemas-microsoft-com:office:office" xmlns:v="urn:schemas-microsoft-com:vml" xmlns:pvml="urn:schemas-microsoft-com:office:powerpoint" xmlns:com="http://schemas.openxmlformats.org/drawingml/2006/compatibility" xmlns:p14="http://schemas.microsoft.com/office/powerpoint/2010/main" xmlns:p15="http://schemas.microsoft.com/office/powerpoint/2012/main" xmlns:ahyp="http://schemas.microsoft.com/office/drawing/2018/hyperlinkcolor">
   <p:cSld>
     <p:spTree>
       <p:nvGrpSpPr>
-        <p:cNvPr id="300" name="Shape 300"/>
+        <p:cNvPr id="293" name="Shape 293"/>
         <p:cNvGrpSpPr/>
         <p:nvPr/>
       </p:nvGrpSpPr>
@@ -22019,7 +21644,7 @@
       </p:grpSpPr>
       <p:pic>
         <p:nvPicPr>
-          <p:cNvPr id="301" name="Google Shape;301;p52"/>
+          <p:cNvPr id="294" name="Google Shape;294;p51"/>
           <p:cNvPicPr preferRelativeResize="0"/>
           <p:nvPr/>
         </p:nvPicPr>
@@ -22047,7 +21672,7 @@
       </p:pic>
       <p:sp>
         <p:nvSpPr>
-          <p:cNvPr id="302" name="Google Shape;302;p52"/>
+          <p:cNvPr id="295" name="Google Shape;295;p51"/>
           <p:cNvSpPr txBox="1"/>
           <p:nvPr>
             <p:ph type="title"/>
@@ -22095,7 +21720,7 @@
       </p:sp>
       <p:sp>
         <p:nvSpPr>
-          <p:cNvPr id="303" name="Google Shape;303;p52"/>
+          <p:cNvPr id="296" name="Google Shape;296;p51"/>
           <p:cNvSpPr txBox="1"/>
           <p:nvPr>
             <p:ph idx="12" type="sldNum"/>
@@ -22143,7 +21768,7 @@
       </p:sp>
       <p:sp>
         <p:nvSpPr>
-          <p:cNvPr id="304" name="Google Shape;304;p52"/>
+          <p:cNvPr id="297" name="Google Shape;297;p51"/>
           <p:cNvSpPr txBox="1"/>
           <p:nvPr/>
         </p:nvSpPr>
@@ -22281,7 +21906,7 @@
             </a:pPr>
             <a:r>
               <a:rPr lang="en"/>
-              <a:t>Categorical variables refer to categories of entities being observed.</a:t>
+              <a:t>Categorical variables are used to represent categories of entities being observed.</a:t>
             </a:r>
             <a:endParaRPr/>
           </a:p>
@@ -22305,7 +21930,7 @@
             </a:r>
             <a:r>
               <a:rPr lang="en"/>
-              <a:t>: define only the category of the data point without any ordering possible. e.g., hair color can be black, brown, blonde, etc.</a:t>
+              <a:t>: define the category of the data point without any ordering possible. e.g., hair color can be black, brown, blonde, etc.</a:t>
             </a:r>
             <a:endParaRPr/>
           </a:p>
@@ -22329,7 +21954,7 @@
             </a:r>
             <a:r>
               <a:rPr lang="en"/>
-              <a:t>: define category but can also be ordered based on rules on the context. e.g., people categorized by economic status of low, medium, or high.</a:t>
+              <a:t>: define the categories of data but can also be ordered based on rules on the context. e.g., people categorized by economic status of low, medium, or high.</a:t>
             </a:r>
             <a:endParaRPr/>
           </a:p>
@@ -22343,12 +21968,12 @@
 </p:sld>
 </file>
 
-<file path=ppt/slides/slide17.xml><?xml version="1.0" encoding="utf-8"?>
+<file path=ppt/slides/slide16.xml><?xml version="1.0" encoding="utf-8"?>
 <p:sld xmlns:a="http://schemas.openxmlformats.org/drawingml/2006/main" xmlns:r="http://schemas.openxmlformats.org/officeDocument/2006/relationships" xmlns:mc="http://schemas.openxmlformats.org/markup-compatibility/2006" xmlns:mv="urn:schemas-microsoft-com:mac:vml" xmlns:p="http://schemas.openxmlformats.org/presentationml/2006/main" xmlns:c="http://schemas.openxmlformats.org/drawingml/2006/chart" xmlns:dgm="http://schemas.openxmlformats.org/drawingml/2006/diagram" xmlns:o="urn:schemas-microsoft-com:office:office" xmlns:v="urn:schemas-microsoft-com:vml" xmlns:pvml="urn:schemas-microsoft-com:office:powerpoint" xmlns:com="http://schemas.openxmlformats.org/drawingml/2006/compatibility" xmlns:p14="http://schemas.microsoft.com/office/powerpoint/2010/main" xmlns:p15="http://schemas.microsoft.com/office/powerpoint/2012/main" xmlns:ahyp="http://schemas.microsoft.com/office/drawing/2018/hyperlinkcolor">
   <p:cSld>
     <p:spTree>
       <p:nvGrpSpPr>
-        <p:cNvPr id="308" name="Shape 308"/>
+        <p:cNvPr id="301" name="Shape 301"/>
         <p:cNvGrpSpPr/>
         <p:nvPr/>
       </p:nvGrpSpPr>
@@ -22362,7 +21987,7 @@
       </p:grpSpPr>
       <p:pic>
         <p:nvPicPr>
-          <p:cNvPr id="309" name="Google Shape;309;p53"/>
+          <p:cNvPr id="302" name="Google Shape;302;p52"/>
           <p:cNvPicPr preferRelativeResize="0"/>
           <p:nvPr/>
         </p:nvPicPr>
@@ -22390,7 +22015,7 @@
       </p:pic>
       <p:sp>
         <p:nvSpPr>
-          <p:cNvPr id="310" name="Google Shape;310;p53"/>
+          <p:cNvPr id="303" name="Google Shape;303;p52"/>
           <p:cNvSpPr txBox="1"/>
           <p:nvPr>
             <p:ph type="title"/>
@@ -22486,7 +22111,7 @@
       </p:sp>
       <p:sp>
         <p:nvSpPr>
-          <p:cNvPr id="311" name="Google Shape;311;p53"/>
+          <p:cNvPr id="304" name="Google Shape;304;p52"/>
           <p:cNvSpPr txBox="1"/>
           <p:nvPr>
             <p:ph idx="12" type="sldNum"/>
@@ -22534,14 +22159,14 @@
       </p:sp>
       <p:sp>
         <p:nvSpPr>
-          <p:cNvPr id="312" name="Google Shape;312;p53"/>
+          <p:cNvPr id="305" name="Google Shape;305;p52"/>
           <p:cNvSpPr txBox="1"/>
           <p:nvPr/>
         </p:nvSpPr>
         <p:spPr>
           <a:xfrm>
             <a:off x="452100" y="740725"/>
-            <a:ext cx="8520600" cy="1563900"/>
+            <a:ext cx="8520600" cy="1280700"/>
           </a:xfrm>
           <a:prstGeom prst="rect">
             <a:avLst/>
@@ -22580,7 +22205,7 @@
             </a:r>
             <a:r>
               <a:rPr lang="en" sz="1600"/>
-              <a:t>provided from the domain</a:t>
+              <a:t>provided from the domain of interest</a:t>
             </a:r>
             <a:endParaRPr sz="1600"/>
           </a:p>
@@ -22600,7 +22225,7 @@
             </a:pPr>
             <a:r>
               <a:rPr lang="en" sz="1600"/>
-              <a:t>ML algorithms expect numbers</a:t>
+              <a:t>Machine Learning algorithms expect numbers</a:t>
             </a:r>
             <a:endParaRPr sz="1600"/>
           </a:p>
@@ -22640,27 +22265,7 @@
             </a:pPr>
             <a:r>
               <a:rPr lang="en" sz="1600"/>
-              <a:t>ML algorithms have specific requirements or expectations</a:t>
-            </a:r>
-            <a:endParaRPr sz="1600"/>
-          </a:p>
-          <a:p>
-            <a:pPr indent="-330200" lvl="0" marL="457200" rtl="0" algn="l">
-              <a:lnSpc>
-                <a:spcPct val="115000"/>
-              </a:lnSpc>
-              <a:spcBef>
-                <a:spcPts val="0"/>
-              </a:spcBef>
-              <a:spcAft>
-                <a:spcPts val="0"/>
-              </a:spcAft>
-              <a:buSzPts val="1600"/>
-              <a:buChar char="●"/>
-            </a:pPr>
-            <a:r>
-              <a:rPr lang="en" sz="1600"/>
-              <a:t>Model performance also depends on the data</a:t>
+              <a:t>Model performance also depends on the quality of data</a:t>
             </a:r>
             <a:endParaRPr sz="1600"/>
           </a:p>
@@ -22674,12 +22279,12 @@
 </p:sld>
 </file>
 
-<file path=ppt/slides/slide18.xml><?xml version="1.0" encoding="utf-8"?>
+<file path=ppt/slides/slide17.xml><?xml version="1.0" encoding="utf-8"?>
 <p:sld xmlns:a="http://schemas.openxmlformats.org/drawingml/2006/main" xmlns:r="http://schemas.openxmlformats.org/officeDocument/2006/relationships" xmlns:mc="http://schemas.openxmlformats.org/markup-compatibility/2006" xmlns:mv="urn:schemas-microsoft-com:mac:vml" xmlns:p="http://schemas.openxmlformats.org/presentationml/2006/main" xmlns:c="http://schemas.openxmlformats.org/drawingml/2006/chart" xmlns:dgm="http://schemas.openxmlformats.org/drawingml/2006/diagram" xmlns:o="urn:schemas-microsoft-com:office:office" xmlns:v="urn:schemas-microsoft-com:vml" xmlns:pvml="urn:schemas-microsoft-com:office:powerpoint" xmlns:com="http://schemas.openxmlformats.org/drawingml/2006/compatibility" xmlns:p14="http://schemas.microsoft.com/office/powerpoint/2010/main" xmlns:p15="http://schemas.microsoft.com/office/powerpoint/2012/main" xmlns:ahyp="http://schemas.microsoft.com/office/drawing/2018/hyperlinkcolor">
   <p:cSld>
     <p:spTree>
       <p:nvGrpSpPr>
-        <p:cNvPr id="316" name="Shape 316"/>
+        <p:cNvPr id="309" name="Shape 309"/>
         <p:cNvGrpSpPr/>
         <p:nvPr/>
       </p:nvGrpSpPr>
@@ -22693,7 +22298,7 @@
       </p:grpSpPr>
       <p:pic>
         <p:nvPicPr>
-          <p:cNvPr id="317" name="Google Shape;317;p54"/>
+          <p:cNvPr id="310" name="Google Shape;310;p53"/>
           <p:cNvPicPr preferRelativeResize="0"/>
           <p:nvPr/>
         </p:nvPicPr>
@@ -22721,7 +22326,7 @@
       </p:pic>
       <p:sp>
         <p:nvSpPr>
-          <p:cNvPr id="318" name="Google Shape;318;p54"/>
+          <p:cNvPr id="311" name="Google Shape;311;p53"/>
           <p:cNvSpPr txBox="1"/>
           <p:nvPr>
             <p:ph type="title"/>
@@ -22769,7 +22374,7 @@
       </p:sp>
       <p:sp>
         <p:nvSpPr>
-          <p:cNvPr id="319" name="Google Shape;319;p54"/>
+          <p:cNvPr id="312" name="Google Shape;312;p53"/>
           <p:cNvSpPr txBox="1"/>
           <p:nvPr>
             <p:ph idx="12" type="sldNum"/>
@@ -22817,7 +22422,7 @@
       </p:sp>
       <p:sp>
         <p:nvSpPr>
-          <p:cNvPr id="320" name="Google Shape;320;p54"/>
+          <p:cNvPr id="313" name="Google Shape;313;p53"/>
           <p:cNvSpPr txBox="1"/>
           <p:nvPr/>
         </p:nvSpPr>
@@ -22913,12 +22518,12 @@
 </p:sld>
 </file>
 
-<file path=ppt/slides/slide19.xml><?xml version="1.0" encoding="utf-8"?>
+<file path=ppt/slides/slide18.xml><?xml version="1.0" encoding="utf-8"?>
 <p:sld xmlns:a="http://schemas.openxmlformats.org/drawingml/2006/main" xmlns:r="http://schemas.openxmlformats.org/officeDocument/2006/relationships" xmlns:mc="http://schemas.openxmlformats.org/markup-compatibility/2006" xmlns:mv="urn:schemas-microsoft-com:mac:vml" xmlns:p="http://schemas.openxmlformats.org/presentationml/2006/main" xmlns:c="http://schemas.openxmlformats.org/drawingml/2006/chart" xmlns:dgm="http://schemas.openxmlformats.org/drawingml/2006/diagram" xmlns:o="urn:schemas-microsoft-com:office:office" xmlns:v="urn:schemas-microsoft-com:vml" xmlns:pvml="urn:schemas-microsoft-com:office:powerpoint" xmlns:com="http://schemas.openxmlformats.org/drawingml/2006/compatibility" xmlns:p14="http://schemas.microsoft.com/office/powerpoint/2010/main" xmlns:p15="http://schemas.microsoft.com/office/powerpoint/2012/main" xmlns:ahyp="http://schemas.microsoft.com/office/drawing/2018/hyperlinkcolor">
   <p:cSld>
     <p:spTree>
       <p:nvGrpSpPr>
-        <p:cNvPr id="324" name="Shape 324"/>
+        <p:cNvPr id="317" name="Shape 317"/>
         <p:cNvGrpSpPr/>
         <p:nvPr/>
       </p:nvGrpSpPr>
@@ -22932,7 +22537,7 @@
       </p:grpSpPr>
       <p:pic>
         <p:nvPicPr>
-          <p:cNvPr id="325" name="Google Shape;325;p55"/>
+          <p:cNvPr id="318" name="Google Shape;318;p54"/>
           <p:cNvPicPr preferRelativeResize="0"/>
           <p:nvPr/>
         </p:nvPicPr>
@@ -22960,7 +22565,7 @@
       </p:pic>
       <p:sp>
         <p:nvSpPr>
-          <p:cNvPr id="326" name="Google Shape;326;p55"/>
+          <p:cNvPr id="319" name="Google Shape;319;p54"/>
           <p:cNvSpPr txBox="1"/>
           <p:nvPr>
             <p:ph type="title"/>
@@ -23008,7 +22613,7 @@
       </p:sp>
       <p:sp>
         <p:nvSpPr>
-          <p:cNvPr id="327" name="Google Shape;327;p55"/>
+          <p:cNvPr id="320" name="Google Shape;320;p54"/>
           <p:cNvSpPr txBox="1"/>
           <p:nvPr>
             <p:ph idx="12" type="sldNum"/>
@@ -23056,7 +22661,7 @@
       </p:sp>
       <p:sp>
         <p:nvSpPr>
-          <p:cNvPr id="328" name="Google Shape;328;p55"/>
+          <p:cNvPr id="321" name="Google Shape;321;p54"/>
           <p:cNvSpPr txBox="1"/>
           <p:nvPr/>
         </p:nvSpPr>
@@ -23142,7 +22747,7 @@
             </a:pPr>
             <a:r>
               <a:rPr lang="en" sz="1600"/>
-              <a:t>The goal is to discover how to best expose the underlying structure of the problem to the learning algorithms.</a:t>
+              <a:t>The goal is to discover how to best expose the underlying structure of the data to the learning algorithms.</a:t>
             </a:r>
             <a:endParaRPr sz="1600"/>
           </a:p>
@@ -23234,7 +22839,7 @@
             </a:r>
             <a:r>
               <a:rPr lang="en" sz="1600"/>
-              <a:t>: identifying those input variables that are most relevant to the task</a:t>
+              <a:t>: identifying those input variables that are most relevant</a:t>
             </a:r>
             <a:endParaRPr sz="1600"/>
           </a:p>
@@ -23304,12 +22909,12 @@
 </p:sld>
 </file>
 
-<file path=ppt/slides/slide2.xml><?xml version="1.0" encoding="utf-8"?>
+<file path=ppt/slides/slide19.xml><?xml version="1.0" encoding="utf-8"?>
 <p:sld xmlns:a="http://schemas.openxmlformats.org/drawingml/2006/main" xmlns:r="http://schemas.openxmlformats.org/officeDocument/2006/relationships" xmlns:mc="http://schemas.openxmlformats.org/markup-compatibility/2006" xmlns:mv="urn:schemas-microsoft-com:mac:vml" xmlns:p="http://schemas.openxmlformats.org/presentationml/2006/main" xmlns:c="http://schemas.openxmlformats.org/drawingml/2006/chart" xmlns:dgm="http://schemas.openxmlformats.org/drawingml/2006/diagram" xmlns:o="urn:schemas-microsoft-com:office:office" xmlns:v="urn:schemas-microsoft-com:vml" xmlns:pvml="urn:schemas-microsoft-com:office:powerpoint" xmlns:com="http://schemas.openxmlformats.org/drawingml/2006/compatibility" xmlns:p14="http://schemas.microsoft.com/office/powerpoint/2010/main" xmlns:p15="http://schemas.microsoft.com/office/powerpoint/2012/main" xmlns:ahyp="http://schemas.microsoft.com/office/drawing/2018/hyperlinkcolor">
   <p:cSld>
     <p:spTree>
       <p:nvGrpSpPr>
-        <p:cNvPr id="182" name="Shape 182"/>
+        <p:cNvPr id="325" name="Shape 325"/>
         <p:cNvGrpSpPr/>
         <p:nvPr/>
       </p:nvGrpSpPr>
@@ -23323,7 +22928,7 @@
       </p:grpSpPr>
       <p:pic>
         <p:nvPicPr>
-          <p:cNvPr id="183" name="Google Shape;183;p38"/>
+          <p:cNvPr id="326" name="Google Shape;326;p55"/>
           <p:cNvPicPr preferRelativeResize="0"/>
           <p:nvPr/>
         </p:nvPicPr>
@@ -23351,7 +22956,322 @@
       </p:pic>
       <p:sp>
         <p:nvSpPr>
+          <p:cNvPr id="327" name="Google Shape;327;p55"/>
+          <p:cNvSpPr txBox="1"/>
+          <p:nvPr>
+            <p:ph type="title"/>
+          </p:nvPr>
+        </p:nvSpPr>
+        <p:spPr>
+          <a:xfrm>
+            <a:off x="311700" y="132925"/>
+            <a:ext cx="8520600" cy="607800"/>
+          </a:xfrm>
+          <a:prstGeom prst="rect">
+            <a:avLst/>
+          </a:prstGeom>
+        </p:spPr>
+        <p:txBody>
+          <a:bodyPr anchorCtr="0" anchor="t" bIns="91425" lIns="91425" spcFirstLastPara="1" rIns="91425" wrap="square" tIns="91425">
+            <a:noAutofit/>
+          </a:bodyPr>
+          <a:lstStyle/>
+          <a:p>
+            <a:pPr indent="0" lvl="0" marL="0" rtl="0" algn="l">
+              <a:spcBef>
+                <a:spcPts val="0"/>
+              </a:spcBef>
+              <a:spcAft>
+                <a:spcPts val="0"/>
+              </a:spcAft>
+              <a:buNone/>
+            </a:pPr>
+            <a:r>
+              <a:rPr lang="en">
+                <a:solidFill>
+                  <a:srgbClr val="4A86E8"/>
+                </a:solidFill>
+              </a:rPr>
+              <a:t>Data Cleaning</a:t>
+            </a:r>
+            <a:endParaRPr>
+              <a:solidFill>
+                <a:srgbClr val="4A86E8"/>
+              </a:solidFill>
+            </a:endParaRPr>
+          </a:p>
+        </p:txBody>
+      </p:sp>
+      <p:sp>
+        <p:nvSpPr>
+          <p:cNvPr id="328" name="Google Shape;328;p55"/>
+          <p:cNvSpPr txBox="1"/>
+          <p:nvPr>
+            <p:ph idx="12" type="sldNum"/>
+          </p:nvPr>
+        </p:nvSpPr>
+        <p:spPr>
+          <a:xfrm>
+            <a:off x="6" y="4730090"/>
+            <a:ext cx="548700" cy="393600"/>
+          </a:xfrm>
+          <a:prstGeom prst="rect">
+            <a:avLst/>
+          </a:prstGeom>
+        </p:spPr>
+        <p:txBody>
+          <a:bodyPr anchorCtr="0" anchor="ctr" bIns="91425" lIns="91425" spcFirstLastPara="1" rIns="91425" wrap="square" tIns="91425">
+            <a:noAutofit/>
+          </a:bodyPr>
+          <a:lstStyle/>
+          <a:p>
+            <a:pPr indent="0" lvl="0" marL="0" rtl="0" algn="r">
+              <a:spcBef>
+                <a:spcPts val="0"/>
+              </a:spcBef>
+              <a:spcAft>
+                <a:spcPts val="0"/>
+              </a:spcAft>
+              <a:buNone/>
+            </a:pPr>
+            <a:fld id="{00000000-1234-1234-1234-123412341234}" type="slidenum">
+              <a:rPr lang="en">
+                <a:solidFill>
+                  <a:schemeClr val="lt1"/>
+                </a:solidFill>
+              </a:rPr>
+              <a:t>‹#›</a:t>
+            </a:fld>
+            <a:endParaRPr>
+              <a:solidFill>
+                <a:schemeClr val="lt1"/>
+              </a:solidFill>
+            </a:endParaRPr>
+          </a:p>
+        </p:txBody>
+      </p:sp>
+      <p:sp>
+        <p:nvSpPr>
+          <p:cNvPr id="329" name="Google Shape;329;p55"/>
+          <p:cNvSpPr txBox="1"/>
+          <p:nvPr/>
+        </p:nvSpPr>
+        <p:spPr>
+          <a:xfrm>
+            <a:off x="171300" y="740725"/>
+            <a:ext cx="8801400" cy="997500"/>
+          </a:xfrm>
+          <a:prstGeom prst="rect">
+            <a:avLst/>
+          </a:prstGeom>
+          <a:noFill/>
+          <a:ln>
+            <a:noFill/>
+          </a:ln>
+        </p:spPr>
+        <p:txBody>
+          <a:bodyPr anchorCtr="0" anchor="t" bIns="91425" lIns="91425" spcFirstLastPara="1" rIns="91425" wrap="square" tIns="91425">
+            <a:spAutoFit/>
+          </a:bodyPr>
+          <a:lstStyle/>
+          <a:p>
+            <a:pPr indent="-330200" lvl="0" marL="457200" rtl="0" algn="l">
+              <a:lnSpc>
+                <a:spcPct val="115000"/>
+              </a:lnSpc>
+              <a:spcBef>
+                <a:spcPts val="0"/>
+              </a:spcBef>
+              <a:spcAft>
+                <a:spcPts val="0"/>
+              </a:spcAft>
+              <a:buSzPts val="1600"/>
+              <a:buChar char="●"/>
+            </a:pPr>
+            <a:r>
+              <a:rPr lang="en" sz="1600"/>
+              <a:t>Involves fixing systematic problems or errors in messy data. </a:t>
+            </a:r>
+            <a:endParaRPr sz="1600"/>
+          </a:p>
+          <a:p>
+            <a:pPr indent="-330200" lvl="0" marL="457200" rtl="0" algn="l">
+              <a:lnSpc>
+                <a:spcPct val="115000"/>
+              </a:lnSpc>
+              <a:spcBef>
+                <a:spcPts val="0"/>
+              </a:spcBef>
+              <a:spcAft>
+                <a:spcPts val="0"/>
+              </a:spcAft>
+              <a:buSzPts val="1600"/>
+              <a:buChar char="●"/>
+            </a:pPr>
+            <a:r>
+              <a:rPr lang="en" sz="1600"/>
+              <a:t>Involves deep domain expertise.</a:t>
+            </a:r>
+            <a:endParaRPr sz="1600"/>
+          </a:p>
+          <a:p>
+            <a:pPr indent="-330200" lvl="0" marL="457200" rtl="0" algn="l">
+              <a:lnSpc>
+                <a:spcPct val="115000"/>
+              </a:lnSpc>
+              <a:spcBef>
+                <a:spcPts val="0"/>
+              </a:spcBef>
+              <a:spcAft>
+                <a:spcPts val="0"/>
+              </a:spcAft>
+              <a:buSzPts val="1600"/>
+              <a:buChar char="●"/>
+            </a:pPr>
+            <a:r>
+              <a:rPr lang="en" sz="1600"/>
+              <a:t>The goal is to identify and address specific observations that may be incorrect.</a:t>
+            </a:r>
+            <a:endParaRPr sz="1600"/>
+          </a:p>
+        </p:txBody>
+      </p:sp>
+      <p:pic>
+        <p:nvPicPr>
+          <p:cNvPr id="330" name="Google Shape;330;p55"/>
+          <p:cNvPicPr preferRelativeResize="0"/>
+          <p:nvPr/>
+        </p:nvPicPr>
+        <p:blipFill>
+          <a:blip r:embed="rId4">
+            <a:alphaModFix/>
+          </a:blip>
+          <a:stretch>
+            <a:fillRect/>
+          </a:stretch>
+        </p:blipFill>
+        <p:spPr>
+          <a:xfrm>
+            <a:off x="1123050" y="1836900"/>
+            <a:ext cx="5631048" cy="2450501"/>
+          </a:xfrm>
+          <a:prstGeom prst="rect">
+            <a:avLst/>
+          </a:prstGeom>
+          <a:noFill/>
+          <a:ln>
+            <a:noFill/>
+          </a:ln>
+        </p:spPr>
+      </p:pic>
+      <p:sp>
+        <p:nvSpPr>
+          <p:cNvPr id="331" name="Google Shape;331;p55"/>
+          <p:cNvSpPr txBox="1"/>
+          <p:nvPr/>
+        </p:nvSpPr>
+        <p:spPr>
+          <a:xfrm>
+            <a:off x="3223650" y="4153250"/>
+            <a:ext cx="1652700" cy="400200"/>
+          </a:xfrm>
+          <a:prstGeom prst="rect">
+            <a:avLst/>
+          </a:prstGeom>
+          <a:noFill/>
+          <a:ln>
+            <a:noFill/>
+          </a:ln>
+        </p:spPr>
+        <p:txBody>
+          <a:bodyPr anchorCtr="0" anchor="t" bIns="91425" lIns="91425" spcFirstLastPara="1" rIns="91425" wrap="square" tIns="91425">
+            <a:spAutoFit/>
+          </a:bodyPr>
+          <a:lstStyle/>
+          <a:p>
+            <a:pPr indent="0" lvl="0" marL="0" rtl="0" algn="l">
+              <a:spcBef>
+                <a:spcPts val="0"/>
+              </a:spcBef>
+              <a:spcAft>
+                <a:spcPts val="0"/>
+              </a:spcAft>
+              <a:buNone/>
+            </a:pPr>
+            <a:r>
+              <a:rPr lang="en">
+                <a:latin typeface="Roboto"/>
+                <a:ea typeface="Roboto"/>
+                <a:cs typeface="Roboto"/>
+                <a:sym typeface="Roboto"/>
+              </a:rPr>
+              <a:t>(Brownlee, 2020)</a:t>
+            </a:r>
+            <a:endParaRPr>
+              <a:latin typeface="Roboto"/>
+              <a:ea typeface="Roboto"/>
+              <a:cs typeface="Roboto"/>
+              <a:sym typeface="Roboto"/>
+            </a:endParaRPr>
+          </a:p>
+        </p:txBody>
+      </p:sp>
+    </p:spTree>
+  </p:cSld>
+  <p:clrMapOvr>
+    <a:masterClrMapping/>
+  </p:clrMapOvr>
+</p:sld>
+</file>
+
+<file path=ppt/slides/slide2.xml><?xml version="1.0" encoding="utf-8"?>
+<p:sld xmlns:a="http://schemas.openxmlformats.org/drawingml/2006/main" xmlns:r="http://schemas.openxmlformats.org/officeDocument/2006/relationships" xmlns:mc="http://schemas.openxmlformats.org/markup-compatibility/2006" xmlns:mv="urn:schemas-microsoft-com:mac:vml" xmlns:p="http://schemas.openxmlformats.org/presentationml/2006/main" xmlns:c="http://schemas.openxmlformats.org/drawingml/2006/chart" xmlns:dgm="http://schemas.openxmlformats.org/drawingml/2006/diagram" xmlns:o="urn:schemas-microsoft-com:office:office" xmlns:v="urn:schemas-microsoft-com:vml" xmlns:pvml="urn:schemas-microsoft-com:office:powerpoint" xmlns:com="http://schemas.openxmlformats.org/drawingml/2006/compatibility" xmlns:p14="http://schemas.microsoft.com/office/powerpoint/2010/main" xmlns:p15="http://schemas.microsoft.com/office/powerpoint/2012/main" xmlns:ahyp="http://schemas.microsoft.com/office/drawing/2018/hyperlinkcolor">
+  <p:cSld>
+    <p:spTree>
+      <p:nvGrpSpPr>
+        <p:cNvPr id="183" name="Shape 183"/>
+        <p:cNvGrpSpPr/>
+        <p:nvPr/>
+      </p:nvGrpSpPr>
+      <p:grpSpPr>
+        <a:xfrm>
+          <a:off x="0" y="0"/>
+          <a:ext cx="0" cy="0"/>
+          <a:chOff x="0" y="0"/>
+          <a:chExt cx="0" cy="0"/>
+        </a:xfrm>
+      </p:grpSpPr>
+      <p:pic>
+        <p:nvPicPr>
           <p:cNvPr id="184" name="Google Shape;184;p38"/>
+          <p:cNvPicPr preferRelativeResize="0"/>
+          <p:nvPr/>
+        </p:nvPicPr>
+        <p:blipFill>
+          <a:blip r:embed="rId3">
+            <a:alphaModFix/>
+          </a:blip>
+          <a:stretch>
+            <a:fillRect/>
+          </a:stretch>
+        </p:blipFill>
+        <p:spPr>
+          <a:xfrm>
+            <a:off x="0" y="4710300"/>
+            <a:ext cx="9144000" cy="433200"/>
+          </a:xfrm>
+          <a:prstGeom prst="rect">
+            <a:avLst/>
+          </a:prstGeom>
+          <a:noFill/>
+          <a:ln>
+            <a:noFill/>
+          </a:ln>
+        </p:spPr>
+      </p:pic>
+      <p:sp>
+        <p:nvSpPr>
+          <p:cNvPr id="185" name="Google Shape;185;p38"/>
           <p:cNvSpPr txBox="1"/>
           <p:nvPr>
             <p:ph type="title"/>
@@ -23399,7 +23319,7 @@
       </p:sp>
       <p:sp>
         <p:nvSpPr>
-          <p:cNvPr id="185" name="Google Shape;185;p38"/>
+          <p:cNvPr id="186" name="Google Shape;186;p38"/>
           <p:cNvSpPr txBox="1"/>
           <p:nvPr>
             <p:ph idx="12" type="sldNum"/>
@@ -23447,7 +23367,7 @@
       </p:sp>
       <p:sp>
         <p:nvSpPr>
-          <p:cNvPr id="186" name="Google Shape;186;p38"/>
+          <p:cNvPr id="187" name="Google Shape;187;p38"/>
           <p:cNvSpPr txBox="1"/>
           <p:nvPr/>
         </p:nvSpPr>
@@ -23603,7 +23523,7 @@
       </p:sp>
       <p:pic>
         <p:nvPicPr>
-          <p:cNvPr id="187" name="Google Shape;187;p38"/>
+          <p:cNvPr id="188" name="Google Shape;188;p38"/>
           <p:cNvPicPr preferRelativeResize="0"/>
           <p:nvPr/>
         </p:nvPicPr>
@@ -23641,7 +23561,7 @@
   <p:cSld>
     <p:spTree>
       <p:nvGrpSpPr>
-        <p:cNvPr id="332" name="Shape 332"/>
+        <p:cNvPr id="335" name="Shape 335"/>
         <p:cNvGrpSpPr/>
         <p:nvPr/>
       </p:nvGrpSpPr>
@@ -23655,7 +23575,7 @@
       </p:grpSpPr>
       <p:pic>
         <p:nvPicPr>
-          <p:cNvPr id="333" name="Google Shape;333;p56"/>
+          <p:cNvPr id="336" name="Google Shape;336;p56"/>
           <p:cNvPicPr preferRelativeResize="0"/>
           <p:nvPr/>
         </p:nvPicPr>
@@ -23683,7 +23603,7 @@
       </p:pic>
       <p:sp>
         <p:nvSpPr>
-          <p:cNvPr id="334" name="Google Shape;334;p56"/>
+          <p:cNvPr id="337" name="Google Shape;337;p56"/>
           <p:cNvSpPr txBox="1"/>
           <p:nvPr>
             <p:ph type="title"/>
@@ -23719,7 +23639,7 @@
                   <a:srgbClr val="4A86E8"/>
                 </a:solidFill>
               </a:rPr>
-              <a:t>Data Cleaning</a:t>
+              <a:t>Feature Selection</a:t>
             </a:r>
             <a:endParaRPr>
               <a:solidFill>
@@ -23731,7 +23651,7 @@
       </p:sp>
       <p:sp>
         <p:nvSpPr>
-          <p:cNvPr id="335" name="Google Shape;335;p56"/>
+          <p:cNvPr id="338" name="Google Shape;338;p56"/>
           <p:cNvSpPr txBox="1"/>
           <p:nvPr>
             <p:ph idx="12" type="sldNum"/>
@@ -23779,14 +23699,14 @@
       </p:sp>
       <p:sp>
         <p:nvSpPr>
-          <p:cNvPr id="336" name="Google Shape;336;p56"/>
+          <p:cNvPr id="339" name="Google Shape;339;p56"/>
           <p:cNvSpPr txBox="1"/>
           <p:nvPr/>
         </p:nvSpPr>
         <p:spPr>
           <a:xfrm>
-            <a:off x="171300" y="740725"/>
-            <a:ext cx="8801400" cy="997500"/>
+            <a:off x="171300" y="636825"/>
+            <a:ext cx="8801400" cy="1563900"/>
           </a:xfrm>
           <a:prstGeom prst="rect">
             <a:avLst/>
@@ -23817,7 +23737,7 @@
             </a:pPr>
             <a:r>
               <a:rPr lang="en" sz="1600"/>
-              <a:t>Involves fixing systematic problems or errors in messy data. </a:t>
+              <a:t>Techniques for selecting a subset of input features that are most relevant to the target variable that is being predicted.</a:t>
             </a:r>
             <a:endParaRPr sz="1600"/>
           </a:p>
@@ -23837,7 +23757,7 @@
             </a:pPr>
             <a:r>
               <a:rPr lang="en" sz="1600"/>
-              <a:t>Involves deep domain expertise.</a:t>
+              <a:t>Irrelevant and redundant input variables can distract or mislead learning algorithms possibly resulting in lower predictive performance.</a:t>
             </a:r>
             <a:endParaRPr sz="1600"/>
           </a:p>
@@ -23857,7 +23777,7 @@
             </a:pPr>
             <a:r>
               <a:rPr lang="en" sz="1600"/>
-              <a:t>involve identifying and addressing specific observations that may be incorrect.</a:t>
+              <a:t>The goal is to favor the simplest possible well performing model.</a:t>
             </a:r>
             <a:endParaRPr sz="1600"/>
           </a:p>
@@ -23865,7 +23785,7 @@
       </p:sp>
       <p:pic>
         <p:nvPicPr>
-          <p:cNvPr id="337" name="Google Shape;337;p56"/>
+          <p:cNvPr id="340" name="Google Shape;340;p56"/>
           <p:cNvPicPr preferRelativeResize="0"/>
           <p:nvPr/>
         </p:nvPicPr>
@@ -23879,8 +23799,8 @@
         </p:blipFill>
         <p:spPr>
           <a:xfrm>
-            <a:off x="1123050" y="1836900"/>
-            <a:ext cx="5631048" cy="2450501"/>
+            <a:off x="2397475" y="2146225"/>
+            <a:ext cx="3968326" cy="2440600"/>
           </a:xfrm>
           <a:prstGeom prst="rect">
             <a:avLst/>
@@ -23893,14 +23813,14 @@
       </p:pic>
       <p:sp>
         <p:nvSpPr>
-          <p:cNvPr id="338" name="Google Shape;338;p56"/>
+          <p:cNvPr id="341" name="Google Shape;341;p56"/>
           <p:cNvSpPr txBox="1"/>
           <p:nvPr/>
         </p:nvSpPr>
         <p:spPr>
           <a:xfrm>
-            <a:off x="3223650" y="4153250"/>
-            <a:ext cx="1652700" cy="400200"/>
+            <a:off x="3248523" y="4329900"/>
+            <a:ext cx="1705800" cy="400200"/>
           </a:xfrm>
           <a:prstGeom prst="rect">
             <a:avLst/>
@@ -23956,7 +23876,7 @@
   <p:cSld>
     <p:spTree>
       <p:nvGrpSpPr>
-        <p:cNvPr id="342" name="Shape 342"/>
+        <p:cNvPr id="345" name="Shape 345"/>
         <p:cNvGrpSpPr/>
         <p:nvPr/>
       </p:nvGrpSpPr>
@@ -23970,7 +23890,7 @@
       </p:grpSpPr>
       <p:pic>
         <p:nvPicPr>
-          <p:cNvPr id="343" name="Google Shape;343;p57"/>
+          <p:cNvPr id="346" name="Google Shape;346;p57"/>
           <p:cNvPicPr preferRelativeResize="0"/>
           <p:nvPr/>
         </p:nvPicPr>
@@ -23998,7 +23918,7 @@
       </p:pic>
       <p:sp>
         <p:nvSpPr>
-          <p:cNvPr id="344" name="Google Shape;344;p57"/>
+          <p:cNvPr id="347" name="Google Shape;347;p57"/>
           <p:cNvSpPr txBox="1"/>
           <p:nvPr>
             <p:ph type="title"/>
@@ -24034,7 +23954,7 @@
                   <a:srgbClr val="4A86E8"/>
                 </a:solidFill>
               </a:rPr>
-              <a:t>Feature Selection</a:t>
+              <a:t>Data Transformation</a:t>
             </a:r>
             <a:endParaRPr>
               <a:solidFill>
@@ -24046,7 +23966,7 @@
       </p:sp>
       <p:sp>
         <p:nvSpPr>
-          <p:cNvPr id="345" name="Google Shape;345;p57"/>
+          <p:cNvPr id="348" name="Google Shape;348;p57"/>
           <p:cNvSpPr txBox="1"/>
           <p:nvPr>
             <p:ph idx="12" type="sldNum"/>
@@ -24094,322 +24014,7 @@
       </p:sp>
       <p:sp>
         <p:nvSpPr>
-          <p:cNvPr id="346" name="Google Shape;346;p57"/>
-          <p:cNvSpPr txBox="1"/>
-          <p:nvPr/>
-        </p:nvSpPr>
-        <p:spPr>
-          <a:xfrm>
-            <a:off x="171300" y="636825"/>
-            <a:ext cx="8801400" cy="1563900"/>
-          </a:xfrm>
-          <a:prstGeom prst="rect">
-            <a:avLst/>
-          </a:prstGeom>
-          <a:noFill/>
-          <a:ln>
-            <a:noFill/>
-          </a:ln>
-        </p:spPr>
-        <p:txBody>
-          <a:bodyPr anchorCtr="0" anchor="t" bIns="91425" lIns="91425" spcFirstLastPara="1" rIns="91425" wrap="square" tIns="91425">
-            <a:spAutoFit/>
-          </a:bodyPr>
-          <a:lstStyle/>
-          <a:p>
-            <a:pPr indent="-330200" lvl="0" marL="457200" rtl="0" algn="l">
-              <a:lnSpc>
-                <a:spcPct val="115000"/>
-              </a:lnSpc>
-              <a:spcBef>
-                <a:spcPts val="0"/>
-              </a:spcBef>
-              <a:spcAft>
-                <a:spcPts val="0"/>
-              </a:spcAft>
-              <a:buSzPts val="1600"/>
-              <a:buChar char="●"/>
-            </a:pPr>
-            <a:r>
-              <a:rPr lang="en" sz="1600"/>
-              <a:t>Techniques for selecting a subset of input features that are most relevant to the target variable that is being predicted.</a:t>
-            </a:r>
-            <a:endParaRPr sz="1600"/>
-          </a:p>
-          <a:p>
-            <a:pPr indent="-330200" lvl="0" marL="457200" rtl="0" algn="l">
-              <a:lnSpc>
-                <a:spcPct val="115000"/>
-              </a:lnSpc>
-              <a:spcBef>
-                <a:spcPts val="0"/>
-              </a:spcBef>
-              <a:spcAft>
-                <a:spcPts val="0"/>
-              </a:spcAft>
-              <a:buSzPts val="1600"/>
-              <a:buChar char="●"/>
-            </a:pPr>
-            <a:r>
-              <a:rPr lang="en" sz="1600"/>
-              <a:t>Irrelevant and redundant input variables can distract or mislead learning algorithms possibly resulting in lower predictive performance.</a:t>
-            </a:r>
-            <a:endParaRPr sz="1600"/>
-          </a:p>
-          <a:p>
-            <a:pPr indent="-330200" lvl="0" marL="457200" rtl="0" algn="l">
-              <a:lnSpc>
-                <a:spcPct val="115000"/>
-              </a:lnSpc>
-              <a:spcBef>
-                <a:spcPts val="0"/>
-              </a:spcBef>
-              <a:spcAft>
-                <a:spcPts val="0"/>
-              </a:spcAft>
-              <a:buSzPts val="1600"/>
-              <a:buChar char="●"/>
-            </a:pPr>
-            <a:r>
-              <a:rPr lang="en" sz="1600"/>
-              <a:t>The goal is to favor the simplest possible well performing model.</a:t>
-            </a:r>
-            <a:endParaRPr sz="1600"/>
-          </a:p>
-        </p:txBody>
-      </p:sp>
-      <p:pic>
-        <p:nvPicPr>
-          <p:cNvPr id="347" name="Google Shape;347;p57"/>
-          <p:cNvPicPr preferRelativeResize="0"/>
-          <p:nvPr/>
-        </p:nvPicPr>
-        <p:blipFill>
-          <a:blip r:embed="rId4">
-            <a:alphaModFix/>
-          </a:blip>
-          <a:stretch>
-            <a:fillRect/>
-          </a:stretch>
-        </p:blipFill>
-        <p:spPr>
-          <a:xfrm>
-            <a:off x="2397475" y="2146225"/>
-            <a:ext cx="3968326" cy="2440600"/>
-          </a:xfrm>
-          <a:prstGeom prst="rect">
-            <a:avLst/>
-          </a:prstGeom>
-          <a:noFill/>
-          <a:ln>
-            <a:noFill/>
-          </a:ln>
-        </p:spPr>
-      </p:pic>
-      <p:sp>
-        <p:nvSpPr>
-          <p:cNvPr id="348" name="Google Shape;348;p57"/>
-          <p:cNvSpPr txBox="1"/>
-          <p:nvPr/>
-        </p:nvSpPr>
-        <p:spPr>
-          <a:xfrm>
-            <a:off x="3248523" y="4329900"/>
-            <a:ext cx="1705800" cy="400200"/>
-          </a:xfrm>
-          <a:prstGeom prst="rect">
-            <a:avLst/>
-          </a:prstGeom>
-          <a:noFill/>
-          <a:ln>
-            <a:noFill/>
-          </a:ln>
-        </p:spPr>
-        <p:txBody>
-          <a:bodyPr anchorCtr="0" anchor="t" bIns="91425" lIns="91425" spcFirstLastPara="1" rIns="91425" wrap="square" tIns="91425">
-            <a:spAutoFit/>
-          </a:bodyPr>
-          <a:lstStyle/>
-          <a:p>
-            <a:pPr indent="0" lvl="0" marL="0" rtl="0" algn="l">
-              <a:spcBef>
-                <a:spcPts val="0"/>
-              </a:spcBef>
-              <a:spcAft>
-                <a:spcPts val="0"/>
-              </a:spcAft>
-              <a:buNone/>
-            </a:pPr>
-            <a:r>
-              <a:rPr lang="en">
-                <a:latin typeface="Roboto"/>
-                <a:ea typeface="Roboto"/>
-                <a:cs typeface="Roboto"/>
-                <a:sym typeface="Roboto"/>
-              </a:rPr>
-              <a:t>(Brownlee, 2020)</a:t>
-            </a:r>
-            <a:endParaRPr>
-              <a:latin typeface="Roboto"/>
-              <a:ea typeface="Roboto"/>
-              <a:cs typeface="Roboto"/>
-              <a:sym typeface="Roboto"/>
-            </a:endParaRPr>
-          </a:p>
-        </p:txBody>
-      </p:sp>
-    </p:spTree>
-  </p:cSld>
-  <p:clrMapOvr>
-    <a:masterClrMapping/>
-  </p:clrMapOvr>
-</p:sld>
-</file>
-
-<file path=ppt/slides/slide22.xml><?xml version="1.0" encoding="utf-8"?>
-<p:sld xmlns:a="http://schemas.openxmlformats.org/drawingml/2006/main" xmlns:r="http://schemas.openxmlformats.org/officeDocument/2006/relationships" xmlns:mc="http://schemas.openxmlformats.org/markup-compatibility/2006" xmlns:mv="urn:schemas-microsoft-com:mac:vml" xmlns:p="http://schemas.openxmlformats.org/presentationml/2006/main" xmlns:c="http://schemas.openxmlformats.org/drawingml/2006/chart" xmlns:dgm="http://schemas.openxmlformats.org/drawingml/2006/diagram" xmlns:o="urn:schemas-microsoft-com:office:office" xmlns:v="urn:schemas-microsoft-com:vml" xmlns:pvml="urn:schemas-microsoft-com:office:powerpoint" xmlns:com="http://schemas.openxmlformats.org/drawingml/2006/compatibility" xmlns:p14="http://schemas.microsoft.com/office/powerpoint/2010/main" xmlns:p15="http://schemas.microsoft.com/office/powerpoint/2012/main" xmlns:ahyp="http://schemas.microsoft.com/office/drawing/2018/hyperlinkcolor">
-  <p:cSld>
-    <p:spTree>
-      <p:nvGrpSpPr>
-        <p:cNvPr id="352" name="Shape 352"/>
-        <p:cNvGrpSpPr/>
-        <p:nvPr/>
-      </p:nvGrpSpPr>
-      <p:grpSpPr>
-        <a:xfrm>
-          <a:off x="0" y="0"/>
-          <a:ext cx="0" cy="0"/>
-          <a:chOff x="0" y="0"/>
-          <a:chExt cx="0" cy="0"/>
-        </a:xfrm>
-      </p:grpSpPr>
-      <p:pic>
-        <p:nvPicPr>
-          <p:cNvPr id="353" name="Google Shape;353;p58"/>
-          <p:cNvPicPr preferRelativeResize="0"/>
-          <p:nvPr/>
-        </p:nvPicPr>
-        <p:blipFill>
-          <a:blip r:embed="rId3">
-            <a:alphaModFix/>
-          </a:blip>
-          <a:stretch>
-            <a:fillRect/>
-          </a:stretch>
-        </p:blipFill>
-        <p:spPr>
-          <a:xfrm>
-            <a:off x="0" y="4710300"/>
-            <a:ext cx="9144000" cy="433200"/>
-          </a:xfrm>
-          <a:prstGeom prst="rect">
-            <a:avLst/>
-          </a:prstGeom>
-          <a:noFill/>
-          <a:ln>
-            <a:noFill/>
-          </a:ln>
-        </p:spPr>
-      </p:pic>
-      <p:sp>
-        <p:nvSpPr>
-          <p:cNvPr id="354" name="Google Shape;354;p58"/>
-          <p:cNvSpPr txBox="1"/>
-          <p:nvPr>
-            <p:ph type="title"/>
-          </p:nvPr>
-        </p:nvSpPr>
-        <p:spPr>
-          <a:xfrm>
-            <a:off x="311700" y="132925"/>
-            <a:ext cx="8520600" cy="607800"/>
-          </a:xfrm>
-          <a:prstGeom prst="rect">
-            <a:avLst/>
-          </a:prstGeom>
-        </p:spPr>
-        <p:txBody>
-          <a:bodyPr anchorCtr="0" anchor="t" bIns="91425" lIns="91425" spcFirstLastPara="1" rIns="91425" wrap="square" tIns="91425">
-            <a:noAutofit/>
-          </a:bodyPr>
-          <a:lstStyle/>
-          <a:p>
-            <a:pPr indent="0" lvl="0" marL="0" rtl="0" algn="l">
-              <a:spcBef>
-                <a:spcPts val="0"/>
-              </a:spcBef>
-              <a:spcAft>
-                <a:spcPts val="0"/>
-              </a:spcAft>
-              <a:buNone/>
-            </a:pPr>
-            <a:r>
-              <a:rPr lang="en">
-                <a:solidFill>
-                  <a:srgbClr val="4A86E8"/>
-                </a:solidFill>
-              </a:rPr>
-              <a:t>Data Transformation</a:t>
-            </a:r>
-            <a:endParaRPr>
-              <a:solidFill>
-                <a:srgbClr val="4A86E8"/>
-              </a:solidFill>
-            </a:endParaRPr>
-          </a:p>
-        </p:txBody>
-      </p:sp>
-      <p:sp>
-        <p:nvSpPr>
-          <p:cNvPr id="355" name="Google Shape;355;p58"/>
-          <p:cNvSpPr txBox="1"/>
-          <p:nvPr>
-            <p:ph idx="12" type="sldNum"/>
-          </p:nvPr>
-        </p:nvSpPr>
-        <p:spPr>
-          <a:xfrm>
-            <a:off x="6" y="4730090"/>
-            <a:ext cx="548700" cy="393600"/>
-          </a:xfrm>
-          <a:prstGeom prst="rect">
-            <a:avLst/>
-          </a:prstGeom>
-        </p:spPr>
-        <p:txBody>
-          <a:bodyPr anchorCtr="0" anchor="ctr" bIns="91425" lIns="91425" spcFirstLastPara="1" rIns="91425" wrap="square" tIns="91425">
-            <a:noAutofit/>
-          </a:bodyPr>
-          <a:lstStyle/>
-          <a:p>
-            <a:pPr indent="0" lvl="0" marL="0" rtl="0" algn="r">
-              <a:spcBef>
-                <a:spcPts val="0"/>
-              </a:spcBef>
-              <a:spcAft>
-                <a:spcPts val="0"/>
-              </a:spcAft>
-              <a:buNone/>
-            </a:pPr>
-            <a:fld id="{00000000-1234-1234-1234-123412341234}" type="slidenum">
-              <a:rPr lang="en">
-                <a:solidFill>
-                  <a:schemeClr val="lt1"/>
-                </a:solidFill>
-              </a:rPr>
-              <a:t>‹#›</a:t>
-            </a:fld>
-            <a:endParaRPr>
-              <a:solidFill>
-                <a:schemeClr val="lt1"/>
-              </a:solidFill>
-            </a:endParaRPr>
-          </a:p>
-        </p:txBody>
-      </p:sp>
-      <p:sp>
-        <p:nvSpPr>
-          <p:cNvPr id="356" name="Google Shape;356;p58"/>
+          <p:cNvPr id="349" name="Google Shape;349;p57"/>
           <p:cNvSpPr txBox="1"/>
           <p:nvPr/>
         </p:nvSpPr>
@@ -24475,7 +24080,7 @@
       </p:sp>
       <p:sp>
         <p:nvSpPr>
-          <p:cNvPr id="357" name="Google Shape;357;p58"/>
+          <p:cNvPr id="350" name="Google Shape;350;p57"/>
           <p:cNvSpPr txBox="1"/>
           <p:nvPr/>
         </p:nvSpPr>
@@ -24527,7 +24132,7 @@
       </p:sp>
       <p:pic>
         <p:nvPicPr>
-          <p:cNvPr id="358" name="Google Shape;358;p58"/>
+          <p:cNvPr id="351" name="Google Shape;351;p57"/>
           <p:cNvPicPr preferRelativeResize="0"/>
           <p:nvPr/>
         </p:nvPicPr>
@@ -24555,7 +24160,7 @@
       </p:pic>
       <p:pic>
         <p:nvPicPr>
-          <p:cNvPr id="359" name="Google Shape;359;p58"/>
+          <p:cNvPr id="352" name="Google Shape;352;p57"/>
           <p:cNvPicPr preferRelativeResize="0"/>
           <p:nvPr/>
         </p:nvPicPr>
@@ -24589,12 +24194,12 @@
 </p:sld>
 </file>
 
-<file path=ppt/slides/slide23.xml><?xml version="1.0" encoding="utf-8"?>
+<file path=ppt/slides/slide22.xml><?xml version="1.0" encoding="utf-8"?>
 <p:sld xmlns:a="http://schemas.openxmlformats.org/drawingml/2006/main" xmlns:r="http://schemas.openxmlformats.org/officeDocument/2006/relationships" xmlns:mc="http://schemas.openxmlformats.org/markup-compatibility/2006" xmlns:mv="urn:schemas-microsoft-com:mac:vml" xmlns:p="http://schemas.openxmlformats.org/presentationml/2006/main" xmlns:c="http://schemas.openxmlformats.org/drawingml/2006/chart" xmlns:dgm="http://schemas.openxmlformats.org/drawingml/2006/diagram" xmlns:o="urn:schemas-microsoft-com:office:office" xmlns:v="urn:schemas-microsoft-com:vml" xmlns:pvml="urn:schemas-microsoft-com:office:powerpoint" xmlns:com="http://schemas.openxmlformats.org/drawingml/2006/compatibility" xmlns:p14="http://schemas.microsoft.com/office/powerpoint/2010/main" xmlns:p15="http://schemas.microsoft.com/office/powerpoint/2012/main" xmlns:ahyp="http://schemas.microsoft.com/office/drawing/2018/hyperlinkcolor">
   <p:cSld>
     <p:spTree>
       <p:nvGrpSpPr>
-        <p:cNvPr id="363" name="Shape 363"/>
+        <p:cNvPr id="356" name="Shape 356"/>
         <p:cNvGrpSpPr/>
         <p:nvPr/>
       </p:nvGrpSpPr>
@@ -24608,7 +24213,7 @@
       </p:grpSpPr>
       <p:pic>
         <p:nvPicPr>
-          <p:cNvPr id="364" name="Google Shape;364;p59"/>
+          <p:cNvPr id="357" name="Google Shape;357;p58"/>
           <p:cNvPicPr preferRelativeResize="0"/>
           <p:nvPr/>
         </p:nvPicPr>
@@ -24636,7 +24241,7 @@
       </p:pic>
       <p:sp>
         <p:nvSpPr>
-          <p:cNvPr id="365" name="Google Shape;365;p59"/>
+          <p:cNvPr id="358" name="Google Shape;358;p58"/>
           <p:cNvSpPr txBox="1"/>
           <p:nvPr>
             <p:ph type="title"/>
@@ -24684,7 +24289,7 @@
       </p:sp>
       <p:sp>
         <p:nvSpPr>
-          <p:cNvPr id="366" name="Google Shape;366;p59"/>
+          <p:cNvPr id="359" name="Google Shape;359;p58"/>
           <p:cNvSpPr txBox="1"/>
           <p:nvPr>
             <p:ph idx="12" type="sldNum"/>
@@ -24732,7 +24337,7 @@
       </p:sp>
       <p:sp>
         <p:nvSpPr>
-          <p:cNvPr id="367" name="Google Shape;367;p59"/>
+          <p:cNvPr id="360" name="Google Shape;360;p58"/>
           <p:cNvSpPr txBox="1"/>
           <p:nvPr/>
         </p:nvSpPr>
@@ -24818,7 +24423,7 @@
       </p:sp>
       <p:pic>
         <p:nvPicPr>
-          <p:cNvPr id="368" name="Google Shape;368;p59"/>
+          <p:cNvPr id="361" name="Google Shape;361;p58"/>
           <p:cNvPicPr preferRelativeResize="0"/>
           <p:nvPr/>
         </p:nvPicPr>
@@ -24846,7 +24451,7 @@
       </p:pic>
       <p:sp>
         <p:nvSpPr>
-          <p:cNvPr id="369" name="Google Shape;369;p59"/>
+          <p:cNvPr id="362" name="Google Shape;362;p58"/>
           <p:cNvSpPr txBox="1"/>
           <p:nvPr/>
         </p:nvSpPr>
@@ -24972,7 +24577,7 @@
       </p:sp>
       <p:sp>
         <p:nvSpPr>
-          <p:cNvPr id="370" name="Google Shape;370;p59"/>
+          <p:cNvPr id="363" name="Google Shape;363;p58"/>
           <p:cNvSpPr txBox="1"/>
           <p:nvPr/>
         </p:nvSpPr>
@@ -25048,12 +24653,12 @@
 </p:sld>
 </file>
 
-<file path=ppt/slides/slide24.xml><?xml version="1.0" encoding="utf-8"?>
+<file path=ppt/slides/slide23.xml><?xml version="1.0" encoding="utf-8"?>
 <p:sld xmlns:a="http://schemas.openxmlformats.org/drawingml/2006/main" xmlns:r="http://schemas.openxmlformats.org/officeDocument/2006/relationships" xmlns:mc="http://schemas.openxmlformats.org/markup-compatibility/2006" xmlns:mv="urn:schemas-microsoft-com:mac:vml" xmlns:p="http://schemas.openxmlformats.org/presentationml/2006/main" xmlns:c="http://schemas.openxmlformats.org/drawingml/2006/chart" xmlns:dgm="http://schemas.openxmlformats.org/drawingml/2006/diagram" xmlns:o="urn:schemas-microsoft-com:office:office" xmlns:v="urn:schemas-microsoft-com:vml" xmlns:pvml="urn:schemas-microsoft-com:office:powerpoint" xmlns:com="http://schemas.openxmlformats.org/drawingml/2006/compatibility" xmlns:p14="http://schemas.microsoft.com/office/powerpoint/2010/main" xmlns:p15="http://schemas.microsoft.com/office/powerpoint/2012/main" xmlns:ahyp="http://schemas.microsoft.com/office/drawing/2018/hyperlinkcolor">
   <p:cSld>
     <p:spTree>
       <p:nvGrpSpPr>
-        <p:cNvPr id="374" name="Shape 374"/>
+        <p:cNvPr id="367" name="Shape 367"/>
         <p:cNvGrpSpPr/>
         <p:nvPr/>
       </p:nvGrpSpPr>
@@ -25067,7 +24672,7 @@
       </p:grpSpPr>
       <p:pic>
         <p:nvPicPr>
-          <p:cNvPr id="375" name="Google Shape;375;p60"/>
+          <p:cNvPr id="368" name="Google Shape;368;p59"/>
           <p:cNvPicPr preferRelativeResize="0"/>
           <p:nvPr/>
         </p:nvPicPr>
@@ -25095,7 +24700,7 @@
       </p:pic>
       <p:sp>
         <p:nvSpPr>
-          <p:cNvPr id="376" name="Google Shape;376;p60"/>
+          <p:cNvPr id="369" name="Google Shape;369;p59"/>
           <p:cNvSpPr txBox="1"/>
           <p:nvPr>
             <p:ph type="title"/>
@@ -25143,7 +24748,7 @@
       </p:sp>
       <p:sp>
         <p:nvSpPr>
-          <p:cNvPr id="377" name="Google Shape;377;p60"/>
+          <p:cNvPr id="370" name="Google Shape;370;p59"/>
           <p:cNvSpPr txBox="1"/>
           <p:nvPr>
             <p:ph idx="12" type="sldNum"/>
@@ -25191,7 +24796,7 @@
       </p:sp>
       <p:sp>
         <p:nvSpPr>
-          <p:cNvPr id="378" name="Google Shape;378;p60"/>
+          <p:cNvPr id="371" name="Google Shape;371;p59"/>
           <p:cNvSpPr txBox="1"/>
           <p:nvPr/>
         </p:nvSpPr>
@@ -25269,7 +24874,7 @@
       </p:sp>
       <p:pic>
         <p:nvPicPr>
-          <p:cNvPr id="379" name="Google Shape;379;p60"/>
+          <p:cNvPr id="372" name="Google Shape;372;p59"/>
           <p:cNvPicPr preferRelativeResize="0"/>
           <p:nvPr/>
         </p:nvPicPr>
@@ -25297,7 +24902,7 @@
       </p:pic>
       <p:sp>
         <p:nvSpPr>
-          <p:cNvPr id="380" name="Google Shape;380;p60"/>
+          <p:cNvPr id="373" name="Google Shape;373;p59"/>
           <p:cNvSpPr txBox="1"/>
           <p:nvPr/>
         </p:nvSpPr>
@@ -25355,12 +24960,12 @@
 </p:sld>
 </file>
 
-<file path=ppt/slides/slide25.xml><?xml version="1.0" encoding="utf-8"?>
+<file path=ppt/slides/slide24.xml><?xml version="1.0" encoding="utf-8"?>
 <p:sld xmlns:a="http://schemas.openxmlformats.org/drawingml/2006/main" xmlns:r="http://schemas.openxmlformats.org/officeDocument/2006/relationships" xmlns:mc="http://schemas.openxmlformats.org/markup-compatibility/2006" xmlns:mv="urn:schemas-microsoft-com:mac:vml" xmlns:p="http://schemas.openxmlformats.org/presentationml/2006/main" xmlns:c="http://schemas.openxmlformats.org/drawingml/2006/chart" xmlns:dgm="http://schemas.openxmlformats.org/drawingml/2006/diagram" xmlns:o="urn:schemas-microsoft-com:office:office" xmlns:v="urn:schemas-microsoft-com:vml" xmlns:pvml="urn:schemas-microsoft-com:office:powerpoint" xmlns:com="http://schemas.openxmlformats.org/drawingml/2006/compatibility" xmlns:p14="http://schemas.microsoft.com/office/powerpoint/2010/main" xmlns:p15="http://schemas.microsoft.com/office/powerpoint/2012/main" xmlns:ahyp="http://schemas.microsoft.com/office/drawing/2018/hyperlinkcolor">
   <p:cSld>
     <p:spTree>
       <p:nvGrpSpPr>
-        <p:cNvPr id="384" name="Shape 384"/>
+        <p:cNvPr id="377" name="Shape 377"/>
         <p:cNvGrpSpPr/>
         <p:nvPr/>
       </p:nvGrpSpPr>
@@ -25374,7 +24979,7 @@
       </p:grpSpPr>
       <p:pic>
         <p:nvPicPr>
-          <p:cNvPr id="385" name="Google Shape;385;p61"/>
+          <p:cNvPr id="378" name="Google Shape;378;p60"/>
           <p:cNvPicPr preferRelativeResize="0"/>
           <p:nvPr/>
         </p:nvPicPr>
@@ -25402,7 +25007,7 @@
       </p:pic>
       <p:sp>
         <p:nvSpPr>
-          <p:cNvPr id="386" name="Google Shape;386;p61"/>
+          <p:cNvPr id="379" name="Google Shape;379;p60"/>
           <p:cNvSpPr txBox="1"/>
           <p:nvPr>
             <p:ph type="title"/>
@@ -25450,7 +25055,7 @@
       </p:sp>
       <p:sp>
         <p:nvSpPr>
-          <p:cNvPr id="387" name="Google Shape;387;p61"/>
+          <p:cNvPr id="380" name="Google Shape;380;p60"/>
           <p:cNvSpPr txBox="1"/>
           <p:nvPr>
             <p:ph idx="12" type="sldNum"/>
@@ -25506,7 +25111,7 @@
       </p:sp>
       <p:sp>
         <p:nvSpPr>
-          <p:cNvPr id="388" name="Google Shape;388;p61"/>
+          <p:cNvPr id="381" name="Google Shape;381;p60"/>
           <p:cNvSpPr txBox="1"/>
           <p:nvPr/>
         </p:nvSpPr>
@@ -25569,7 +25174,7 @@
       </p:sp>
       <p:sp>
         <p:nvSpPr>
-          <p:cNvPr id="389" name="Google Shape;389;p61"/>
+          <p:cNvPr id="382" name="Google Shape;382;p60"/>
           <p:cNvSpPr txBox="1"/>
           <p:nvPr/>
         </p:nvSpPr>
@@ -25610,7 +25215,7 @@
       </p:sp>
       <p:sp>
         <p:nvSpPr>
-          <p:cNvPr id="390" name="Google Shape;390;p61"/>
+          <p:cNvPr id="383" name="Google Shape;383;p60"/>
           <p:cNvSpPr txBox="1"/>
           <p:nvPr/>
         </p:nvSpPr>
@@ -25704,7 +25309,7 @@
       </p:sp>
       <p:sp>
         <p:nvSpPr>
-          <p:cNvPr id="391" name="Google Shape;391;p61"/>
+          <p:cNvPr id="384" name="Google Shape;384;p60"/>
           <p:cNvSpPr txBox="1"/>
           <p:nvPr/>
         </p:nvSpPr>
@@ -25758,7 +25363,7 @@
       </p:sp>
       <p:sp>
         <p:nvSpPr>
-          <p:cNvPr id="392" name="Google Shape;392;p61"/>
+          <p:cNvPr id="385" name="Google Shape;385;p60"/>
           <p:cNvSpPr txBox="1"/>
           <p:nvPr/>
         </p:nvSpPr>
@@ -25852,7 +25457,7 @@
       </p:sp>
       <p:sp>
         <p:nvSpPr>
-          <p:cNvPr id="393" name="Google Shape;393;p61"/>
+          <p:cNvPr id="386" name="Google Shape;386;p60"/>
           <p:cNvSpPr txBox="1"/>
           <p:nvPr/>
         </p:nvSpPr>
@@ -25924,7 +25529,7 @@
       </p:sp>
       <p:sp>
         <p:nvSpPr>
-          <p:cNvPr id="394" name="Google Shape;394;p61"/>
+          <p:cNvPr id="387" name="Google Shape;387;p60"/>
           <p:cNvSpPr txBox="1"/>
           <p:nvPr/>
         </p:nvSpPr>
@@ -26018,7 +25623,7 @@
       </p:sp>
       <p:sp>
         <p:nvSpPr>
-          <p:cNvPr id="395" name="Google Shape;395;p61"/>
+          <p:cNvPr id="388" name="Google Shape;388;p60"/>
           <p:cNvSpPr txBox="1"/>
           <p:nvPr/>
         </p:nvSpPr>
@@ -26060,7 +25665,7 @@
       </p:sp>
       <p:sp>
         <p:nvSpPr>
-          <p:cNvPr id="396" name="Google Shape;396;p61"/>
+          <p:cNvPr id="389" name="Google Shape;389;p60"/>
           <p:cNvSpPr txBox="1"/>
           <p:nvPr/>
         </p:nvSpPr>
@@ -26102,7 +25707,7 @@
       </p:sp>
       <p:sp>
         <p:nvSpPr>
-          <p:cNvPr id="397" name="Google Shape;397;p61"/>
+          <p:cNvPr id="390" name="Google Shape;390;p60"/>
           <p:cNvSpPr txBox="1"/>
           <p:nvPr/>
         </p:nvSpPr>
@@ -26181,7 +25786,7 @@
                                           </p:stCondLst>
                                         </p:cTn>
                                         <p:tgtEl>
-                                          <p:spTgt spid="395"/>
+                                          <p:spTgt spid="388"/>
                                         </p:tgtEl>
                                         <p:attrNameLst>
                                           <p:attrName>style.visibility</p:attrName>
@@ -26195,7 +25800,7 @@
                                       <p:cBhvr>
                                         <p:cTn dur="1000"/>
                                         <p:tgtEl>
-                                          <p:spTgt spid="395"/>
+                                          <p:spTgt spid="388"/>
                                         </p:tgtEl>
                                       </p:cBhvr>
                                     </p:animEffect>
@@ -26234,7 +25839,7 @@
                                           </p:stCondLst>
                                         </p:cTn>
                                         <p:tgtEl>
-                                          <p:spTgt spid="396"/>
+                                          <p:spTgt spid="389"/>
                                         </p:tgtEl>
                                         <p:attrNameLst>
                                           <p:attrName>style.visibility</p:attrName>
@@ -26248,7 +25853,7 @@
                                       <p:cBhvr>
                                         <p:cTn dur="1000"/>
                                         <p:tgtEl>
-                                          <p:spTgt spid="396"/>
+                                          <p:spTgt spid="389"/>
                                         </p:tgtEl>
                                       </p:cBhvr>
                                     </p:animEffect>
@@ -26287,7 +25892,7 @@
                                           </p:stCondLst>
                                         </p:cTn>
                                         <p:tgtEl>
-                                          <p:spTgt spid="397"/>
+                                          <p:spTgt spid="390"/>
                                         </p:tgtEl>
                                         <p:attrNameLst>
                                           <p:attrName>style.visibility</p:attrName>
@@ -26301,7 +25906,7 @@
                                       <p:cBhvr>
                                         <p:cTn dur="1000"/>
                                         <p:tgtEl>
-                                          <p:spTgt spid="397"/>
+                                          <p:spTgt spid="390"/>
                                         </p:tgtEl>
                                       </p:cBhvr>
                                     </p:animEffect>
@@ -26339,12 +25944,12 @@
 </p:sld>
 </file>
 
-<file path=ppt/slides/slide26.xml><?xml version="1.0" encoding="utf-8"?>
+<file path=ppt/slides/slide25.xml><?xml version="1.0" encoding="utf-8"?>
 <p:sld xmlns:a="http://schemas.openxmlformats.org/drawingml/2006/main" xmlns:r="http://schemas.openxmlformats.org/officeDocument/2006/relationships" xmlns:mc="http://schemas.openxmlformats.org/markup-compatibility/2006" xmlns:mv="urn:schemas-microsoft-com:mac:vml" xmlns:p="http://schemas.openxmlformats.org/presentationml/2006/main" xmlns:c="http://schemas.openxmlformats.org/drawingml/2006/chart" xmlns:dgm="http://schemas.openxmlformats.org/drawingml/2006/diagram" xmlns:o="urn:schemas-microsoft-com:office:office" xmlns:v="urn:schemas-microsoft-com:vml" xmlns:pvml="urn:schemas-microsoft-com:office:powerpoint" xmlns:com="http://schemas.openxmlformats.org/drawingml/2006/compatibility" xmlns:p14="http://schemas.microsoft.com/office/powerpoint/2010/main" xmlns:p15="http://schemas.microsoft.com/office/powerpoint/2012/main" xmlns:ahyp="http://schemas.microsoft.com/office/drawing/2018/hyperlinkcolor">
   <p:cSld>
     <p:spTree>
       <p:nvGrpSpPr>
-        <p:cNvPr id="401" name="Shape 401"/>
+        <p:cNvPr id="394" name="Shape 394"/>
         <p:cNvGrpSpPr/>
         <p:nvPr/>
       </p:nvGrpSpPr>
@@ -26358,7 +25963,7 @@
       </p:grpSpPr>
       <p:pic>
         <p:nvPicPr>
-          <p:cNvPr id="402" name="Google Shape;402;p62"/>
+          <p:cNvPr id="395" name="Google Shape;395;p61"/>
           <p:cNvPicPr preferRelativeResize="0"/>
           <p:nvPr/>
         </p:nvPicPr>
@@ -26386,7 +25991,7 @@
       </p:pic>
       <p:sp>
         <p:nvSpPr>
-          <p:cNvPr id="403" name="Google Shape;403;p62"/>
+          <p:cNvPr id="396" name="Google Shape;396;p61"/>
           <p:cNvSpPr txBox="1"/>
           <p:nvPr>
             <p:ph type="title"/>
@@ -26434,7 +26039,7 @@
       </p:sp>
       <p:sp>
         <p:nvSpPr>
-          <p:cNvPr id="404" name="Google Shape;404;p62"/>
+          <p:cNvPr id="397" name="Google Shape;397;p61"/>
           <p:cNvSpPr txBox="1"/>
           <p:nvPr/>
         </p:nvSpPr>
@@ -26555,7 +26160,7 @@
       </p:sp>
       <p:sp>
         <p:nvSpPr>
-          <p:cNvPr id="405" name="Google Shape;405;p62"/>
+          <p:cNvPr id="398" name="Google Shape;398;p61"/>
           <p:cNvSpPr txBox="1"/>
           <p:nvPr>
             <p:ph idx="12" type="sldNum"/>
@@ -26609,12 +26214,12 @@
 </p:sld>
 </file>
 
-<file path=ppt/slides/slide27.xml><?xml version="1.0" encoding="utf-8"?>
+<file path=ppt/slides/slide26.xml><?xml version="1.0" encoding="utf-8"?>
 <p:sld xmlns:a="http://schemas.openxmlformats.org/drawingml/2006/main" xmlns:r="http://schemas.openxmlformats.org/officeDocument/2006/relationships" xmlns:mc="http://schemas.openxmlformats.org/markup-compatibility/2006" xmlns:mv="urn:schemas-microsoft-com:mac:vml" xmlns:p="http://schemas.openxmlformats.org/presentationml/2006/main" xmlns:c="http://schemas.openxmlformats.org/drawingml/2006/chart" xmlns:dgm="http://schemas.openxmlformats.org/drawingml/2006/diagram" xmlns:o="urn:schemas-microsoft-com:office:office" xmlns:v="urn:schemas-microsoft-com:vml" xmlns:pvml="urn:schemas-microsoft-com:office:powerpoint" xmlns:com="http://schemas.openxmlformats.org/drawingml/2006/compatibility" xmlns:p14="http://schemas.microsoft.com/office/powerpoint/2010/main" xmlns:p15="http://schemas.microsoft.com/office/powerpoint/2012/main" xmlns:ahyp="http://schemas.microsoft.com/office/drawing/2018/hyperlinkcolor">
   <p:cSld>
     <p:spTree>
       <p:nvGrpSpPr>
-        <p:cNvPr id="409" name="Shape 409"/>
+        <p:cNvPr id="402" name="Shape 402"/>
         <p:cNvGrpSpPr/>
         <p:nvPr/>
       </p:nvGrpSpPr>
@@ -26628,7 +26233,7 @@
       </p:grpSpPr>
       <p:pic>
         <p:nvPicPr>
-          <p:cNvPr id="410" name="Google Shape;410;p63"/>
+          <p:cNvPr id="403" name="Google Shape;403;p62"/>
           <p:cNvPicPr preferRelativeResize="0"/>
           <p:nvPr/>
         </p:nvPicPr>
@@ -26656,7 +26261,7 @@
       </p:pic>
       <p:sp>
         <p:nvSpPr>
-          <p:cNvPr id="411" name="Google Shape;411;p63"/>
+          <p:cNvPr id="404" name="Google Shape;404;p62"/>
           <p:cNvSpPr txBox="1"/>
           <p:nvPr>
             <p:ph type="title"/>
@@ -26704,7 +26309,7 @@
       </p:sp>
       <p:sp>
         <p:nvSpPr>
-          <p:cNvPr id="412" name="Google Shape;412;p63"/>
+          <p:cNvPr id="405" name="Google Shape;405;p62"/>
           <p:cNvSpPr txBox="1"/>
           <p:nvPr>
             <p:ph idx="12" type="sldNum"/>
@@ -26752,7 +26357,7 @@
       </p:sp>
       <p:sp>
         <p:nvSpPr>
-          <p:cNvPr id="413" name="Google Shape;413;p63"/>
+          <p:cNvPr id="406" name="Google Shape;406;p62"/>
           <p:cNvSpPr txBox="1"/>
           <p:nvPr/>
         </p:nvSpPr>
@@ -26908,7 +26513,7 @@
       </p:sp>
       <p:pic>
         <p:nvPicPr>
-          <p:cNvPr id="414" name="Google Shape;414;p63"/>
+          <p:cNvPr id="407" name="Google Shape;407;p62"/>
           <p:cNvPicPr preferRelativeResize="0"/>
           <p:nvPr/>
         </p:nvPicPr>
@@ -26946,7 +26551,7 @@
   <p:cSld>
     <p:spTree>
       <p:nvGrpSpPr>
-        <p:cNvPr id="191" name="Shape 191"/>
+        <p:cNvPr id="192" name="Shape 192"/>
         <p:cNvGrpSpPr/>
         <p:nvPr/>
       </p:nvGrpSpPr>
@@ -26960,7 +26565,7 @@
       </p:grpSpPr>
       <p:pic>
         <p:nvPicPr>
-          <p:cNvPr id="192" name="Google Shape;192;p39"/>
+          <p:cNvPr id="193" name="Google Shape;193;p39"/>
           <p:cNvPicPr preferRelativeResize="0"/>
           <p:nvPr/>
         </p:nvPicPr>
@@ -26988,7 +26593,7 @@
       </p:pic>
       <p:sp>
         <p:nvSpPr>
-          <p:cNvPr id="193" name="Google Shape;193;p39"/>
+          <p:cNvPr id="194" name="Google Shape;194;p39"/>
           <p:cNvSpPr txBox="1"/>
           <p:nvPr>
             <p:ph type="title"/>
@@ -27036,7 +26641,7 @@
       </p:sp>
       <p:sp>
         <p:nvSpPr>
-          <p:cNvPr id="194" name="Google Shape;194;p39"/>
+          <p:cNvPr id="195" name="Google Shape;195;p39"/>
           <p:cNvSpPr txBox="1"/>
           <p:nvPr>
             <p:ph idx="12" type="sldNum"/>
@@ -27084,7 +26689,7 @@
       </p:sp>
       <p:sp>
         <p:nvSpPr>
-          <p:cNvPr id="195" name="Google Shape;195;p39"/>
+          <p:cNvPr id="196" name="Google Shape;196;p39"/>
           <p:cNvSpPr txBox="1"/>
           <p:nvPr/>
         </p:nvSpPr>
@@ -27322,7 +26927,7 @@
             </a:pPr>
             <a:r>
               <a:rPr lang="en" sz="1600"/>
-              <a:t>Introduction to Google Colab, NumPy and Pandas</a:t>
+              <a:t>Introduction to Google Colab, NumPy and Pandas, Gene family prediction</a:t>
             </a:r>
             <a:endParaRPr sz="1600"/>
           </a:p>
@@ -27361,7 +26966,7 @@
   <p:cSld>
     <p:spTree>
       <p:nvGrpSpPr>
-        <p:cNvPr id="199" name="Shape 199"/>
+        <p:cNvPr id="200" name="Shape 200"/>
         <p:cNvGrpSpPr/>
         <p:nvPr/>
       </p:nvGrpSpPr>
@@ -27375,7 +26980,7 @@
       </p:grpSpPr>
       <p:pic>
         <p:nvPicPr>
-          <p:cNvPr id="200" name="Google Shape;200;p40"/>
+          <p:cNvPr id="201" name="Google Shape;201;p40"/>
           <p:cNvPicPr preferRelativeResize="0"/>
           <p:nvPr/>
         </p:nvPicPr>
@@ -27403,7 +27008,7 @@
       </p:pic>
       <p:sp>
         <p:nvSpPr>
-          <p:cNvPr id="201" name="Google Shape;201;p40"/>
+          <p:cNvPr id="202" name="Google Shape;202;p40"/>
           <p:cNvSpPr txBox="1"/>
           <p:nvPr>
             <p:ph type="title"/>
@@ -27451,7 +27056,7 @@
       </p:sp>
       <p:sp>
         <p:nvSpPr>
-          <p:cNvPr id="202" name="Google Shape;202;p40"/>
+          <p:cNvPr id="203" name="Google Shape;203;p40"/>
           <p:cNvSpPr txBox="1"/>
           <p:nvPr>
             <p:ph idx="12" type="sldNum"/>
@@ -27499,7 +27104,7 @@
       </p:sp>
       <p:sp>
         <p:nvSpPr>
-          <p:cNvPr id="203" name="Google Shape;203;p40"/>
+          <p:cNvPr id="204" name="Google Shape;204;p40"/>
           <p:cNvSpPr txBox="1"/>
           <p:nvPr/>
         </p:nvSpPr>
@@ -27655,7 +27260,7 @@
       </p:sp>
       <p:pic>
         <p:nvPicPr>
-          <p:cNvPr id="204" name="Google Shape;204;p40"/>
+          <p:cNvPr id="205" name="Google Shape;205;p40"/>
           <p:cNvPicPr preferRelativeResize="0"/>
           <p:nvPr/>
         </p:nvPicPr>
@@ -27693,7 +27298,7 @@
   <p:cSld>
     <p:spTree>
       <p:nvGrpSpPr>
-        <p:cNvPr id="208" name="Shape 208"/>
+        <p:cNvPr id="209" name="Shape 209"/>
         <p:cNvGrpSpPr/>
         <p:nvPr/>
       </p:nvGrpSpPr>
@@ -27707,7 +27312,7 @@
       </p:grpSpPr>
       <p:sp>
         <p:nvSpPr>
-          <p:cNvPr id="209" name="Google Shape;209;p41"/>
+          <p:cNvPr id="210" name="Google Shape;210;p41"/>
           <p:cNvSpPr txBox="1"/>
           <p:nvPr>
             <p:ph idx="4294967295" type="ctrTitle"/>
@@ -27755,7 +27360,7 @@
       </p:sp>
       <p:sp>
         <p:nvSpPr>
-          <p:cNvPr id="210" name="Google Shape;210;p41"/>
+          <p:cNvPr id="211" name="Google Shape;211;p41"/>
           <p:cNvSpPr txBox="1"/>
           <p:nvPr>
             <p:ph idx="12" type="sldNum"/>
@@ -27795,7 +27400,7 @@
       </p:sp>
       <p:pic>
         <p:nvPicPr>
-          <p:cNvPr id="211" name="Google Shape;211;p41"/>
+          <p:cNvPr id="212" name="Google Shape;212;p41"/>
           <p:cNvPicPr preferRelativeResize="0"/>
           <p:nvPr/>
         </p:nvPicPr>
@@ -27834,7 +27439,7 @@
   <p:cSld>
     <p:spTree>
       <p:nvGrpSpPr>
-        <p:cNvPr id="215" name="Shape 215"/>
+        <p:cNvPr id="216" name="Shape 216"/>
         <p:cNvGrpSpPr/>
         <p:nvPr/>
       </p:nvGrpSpPr>
@@ -27848,7 +27453,7 @@
       </p:grpSpPr>
       <p:pic>
         <p:nvPicPr>
-          <p:cNvPr id="216" name="Google Shape;216;p42"/>
+          <p:cNvPr id="217" name="Google Shape;217;p42"/>
           <p:cNvPicPr preferRelativeResize="0"/>
           <p:nvPr/>
         </p:nvPicPr>
@@ -27876,7 +27481,7 @@
       </p:pic>
       <p:sp>
         <p:nvSpPr>
-          <p:cNvPr id="217" name="Google Shape;217;p42"/>
+          <p:cNvPr id="218" name="Google Shape;218;p42"/>
           <p:cNvSpPr txBox="1"/>
           <p:nvPr>
             <p:ph type="title"/>
@@ -27932,7 +27537,7 @@
       </p:sp>
       <p:sp>
         <p:nvSpPr>
-          <p:cNvPr id="218" name="Google Shape;218;p42"/>
+          <p:cNvPr id="219" name="Google Shape;219;p42"/>
           <p:cNvSpPr txBox="1"/>
           <p:nvPr>
             <p:ph idx="12" type="sldNum"/>
@@ -27980,7 +27585,7 @@
       </p:sp>
       <p:sp>
         <p:nvSpPr>
-          <p:cNvPr id="219" name="Google Shape;219;p42"/>
+          <p:cNvPr id="220" name="Google Shape;220;p42"/>
           <p:cNvSpPr txBox="1"/>
           <p:nvPr/>
         </p:nvSpPr>
@@ -28038,7 +27643,7 @@
             </a:pPr>
             <a:r>
               <a:rPr lang="en" sz="1600"/>
-              <a:t>Learning enough about the project to select the framing or framings of the prediction task.</a:t>
+              <a:t>Learning enough about the project to select the model or models for the prediction task.</a:t>
             </a:r>
             <a:endParaRPr sz="1600"/>
           </a:p>
@@ -28177,7 +27782,7 @@
   <p:cSld>
     <p:spTree>
       <p:nvGrpSpPr>
-        <p:cNvPr id="223" name="Shape 223"/>
+        <p:cNvPr id="224" name="Shape 224"/>
         <p:cNvGrpSpPr/>
         <p:nvPr/>
       </p:nvGrpSpPr>
@@ -28191,7 +27796,7 @@
       </p:grpSpPr>
       <p:pic>
         <p:nvPicPr>
-          <p:cNvPr id="224" name="Google Shape;224;p43"/>
+          <p:cNvPr id="225" name="Google Shape;225;p43"/>
           <p:cNvPicPr preferRelativeResize="0"/>
           <p:nvPr/>
         </p:nvPicPr>
@@ -28219,7 +27824,7 @@
       </p:pic>
       <p:sp>
         <p:nvSpPr>
-          <p:cNvPr id="225" name="Google Shape;225;p43"/>
+          <p:cNvPr id="226" name="Google Shape;226;p43"/>
           <p:cNvSpPr txBox="1"/>
           <p:nvPr>
             <p:ph type="title"/>
@@ -28267,7 +27872,7 @@
       </p:sp>
       <p:sp>
         <p:nvSpPr>
-          <p:cNvPr id="226" name="Google Shape;226;p43"/>
+          <p:cNvPr id="227" name="Google Shape;227;p43"/>
           <p:cNvSpPr txBox="1"/>
           <p:nvPr>
             <p:ph idx="12" type="sldNum"/>
@@ -28315,7 +27920,7 @@
       </p:sp>
       <p:sp>
         <p:nvSpPr>
-          <p:cNvPr id="227" name="Google Shape;227;p43"/>
+          <p:cNvPr id="228" name="Google Shape;228;p43"/>
           <p:cNvSpPr txBox="1"/>
           <p:nvPr/>
         </p:nvSpPr>
@@ -28564,7 +28169,7 @@
   <p:cSld>
     <p:spTree>
       <p:nvGrpSpPr>
-        <p:cNvPr id="231" name="Shape 231"/>
+        <p:cNvPr id="232" name="Shape 232"/>
         <p:cNvGrpSpPr/>
         <p:nvPr/>
       </p:nvGrpSpPr>
@@ -28578,7 +28183,7 @@
       </p:grpSpPr>
       <p:pic>
         <p:nvPicPr>
-          <p:cNvPr id="232" name="Google Shape;232;p44"/>
+          <p:cNvPr id="233" name="Google Shape;233;p44"/>
           <p:cNvPicPr preferRelativeResize="0"/>
           <p:nvPr/>
         </p:nvPicPr>
@@ -28606,7 +28211,7 @@
       </p:pic>
       <p:sp>
         <p:nvSpPr>
-          <p:cNvPr id="233" name="Google Shape;233;p44"/>
+          <p:cNvPr id="234" name="Google Shape;234;p44"/>
           <p:cNvSpPr txBox="1"/>
           <p:nvPr>
             <p:ph type="title"/>
@@ -28654,7 +28259,7 @@
       </p:sp>
       <p:sp>
         <p:nvSpPr>
-          <p:cNvPr id="234" name="Google Shape;234;p44"/>
+          <p:cNvPr id="235" name="Google Shape;235;p44"/>
           <p:cNvSpPr txBox="1"/>
           <p:nvPr>
             <p:ph idx="12" type="sldNum"/>
@@ -28702,14 +28307,14 @@
       </p:sp>
       <p:sp>
         <p:nvSpPr>
-          <p:cNvPr id="235" name="Google Shape;235;p44"/>
+          <p:cNvPr id="236" name="Google Shape;236;p44"/>
           <p:cNvSpPr txBox="1"/>
           <p:nvPr/>
         </p:nvSpPr>
         <p:spPr>
           <a:xfrm>
             <a:off x="452100" y="740725"/>
-            <a:ext cx="8520600" cy="2413500"/>
+            <a:ext cx="8279700" cy="2696700"/>
           </a:xfrm>
           <a:prstGeom prst="rect">
             <a:avLst/>
@@ -28740,7 +28345,7 @@
             </a:pPr>
             <a:r>
               <a:rPr lang="en" sz="1600"/>
-              <a:t>Data collection is where everything begins. Though listed as a step that comes post business understanding and problem definition, data collection often happens in parallel. Of course, data collection takes a formal and better form once the problem statement is defined and the project gets underway.</a:t>
+              <a:t>Data collection is where everything begins. Though listed as a step that comes post business understanding and problem definition, data collection often happens in parallel. </a:t>
             </a:r>
             <a:endParaRPr sz="1600"/>
           </a:p>
@@ -28760,7 +28365,27 @@
             </a:pPr>
             <a:r>
               <a:rPr lang="en" sz="1600"/>
-              <a:t>Data is at the center of everything around us, which is a tremendous opportunity. However, we should realize that data can be present in different formats, shapes, and sizes and exists in systems such as legacy machines (say mainframes), web (say web sites and web applications), databases, flat files, sensors, mobile devices, and so on.</a:t>
+              <a:t>Of course, data collection takes a formal and better form once the problem statement is defined and the project gets underway.</a:t>
+            </a:r>
+            <a:endParaRPr sz="1600"/>
+          </a:p>
+          <a:p>
+            <a:pPr indent="-330200" lvl="0" marL="457200" rtl="0" algn="l">
+              <a:lnSpc>
+                <a:spcPct val="115000"/>
+              </a:lnSpc>
+              <a:spcBef>
+                <a:spcPts val="0"/>
+              </a:spcBef>
+              <a:spcAft>
+                <a:spcPts val="0"/>
+              </a:spcAft>
+              <a:buSzPts val="1600"/>
+              <a:buChar char="●"/>
+            </a:pPr>
+            <a:r>
+              <a:rPr lang="en" sz="1600"/>
+              <a:t>We should also realize that data can be present in different formats, shapes, and sizes and exists in systems such as legacy machines (say mainframes), web (say web sites and web applications), databases, flat files, sensors, mobile devices, and so on.</a:t>
             </a:r>
             <a:endParaRPr sz="1600"/>
           </a:p>
@@ -28779,7 +28404,7 @@
   <p:cSld>
     <p:spTree>
       <p:nvGrpSpPr>
-        <p:cNvPr id="239" name="Shape 239"/>
+        <p:cNvPr id="240" name="Shape 240"/>
         <p:cNvGrpSpPr/>
         <p:nvPr/>
       </p:nvGrpSpPr>
@@ -28793,7 +28418,7 @@
       </p:grpSpPr>
       <p:pic>
         <p:nvPicPr>
-          <p:cNvPr id="240" name="Google Shape;240;p45"/>
+          <p:cNvPr id="241" name="Google Shape;241;p45"/>
           <p:cNvPicPr preferRelativeResize="0"/>
           <p:nvPr/>
         </p:nvPicPr>
@@ -28821,7 +28446,7 @@
       </p:pic>
       <p:sp>
         <p:nvSpPr>
-          <p:cNvPr id="241" name="Google Shape;241;p45"/>
+          <p:cNvPr id="242" name="Google Shape;242;p45"/>
           <p:cNvSpPr txBox="1"/>
           <p:nvPr>
             <p:ph type="title"/>
@@ -28869,7 +28494,7 @@
       </p:sp>
       <p:sp>
         <p:nvSpPr>
-          <p:cNvPr id="242" name="Google Shape;242;p45"/>
+          <p:cNvPr id="243" name="Google Shape;243;p45"/>
           <p:cNvSpPr txBox="1"/>
           <p:nvPr>
             <p:ph idx="12" type="sldNum"/>
@@ -28917,7 +28542,7 @@
       </p:sp>
       <p:sp>
         <p:nvSpPr>
-          <p:cNvPr id="243" name="Google Shape;243;p45"/>
+          <p:cNvPr id="244" name="Google Shape;244;p45"/>
           <p:cNvSpPr txBox="1"/>
           <p:nvPr/>
         </p:nvSpPr>
@@ -28977,10 +28602,6 @@
               <a:rPr lang="en" sz="1500"/>
               <a:t>Comma Separated Values (CSV) are data files that contain data with each of its attributes delimited by a “,” (a comma). </a:t>
             </a:r>
-            <a:r>
-              <a:rPr lang="en" sz="1500"/>
-              <a:t>Store tabular data, i.e., data in the form of rows and columns. </a:t>
-            </a:r>
             <a:endParaRPr sz="1500"/>
           </a:p>
           <a:p>
@@ -29067,7 +28688,7 @@
       </p:sp>
       <p:pic>
         <p:nvPicPr>
-          <p:cNvPr id="244" name="Google Shape;244;p45"/>
+          <p:cNvPr id="245" name="Google Shape;245;p45"/>
           <p:cNvPicPr preferRelativeResize="0"/>
           <p:nvPr/>
         </p:nvPicPr>
@@ -29102,6 +28723,285 @@
 </file>
 
 <file path=ppt/theme/theme1.xml><?xml version="1.0" encoding="utf-8"?>
+<a:theme xmlns:a="http://schemas.openxmlformats.org/drawingml/2006/main" xmlns:r="http://schemas.openxmlformats.org/officeDocument/2006/relationships">
+  <a:themeElements>
+    <a:clrScheme name="Default">
+      <a:dk1>
+        <a:srgbClr val="000000"/>
+      </a:dk1>
+      <a:lt1>
+        <a:srgbClr val="FFFFFF"/>
+      </a:lt1>
+      <a:dk2>
+        <a:srgbClr val="158158"/>
+      </a:dk2>
+      <a:lt2>
+        <a:srgbClr val="F3F3F3"/>
+      </a:lt2>
+      <a:accent1>
+        <a:srgbClr val="058DC7"/>
+      </a:accent1>
+      <a:accent2>
+        <a:srgbClr val="50B432"/>
+      </a:accent2>
+      <a:accent3>
+        <a:srgbClr val="ED561B"/>
+      </a:accent3>
+      <a:accent4>
+        <a:srgbClr val="EDEF00"/>
+      </a:accent4>
+      <a:accent5>
+        <a:srgbClr val="24CBE5"/>
+      </a:accent5>
+      <a:accent6>
+        <a:srgbClr val="64E572"/>
+      </a:accent6>
+      <a:hlink>
+        <a:srgbClr val="2200CC"/>
+      </a:hlink>
+      <a:folHlink>
+        <a:srgbClr val="551A8B"/>
+      </a:folHlink>
+    </a:clrScheme>
+    <a:fontScheme name="Office">
+      <a:majorFont>
+        <a:latin typeface="Arial"/>
+        <a:ea typeface=""/>
+        <a:cs typeface=""/>
+        <a:font script="Jpan" typeface="ＭＳ Ｐゴシック"/>
+        <a:font script="Hang" typeface="맑은 고딕"/>
+        <a:font script="Hans" typeface="宋体"/>
+        <a:font script="Hant" typeface="新細明體"/>
+        <a:font script="Arab" typeface="Times New Roman"/>
+        <a:font script="Hebr" typeface="Times New Roman"/>
+        <a:font script="Thai" typeface="Angsana New"/>
+        <a:font script="Ethi" typeface="Nyala"/>
+        <a:font script="Beng" typeface="Vrinda"/>
+        <a:font script="Gujr" typeface="Shruti"/>
+        <a:font script="Khmr" typeface="MoolBoran"/>
+        <a:font script="Knda" typeface="Tunga"/>
+        <a:font script="Guru" typeface="Raavi"/>
+        <a:font script="Cans" typeface="Euphemia"/>
+        <a:font script="Cher" typeface="Plantagenet Cherokee"/>
+        <a:font script="Yiii" typeface="Microsoft Yi Baiti"/>
+        <a:font script="Tibt" typeface="Microsoft Himalaya"/>
+        <a:font script="Thaa" typeface="MV Boli"/>
+        <a:font script="Deva" typeface="Mangal"/>
+        <a:font script="Telu" typeface="Gautami"/>
+        <a:font script="Taml" typeface="Latha"/>
+        <a:font script="Syrc" typeface="Estrangelo Edessa"/>
+        <a:font script="Orya" typeface="Kalinga"/>
+        <a:font script="Mlym" typeface="Kartika"/>
+        <a:font script="Laoo" typeface="DokChampa"/>
+        <a:font script="Sinh" typeface="Iskoola Pota"/>
+        <a:font script="Mong" typeface="Mongolian Baiti"/>
+        <a:font script="Viet" typeface="Times New Roman"/>
+        <a:font script="Uigh" typeface="Microsoft Uighur"/>
+        <a:font script="Geor" typeface="Sylfaen"/>
+      </a:majorFont>
+      <a:minorFont>
+        <a:latin typeface="Arial"/>
+        <a:ea typeface=""/>
+        <a:cs typeface=""/>
+        <a:font script="Jpan" typeface="ＭＳ Ｐゴシック"/>
+        <a:font script="Hang" typeface="맑은 고딕"/>
+        <a:font script="Hans" typeface="宋体"/>
+        <a:font script="Hant" typeface="新細明體"/>
+        <a:font script="Arab" typeface="Arial"/>
+        <a:font script="Hebr" typeface="Arial"/>
+        <a:font script="Thai" typeface="Cordia New"/>
+        <a:font script="Ethi" typeface="Nyala"/>
+        <a:font script="Beng" typeface="Vrinda"/>
+        <a:font script="Gujr" typeface="Shruti"/>
+        <a:font script="Khmr" typeface="DaunPenh"/>
+        <a:font script="Knda" typeface="Tunga"/>
+        <a:font script="Guru" typeface="Raavi"/>
+        <a:font script="Cans" typeface="Euphemia"/>
+        <a:font script="Cher" typeface="Plantagenet Cherokee"/>
+        <a:font script="Yiii" typeface="Microsoft Yi Baiti"/>
+        <a:font script="Tibt" typeface="Microsoft Himalaya"/>
+        <a:font script="Thaa" typeface="MV Boli"/>
+        <a:font script="Deva" typeface="Mangal"/>
+        <a:font script="Telu" typeface="Gautami"/>
+        <a:font script="Taml" typeface="Latha"/>
+        <a:font script="Syrc" typeface="Estrangelo Edessa"/>
+        <a:font script="Orya" typeface="Kalinga"/>
+        <a:font script="Mlym" typeface="Kartika"/>
+        <a:font script="Laoo" typeface="DokChampa"/>
+        <a:font script="Sinh" typeface="Iskoola Pota"/>
+        <a:font script="Mong" typeface="Mongolian Baiti"/>
+        <a:font script="Viet" typeface="Arial"/>
+        <a:font script="Uigh" typeface="Microsoft Uighur"/>
+        <a:font script="Geor" typeface="Sylfaen"/>
+      </a:minorFont>
+    </a:fontScheme>
+    <a:fmtScheme name="Office">
+      <a:fillStyleLst>
+        <a:solidFill>
+          <a:schemeClr val="phClr"/>
+        </a:solidFill>
+        <a:gradFill rotWithShape="1">
+          <a:gsLst>
+            <a:gs pos="0">
+              <a:schemeClr val="phClr">
+                <a:tint val="50000"/>
+                <a:satMod val="300000"/>
+              </a:schemeClr>
+            </a:gs>
+            <a:gs pos="35000">
+              <a:schemeClr val="phClr">
+                <a:tint val="37000"/>
+                <a:satMod val="300000"/>
+              </a:schemeClr>
+            </a:gs>
+            <a:gs pos="100000">
+              <a:schemeClr val="phClr">
+                <a:tint val="15000"/>
+                <a:satMod val="350000"/>
+              </a:schemeClr>
+            </a:gs>
+          </a:gsLst>
+          <a:lin ang="16200000" scaled="1"/>
+        </a:gradFill>
+        <a:gradFill rotWithShape="1">
+          <a:gsLst>
+            <a:gs pos="0">
+              <a:schemeClr val="phClr">
+                <a:tint val="100000"/>
+                <a:shade val="100000"/>
+                <a:satMod val="130000"/>
+              </a:schemeClr>
+            </a:gs>
+            <a:gs pos="100000">
+              <a:schemeClr val="phClr">
+                <a:tint val="50000"/>
+                <a:shade val="100000"/>
+                <a:satMod val="350000"/>
+              </a:schemeClr>
+            </a:gs>
+          </a:gsLst>
+          <a:lin ang="16200000" scaled="0"/>
+        </a:gradFill>
+      </a:fillStyleLst>
+      <a:lnStyleLst>
+        <a:ln w="9525" cap="flat" cmpd="sng" algn="ctr">
+          <a:solidFill>
+            <a:schemeClr val="phClr">
+              <a:shade val="95000"/>
+              <a:satMod val="105000"/>
+            </a:schemeClr>
+          </a:solidFill>
+          <a:prstDash val="solid"/>
+        </a:ln>
+        <a:ln w="25400" cap="flat" cmpd="sng" algn="ctr">
+          <a:solidFill>
+            <a:schemeClr val="phClr"/>
+          </a:solidFill>
+          <a:prstDash val="solid"/>
+        </a:ln>
+        <a:ln w="38100" cap="flat" cmpd="sng" algn="ctr">
+          <a:solidFill>
+            <a:schemeClr val="phClr"/>
+          </a:solidFill>
+          <a:prstDash val="solid"/>
+        </a:ln>
+      </a:lnStyleLst>
+      <a:effectStyleLst>
+        <a:effectStyle>
+          <a:effectLst>
+            <a:outerShdw blurRad="40000" dist="20000" dir="5400000" rotWithShape="0">
+              <a:srgbClr val="000000">
+                <a:alpha val="38000"/>
+              </a:srgbClr>
+            </a:outerShdw>
+          </a:effectLst>
+        </a:effectStyle>
+        <a:effectStyle>
+          <a:effectLst>
+            <a:outerShdw blurRad="40000" dist="23000" dir="5400000" rotWithShape="0">
+              <a:srgbClr val="000000">
+                <a:alpha val="35000"/>
+              </a:srgbClr>
+            </a:outerShdw>
+          </a:effectLst>
+        </a:effectStyle>
+        <a:effectStyle>
+          <a:effectLst>
+            <a:outerShdw blurRad="40000" dist="23000" dir="5400000" rotWithShape="0">
+              <a:srgbClr val="000000">
+                <a:alpha val="35000"/>
+              </a:srgbClr>
+            </a:outerShdw>
+          </a:effectLst>
+          <a:scene3d>
+            <a:camera prst="orthographicFront">
+              <a:rot lat="0" lon="0" rev="0"/>
+            </a:camera>
+            <a:lightRig rig="threePt" dir="t">
+              <a:rot lat="0" lon="0" rev="1200000"/>
+            </a:lightRig>
+          </a:scene3d>
+          <a:sp3d>
+            <a:bevelT w="63500" h="25400"/>
+          </a:sp3d>
+        </a:effectStyle>
+      </a:effectStyleLst>
+      <a:bgFillStyleLst>
+        <a:solidFill>
+          <a:schemeClr val="phClr"/>
+        </a:solidFill>
+        <a:gradFill rotWithShape="1">
+          <a:gsLst>
+            <a:gs pos="0">
+              <a:schemeClr val="phClr">
+                <a:tint val="40000"/>
+                <a:satMod val="350000"/>
+              </a:schemeClr>
+            </a:gs>
+            <a:gs pos="40000">
+              <a:schemeClr val="phClr">
+                <a:tint val="45000"/>
+                <a:shade val="99000"/>
+                <a:satMod val="350000"/>
+              </a:schemeClr>
+            </a:gs>
+            <a:gs pos="100000">
+              <a:schemeClr val="phClr">
+                <a:shade val="20000"/>
+                <a:satMod val="255000"/>
+              </a:schemeClr>
+            </a:gs>
+          </a:gsLst>
+          <a:path path="circle">
+            <a:fillToRect l="50000" t="-80000" r="50000" b="180000"/>
+          </a:path>
+        </a:gradFill>
+        <a:gradFill rotWithShape="1">
+          <a:gsLst>
+            <a:gs pos="0">
+              <a:schemeClr val="phClr">
+                <a:tint val="80000"/>
+                <a:satMod val="300000"/>
+              </a:schemeClr>
+            </a:gs>
+            <a:gs pos="100000">
+              <a:schemeClr val="phClr">
+                <a:shade val="30000"/>
+                <a:satMod val="200000"/>
+              </a:schemeClr>
+            </a:gs>
+          </a:gsLst>
+          <a:path path="circle">
+            <a:fillToRect l="50000" t="50000" r="50000" b="50000"/>
+          </a:path>
+        </a:gradFill>
+      </a:bgFillStyleLst>
+    </a:fmtScheme>
+  </a:themeElements>
+</a:theme>
+</file>
+
+<file path=ppt/theme/theme2.xml><?xml version="1.0" encoding="utf-8"?>
 <a:theme xmlns:a="http://schemas.openxmlformats.org/drawingml/2006/main" xmlns:r="http://schemas.openxmlformats.org/officeDocument/2006/relationships" name="Simple Light">
   <a:themeElements>
     <a:clrScheme name="Simple Light">
@@ -29380,7 +29280,7 @@
 </a:theme>
 </file>
 
-<file path=ppt/theme/theme2.xml><?xml version="1.0" encoding="utf-8"?>
+<file path=ppt/theme/theme3.xml><?xml version="1.0" encoding="utf-8"?>
 <a:theme xmlns:a="http://schemas.openxmlformats.org/drawingml/2006/main" xmlns:r="http://schemas.openxmlformats.org/officeDocument/2006/relationships" name="Geometric">
   <a:themeElements>
     <a:clrScheme name="Geometric">
@@ -29419,285 +29319,6 @@
       </a:hlink>
       <a:folHlink>
         <a:srgbClr val="F06292"/>
-      </a:folHlink>
-    </a:clrScheme>
-    <a:fontScheme name="Office">
-      <a:majorFont>
-        <a:latin typeface="Arial"/>
-        <a:ea typeface=""/>
-        <a:cs typeface=""/>
-        <a:font script="Jpan" typeface="ＭＳ Ｐゴシック"/>
-        <a:font script="Hang" typeface="맑은 고딕"/>
-        <a:font script="Hans" typeface="宋体"/>
-        <a:font script="Hant" typeface="新細明體"/>
-        <a:font script="Arab" typeface="Times New Roman"/>
-        <a:font script="Hebr" typeface="Times New Roman"/>
-        <a:font script="Thai" typeface="Angsana New"/>
-        <a:font script="Ethi" typeface="Nyala"/>
-        <a:font script="Beng" typeface="Vrinda"/>
-        <a:font script="Gujr" typeface="Shruti"/>
-        <a:font script="Khmr" typeface="MoolBoran"/>
-        <a:font script="Knda" typeface="Tunga"/>
-        <a:font script="Guru" typeface="Raavi"/>
-        <a:font script="Cans" typeface="Euphemia"/>
-        <a:font script="Cher" typeface="Plantagenet Cherokee"/>
-        <a:font script="Yiii" typeface="Microsoft Yi Baiti"/>
-        <a:font script="Tibt" typeface="Microsoft Himalaya"/>
-        <a:font script="Thaa" typeface="MV Boli"/>
-        <a:font script="Deva" typeface="Mangal"/>
-        <a:font script="Telu" typeface="Gautami"/>
-        <a:font script="Taml" typeface="Latha"/>
-        <a:font script="Syrc" typeface="Estrangelo Edessa"/>
-        <a:font script="Orya" typeface="Kalinga"/>
-        <a:font script="Mlym" typeface="Kartika"/>
-        <a:font script="Laoo" typeface="DokChampa"/>
-        <a:font script="Sinh" typeface="Iskoola Pota"/>
-        <a:font script="Mong" typeface="Mongolian Baiti"/>
-        <a:font script="Viet" typeface="Times New Roman"/>
-        <a:font script="Uigh" typeface="Microsoft Uighur"/>
-        <a:font script="Geor" typeface="Sylfaen"/>
-      </a:majorFont>
-      <a:minorFont>
-        <a:latin typeface="Arial"/>
-        <a:ea typeface=""/>
-        <a:cs typeface=""/>
-        <a:font script="Jpan" typeface="ＭＳ Ｐゴシック"/>
-        <a:font script="Hang" typeface="맑은 고딕"/>
-        <a:font script="Hans" typeface="宋体"/>
-        <a:font script="Hant" typeface="新細明體"/>
-        <a:font script="Arab" typeface="Arial"/>
-        <a:font script="Hebr" typeface="Arial"/>
-        <a:font script="Thai" typeface="Cordia New"/>
-        <a:font script="Ethi" typeface="Nyala"/>
-        <a:font script="Beng" typeface="Vrinda"/>
-        <a:font script="Gujr" typeface="Shruti"/>
-        <a:font script="Khmr" typeface="DaunPenh"/>
-        <a:font script="Knda" typeface="Tunga"/>
-        <a:font script="Guru" typeface="Raavi"/>
-        <a:font script="Cans" typeface="Euphemia"/>
-        <a:font script="Cher" typeface="Plantagenet Cherokee"/>
-        <a:font script="Yiii" typeface="Microsoft Yi Baiti"/>
-        <a:font script="Tibt" typeface="Microsoft Himalaya"/>
-        <a:font script="Thaa" typeface="MV Boli"/>
-        <a:font script="Deva" typeface="Mangal"/>
-        <a:font script="Telu" typeface="Gautami"/>
-        <a:font script="Taml" typeface="Latha"/>
-        <a:font script="Syrc" typeface="Estrangelo Edessa"/>
-        <a:font script="Orya" typeface="Kalinga"/>
-        <a:font script="Mlym" typeface="Kartika"/>
-        <a:font script="Laoo" typeface="DokChampa"/>
-        <a:font script="Sinh" typeface="Iskoola Pota"/>
-        <a:font script="Mong" typeface="Mongolian Baiti"/>
-        <a:font script="Viet" typeface="Arial"/>
-        <a:font script="Uigh" typeface="Microsoft Uighur"/>
-        <a:font script="Geor" typeface="Sylfaen"/>
-      </a:minorFont>
-    </a:fontScheme>
-    <a:fmtScheme name="Office">
-      <a:fillStyleLst>
-        <a:solidFill>
-          <a:schemeClr val="phClr"/>
-        </a:solidFill>
-        <a:gradFill rotWithShape="1">
-          <a:gsLst>
-            <a:gs pos="0">
-              <a:schemeClr val="phClr">
-                <a:tint val="50000"/>
-                <a:satMod val="300000"/>
-              </a:schemeClr>
-            </a:gs>
-            <a:gs pos="35000">
-              <a:schemeClr val="phClr">
-                <a:tint val="37000"/>
-                <a:satMod val="300000"/>
-              </a:schemeClr>
-            </a:gs>
-            <a:gs pos="100000">
-              <a:schemeClr val="phClr">
-                <a:tint val="15000"/>
-                <a:satMod val="350000"/>
-              </a:schemeClr>
-            </a:gs>
-          </a:gsLst>
-          <a:lin ang="16200000" scaled="1"/>
-        </a:gradFill>
-        <a:gradFill rotWithShape="1">
-          <a:gsLst>
-            <a:gs pos="0">
-              <a:schemeClr val="phClr">
-                <a:tint val="100000"/>
-                <a:shade val="100000"/>
-                <a:satMod val="130000"/>
-              </a:schemeClr>
-            </a:gs>
-            <a:gs pos="100000">
-              <a:schemeClr val="phClr">
-                <a:tint val="50000"/>
-                <a:shade val="100000"/>
-                <a:satMod val="350000"/>
-              </a:schemeClr>
-            </a:gs>
-          </a:gsLst>
-          <a:lin ang="16200000" scaled="0"/>
-        </a:gradFill>
-      </a:fillStyleLst>
-      <a:lnStyleLst>
-        <a:ln w="9525" cap="flat" cmpd="sng" algn="ctr">
-          <a:solidFill>
-            <a:schemeClr val="phClr">
-              <a:shade val="95000"/>
-              <a:satMod val="105000"/>
-            </a:schemeClr>
-          </a:solidFill>
-          <a:prstDash val="solid"/>
-        </a:ln>
-        <a:ln w="25400" cap="flat" cmpd="sng" algn="ctr">
-          <a:solidFill>
-            <a:schemeClr val="phClr"/>
-          </a:solidFill>
-          <a:prstDash val="solid"/>
-        </a:ln>
-        <a:ln w="38100" cap="flat" cmpd="sng" algn="ctr">
-          <a:solidFill>
-            <a:schemeClr val="phClr"/>
-          </a:solidFill>
-          <a:prstDash val="solid"/>
-        </a:ln>
-      </a:lnStyleLst>
-      <a:effectStyleLst>
-        <a:effectStyle>
-          <a:effectLst>
-            <a:outerShdw blurRad="40000" dist="20000" dir="5400000" rotWithShape="0">
-              <a:srgbClr val="000000">
-                <a:alpha val="38000"/>
-              </a:srgbClr>
-            </a:outerShdw>
-          </a:effectLst>
-        </a:effectStyle>
-        <a:effectStyle>
-          <a:effectLst>
-            <a:outerShdw blurRad="40000" dist="23000" dir="5400000" rotWithShape="0">
-              <a:srgbClr val="000000">
-                <a:alpha val="35000"/>
-              </a:srgbClr>
-            </a:outerShdw>
-          </a:effectLst>
-        </a:effectStyle>
-        <a:effectStyle>
-          <a:effectLst>
-            <a:outerShdw blurRad="40000" dist="23000" dir="5400000" rotWithShape="0">
-              <a:srgbClr val="000000">
-                <a:alpha val="35000"/>
-              </a:srgbClr>
-            </a:outerShdw>
-          </a:effectLst>
-          <a:scene3d>
-            <a:camera prst="orthographicFront">
-              <a:rot lat="0" lon="0" rev="0"/>
-            </a:camera>
-            <a:lightRig rig="threePt" dir="t">
-              <a:rot lat="0" lon="0" rev="1200000"/>
-            </a:lightRig>
-          </a:scene3d>
-          <a:sp3d>
-            <a:bevelT w="63500" h="25400"/>
-          </a:sp3d>
-        </a:effectStyle>
-      </a:effectStyleLst>
-      <a:bgFillStyleLst>
-        <a:solidFill>
-          <a:schemeClr val="phClr"/>
-        </a:solidFill>
-        <a:gradFill rotWithShape="1">
-          <a:gsLst>
-            <a:gs pos="0">
-              <a:schemeClr val="phClr">
-                <a:tint val="40000"/>
-                <a:satMod val="350000"/>
-              </a:schemeClr>
-            </a:gs>
-            <a:gs pos="40000">
-              <a:schemeClr val="phClr">
-                <a:tint val="45000"/>
-                <a:shade val="99000"/>
-                <a:satMod val="350000"/>
-              </a:schemeClr>
-            </a:gs>
-            <a:gs pos="100000">
-              <a:schemeClr val="phClr">
-                <a:shade val="20000"/>
-                <a:satMod val="255000"/>
-              </a:schemeClr>
-            </a:gs>
-          </a:gsLst>
-          <a:path path="circle">
-            <a:fillToRect l="50000" t="-80000" r="50000" b="180000"/>
-          </a:path>
-        </a:gradFill>
-        <a:gradFill rotWithShape="1">
-          <a:gsLst>
-            <a:gs pos="0">
-              <a:schemeClr val="phClr">
-                <a:tint val="80000"/>
-                <a:satMod val="300000"/>
-              </a:schemeClr>
-            </a:gs>
-            <a:gs pos="100000">
-              <a:schemeClr val="phClr">
-                <a:shade val="30000"/>
-                <a:satMod val="200000"/>
-              </a:schemeClr>
-            </a:gs>
-          </a:gsLst>
-          <a:path path="circle">
-            <a:fillToRect l="50000" t="50000" r="50000" b="50000"/>
-          </a:path>
-        </a:gradFill>
-      </a:bgFillStyleLst>
-    </a:fmtScheme>
-  </a:themeElements>
-</a:theme>
-</file>
-
-<file path=ppt/theme/theme3.xml><?xml version="1.0" encoding="utf-8"?>
-<a:theme xmlns:a="http://schemas.openxmlformats.org/drawingml/2006/main" xmlns:r="http://schemas.openxmlformats.org/officeDocument/2006/relationships">
-  <a:themeElements>
-    <a:clrScheme name="Default">
-      <a:dk1>
-        <a:srgbClr val="000000"/>
-      </a:dk1>
-      <a:lt1>
-        <a:srgbClr val="FFFFFF"/>
-      </a:lt1>
-      <a:dk2>
-        <a:srgbClr val="158158"/>
-      </a:dk2>
-      <a:lt2>
-        <a:srgbClr val="F3F3F3"/>
-      </a:lt2>
-      <a:accent1>
-        <a:srgbClr val="058DC7"/>
-      </a:accent1>
-      <a:accent2>
-        <a:srgbClr val="50B432"/>
-      </a:accent2>
-      <a:accent3>
-        <a:srgbClr val="ED561B"/>
-      </a:accent3>
-      <a:accent4>
-        <a:srgbClr val="EDEF00"/>
-      </a:accent4>
-      <a:accent5>
-        <a:srgbClr val="24CBE5"/>
-      </a:accent5>
-      <a:accent6>
-        <a:srgbClr val="64E572"/>
-      </a:accent6>
-      <a:hlink>
-        <a:srgbClr val="2200CC"/>
-      </a:hlink>
-      <a:folHlink>
-        <a:srgbClr val="551A8B"/>
       </a:folHlink>
     </a:clrScheme>
     <a:fontScheme name="Office">

--- a/Day_2/Lectures/Day_2_Lecture_1_Data_Collection_Data_Preparation.pptx
+++ b/Day_2/Lectures/Day_2_Lecture_1_Data_Collection_Data_Preparation.pptx
@@ -914,7 +914,7 @@
   <p:cSld>
     <p:spTree>
       <p:nvGrpSpPr>
-        <p:cNvPr id="246" name="Shape 246"/>
+        <p:cNvPr id="252" name="Shape 252"/>
         <p:cNvGrpSpPr/>
         <p:nvPr/>
       </p:nvGrpSpPr>
@@ -928,7 +928,7 @@
       </p:grpSpPr>
       <p:sp>
         <p:nvSpPr>
-          <p:cNvPr id="247" name="Google Shape;247;g11edce180b9_0_14:notes"/>
+          <p:cNvPr id="253" name="Google Shape;253;g11edce180b9_0_14:notes"/>
           <p:cNvSpPr/>
           <p:nvPr>
             <p:ph idx="2" type="sldImg"/>
@@ -963,7 +963,7 @@
       </p:sp>
       <p:sp>
         <p:nvSpPr>
-          <p:cNvPr id="248" name="Google Shape;248;g11edce180b9_0_14:notes"/>
+          <p:cNvPr id="254" name="Google Shape;254;g11edce180b9_0_14:notes"/>
           <p:cNvSpPr txBox="1"/>
           <p:nvPr>
             <p:ph idx="1" type="body"/>
@@ -1013,7 +1013,7 @@
   <p:cSld>
     <p:spTree>
       <p:nvGrpSpPr>
-        <p:cNvPr id="255" name="Shape 255"/>
+        <p:cNvPr id="263" name="Shape 263"/>
         <p:cNvGrpSpPr/>
         <p:nvPr/>
       </p:nvGrpSpPr>
@@ -1027,7 +1027,7 @@
       </p:grpSpPr>
       <p:sp>
         <p:nvSpPr>
-          <p:cNvPr id="256" name="Google Shape;256;g11edce180b9_0_24:notes"/>
+          <p:cNvPr id="264" name="Google Shape;264;g11cb97c2611_0_154:notes"/>
           <p:cNvSpPr/>
           <p:nvPr>
             <p:ph idx="2" type="sldImg"/>
@@ -1062,7 +1062,7 @@
       </p:sp>
       <p:sp>
         <p:nvSpPr>
-          <p:cNvPr id="257" name="Google Shape;257;g11edce180b9_0_24:notes"/>
+          <p:cNvPr id="265" name="Google Shape;265;g11cb97c2611_0_154:notes"/>
           <p:cNvSpPr txBox="1"/>
           <p:nvPr>
             <p:ph idx="1" type="body"/>
@@ -1083,6 +1083,37 @@
           </a:bodyPr>
           <a:lstStyle/>
           <a:p>
+            <a:pPr indent="-311150" lvl="0" marL="457200" rtl="0" algn="l">
+              <a:lnSpc>
+                <a:spcPct val="115000"/>
+              </a:lnSpc>
+              <a:spcBef>
+                <a:spcPts val="0"/>
+              </a:spcBef>
+              <a:spcAft>
+                <a:spcPts val="0"/>
+              </a:spcAft>
+              <a:buClr>
+                <a:schemeClr val="dk1"/>
+              </a:buClr>
+              <a:buSzPts val="1300"/>
+              <a:buChar char="●"/>
+            </a:pPr>
+            <a:r>
+              <a:rPr lang="en" sz="1300">
+                <a:solidFill>
+                  <a:schemeClr val="dk1"/>
+                </a:solidFill>
+              </a:rPr>
+              <a:t>Such key-value pair structures have corresponding data structures available in programming languages in the form of dictionaries (Python dict), struct, object, record, keyed lists, and so on. More details are available at http://www.json.org/.</a:t>
+            </a:r>
+            <a:endParaRPr sz="1300">
+              <a:solidFill>
+                <a:schemeClr val="dk1"/>
+              </a:solidFill>
+            </a:endParaRPr>
+          </a:p>
+          <a:p>
             <a:pPr indent="0" lvl="0" marL="0" rtl="0" algn="l">
               <a:spcBef>
                 <a:spcPts val="0"/>
@@ -1112,7 +1143,7 @@
   <p:cSld>
     <p:spTree>
       <p:nvGrpSpPr>
-        <p:cNvPr id="264" name="Shape 264"/>
+        <p:cNvPr id="276" name="Shape 276"/>
         <p:cNvGrpSpPr/>
         <p:nvPr/>
       </p:nvGrpSpPr>
@@ -1126,7 +1157,7 @@
       </p:grpSpPr>
       <p:sp>
         <p:nvSpPr>
-          <p:cNvPr id="265" name="Google Shape;265;g11edce180b9_0_32:notes"/>
+          <p:cNvPr id="277" name="Google Shape;277;g11edce180b9_0_32:notes"/>
           <p:cNvSpPr/>
           <p:nvPr>
             <p:ph idx="2" type="sldImg"/>
@@ -1161,7 +1192,7 @@
       </p:sp>
       <p:sp>
         <p:nvSpPr>
-          <p:cNvPr id="266" name="Google Shape;266;g11edce180b9_0_32:notes"/>
+          <p:cNvPr id="278" name="Google Shape;278;g11edce180b9_0_32:notes"/>
           <p:cNvSpPr txBox="1"/>
           <p:nvPr>
             <p:ph idx="1" type="body"/>
@@ -1211,7 +1242,7 @@
   <p:cSld>
     <p:spTree>
       <p:nvGrpSpPr>
-        <p:cNvPr id="273" name="Shape 273"/>
+        <p:cNvPr id="285" name="Shape 285"/>
         <p:cNvGrpSpPr/>
         <p:nvPr/>
       </p:nvGrpSpPr>
@@ -1225,7 +1256,7 @@
       </p:grpSpPr>
       <p:sp>
         <p:nvSpPr>
-          <p:cNvPr id="274" name="Google Shape;274;g11edce180b9_0_52:notes"/>
+          <p:cNvPr id="286" name="Google Shape;286;g11edce180b9_0_52:notes"/>
           <p:cNvSpPr/>
           <p:nvPr>
             <p:ph idx="2" type="sldImg"/>
@@ -1260,7 +1291,7 @@
       </p:sp>
       <p:sp>
         <p:nvSpPr>
-          <p:cNvPr id="275" name="Google Shape;275;g11edce180b9_0_52:notes"/>
+          <p:cNvPr id="287" name="Google Shape;287;g11edce180b9_0_52:notes"/>
           <p:cNvSpPr txBox="1"/>
           <p:nvPr>
             <p:ph idx="1" type="body"/>
@@ -1310,7 +1341,7 @@
   <p:cSld>
     <p:spTree>
       <p:nvGrpSpPr>
-        <p:cNvPr id="281" name="Shape 281"/>
+        <p:cNvPr id="296" name="Shape 296"/>
         <p:cNvGrpSpPr/>
         <p:nvPr/>
       </p:nvGrpSpPr>
@@ -1324,7 +1355,7 @@
       </p:grpSpPr>
       <p:sp>
         <p:nvSpPr>
-          <p:cNvPr id="282" name="Google Shape;282;g11c1ae6140b_0_9:notes"/>
+          <p:cNvPr id="297" name="Google Shape;297;g11c1ae6140b_0_9:notes"/>
           <p:cNvSpPr/>
           <p:nvPr>
             <p:ph idx="2" type="sldImg"/>
@@ -1359,7 +1390,7 @@
       </p:sp>
       <p:sp>
         <p:nvSpPr>
-          <p:cNvPr id="283" name="Google Shape;283;g11c1ae6140b_0_9:notes"/>
+          <p:cNvPr id="298" name="Google Shape;298;g11c1ae6140b_0_9:notes"/>
           <p:cNvSpPr txBox="1"/>
           <p:nvPr>
             <p:ph idx="1" type="body"/>
@@ -1409,7 +1440,7 @@
   <p:cSld>
     <p:spTree>
       <p:nvGrpSpPr>
-        <p:cNvPr id="290" name="Shape 290"/>
+        <p:cNvPr id="305" name="Shape 305"/>
         <p:cNvGrpSpPr/>
         <p:nvPr/>
       </p:nvGrpSpPr>
@@ -1423,7 +1454,7 @@
       </p:grpSpPr>
       <p:sp>
         <p:nvSpPr>
-          <p:cNvPr id="291" name="Google Shape;291;g11edce180b9_0_58:notes"/>
+          <p:cNvPr id="306" name="Google Shape;306;g11edce180b9_0_58:notes"/>
           <p:cNvSpPr/>
           <p:nvPr>
             <p:ph idx="2" type="sldImg"/>
@@ -1458,7 +1489,7 @@
       </p:sp>
       <p:sp>
         <p:nvSpPr>
-          <p:cNvPr id="292" name="Google Shape;292;g11edce180b9_0_58:notes"/>
+          <p:cNvPr id="307" name="Google Shape;307;g11edce180b9_0_58:notes"/>
           <p:cNvSpPr txBox="1"/>
           <p:nvPr>
             <p:ph idx="1" type="body"/>
@@ -1479,17 +1510,262 @@
           </a:bodyPr>
           <a:lstStyle/>
           <a:p>
-            <a:pPr indent="0" lvl="0" marL="0" rtl="0" algn="l">
-              <a:spcBef>
-                <a:spcPts val="0"/>
-              </a:spcBef>
-              <a:spcAft>
-                <a:spcPts val="0"/>
-              </a:spcAft>
-              <a:buNone/>
-            </a:pPr>
-            <a:r>
-              <a:t/>
+            <a:pPr indent="-317500" lvl="0" marL="457200" rtl="0" algn="l">
+              <a:lnSpc>
+                <a:spcPct val="115000"/>
+              </a:lnSpc>
+              <a:spcBef>
+                <a:spcPts val="0"/>
+              </a:spcBef>
+              <a:spcAft>
+                <a:spcPts val="0"/>
+              </a:spcAft>
+              <a:buClr>
+                <a:schemeClr val="dk1"/>
+              </a:buClr>
+              <a:buSzPts val="1400"/>
+              <a:buChar char="●"/>
+            </a:pPr>
+            <a:r>
+              <a:rPr b="1" lang="en" sz="1400">
+                <a:solidFill>
+                  <a:schemeClr val="dk1"/>
+                </a:solidFill>
+              </a:rPr>
+              <a:t>Numeric</a:t>
+            </a:r>
+            <a:endParaRPr b="1" sz="1400">
+              <a:solidFill>
+                <a:schemeClr val="dk1"/>
+              </a:solidFill>
+            </a:endParaRPr>
+          </a:p>
+          <a:p>
+            <a:pPr indent="-374650" lvl="1" marL="800100" rtl="0" algn="l">
+              <a:lnSpc>
+                <a:spcPct val="115000"/>
+              </a:lnSpc>
+              <a:spcBef>
+                <a:spcPts val="0"/>
+              </a:spcBef>
+              <a:spcAft>
+                <a:spcPts val="0"/>
+              </a:spcAft>
+              <a:buClr>
+                <a:schemeClr val="dk1"/>
+              </a:buClr>
+              <a:buSzPts val="1400"/>
+              <a:buChar char="○"/>
+            </a:pPr>
+            <a:r>
+              <a:rPr lang="en" sz="1400">
+                <a:solidFill>
+                  <a:schemeClr val="dk1"/>
+                </a:solidFill>
+              </a:rPr>
+              <a:t>This is simplest of the data types available. It is also the type that is directly usable and understood by most algorithms. </a:t>
+            </a:r>
+            <a:endParaRPr sz="1400">
+              <a:solidFill>
+                <a:schemeClr val="dk1"/>
+              </a:solidFill>
+            </a:endParaRPr>
+          </a:p>
+          <a:p>
+            <a:pPr indent="-374650" lvl="1" marL="800100" rtl="0" algn="l">
+              <a:lnSpc>
+                <a:spcPct val="115000"/>
+              </a:lnSpc>
+              <a:spcBef>
+                <a:spcPts val="0"/>
+              </a:spcBef>
+              <a:spcAft>
+                <a:spcPts val="0"/>
+              </a:spcAft>
+              <a:buClr>
+                <a:schemeClr val="dk1"/>
+              </a:buClr>
+              <a:buSzPts val="1400"/>
+              <a:buChar char="○"/>
+            </a:pPr>
+            <a:r>
+              <a:rPr lang="en" sz="1400">
+                <a:solidFill>
+                  <a:schemeClr val="dk1"/>
+                </a:solidFill>
+              </a:rPr>
+              <a:t>Numeric data represents scalar information about entities being observed. </a:t>
+            </a:r>
+            <a:endParaRPr sz="1400">
+              <a:solidFill>
+                <a:schemeClr val="dk1"/>
+              </a:solidFill>
+            </a:endParaRPr>
+          </a:p>
+          <a:p>
+            <a:pPr indent="-374650" lvl="1" marL="800100" rtl="0" algn="l">
+              <a:lnSpc>
+                <a:spcPct val="115000"/>
+              </a:lnSpc>
+              <a:spcBef>
+                <a:spcPts val="0"/>
+              </a:spcBef>
+              <a:spcAft>
+                <a:spcPts val="0"/>
+              </a:spcAft>
+              <a:buClr>
+                <a:schemeClr val="dk1"/>
+              </a:buClr>
+              <a:buSzPts val="1400"/>
+              <a:buChar char="○"/>
+            </a:pPr>
+            <a:r>
+              <a:rPr lang="en" sz="1400">
+                <a:solidFill>
+                  <a:schemeClr val="dk1"/>
+                </a:solidFill>
+              </a:rPr>
+              <a:t>Numeric values also form the basis of vector features, where each dimension is represented by a scalar value. The scale, range, and distribution of numeric data has an implicit effect on the algorithm and/or the overall workflow.</a:t>
+            </a:r>
+            <a:endParaRPr sz="1400">
+              <a:solidFill>
+                <a:schemeClr val="dk1"/>
+              </a:solidFill>
+            </a:endParaRPr>
+          </a:p>
+          <a:p>
+            <a:pPr indent="-317500" lvl="0" marL="514350" rtl="0" algn="l">
+              <a:lnSpc>
+                <a:spcPct val="115000"/>
+              </a:lnSpc>
+              <a:spcBef>
+                <a:spcPts val="0"/>
+              </a:spcBef>
+              <a:spcAft>
+                <a:spcPts val="0"/>
+              </a:spcAft>
+              <a:buClr>
+                <a:schemeClr val="dk1"/>
+              </a:buClr>
+              <a:buSzPts val="1400"/>
+              <a:buChar char="●"/>
+            </a:pPr>
+            <a:r>
+              <a:rPr b="1" lang="en" sz="1400">
+                <a:solidFill>
+                  <a:schemeClr val="dk1"/>
+                </a:solidFill>
+              </a:rPr>
+              <a:t>Categorical</a:t>
+            </a:r>
+            <a:endParaRPr b="1" sz="1400">
+              <a:solidFill>
+                <a:schemeClr val="dk1"/>
+              </a:solidFill>
+            </a:endParaRPr>
+          </a:p>
+          <a:p>
+            <a:pPr indent="-317500" lvl="1" marL="800100" rtl="0" algn="l">
+              <a:lnSpc>
+                <a:spcPct val="115000"/>
+              </a:lnSpc>
+              <a:spcBef>
+                <a:spcPts val="0"/>
+              </a:spcBef>
+              <a:spcAft>
+                <a:spcPts val="0"/>
+              </a:spcAft>
+              <a:buClr>
+                <a:schemeClr val="dk1"/>
+              </a:buClr>
+              <a:buSzPts val="1400"/>
+              <a:buChar char="○"/>
+            </a:pPr>
+            <a:r>
+              <a:rPr lang="en" sz="1400">
+                <a:solidFill>
+                  <a:schemeClr val="dk1"/>
+                </a:solidFill>
+              </a:rPr>
+              <a:t>Categorical variables are used to represent categories of entities being observed.</a:t>
+            </a:r>
+            <a:endParaRPr sz="1400">
+              <a:solidFill>
+                <a:schemeClr val="dk1"/>
+              </a:solidFill>
+            </a:endParaRPr>
+          </a:p>
+          <a:p>
+            <a:pPr indent="-317500" lvl="2" marL="1828800" rtl="0" algn="l">
+              <a:lnSpc>
+                <a:spcPct val="115000"/>
+              </a:lnSpc>
+              <a:spcBef>
+                <a:spcPts val="0"/>
+              </a:spcBef>
+              <a:spcAft>
+                <a:spcPts val="0"/>
+              </a:spcAft>
+              <a:buClr>
+                <a:schemeClr val="dk1"/>
+              </a:buClr>
+              <a:buSzPts val="1400"/>
+              <a:buChar char="■"/>
+            </a:pPr>
+            <a:r>
+              <a:rPr lang="en" sz="1400" u="sng">
+                <a:solidFill>
+                  <a:schemeClr val="dk1"/>
+                </a:solidFill>
+              </a:rPr>
+              <a:t>Nominal</a:t>
+            </a:r>
+            <a:r>
+              <a:rPr lang="en" sz="1400">
+                <a:solidFill>
+                  <a:schemeClr val="dk1"/>
+                </a:solidFill>
+              </a:rPr>
+              <a:t>: define the category of the data point without any ordering possible. e.g., hair color can be black, brown, blonde, etc.</a:t>
+            </a:r>
+            <a:endParaRPr sz="1400">
+              <a:solidFill>
+                <a:schemeClr val="dk1"/>
+              </a:solidFill>
+            </a:endParaRPr>
+          </a:p>
+          <a:p>
+            <a:pPr indent="-317500" lvl="2" marL="1828800" rtl="0" algn="l">
+              <a:lnSpc>
+                <a:spcPct val="115000"/>
+              </a:lnSpc>
+              <a:spcBef>
+                <a:spcPts val="0"/>
+              </a:spcBef>
+              <a:spcAft>
+                <a:spcPts val="0"/>
+              </a:spcAft>
+              <a:buClr>
+                <a:schemeClr val="dk1"/>
+              </a:buClr>
+              <a:buSzPts val="1400"/>
+              <a:buChar char="■"/>
+            </a:pPr>
+            <a:r>
+              <a:rPr lang="en" sz="1400" u="sng">
+                <a:solidFill>
+                  <a:schemeClr val="dk1"/>
+                </a:solidFill>
+              </a:rPr>
+              <a:t>Ordinal</a:t>
+            </a:r>
+            <a:r>
+              <a:rPr lang="en" sz="1400">
+                <a:solidFill>
+                  <a:schemeClr val="dk1"/>
+                </a:solidFill>
+              </a:rPr>
+              <a:t>: define the categories of data but can also be ordered based on rules on the context. e.g., people categorized by economic status of low, medium, or high.</a:t>
             </a:r>
             <a:endParaRPr/>
           </a:p>
@@ -1504,204 +1780,6 @@
 </file>
 
 <file path=ppt/notesSlides/notesSlide16.xml><?xml version="1.0" encoding="utf-8"?>
-<p:notes xmlns:a="http://schemas.openxmlformats.org/drawingml/2006/main" xmlns:r="http://schemas.openxmlformats.org/officeDocument/2006/relationships" xmlns:mc="http://schemas.openxmlformats.org/markup-compatibility/2006" xmlns:mv="urn:schemas-microsoft-com:mac:vml" xmlns:p="http://schemas.openxmlformats.org/presentationml/2006/main" xmlns:c="http://schemas.openxmlformats.org/drawingml/2006/chart" xmlns:dgm="http://schemas.openxmlformats.org/drawingml/2006/diagram" xmlns:o="urn:schemas-microsoft-com:office:office" xmlns:v="urn:schemas-microsoft-com:vml" xmlns:pvml="urn:schemas-microsoft-com:office:powerpoint" xmlns:com="http://schemas.openxmlformats.org/drawingml/2006/compatibility" xmlns:p14="http://schemas.microsoft.com/office/powerpoint/2010/main" xmlns:p15="http://schemas.microsoft.com/office/powerpoint/2012/main" xmlns:ahyp="http://schemas.microsoft.com/office/drawing/2018/hyperlinkcolor" showMasterPhAnim="0" showMasterSp="0">
-  <p:cSld>
-    <p:spTree>
-      <p:nvGrpSpPr>
-        <p:cNvPr id="298" name="Shape 298"/>
-        <p:cNvGrpSpPr/>
-        <p:nvPr/>
-      </p:nvGrpSpPr>
-      <p:grpSpPr>
-        <a:xfrm>
-          <a:off x="0" y="0"/>
-          <a:ext cx="0" cy="0"/>
-          <a:chOff x="0" y="0"/>
-          <a:chExt cx="0" cy="0"/>
-        </a:xfrm>
-      </p:grpSpPr>
-      <p:sp>
-        <p:nvSpPr>
-          <p:cNvPr id="299" name="Google Shape;299;g110a238f71a_0_13:notes"/>
-          <p:cNvSpPr/>
-          <p:nvPr>
-            <p:ph idx="2" type="sldImg"/>
-          </p:nvPr>
-        </p:nvSpPr>
-        <p:spPr>
-          <a:xfrm>
-            <a:off x="381188" y="685800"/>
-            <a:ext cx="6096300" cy="3429000"/>
-          </a:xfrm>
-          <a:custGeom>
-            <a:rect b="b" l="l" r="r" t="t"/>
-            <a:pathLst>
-              <a:path extrusionOk="0" h="120000" w="120000">
-                <a:moveTo>
-                  <a:pt x="0" y="0"/>
-                </a:moveTo>
-                <a:lnTo>
-                  <a:pt x="120000" y="0"/>
-                </a:lnTo>
-                <a:lnTo>
-                  <a:pt x="120000" y="120000"/>
-                </a:lnTo>
-                <a:lnTo>
-                  <a:pt x="0" y="120000"/>
-                </a:lnTo>
-                <a:close/>
-              </a:path>
-            </a:pathLst>
-          </a:custGeom>
-        </p:spPr>
-      </p:sp>
-      <p:sp>
-        <p:nvSpPr>
-          <p:cNvPr id="300" name="Google Shape;300;g110a238f71a_0_13:notes"/>
-          <p:cNvSpPr txBox="1"/>
-          <p:nvPr>
-            <p:ph idx="1" type="body"/>
-          </p:nvPr>
-        </p:nvSpPr>
-        <p:spPr>
-          <a:xfrm>
-            <a:off x="685800" y="4343400"/>
-            <a:ext cx="5486400" cy="4114800"/>
-          </a:xfrm>
-          <a:prstGeom prst="rect">
-            <a:avLst/>
-          </a:prstGeom>
-        </p:spPr>
-        <p:txBody>
-          <a:bodyPr anchorCtr="0" anchor="t" bIns="91425" lIns="91425" spcFirstLastPara="1" rIns="91425" wrap="square" tIns="91425">
-            <a:noAutofit/>
-          </a:bodyPr>
-          <a:lstStyle/>
-          <a:p>
-            <a:pPr indent="0" lvl="0" marL="0" rtl="0" algn="l">
-              <a:spcBef>
-                <a:spcPts val="0"/>
-              </a:spcBef>
-              <a:spcAft>
-                <a:spcPts val="0"/>
-              </a:spcAft>
-              <a:buNone/>
-            </a:pPr>
-            <a:r>
-              <a:t/>
-            </a:r>
-            <a:endParaRPr/>
-          </a:p>
-        </p:txBody>
-      </p:sp>
-    </p:spTree>
-  </p:cSld>
-  <p:clrMapOvr>
-    <a:masterClrMapping/>
-  </p:clrMapOvr>
-</p:notes>
-</file>
-
-<file path=ppt/notesSlides/notesSlide17.xml><?xml version="1.0" encoding="utf-8"?>
-<p:notes xmlns:a="http://schemas.openxmlformats.org/drawingml/2006/main" xmlns:r="http://schemas.openxmlformats.org/officeDocument/2006/relationships" xmlns:mc="http://schemas.openxmlformats.org/markup-compatibility/2006" xmlns:mv="urn:schemas-microsoft-com:mac:vml" xmlns:p="http://schemas.openxmlformats.org/presentationml/2006/main" xmlns:c="http://schemas.openxmlformats.org/drawingml/2006/chart" xmlns:dgm="http://schemas.openxmlformats.org/drawingml/2006/diagram" xmlns:o="urn:schemas-microsoft-com:office:office" xmlns:v="urn:schemas-microsoft-com:vml" xmlns:pvml="urn:schemas-microsoft-com:office:powerpoint" xmlns:com="http://schemas.openxmlformats.org/drawingml/2006/compatibility" xmlns:p14="http://schemas.microsoft.com/office/powerpoint/2010/main" xmlns:p15="http://schemas.microsoft.com/office/powerpoint/2012/main" xmlns:ahyp="http://schemas.microsoft.com/office/drawing/2018/hyperlinkcolor" showMasterPhAnim="0" showMasterSp="0">
-  <p:cSld>
-    <p:spTree>
-      <p:nvGrpSpPr>
-        <p:cNvPr id="306" name="Shape 306"/>
-        <p:cNvGrpSpPr/>
-        <p:nvPr/>
-      </p:nvGrpSpPr>
-      <p:grpSpPr>
-        <a:xfrm>
-          <a:off x="0" y="0"/>
-          <a:ext cx="0" cy="0"/>
-          <a:chOff x="0" y="0"/>
-          <a:chExt cx="0" cy="0"/>
-        </a:xfrm>
-      </p:grpSpPr>
-      <p:sp>
-        <p:nvSpPr>
-          <p:cNvPr id="307" name="Google Shape;307;g110a238f71a_0_19:notes"/>
-          <p:cNvSpPr/>
-          <p:nvPr>
-            <p:ph idx="2" type="sldImg"/>
-          </p:nvPr>
-        </p:nvSpPr>
-        <p:spPr>
-          <a:xfrm>
-            <a:off x="381188" y="685800"/>
-            <a:ext cx="6096300" cy="3429000"/>
-          </a:xfrm>
-          <a:custGeom>
-            <a:rect b="b" l="l" r="r" t="t"/>
-            <a:pathLst>
-              <a:path extrusionOk="0" h="120000" w="120000">
-                <a:moveTo>
-                  <a:pt x="0" y="0"/>
-                </a:moveTo>
-                <a:lnTo>
-                  <a:pt x="120000" y="0"/>
-                </a:lnTo>
-                <a:lnTo>
-                  <a:pt x="120000" y="120000"/>
-                </a:lnTo>
-                <a:lnTo>
-                  <a:pt x="0" y="120000"/>
-                </a:lnTo>
-                <a:close/>
-              </a:path>
-            </a:pathLst>
-          </a:custGeom>
-        </p:spPr>
-      </p:sp>
-      <p:sp>
-        <p:nvSpPr>
-          <p:cNvPr id="308" name="Google Shape;308;g110a238f71a_0_19:notes"/>
-          <p:cNvSpPr txBox="1"/>
-          <p:nvPr>
-            <p:ph idx="1" type="body"/>
-          </p:nvPr>
-        </p:nvSpPr>
-        <p:spPr>
-          <a:xfrm>
-            <a:off x="685800" y="4343400"/>
-            <a:ext cx="5486400" cy="4114800"/>
-          </a:xfrm>
-          <a:prstGeom prst="rect">
-            <a:avLst/>
-          </a:prstGeom>
-        </p:spPr>
-        <p:txBody>
-          <a:bodyPr anchorCtr="0" anchor="t" bIns="91425" lIns="91425" spcFirstLastPara="1" rIns="91425" wrap="square" tIns="91425">
-            <a:noAutofit/>
-          </a:bodyPr>
-          <a:lstStyle/>
-          <a:p>
-            <a:pPr indent="0" lvl="0" marL="0" rtl="0" algn="l">
-              <a:spcBef>
-                <a:spcPts val="0"/>
-              </a:spcBef>
-              <a:spcAft>
-                <a:spcPts val="0"/>
-              </a:spcAft>
-              <a:buNone/>
-            </a:pPr>
-            <a:r>
-              <a:t/>
-            </a:r>
-            <a:endParaRPr/>
-          </a:p>
-        </p:txBody>
-      </p:sp>
-    </p:spTree>
-  </p:cSld>
-  <p:clrMapOvr>
-    <a:masterClrMapping/>
-  </p:clrMapOvr>
-</p:notes>
-</file>
-
-<file path=ppt/notesSlides/notesSlide18.xml><?xml version="1.0" encoding="utf-8"?>
 <p:notes xmlns:a="http://schemas.openxmlformats.org/drawingml/2006/main" xmlns:r="http://schemas.openxmlformats.org/officeDocument/2006/relationships" xmlns:mc="http://schemas.openxmlformats.org/markup-compatibility/2006" xmlns:mv="urn:schemas-microsoft-com:mac:vml" xmlns:p="http://schemas.openxmlformats.org/presentationml/2006/main" xmlns:c="http://schemas.openxmlformats.org/drawingml/2006/chart" xmlns:dgm="http://schemas.openxmlformats.org/drawingml/2006/diagram" xmlns:o="urn:schemas-microsoft-com:office:office" xmlns:v="urn:schemas-microsoft-com:vml" xmlns:pvml="urn:schemas-microsoft-com:office:powerpoint" xmlns:com="http://schemas.openxmlformats.org/drawingml/2006/compatibility" xmlns:p14="http://schemas.microsoft.com/office/powerpoint/2010/main" xmlns:p15="http://schemas.microsoft.com/office/powerpoint/2012/main" xmlns:ahyp="http://schemas.microsoft.com/office/drawing/2018/hyperlinkcolor" showMasterPhAnim="0" showMasterSp="0">
   <p:cSld>
     <p:spTree>
@@ -1800,12 +1878,12 @@
 </p:notes>
 </file>
 
-<file path=ppt/notesSlides/notesSlide19.xml><?xml version="1.0" encoding="utf-8"?>
+<file path=ppt/notesSlides/notesSlide17.xml><?xml version="1.0" encoding="utf-8"?>
 <p:notes xmlns:a="http://schemas.openxmlformats.org/drawingml/2006/main" xmlns:r="http://schemas.openxmlformats.org/officeDocument/2006/relationships" xmlns:mc="http://schemas.openxmlformats.org/markup-compatibility/2006" xmlns:mv="urn:schemas-microsoft-com:mac:vml" xmlns:p="http://schemas.openxmlformats.org/presentationml/2006/main" xmlns:c="http://schemas.openxmlformats.org/drawingml/2006/chart" xmlns:dgm="http://schemas.openxmlformats.org/drawingml/2006/diagram" xmlns:o="urn:schemas-microsoft-com:office:office" xmlns:v="urn:schemas-microsoft-com:vml" xmlns:pvml="urn:schemas-microsoft-com:office:powerpoint" xmlns:com="http://schemas.openxmlformats.org/drawingml/2006/compatibility" xmlns:p14="http://schemas.microsoft.com/office/powerpoint/2010/main" xmlns:p15="http://schemas.microsoft.com/office/powerpoint/2012/main" xmlns:ahyp="http://schemas.microsoft.com/office/drawing/2018/hyperlinkcolor" showMasterPhAnim="0" showMasterSp="0">
   <p:cSld>
     <p:spTree>
       <p:nvGrpSpPr>
-        <p:cNvPr id="322" name="Shape 322"/>
+        <p:cNvPr id="324" name="Shape 324"/>
         <p:cNvGrpSpPr/>
         <p:nvPr/>
       </p:nvGrpSpPr>
@@ -1819,7 +1897,7 @@
       </p:grpSpPr>
       <p:sp>
         <p:nvSpPr>
-          <p:cNvPr id="323" name="Google Shape;323;g110a238f71a_0_25:notes"/>
+          <p:cNvPr id="325" name="Google Shape;325;g110a238f71a_0_13:notes"/>
           <p:cNvSpPr/>
           <p:nvPr>
             <p:ph idx="2" type="sldImg"/>
@@ -1854,7 +1932,205 @@
       </p:sp>
       <p:sp>
         <p:nvSpPr>
-          <p:cNvPr id="324" name="Google Shape;324;g110a238f71a_0_25:notes"/>
+          <p:cNvPr id="326" name="Google Shape;326;g110a238f71a_0_13:notes"/>
+          <p:cNvSpPr txBox="1"/>
+          <p:nvPr>
+            <p:ph idx="1" type="body"/>
+          </p:nvPr>
+        </p:nvSpPr>
+        <p:spPr>
+          <a:xfrm>
+            <a:off x="685800" y="4343400"/>
+            <a:ext cx="5486400" cy="4114800"/>
+          </a:xfrm>
+          <a:prstGeom prst="rect">
+            <a:avLst/>
+          </a:prstGeom>
+        </p:spPr>
+        <p:txBody>
+          <a:bodyPr anchorCtr="0" anchor="t" bIns="91425" lIns="91425" spcFirstLastPara="1" rIns="91425" wrap="square" tIns="91425">
+            <a:noAutofit/>
+          </a:bodyPr>
+          <a:lstStyle/>
+          <a:p>
+            <a:pPr indent="0" lvl="0" marL="0" rtl="0" algn="l">
+              <a:spcBef>
+                <a:spcPts val="0"/>
+              </a:spcBef>
+              <a:spcAft>
+                <a:spcPts val="0"/>
+              </a:spcAft>
+              <a:buNone/>
+            </a:pPr>
+            <a:r>
+              <a:t/>
+            </a:r>
+            <a:endParaRPr/>
+          </a:p>
+        </p:txBody>
+      </p:sp>
+    </p:spTree>
+  </p:cSld>
+  <p:clrMapOvr>
+    <a:masterClrMapping/>
+  </p:clrMapOvr>
+</p:notes>
+</file>
+
+<file path=ppt/notesSlides/notesSlide18.xml><?xml version="1.0" encoding="utf-8"?>
+<p:notes xmlns:a="http://schemas.openxmlformats.org/drawingml/2006/main" xmlns:r="http://schemas.openxmlformats.org/officeDocument/2006/relationships" xmlns:mc="http://schemas.openxmlformats.org/markup-compatibility/2006" xmlns:mv="urn:schemas-microsoft-com:mac:vml" xmlns:p="http://schemas.openxmlformats.org/presentationml/2006/main" xmlns:c="http://schemas.openxmlformats.org/drawingml/2006/chart" xmlns:dgm="http://schemas.openxmlformats.org/drawingml/2006/diagram" xmlns:o="urn:schemas-microsoft-com:office:office" xmlns:v="urn:schemas-microsoft-com:vml" xmlns:pvml="urn:schemas-microsoft-com:office:powerpoint" xmlns:com="http://schemas.openxmlformats.org/drawingml/2006/compatibility" xmlns:p14="http://schemas.microsoft.com/office/powerpoint/2010/main" xmlns:p15="http://schemas.microsoft.com/office/powerpoint/2012/main" xmlns:ahyp="http://schemas.microsoft.com/office/drawing/2018/hyperlinkcolor" showMasterPhAnim="0" showMasterSp="0">
+  <p:cSld>
+    <p:spTree>
+      <p:nvGrpSpPr>
+        <p:cNvPr id="334" name="Shape 334"/>
+        <p:cNvGrpSpPr/>
+        <p:nvPr/>
+      </p:nvGrpSpPr>
+      <p:grpSpPr>
+        <a:xfrm>
+          <a:off x="0" y="0"/>
+          <a:ext cx="0" cy="0"/>
+          <a:chOff x="0" y="0"/>
+          <a:chExt cx="0" cy="0"/>
+        </a:xfrm>
+      </p:grpSpPr>
+      <p:sp>
+        <p:nvSpPr>
+          <p:cNvPr id="335" name="Google Shape;335;g11cb97c2611_0_192:notes"/>
+          <p:cNvSpPr/>
+          <p:nvPr>
+            <p:ph idx="2" type="sldImg"/>
+          </p:nvPr>
+        </p:nvSpPr>
+        <p:spPr>
+          <a:xfrm>
+            <a:off x="381188" y="685800"/>
+            <a:ext cx="6096300" cy="3429000"/>
+          </a:xfrm>
+          <a:custGeom>
+            <a:rect b="b" l="l" r="r" t="t"/>
+            <a:pathLst>
+              <a:path extrusionOk="0" h="120000" w="120000">
+                <a:moveTo>
+                  <a:pt x="0" y="0"/>
+                </a:moveTo>
+                <a:lnTo>
+                  <a:pt x="120000" y="0"/>
+                </a:lnTo>
+                <a:lnTo>
+                  <a:pt x="120000" y="120000"/>
+                </a:lnTo>
+                <a:lnTo>
+                  <a:pt x="0" y="120000"/>
+                </a:lnTo>
+                <a:close/>
+              </a:path>
+            </a:pathLst>
+          </a:custGeom>
+        </p:spPr>
+      </p:sp>
+      <p:sp>
+        <p:nvSpPr>
+          <p:cNvPr id="336" name="Google Shape;336;g11cb97c2611_0_192:notes"/>
+          <p:cNvSpPr txBox="1"/>
+          <p:nvPr>
+            <p:ph idx="1" type="body"/>
+          </p:nvPr>
+        </p:nvSpPr>
+        <p:spPr>
+          <a:xfrm>
+            <a:off x="685800" y="4343400"/>
+            <a:ext cx="5486400" cy="4114800"/>
+          </a:xfrm>
+          <a:prstGeom prst="rect">
+            <a:avLst/>
+          </a:prstGeom>
+        </p:spPr>
+        <p:txBody>
+          <a:bodyPr anchorCtr="0" anchor="t" bIns="91425" lIns="91425" spcFirstLastPara="1" rIns="91425" wrap="square" tIns="91425">
+            <a:noAutofit/>
+          </a:bodyPr>
+          <a:lstStyle/>
+          <a:p>
+            <a:pPr indent="0" lvl="0" marL="0" rtl="0" algn="l">
+              <a:spcBef>
+                <a:spcPts val="0"/>
+              </a:spcBef>
+              <a:spcAft>
+                <a:spcPts val="0"/>
+              </a:spcAft>
+              <a:buNone/>
+            </a:pPr>
+            <a:r>
+              <a:t/>
+            </a:r>
+            <a:endParaRPr/>
+          </a:p>
+        </p:txBody>
+      </p:sp>
+    </p:spTree>
+  </p:cSld>
+  <p:clrMapOvr>
+    <a:masterClrMapping/>
+  </p:clrMapOvr>
+</p:notes>
+</file>
+
+<file path=ppt/notesSlides/notesSlide19.xml><?xml version="1.0" encoding="utf-8"?>
+<p:notes xmlns:a="http://schemas.openxmlformats.org/drawingml/2006/main" xmlns:r="http://schemas.openxmlformats.org/officeDocument/2006/relationships" xmlns:mc="http://schemas.openxmlformats.org/markup-compatibility/2006" xmlns:mv="urn:schemas-microsoft-com:mac:vml" xmlns:p="http://schemas.openxmlformats.org/presentationml/2006/main" xmlns:c="http://schemas.openxmlformats.org/drawingml/2006/chart" xmlns:dgm="http://schemas.openxmlformats.org/drawingml/2006/diagram" xmlns:o="urn:schemas-microsoft-com:office:office" xmlns:v="urn:schemas-microsoft-com:vml" xmlns:pvml="urn:schemas-microsoft-com:office:powerpoint" xmlns:com="http://schemas.openxmlformats.org/drawingml/2006/compatibility" xmlns:p14="http://schemas.microsoft.com/office/powerpoint/2010/main" xmlns:p15="http://schemas.microsoft.com/office/powerpoint/2012/main" xmlns:ahyp="http://schemas.microsoft.com/office/drawing/2018/hyperlinkcolor" showMasterPhAnim="0" showMasterSp="0">
+  <p:cSld>
+    <p:spTree>
+      <p:nvGrpSpPr>
+        <p:cNvPr id="344" name="Shape 344"/>
+        <p:cNvGrpSpPr/>
+        <p:nvPr/>
+      </p:nvGrpSpPr>
+      <p:grpSpPr>
+        <a:xfrm>
+          <a:off x="0" y="0"/>
+          <a:ext cx="0" cy="0"/>
+          <a:chOff x="0" y="0"/>
+          <a:chExt cx="0" cy="0"/>
+        </a:xfrm>
+      </p:grpSpPr>
+      <p:sp>
+        <p:nvSpPr>
+          <p:cNvPr id="345" name="Google Shape;345;g110a238f71a_0_25:notes"/>
+          <p:cNvSpPr/>
+          <p:nvPr>
+            <p:ph idx="2" type="sldImg"/>
+          </p:nvPr>
+        </p:nvSpPr>
+        <p:spPr>
+          <a:xfrm>
+            <a:off x="381188" y="685800"/>
+            <a:ext cx="6096300" cy="3429000"/>
+          </a:xfrm>
+          <a:custGeom>
+            <a:rect b="b" l="l" r="r" t="t"/>
+            <a:pathLst>
+              <a:path extrusionOk="0" h="120000" w="120000">
+                <a:moveTo>
+                  <a:pt x="0" y="0"/>
+                </a:moveTo>
+                <a:lnTo>
+                  <a:pt x="120000" y="0"/>
+                </a:lnTo>
+                <a:lnTo>
+                  <a:pt x="120000" y="120000"/>
+                </a:lnTo>
+                <a:lnTo>
+                  <a:pt x="0" y="120000"/>
+                </a:lnTo>
+                <a:close/>
+              </a:path>
+            </a:pathLst>
+          </a:custGeom>
+        </p:spPr>
+      </p:sp>
+      <p:sp>
+        <p:nvSpPr>
+          <p:cNvPr id="346" name="Google Shape;346;g110a238f71a_0_25:notes"/>
           <p:cNvSpPr txBox="1"/>
           <p:nvPr>
             <p:ph idx="1" type="body"/>
@@ -2003,7 +2279,7 @@
   <p:cSld>
     <p:spTree>
       <p:nvGrpSpPr>
-        <p:cNvPr id="332" name="Shape 332"/>
+        <p:cNvPr id="354" name="Shape 354"/>
         <p:cNvGrpSpPr/>
         <p:nvPr/>
       </p:nvGrpSpPr>
@@ -2017,7 +2293,7 @@
       </p:grpSpPr>
       <p:sp>
         <p:nvSpPr>
-          <p:cNvPr id="333" name="Google Shape;333;g110a238f71a_0_34:notes"/>
+          <p:cNvPr id="355" name="Google Shape;355;g110a238f71a_0_44:notes"/>
           <p:cNvSpPr/>
           <p:nvPr>
             <p:ph idx="2" type="sldImg"/>
@@ -2052,7 +2328,7 @@
       </p:sp>
       <p:sp>
         <p:nvSpPr>
-          <p:cNvPr id="334" name="Google Shape;334;g110a238f71a_0_34:notes"/>
+          <p:cNvPr id="356" name="Google Shape;356;g110a238f71a_0_44:notes"/>
           <p:cNvSpPr txBox="1"/>
           <p:nvPr>
             <p:ph idx="1" type="body"/>
@@ -2074,166 +2350,6 @@
           <a:lstStyle/>
           <a:p>
             <a:pPr indent="0" lvl="0" marL="0" rtl="0" algn="l">
-              <a:lnSpc>
-                <a:spcPct val="115000"/>
-              </a:lnSpc>
-              <a:spcBef>
-                <a:spcPts val="0"/>
-              </a:spcBef>
-              <a:spcAft>
-                <a:spcPts val="0"/>
-              </a:spcAft>
-              <a:buClr>
-                <a:schemeClr val="dk1"/>
-              </a:buClr>
-              <a:buSzPts val="1100"/>
-              <a:buFont typeface="Arial"/>
-              <a:buNone/>
-            </a:pPr>
-            <a:r>
-              <a:rPr lang="en" sz="900">
-                <a:solidFill>
-                  <a:schemeClr val="dk1"/>
-                </a:solidFill>
-              </a:rPr>
-              <a:t>Feature selection techniques may generally grouped into those that use the target variable</a:t>
-            </a:r>
-            <a:endParaRPr sz="900">
-              <a:solidFill>
-                <a:schemeClr val="dk1"/>
-              </a:solidFill>
-            </a:endParaRPr>
-          </a:p>
-          <a:p>
-            <a:pPr indent="0" lvl="0" marL="0" rtl="0" algn="l">
-              <a:lnSpc>
-                <a:spcPct val="115000"/>
-              </a:lnSpc>
-              <a:spcBef>
-                <a:spcPts val="0"/>
-              </a:spcBef>
-              <a:spcAft>
-                <a:spcPts val="0"/>
-              </a:spcAft>
-              <a:buClr>
-                <a:schemeClr val="dk1"/>
-              </a:buClr>
-              <a:buSzPts val="1100"/>
-              <a:buFont typeface="Arial"/>
-              <a:buNone/>
-            </a:pPr>
-            <a:r>
-              <a:rPr lang="en" sz="900">
-                <a:solidFill>
-                  <a:schemeClr val="dk1"/>
-                </a:solidFill>
-              </a:rPr>
-              <a:t>(supervised) and those that do not (unsupervised). Additionally, the supervised techniques</a:t>
-            </a:r>
-            <a:endParaRPr sz="900">
-              <a:solidFill>
-                <a:schemeClr val="dk1"/>
-              </a:solidFill>
-            </a:endParaRPr>
-          </a:p>
-          <a:p>
-            <a:pPr indent="0" lvl="0" marL="0" rtl="0" algn="l">
-              <a:lnSpc>
-                <a:spcPct val="115000"/>
-              </a:lnSpc>
-              <a:spcBef>
-                <a:spcPts val="0"/>
-              </a:spcBef>
-              <a:spcAft>
-                <a:spcPts val="0"/>
-              </a:spcAft>
-              <a:buClr>
-                <a:schemeClr val="dk1"/>
-              </a:buClr>
-              <a:buSzPts val="1100"/>
-              <a:buFont typeface="Arial"/>
-              <a:buNone/>
-            </a:pPr>
-            <a:r>
-              <a:rPr lang="en" sz="900">
-                <a:solidFill>
-                  <a:schemeClr val="dk1"/>
-                </a:solidFill>
-              </a:rPr>
-              <a:t>can be further divided into models that automatically select features as part of fitting the</a:t>
-            </a:r>
-            <a:endParaRPr sz="900">
-              <a:solidFill>
-                <a:schemeClr val="dk1"/>
-              </a:solidFill>
-            </a:endParaRPr>
-          </a:p>
-          <a:p>
-            <a:pPr indent="0" lvl="0" marL="0" rtl="0" algn="l">
-              <a:lnSpc>
-                <a:spcPct val="115000"/>
-              </a:lnSpc>
-              <a:spcBef>
-                <a:spcPts val="0"/>
-              </a:spcBef>
-              <a:spcAft>
-                <a:spcPts val="0"/>
-              </a:spcAft>
-              <a:buClr>
-                <a:schemeClr val="dk1"/>
-              </a:buClr>
-              <a:buSzPts val="1100"/>
-              <a:buFont typeface="Arial"/>
-              <a:buNone/>
-            </a:pPr>
-            <a:r>
-              <a:rPr lang="en" sz="900">
-                <a:solidFill>
-                  <a:schemeClr val="dk1"/>
-                </a:solidFill>
-              </a:rPr>
-              <a:t>model (intrinsic), those that explicitly choose features that result in the best performing model</a:t>
-            </a:r>
-            <a:endParaRPr sz="900">
-              <a:solidFill>
-                <a:schemeClr val="dk1"/>
-              </a:solidFill>
-            </a:endParaRPr>
-          </a:p>
-          <a:p>
-            <a:pPr indent="0" lvl="0" marL="0" rtl="0" algn="l">
-              <a:lnSpc>
-                <a:spcPct val="115000"/>
-              </a:lnSpc>
-              <a:spcBef>
-                <a:spcPts val="0"/>
-              </a:spcBef>
-              <a:spcAft>
-                <a:spcPts val="0"/>
-              </a:spcAft>
-              <a:buClr>
-                <a:schemeClr val="dk1"/>
-              </a:buClr>
-              <a:buSzPts val="1100"/>
-              <a:buFont typeface="Arial"/>
-              <a:buNone/>
-            </a:pPr>
-            <a:r>
-              <a:rPr lang="en" sz="900">
-                <a:solidFill>
-                  <a:schemeClr val="dk1"/>
-                </a:solidFill>
-              </a:rPr>
-              <a:t>(wrapper) and those that score each input feature and allow a subset to be selected (filter).</a:t>
-            </a:r>
-            <a:endParaRPr sz="900">
-              <a:solidFill>
-                <a:schemeClr val="dk1"/>
-              </a:solidFill>
-            </a:endParaRPr>
-          </a:p>
-          <a:p>
-            <a:pPr indent="0" lvl="0" marL="0" rtl="0" algn="l">
               <a:spcBef>
                 <a:spcPts val="0"/>
               </a:spcBef>
@@ -2262,7 +2378,7 @@
   <p:cSld>
     <p:spTree>
       <p:nvGrpSpPr>
-        <p:cNvPr id="342" name="Shape 342"/>
+        <p:cNvPr id="365" name="Shape 365"/>
         <p:cNvGrpSpPr/>
         <p:nvPr/>
       </p:nvGrpSpPr>
@@ -2276,7 +2392,7 @@
       </p:grpSpPr>
       <p:sp>
         <p:nvSpPr>
-          <p:cNvPr id="343" name="Google Shape;343;g110a238f71a_0_44:notes"/>
+          <p:cNvPr id="366" name="Google Shape;366;g110a238f71a_0_34:notes"/>
           <p:cNvSpPr/>
           <p:nvPr>
             <p:ph idx="2" type="sldImg"/>
@@ -2311,7 +2427,7 @@
       </p:sp>
       <p:sp>
         <p:nvSpPr>
-          <p:cNvPr id="344" name="Google Shape;344;g110a238f71a_0_44:notes"/>
+          <p:cNvPr id="367" name="Google Shape;367;g110a238f71a_0_34:notes"/>
           <p:cNvSpPr txBox="1"/>
           <p:nvPr>
             <p:ph idx="1" type="body"/>
@@ -2333,6 +2449,166 @@
           <a:lstStyle/>
           <a:p>
             <a:pPr indent="0" lvl="0" marL="0" rtl="0" algn="l">
+              <a:lnSpc>
+                <a:spcPct val="115000"/>
+              </a:lnSpc>
+              <a:spcBef>
+                <a:spcPts val="0"/>
+              </a:spcBef>
+              <a:spcAft>
+                <a:spcPts val="0"/>
+              </a:spcAft>
+              <a:buClr>
+                <a:schemeClr val="dk1"/>
+              </a:buClr>
+              <a:buSzPts val="1100"/>
+              <a:buFont typeface="Arial"/>
+              <a:buNone/>
+            </a:pPr>
+            <a:r>
+              <a:rPr lang="en" sz="900">
+                <a:solidFill>
+                  <a:schemeClr val="dk1"/>
+                </a:solidFill>
+              </a:rPr>
+              <a:t>Feature selection techniques may generally grouped into those that use the target variable</a:t>
+            </a:r>
+            <a:endParaRPr sz="900">
+              <a:solidFill>
+                <a:schemeClr val="dk1"/>
+              </a:solidFill>
+            </a:endParaRPr>
+          </a:p>
+          <a:p>
+            <a:pPr indent="0" lvl="0" marL="0" rtl="0" algn="l">
+              <a:lnSpc>
+                <a:spcPct val="115000"/>
+              </a:lnSpc>
+              <a:spcBef>
+                <a:spcPts val="0"/>
+              </a:spcBef>
+              <a:spcAft>
+                <a:spcPts val="0"/>
+              </a:spcAft>
+              <a:buClr>
+                <a:schemeClr val="dk1"/>
+              </a:buClr>
+              <a:buSzPts val="1100"/>
+              <a:buFont typeface="Arial"/>
+              <a:buNone/>
+            </a:pPr>
+            <a:r>
+              <a:rPr lang="en" sz="900">
+                <a:solidFill>
+                  <a:schemeClr val="dk1"/>
+                </a:solidFill>
+              </a:rPr>
+              <a:t>(supervised) and those that do not (unsupervised). Additionally, the supervised techniques</a:t>
+            </a:r>
+            <a:endParaRPr sz="900">
+              <a:solidFill>
+                <a:schemeClr val="dk1"/>
+              </a:solidFill>
+            </a:endParaRPr>
+          </a:p>
+          <a:p>
+            <a:pPr indent="0" lvl="0" marL="0" rtl="0" algn="l">
+              <a:lnSpc>
+                <a:spcPct val="115000"/>
+              </a:lnSpc>
+              <a:spcBef>
+                <a:spcPts val="0"/>
+              </a:spcBef>
+              <a:spcAft>
+                <a:spcPts val="0"/>
+              </a:spcAft>
+              <a:buClr>
+                <a:schemeClr val="dk1"/>
+              </a:buClr>
+              <a:buSzPts val="1100"/>
+              <a:buFont typeface="Arial"/>
+              <a:buNone/>
+            </a:pPr>
+            <a:r>
+              <a:rPr lang="en" sz="900">
+                <a:solidFill>
+                  <a:schemeClr val="dk1"/>
+                </a:solidFill>
+              </a:rPr>
+              <a:t>can be further divided into models that automatically select features as part of fitting the</a:t>
+            </a:r>
+            <a:endParaRPr sz="900">
+              <a:solidFill>
+                <a:schemeClr val="dk1"/>
+              </a:solidFill>
+            </a:endParaRPr>
+          </a:p>
+          <a:p>
+            <a:pPr indent="0" lvl="0" marL="0" rtl="0" algn="l">
+              <a:lnSpc>
+                <a:spcPct val="115000"/>
+              </a:lnSpc>
+              <a:spcBef>
+                <a:spcPts val="0"/>
+              </a:spcBef>
+              <a:spcAft>
+                <a:spcPts val="0"/>
+              </a:spcAft>
+              <a:buClr>
+                <a:schemeClr val="dk1"/>
+              </a:buClr>
+              <a:buSzPts val="1100"/>
+              <a:buFont typeface="Arial"/>
+              <a:buNone/>
+            </a:pPr>
+            <a:r>
+              <a:rPr lang="en" sz="900">
+                <a:solidFill>
+                  <a:schemeClr val="dk1"/>
+                </a:solidFill>
+              </a:rPr>
+              <a:t>model (intrinsic), those that explicitly choose features that result in the best performing model</a:t>
+            </a:r>
+            <a:endParaRPr sz="900">
+              <a:solidFill>
+                <a:schemeClr val="dk1"/>
+              </a:solidFill>
+            </a:endParaRPr>
+          </a:p>
+          <a:p>
+            <a:pPr indent="0" lvl="0" marL="0" rtl="0" algn="l">
+              <a:lnSpc>
+                <a:spcPct val="115000"/>
+              </a:lnSpc>
+              <a:spcBef>
+                <a:spcPts val="0"/>
+              </a:spcBef>
+              <a:spcAft>
+                <a:spcPts val="0"/>
+              </a:spcAft>
+              <a:buClr>
+                <a:schemeClr val="dk1"/>
+              </a:buClr>
+              <a:buSzPts val="1100"/>
+              <a:buFont typeface="Arial"/>
+              <a:buNone/>
+            </a:pPr>
+            <a:r>
+              <a:rPr lang="en" sz="900">
+                <a:solidFill>
+                  <a:schemeClr val="dk1"/>
+                </a:solidFill>
+              </a:rPr>
+              <a:t>(wrapper) and those that score each input feature and allow a subset to be selected (filter).</a:t>
+            </a:r>
+            <a:endParaRPr sz="900">
+              <a:solidFill>
+                <a:schemeClr val="dk1"/>
+              </a:solidFill>
+            </a:endParaRPr>
+          </a:p>
+          <a:p>
+            <a:pPr indent="0" lvl="0" marL="0" rtl="0" algn="l">
               <a:spcBef>
                 <a:spcPts val="0"/>
               </a:spcBef>
@@ -2361,7 +2637,7 @@
   <p:cSld>
     <p:spTree>
       <p:nvGrpSpPr>
-        <p:cNvPr id="353" name="Shape 353"/>
+        <p:cNvPr id="377" name="Shape 377"/>
         <p:cNvGrpSpPr/>
         <p:nvPr/>
       </p:nvGrpSpPr>
@@ -2375,7 +2651,7 @@
       </p:grpSpPr>
       <p:sp>
         <p:nvSpPr>
-          <p:cNvPr id="354" name="Google Shape;354;g110a238f71a_0_54:notes"/>
+          <p:cNvPr id="378" name="Google Shape;378;g110a238f71a_0_54:notes"/>
           <p:cNvSpPr/>
           <p:nvPr>
             <p:ph idx="2" type="sldImg"/>
@@ -2410,7 +2686,7 @@
       </p:sp>
       <p:sp>
         <p:nvSpPr>
-          <p:cNvPr id="355" name="Google Shape;355;g110a238f71a_0_54:notes"/>
+          <p:cNvPr id="379" name="Google Shape;379;g110a238f71a_0_54:notes"/>
           <p:cNvSpPr txBox="1"/>
           <p:nvPr>
             <p:ph idx="1" type="body"/>
@@ -2431,6 +2707,276 @@
           </a:bodyPr>
           <a:lstStyle/>
           <a:p>
+            <a:pPr indent="-330200" lvl="0" marL="457200" rtl="0" algn="l">
+              <a:lnSpc>
+                <a:spcPct val="115000"/>
+              </a:lnSpc>
+              <a:spcBef>
+                <a:spcPts val="0"/>
+              </a:spcBef>
+              <a:spcAft>
+                <a:spcPts val="0"/>
+              </a:spcAft>
+              <a:buClr>
+                <a:schemeClr val="dk1"/>
+              </a:buClr>
+              <a:buSzPts val="1600"/>
+              <a:buChar char="●"/>
+            </a:pPr>
+            <a:r>
+              <a:rPr lang="en" sz="1600">
+                <a:solidFill>
+                  <a:schemeClr val="dk1"/>
+                </a:solidFill>
+              </a:rPr>
+              <a:t>The process of creating new input variables from the available data.</a:t>
+            </a:r>
+            <a:endParaRPr sz="1600">
+              <a:solidFill>
+                <a:schemeClr val="dk1"/>
+              </a:solidFill>
+            </a:endParaRPr>
+          </a:p>
+          <a:p>
+            <a:pPr indent="-330200" lvl="0" marL="457200" rtl="0" algn="l">
+              <a:lnSpc>
+                <a:spcPct val="115000"/>
+              </a:lnSpc>
+              <a:spcBef>
+                <a:spcPts val="0"/>
+              </a:spcBef>
+              <a:spcAft>
+                <a:spcPts val="0"/>
+              </a:spcAft>
+              <a:buClr>
+                <a:schemeClr val="dk1"/>
+              </a:buClr>
+              <a:buSzPts val="1600"/>
+              <a:buChar char="●"/>
+            </a:pPr>
+            <a:r>
+              <a:rPr lang="en" sz="1600">
+                <a:solidFill>
+                  <a:schemeClr val="dk1"/>
+                </a:solidFill>
+              </a:rPr>
+              <a:t>Usually require the collaboration of a subject matter expert to help identify new features.</a:t>
+            </a:r>
+            <a:endParaRPr sz="1600">
+              <a:solidFill>
+                <a:schemeClr val="dk1"/>
+              </a:solidFill>
+            </a:endParaRPr>
+          </a:p>
+          <a:p>
+            <a:pPr indent="-330200" lvl="0" marL="457200" rtl="0" algn="l">
+              <a:lnSpc>
+                <a:spcPct val="115000"/>
+              </a:lnSpc>
+              <a:spcBef>
+                <a:spcPts val="0"/>
+              </a:spcBef>
+              <a:spcAft>
+                <a:spcPts val="0"/>
+              </a:spcAft>
+              <a:buClr>
+                <a:schemeClr val="dk1"/>
+              </a:buClr>
+              <a:buSzPts val="1600"/>
+              <a:buChar char="●"/>
+            </a:pPr>
+            <a:r>
+              <a:rPr lang="en" sz="1600">
+                <a:solidFill>
+                  <a:schemeClr val="dk1"/>
+                </a:solidFill>
+              </a:rPr>
+              <a:t>To add broader context to a single observation or decompose a complex variable in order to provide more straightforward perspectives on the input data.</a:t>
+            </a:r>
+            <a:endParaRPr sz="1600">
+              <a:solidFill>
+                <a:schemeClr val="dk1"/>
+              </a:solidFill>
+            </a:endParaRPr>
+          </a:p>
+          <a:p>
+            <a:pPr indent="0" lvl="0" marL="457200" rtl="0" algn="l">
+              <a:lnSpc>
+                <a:spcPct val="115000"/>
+              </a:lnSpc>
+              <a:spcBef>
+                <a:spcPts val="0"/>
+              </a:spcBef>
+              <a:spcAft>
+                <a:spcPts val="0"/>
+              </a:spcAft>
+              <a:buNone/>
+            </a:pPr>
+            <a:r>
+              <a:t/>
+            </a:r>
+            <a:endParaRPr sz="1600">
+              <a:solidFill>
+                <a:schemeClr val="dk1"/>
+              </a:solidFill>
+            </a:endParaRPr>
+          </a:p>
+          <a:p>
+            <a:pPr indent="-330200" lvl="0" marL="457200" rtl="0" algn="l">
+              <a:lnSpc>
+                <a:spcPct val="115000"/>
+              </a:lnSpc>
+              <a:spcBef>
+                <a:spcPts val="0"/>
+              </a:spcBef>
+              <a:spcAft>
+                <a:spcPts val="0"/>
+              </a:spcAft>
+              <a:buClr>
+                <a:schemeClr val="dk1"/>
+              </a:buClr>
+              <a:buSzPts val="1600"/>
+              <a:buChar char="●"/>
+            </a:pPr>
+            <a:r>
+              <a:rPr lang="en" sz="1600">
+                <a:solidFill>
+                  <a:schemeClr val="dk1"/>
+                </a:solidFill>
+              </a:rPr>
+              <a:t>Popular techniques:</a:t>
+            </a:r>
+            <a:endParaRPr sz="1600">
+              <a:solidFill>
+                <a:schemeClr val="dk1"/>
+              </a:solidFill>
+            </a:endParaRPr>
+          </a:p>
+          <a:p>
+            <a:pPr indent="-330200" lvl="1" marL="914400" rtl="0" algn="l">
+              <a:lnSpc>
+                <a:spcPct val="115000"/>
+              </a:lnSpc>
+              <a:spcBef>
+                <a:spcPts val="0"/>
+              </a:spcBef>
+              <a:spcAft>
+                <a:spcPts val="0"/>
+              </a:spcAft>
+              <a:buClr>
+                <a:schemeClr val="dk1"/>
+              </a:buClr>
+              <a:buSzPts val="1600"/>
+              <a:buChar char="○"/>
+            </a:pPr>
+            <a:r>
+              <a:rPr lang="en" sz="1600">
+                <a:solidFill>
+                  <a:schemeClr val="dk1"/>
+                </a:solidFill>
+              </a:rPr>
+              <a:t>Adding a boolean flag variable for some state.</a:t>
+            </a:r>
+            <a:endParaRPr sz="1600">
+              <a:solidFill>
+                <a:schemeClr val="dk1"/>
+              </a:solidFill>
+            </a:endParaRPr>
+          </a:p>
+          <a:p>
+            <a:pPr indent="-330200" lvl="1" marL="914400" rtl="0" algn="l">
+              <a:lnSpc>
+                <a:spcPct val="115000"/>
+              </a:lnSpc>
+              <a:spcBef>
+                <a:spcPts val="0"/>
+              </a:spcBef>
+              <a:spcAft>
+                <a:spcPts val="0"/>
+              </a:spcAft>
+              <a:buClr>
+                <a:schemeClr val="dk1"/>
+              </a:buClr>
+              <a:buSzPts val="1600"/>
+              <a:buChar char="○"/>
+            </a:pPr>
+            <a:r>
+              <a:rPr lang="en" sz="1600">
+                <a:solidFill>
+                  <a:schemeClr val="dk1"/>
+                </a:solidFill>
+              </a:rPr>
+              <a:t>Adding a group or global summary statistic, such as mean.</a:t>
+            </a:r>
+            <a:endParaRPr sz="1600">
+              <a:solidFill>
+                <a:schemeClr val="dk1"/>
+              </a:solidFill>
+            </a:endParaRPr>
+          </a:p>
+          <a:p>
+            <a:pPr indent="-330200" lvl="1" marL="914400" rtl="0" algn="l">
+              <a:lnSpc>
+                <a:spcPct val="115000"/>
+              </a:lnSpc>
+              <a:spcBef>
+                <a:spcPts val="0"/>
+              </a:spcBef>
+              <a:spcAft>
+                <a:spcPts val="0"/>
+              </a:spcAft>
+              <a:buClr>
+                <a:schemeClr val="dk1"/>
+              </a:buClr>
+              <a:buSzPts val="1600"/>
+              <a:buChar char="○"/>
+            </a:pPr>
+            <a:r>
+              <a:rPr lang="en" sz="1600">
+                <a:solidFill>
+                  <a:schemeClr val="dk1"/>
+                </a:solidFill>
+              </a:rPr>
+              <a:t>Adding new variables for each component of a compound variable, such as a date-time.</a:t>
+            </a:r>
+            <a:endParaRPr sz="1600">
+              <a:solidFill>
+                <a:schemeClr val="dk1"/>
+              </a:solidFill>
+            </a:endParaRPr>
+          </a:p>
+          <a:p>
+            <a:pPr indent="-330200" lvl="1" marL="914400" rtl="0" algn="l">
+              <a:lnSpc>
+                <a:spcPct val="115000"/>
+              </a:lnSpc>
+              <a:spcBef>
+                <a:spcPts val="0"/>
+              </a:spcBef>
+              <a:spcAft>
+                <a:spcPts val="0"/>
+              </a:spcAft>
+              <a:buClr>
+                <a:schemeClr val="dk1"/>
+              </a:buClr>
+              <a:buSzPts val="1600"/>
+              <a:buChar char="○"/>
+            </a:pPr>
+            <a:r>
+              <a:rPr lang="en" sz="1600">
+                <a:solidFill>
+                  <a:schemeClr val="dk1"/>
+                </a:solidFill>
+              </a:rPr>
+              <a:t>Creating copies of numerical input variables that have been changed with a simple mathematical operation.</a:t>
+            </a:r>
+            <a:endParaRPr sz="1600">
+              <a:solidFill>
+                <a:schemeClr val="dk1"/>
+              </a:solidFill>
+            </a:endParaRPr>
+          </a:p>
+          <a:p>
             <a:pPr indent="0" lvl="0" marL="0" rtl="0" algn="l">
               <a:spcBef>
                 <a:spcPts val="0"/>
@@ -2460,7 +3006,7 @@
   <p:cSld>
     <p:spTree>
       <p:nvGrpSpPr>
-        <p:cNvPr id="364" name="Shape 364"/>
+        <p:cNvPr id="388" name="Shape 388"/>
         <p:cNvGrpSpPr/>
         <p:nvPr/>
       </p:nvGrpSpPr>
@@ -2474,7 +3020,7 @@
       </p:grpSpPr>
       <p:sp>
         <p:nvSpPr>
-          <p:cNvPr id="365" name="Google Shape;365;g110a238f71a_0_63:notes"/>
+          <p:cNvPr id="389" name="Google Shape;389;g110a238f71a_0_63:notes"/>
           <p:cNvSpPr/>
           <p:nvPr>
             <p:ph idx="2" type="sldImg"/>
@@ -2509,7 +3055,7 @@
       </p:sp>
       <p:sp>
         <p:nvSpPr>
-          <p:cNvPr id="366" name="Google Shape;366;g110a238f71a_0_63:notes"/>
+          <p:cNvPr id="390" name="Google Shape;390;g110a238f71a_0_63:notes"/>
           <p:cNvSpPr txBox="1"/>
           <p:nvPr>
             <p:ph idx="1" type="body"/>
@@ -2559,7 +3105,7 @@
   <p:cSld>
     <p:spTree>
       <p:nvGrpSpPr>
-        <p:cNvPr id="374" name="Shape 374"/>
+        <p:cNvPr id="398" name="Shape 398"/>
         <p:cNvGrpSpPr/>
         <p:nvPr/>
       </p:nvGrpSpPr>
@@ -2573,7 +3119,7 @@
       </p:grpSpPr>
       <p:sp>
         <p:nvSpPr>
-          <p:cNvPr id="375" name="Google Shape;375;g11ba22b7cc1_0_61:notes"/>
+          <p:cNvPr id="399" name="Google Shape;399;g11ba22b7cc1_0_61:notes"/>
           <p:cNvSpPr/>
           <p:nvPr>
             <p:ph idx="2" type="sldImg"/>
@@ -2608,7 +3154,7 @@
       </p:sp>
       <p:sp>
         <p:nvSpPr>
-          <p:cNvPr id="376" name="Google Shape;376;g11ba22b7cc1_0_61:notes"/>
+          <p:cNvPr id="400" name="Google Shape;400;g11ba22b7cc1_0_61:notes"/>
           <p:cNvSpPr txBox="1"/>
           <p:nvPr>
             <p:ph idx="1" type="body"/>
@@ -2658,7 +3204,7 @@
   <p:cSld>
     <p:spTree>
       <p:nvGrpSpPr>
-        <p:cNvPr id="391" name="Shape 391"/>
+        <p:cNvPr id="417" name="Shape 417"/>
         <p:cNvGrpSpPr/>
         <p:nvPr/>
       </p:nvGrpSpPr>
@@ -2672,7 +3218,7 @@
       </p:grpSpPr>
       <p:sp>
         <p:nvSpPr>
-          <p:cNvPr id="392" name="Google Shape;392;g110c9cc373d_0_0:notes"/>
+          <p:cNvPr id="418" name="Google Shape;418;g110c9cc373d_0_0:notes"/>
           <p:cNvSpPr/>
           <p:nvPr>
             <p:ph idx="2" type="sldImg"/>
@@ -2707,7 +3253,7 @@
       </p:sp>
       <p:sp>
         <p:nvSpPr>
-          <p:cNvPr id="393" name="Google Shape;393;g110c9cc373d_0_0:notes"/>
+          <p:cNvPr id="419" name="Google Shape;419;g110c9cc373d_0_0:notes"/>
           <p:cNvSpPr txBox="1"/>
           <p:nvPr>
             <p:ph idx="1" type="body"/>
@@ -2845,7 +3391,7 @@
   <p:cSld>
     <p:spTree>
       <p:nvGrpSpPr>
-        <p:cNvPr id="399" name="Shape 399"/>
+        <p:cNvPr id="426" name="Shape 426"/>
         <p:cNvGrpSpPr/>
         <p:nvPr/>
       </p:nvGrpSpPr>
@@ -2859,7 +3405,7 @@
       </p:grpSpPr>
       <p:sp>
         <p:nvSpPr>
-          <p:cNvPr id="400" name="Google Shape;400;g11c1ae6140b_0_17:notes"/>
+          <p:cNvPr id="427" name="Google Shape;427;g11c1ae6140b_0_17:notes"/>
           <p:cNvSpPr/>
           <p:nvPr>
             <p:ph idx="2" type="sldImg"/>
@@ -2894,7 +3440,7 @@
       </p:sp>
       <p:sp>
         <p:nvSpPr>
-          <p:cNvPr id="401" name="Google Shape;401;g11c1ae6140b_0_17:notes"/>
+          <p:cNvPr id="428" name="Google Shape;428;g11c1ae6140b_0_17:notes"/>
           <p:cNvSpPr txBox="1"/>
           <p:nvPr>
             <p:ph idx="1" type="body"/>
@@ -3340,7 +3886,7 @@
   <p:cSld>
     <p:spTree>
       <p:nvGrpSpPr>
-        <p:cNvPr id="221" name="Shape 221"/>
+        <p:cNvPr id="222" name="Shape 222"/>
         <p:cNvGrpSpPr/>
         <p:nvPr/>
       </p:nvGrpSpPr>
@@ -3354,7 +3900,397 @@
       </p:grpSpPr>
       <p:sp>
         <p:nvSpPr>
-          <p:cNvPr id="222" name="Google Shape;222;g110a238f71a_0_7:notes"/>
+          <p:cNvPr id="223" name="Google Shape;223;g13067b01fe9_0_0:notes"/>
+          <p:cNvSpPr/>
+          <p:nvPr>
+            <p:ph idx="2" type="sldImg"/>
+          </p:nvPr>
+        </p:nvSpPr>
+        <p:spPr>
+          <a:xfrm>
+            <a:off x="381300" y="685800"/>
+            <a:ext cx="6096000" cy="3429000"/>
+          </a:xfrm>
+          <a:custGeom>
+            <a:rect b="b" l="l" r="r" t="t"/>
+            <a:pathLst>
+              <a:path extrusionOk="0" h="120000" w="120000">
+                <a:moveTo>
+                  <a:pt x="0" y="0"/>
+                </a:moveTo>
+                <a:lnTo>
+                  <a:pt x="120000" y="0"/>
+                </a:lnTo>
+                <a:lnTo>
+                  <a:pt x="120000" y="120000"/>
+                </a:lnTo>
+                <a:lnTo>
+                  <a:pt x="0" y="120000"/>
+                </a:lnTo>
+                <a:close/>
+              </a:path>
+            </a:pathLst>
+          </a:custGeom>
+        </p:spPr>
+      </p:sp>
+      <p:sp>
+        <p:nvSpPr>
+          <p:cNvPr id="224" name="Google Shape;224;g13067b01fe9_0_0:notes"/>
+          <p:cNvSpPr txBox="1"/>
+          <p:nvPr>
+            <p:ph idx="1" type="body"/>
+          </p:nvPr>
+        </p:nvSpPr>
+        <p:spPr>
+          <a:xfrm>
+            <a:off x="685800" y="4343400"/>
+            <a:ext cx="5486400" cy="4114800"/>
+          </a:xfrm>
+          <a:prstGeom prst="rect">
+            <a:avLst/>
+          </a:prstGeom>
+        </p:spPr>
+        <p:txBody>
+          <a:bodyPr anchorCtr="0" anchor="t" bIns="91425" lIns="91425" spcFirstLastPara="1" rIns="91425" wrap="square" tIns="91425">
+            <a:noAutofit/>
+          </a:bodyPr>
+          <a:lstStyle/>
+          <a:p>
+            <a:pPr indent="-330200" lvl="0" marL="457200" rtl="0" algn="l">
+              <a:lnSpc>
+                <a:spcPct val="115000"/>
+              </a:lnSpc>
+              <a:spcBef>
+                <a:spcPts val="0"/>
+              </a:spcBef>
+              <a:spcAft>
+                <a:spcPts val="0"/>
+              </a:spcAft>
+              <a:buClr>
+                <a:schemeClr val="dk1"/>
+              </a:buClr>
+              <a:buSzPts val="1600"/>
+              <a:buChar char="●"/>
+            </a:pPr>
+            <a:r>
+              <a:rPr lang="en" sz="1600">
+                <a:solidFill>
+                  <a:schemeClr val="dk1"/>
+                </a:solidFill>
+              </a:rPr>
+              <a:t>In supervised learning, data consists of examples where each example has an input that will be provided to the model and an output or target that the model is going to predict.</a:t>
+            </a:r>
+            <a:endParaRPr sz="1600">
+              <a:solidFill>
+                <a:schemeClr val="dk1"/>
+              </a:solidFill>
+            </a:endParaRPr>
+          </a:p>
+          <a:p>
+            <a:pPr indent="-330200" lvl="0" marL="457200" rtl="0" algn="l">
+              <a:lnSpc>
+                <a:spcPct val="115000"/>
+              </a:lnSpc>
+              <a:spcBef>
+                <a:spcPts val="0"/>
+              </a:spcBef>
+              <a:spcAft>
+                <a:spcPts val="0"/>
+              </a:spcAft>
+              <a:buClr>
+                <a:schemeClr val="dk1"/>
+              </a:buClr>
+              <a:buSzPts val="1600"/>
+              <a:buChar char="●"/>
+            </a:pPr>
+            <a:r>
+              <a:rPr b="1" lang="en" sz="1600">
+                <a:solidFill>
+                  <a:schemeClr val="dk1"/>
+                </a:solidFill>
+              </a:rPr>
+              <a:t>Output data</a:t>
+            </a:r>
+            <a:r>
+              <a:rPr lang="en" sz="1600">
+                <a:solidFill>
+                  <a:schemeClr val="dk1"/>
+                </a:solidFill>
+              </a:rPr>
+              <a:t>: a label (classification), a number (regression)</a:t>
+            </a:r>
+            <a:endParaRPr sz="1600">
+              <a:solidFill>
+                <a:schemeClr val="dk1"/>
+              </a:solidFill>
+            </a:endParaRPr>
+          </a:p>
+          <a:p>
+            <a:pPr indent="-330200" lvl="0" marL="457200" rtl="0" algn="l">
+              <a:lnSpc>
+                <a:spcPct val="115000"/>
+              </a:lnSpc>
+              <a:spcBef>
+                <a:spcPts val="0"/>
+              </a:spcBef>
+              <a:spcAft>
+                <a:spcPts val="0"/>
+              </a:spcAft>
+              <a:buClr>
+                <a:schemeClr val="dk1"/>
+              </a:buClr>
+              <a:buSzPts val="1600"/>
+              <a:buChar char="●"/>
+            </a:pPr>
+            <a:r>
+              <a:rPr b="1" lang="en" sz="1600">
+                <a:solidFill>
+                  <a:schemeClr val="dk1"/>
+                </a:solidFill>
+              </a:rPr>
+              <a:t>Input data</a:t>
+            </a:r>
+            <a:r>
+              <a:rPr lang="en" sz="1600">
+                <a:solidFill>
+                  <a:schemeClr val="dk1"/>
+                </a:solidFill>
+              </a:rPr>
+              <a:t>: usually is tabular or structured data (spreadsheet, database table, CSV, TSV)</a:t>
+            </a:r>
+            <a:endParaRPr sz="1600">
+              <a:solidFill>
+                <a:schemeClr val="dk1"/>
+              </a:solidFill>
+            </a:endParaRPr>
+          </a:p>
+          <a:p>
+            <a:pPr indent="-330200" lvl="1" marL="914400" rtl="0" algn="l">
+              <a:lnSpc>
+                <a:spcPct val="115000"/>
+              </a:lnSpc>
+              <a:spcBef>
+                <a:spcPts val="0"/>
+              </a:spcBef>
+              <a:spcAft>
+                <a:spcPts val="0"/>
+              </a:spcAft>
+              <a:buClr>
+                <a:schemeClr val="dk1"/>
+              </a:buClr>
+              <a:buSzPts val="1600"/>
+              <a:buChar char="○"/>
+            </a:pPr>
+            <a:r>
+              <a:rPr lang="en" sz="1600" u="sng">
+                <a:solidFill>
+                  <a:schemeClr val="dk1"/>
+                </a:solidFill>
+              </a:rPr>
+              <a:t>Row</a:t>
+            </a:r>
+            <a:r>
+              <a:rPr lang="en" sz="1600">
+                <a:solidFill>
+                  <a:schemeClr val="dk1"/>
+                </a:solidFill>
+              </a:rPr>
+              <a:t>: a single example from the domain, also called an instance, an example or a case.</a:t>
+            </a:r>
+            <a:endParaRPr sz="1600">
+              <a:solidFill>
+                <a:schemeClr val="dk1"/>
+              </a:solidFill>
+            </a:endParaRPr>
+          </a:p>
+          <a:p>
+            <a:pPr indent="-330200" lvl="1" marL="914400" rtl="0" algn="l">
+              <a:lnSpc>
+                <a:spcPct val="115000"/>
+              </a:lnSpc>
+              <a:spcBef>
+                <a:spcPts val="0"/>
+              </a:spcBef>
+              <a:spcAft>
+                <a:spcPts val="0"/>
+              </a:spcAft>
+              <a:buClr>
+                <a:schemeClr val="dk1"/>
+              </a:buClr>
+              <a:buSzPts val="1600"/>
+              <a:buChar char="○"/>
+            </a:pPr>
+            <a:r>
+              <a:rPr lang="en" sz="1600" u="sng">
+                <a:solidFill>
+                  <a:schemeClr val="dk1"/>
+                </a:solidFill>
+              </a:rPr>
+              <a:t>Column</a:t>
+            </a:r>
+            <a:r>
+              <a:rPr lang="en" sz="1600">
+                <a:solidFill>
+                  <a:schemeClr val="dk1"/>
+                </a:solidFill>
+              </a:rPr>
+              <a:t>: a single property observed about that example, also called a variable, a predictor or feature.</a:t>
+            </a:r>
+            <a:endParaRPr sz="1600">
+              <a:solidFill>
+                <a:schemeClr val="dk1"/>
+              </a:solidFill>
+            </a:endParaRPr>
+          </a:p>
+          <a:p>
+            <a:pPr indent="-330200" lvl="1" marL="914400" rtl="0" algn="l">
+              <a:lnSpc>
+                <a:spcPct val="115000"/>
+              </a:lnSpc>
+              <a:spcBef>
+                <a:spcPts val="0"/>
+              </a:spcBef>
+              <a:spcAft>
+                <a:spcPts val="0"/>
+              </a:spcAft>
+              <a:buClr>
+                <a:schemeClr val="dk1"/>
+              </a:buClr>
+              <a:buSzPts val="1600"/>
+              <a:buChar char="○"/>
+            </a:pPr>
+            <a:r>
+              <a:rPr lang="en" sz="1600" u="sng">
+                <a:solidFill>
+                  <a:schemeClr val="dk1"/>
+                </a:solidFill>
+              </a:rPr>
+              <a:t>Input variables</a:t>
+            </a:r>
+            <a:r>
+              <a:rPr lang="en" sz="1600">
+                <a:solidFill>
+                  <a:schemeClr val="dk1"/>
+                </a:solidFill>
+              </a:rPr>
+              <a:t>: columns in the dataset provided to the model to make a prediction</a:t>
+            </a:r>
+            <a:endParaRPr sz="1600">
+              <a:solidFill>
+                <a:schemeClr val="dk1"/>
+              </a:solidFill>
+            </a:endParaRPr>
+          </a:p>
+          <a:p>
+            <a:pPr indent="-330200" lvl="1" marL="914400" rtl="0" algn="l">
+              <a:lnSpc>
+                <a:spcPct val="115000"/>
+              </a:lnSpc>
+              <a:spcBef>
+                <a:spcPts val="0"/>
+              </a:spcBef>
+              <a:spcAft>
+                <a:spcPts val="0"/>
+              </a:spcAft>
+              <a:buClr>
+                <a:schemeClr val="dk1"/>
+              </a:buClr>
+              <a:buSzPts val="1600"/>
+              <a:buChar char="○"/>
+            </a:pPr>
+            <a:r>
+              <a:rPr lang="en" sz="1600" u="sng">
+                <a:solidFill>
+                  <a:schemeClr val="dk1"/>
+                </a:solidFill>
+              </a:rPr>
+              <a:t>Output variables</a:t>
+            </a:r>
+            <a:r>
+              <a:rPr lang="en" sz="1600">
+                <a:solidFill>
+                  <a:schemeClr val="dk1"/>
+                </a:solidFill>
+              </a:rPr>
+              <a:t>: column in the dataset to be predicted by the model</a:t>
+            </a:r>
+            <a:endParaRPr sz="1600">
+              <a:solidFill>
+                <a:schemeClr val="dk1"/>
+              </a:solidFill>
+            </a:endParaRPr>
+          </a:p>
+          <a:p>
+            <a:pPr indent="-330200" lvl="0" marL="457200" rtl="0" algn="l">
+              <a:lnSpc>
+                <a:spcPct val="115000"/>
+              </a:lnSpc>
+              <a:spcBef>
+                <a:spcPts val="0"/>
+              </a:spcBef>
+              <a:spcAft>
+                <a:spcPts val="0"/>
+              </a:spcAft>
+              <a:buClr>
+                <a:schemeClr val="dk1"/>
+              </a:buClr>
+              <a:buSzPts val="1600"/>
+              <a:buChar char="●"/>
+            </a:pPr>
+            <a:r>
+              <a:t/>
+            </a:r>
+            <a:endParaRPr sz="1600">
+              <a:solidFill>
+                <a:schemeClr val="dk1"/>
+              </a:solidFill>
+            </a:endParaRPr>
+          </a:p>
+          <a:p>
+            <a:pPr indent="0" lvl="0" marL="0" rtl="0" algn="l">
+              <a:spcBef>
+                <a:spcPts val="0"/>
+              </a:spcBef>
+              <a:spcAft>
+                <a:spcPts val="0"/>
+              </a:spcAft>
+              <a:buNone/>
+            </a:pPr>
+            <a:r>
+              <a:t/>
+            </a:r>
+            <a:endParaRPr/>
+          </a:p>
+        </p:txBody>
+      </p:sp>
+    </p:spTree>
+  </p:cSld>
+  <p:clrMapOvr>
+    <a:masterClrMapping/>
+  </p:clrMapOvr>
+</p:notes>
+</file>
+
+<file path=ppt/notesSlides/notesSlide8.xml><?xml version="1.0" encoding="utf-8"?>
+<p:notes xmlns:a="http://schemas.openxmlformats.org/drawingml/2006/main" xmlns:r="http://schemas.openxmlformats.org/officeDocument/2006/relationships" xmlns:mc="http://schemas.openxmlformats.org/markup-compatibility/2006" xmlns:mv="urn:schemas-microsoft-com:mac:vml" xmlns:p="http://schemas.openxmlformats.org/presentationml/2006/main" xmlns:c="http://schemas.openxmlformats.org/drawingml/2006/chart" xmlns:dgm="http://schemas.openxmlformats.org/drawingml/2006/diagram" xmlns:o="urn:schemas-microsoft-com:office:office" xmlns:v="urn:schemas-microsoft-com:vml" xmlns:pvml="urn:schemas-microsoft-com:office:powerpoint" xmlns:com="http://schemas.openxmlformats.org/drawingml/2006/compatibility" xmlns:p14="http://schemas.microsoft.com/office/powerpoint/2010/main" xmlns:p15="http://schemas.microsoft.com/office/powerpoint/2012/main" xmlns:ahyp="http://schemas.microsoft.com/office/drawing/2018/hyperlinkcolor" showMasterPhAnim="0" showMasterSp="0">
+  <p:cSld>
+    <p:spTree>
+      <p:nvGrpSpPr>
+        <p:cNvPr id="235" name="Shape 235"/>
+        <p:cNvGrpSpPr/>
+        <p:nvPr/>
+      </p:nvGrpSpPr>
+      <p:grpSpPr>
+        <a:xfrm>
+          <a:off x="0" y="0"/>
+          <a:ext cx="0" cy="0"/>
+          <a:chOff x="0" y="0"/>
+          <a:chExt cx="0" cy="0"/>
+        </a:xfrm>
+      </p:grpSpPr>
+      <p:sp>
+        <p:nvSpPr>
+          <p:cNvPr id="236" name="Google Shape;236;g11edce180b9_0_0:notes"/>
           <p:cNvSpPr/>
           <p:nvPr>
             <p:ph idx="2" type="sldImg"/>
@@ -3389,7 +4325,7 @@
       </p:sp>
       <p:sp>
         <p:nvSpPr>
-          <p:cNvPr id="223" name="Google Shape;223;g110a238f71a_0_7:notes"/>
+          <p:cNvPr id="237" name="Google Shape;237;g11edce180b9_0_0:notes"/>
           <p:cNvSpPr txBox="1"/>
           <p:nvPr>
             <p:ph idx="1" type="body"/>
@@ -3410,17 +4346,107 @@
           </a:bodyPr>
           <a:lstStyle/>
           <a:p>
-            <a:pPr indent="0" lvl="0" marL="0" rtl="0" algn="l">
-              <a:spcBef>
-                <a:spcPts val="0"/>
-              </a:spcBef>
-              <a:spcAft>
-                <a:spcPts val="0"/>
-              </a:spcAft>
-              <a:buNone/>
-            </a:pPr>
-            <a:r>
-              <a:t/>
+            <a:pPr indent="-330200" lvl="0" marL="457200" rtl="0" algn="l">
+              <a:lnSpc>
+                <a:spcPct val="115000"/>
+              </a:lnSpc>
+              <a:spcBef>
+                <a:spcPts val="0"/>
+              </a:spcBef>
+              <a:spcAft>
+                <a:spcPts val="0"/>
+              </a:spcAft>
+              <a:buClr>
+                <a:schemeClr val="dk1"/>
+              </a:buClr>
+              <a:buSzPts val="1600"/>
+              <a:buChar char="●"/>
+            </a:pPr>
+            <a:r>
+              <a:rPr lang="en" sz="1600">
+                <a:solidFill>
+                  <a:schemeClr val="dk1"/>
+                </a:solidFill>
+              </a:rPr>
+              <a:t>Data collection is where everything begins. </a:t>
+            </a:r>
+            <a:r>
+              <a:rPr lang="en" sz="1600">
+                <a:solidFill>
+                  <a:schemeClr val="dk1"/>
+                </a:solidFill>
+              </a:rPr>
+              <a:t>Though listed as a step that comes post business understanding and problem definition, data collection often happens in parallel.</a:t>
+            </a:r>
+            <a:r>
+              <a:rPr lang="en" sz="1600">
+                <a:solidFill>
+                  <a:schemeClr val="dk1"/>
+                </a:solidFill>
+              </a:rPr>
+              <a:t> </a:t>
+            </a:r>
+            <a:endParaRPr sz="1600">
+              <a:solidFill>
+                <a:schemeClr val="dk1"/>
+              </a:solidFill>
+            </a:endParaRPr>
+          </a:p>
+          <a:p>
+            <a:pPr indent="-330200" lvl="0" marL="457200" rtl="0" algn="l">
+              <a:lnSpc>
+                <a:spcPct val="115000"/>
+              </a:lnSpc>
+              <a:spcBef>
+                <a:spcPts val="0"/>
+              </a:spcBef>
+              <a:spcAft>
+                <a:spcPts val="0"/>
+              </a:spcAft>
+              <a:buClr>
+                <a:schemeClr val="dk1"/>
+              </a:buClr>
+              <a:buSzPts val="1600"/>
+              <a:buChar char="●"/>
+            </a:pPr>
+            <a:r>
+              <a:rPr lang="en" sz="1600">
+                <a:solidFill>
+                  <a:schemeClr val="dk1"/>
+                </a:solidFill>
+              </a:rPr>
+              <a:t>Of course, data collection takes a formal and better form once the problem statement is defined and the project gets underway.</a:t>
+            </a:r>
+            <a:endParaRPr sz="1600">
+              <a:solidFill>
+                <a:schemeClr val="dk1"/>
+              </a:solidFill>
+            </a:endParaRPr>
+          </a:p>
+          <a:p>
+            <a:pPr indent="-330200" lvl="0" marL="457200" rtl="0" algn="l">
+              <a:lnSpc>
+                <a:spcPct val="115000"/>
+              </a:lnSpc>
+              <a:spcBef>
+                <a:spcPts val="0"/>
+              </a:spcBef>
+              <a:spcAft>
+                <a:spcPts val="0"/>
+              </a:spcAft>
+              <a:buClr>
+                <a:schemeClr val="dk1"/>
+              </a:buClr>
+              <a:buSzPts val="1600"/>
+              <a:buChar char="●"/>
+            </a:pPr>
+            <a:r>
+              <a:rPr lang="en" sz="1600">
+                <a:solidFill>
+                  <a:schemeClr val="dk1"/>
+                </a:solidFill>
+              </a:rPr>
+              <a:t>We should also realize that data can be present in different formats, shapes, and sizes and exists in systems such as legacy machines (say mainframes), web (say web sites and web applications), databases, flat files, sensors, mobile devices, and so on.</a:t>
             </a:r>
             <a:endParaRPr/>
           </a:p>
@@ -3434,12 +4460,12 @@
 </p:notes>
 </file>
 
-<file path=ppt/notesSlides/notesSlide8.xml><?xml version="1.0" encoding="utf-8"?>
+<file path=ppt/notesSlides/notesSlide9.xml><?xml version="1.0" encoding="utf-8"?>
 <p:notes xmlns:a="http://schemas.openxmlformats.org/drawingml/2006/main" xmlns:r="http://schemas.openxmlformats.org/officeDocument/2006/relationships" xmlns:mc="http://schemas.openxmlformats.org/markup-compatibility/2006" xmlns:mv="urn:schemas-microsoft-com:mac:vml" xmlns:p="http://schemas.openxmlformats.org/presentationml/2006/main" xmlns:c="http://schemas.openxmlformats.org/drawingml/2006/chart" xmlns:dgm="http://schemas.openxmlformats.org/drawingml/2006/diagram" xmlns:o="urn:schemas-microsoft-com:office:office" xmlns:v="urn:schemas-microsoft-com:vml" xmlns:pvml="urn:schemas-microsoft-com:office:powerpoint" xmlns:com="http://schemas.openxmlformats.org/drawingml/2006/compatibility" xmlns:p14="http://schemas.microsoft.com/office/powerpoint/2010/main" xmlns:p15="http://schemas.microsoft.com/office/powerpoint/2012/main" xmlns:ahyp="http://schemas.microsoft.com/office/drawing/2018/hyperlinkcolor" showMasterPhAnim="0" showMasterSp="0">
   <p:cSld>
     <p:spTree>
       <p:nvGrpSpPr>
-        <p:cNvPr id="229" name="Shape 229"/>
+        <p:cNvPr id="243" name="Shape 243"/>
         <p:cNvGrpSpPr/>
         <p:nvPr/>
       </p:nvGrpSpPr>
@@ -3453,7 +4479,7 @@
       </p:grpSpPr>
       <p:sp>
         <p:nvSpPr>
-          <p:cNvPr id="230" name="Google Shape;230;g11edce180b9_0_0:notes"/>
+          <p:cNvPr id="244" name="Google Shape;244;g11edce180b9_0_6:notes"/>
           <p:cNvSpPr/>
           <p:nvPr>
             <p:ph idx="2" type="sldImg"/>
@@ -3488,106 +4514,7 @@
       </p:sp>
       <p:sp>
         <p:nvSpPr>
-          <p:cNvPr id="231" name="Google Shape;231;g11edce180b9_0_0:notes"/>
-          <p:cNvSpPr txBox="1"/>
-          <p:nvPr>
-            <p:ph idx="1" type="body"/>
-          </p:nvPr>
-        </p:nvSpPr>
-        <p:spPr>
-          <a:xfrm>
-            <a:off x="685800" y="4343400"/>
-            <a:ext cx="5486400" cy="4114800"/>
-          </a:xfrm>
-          <a:prstGeom prst="rect">
-            <a:avLst/>
-          </a:prstGeom>
-        </p:spPr>
-        <p:txBody>
-          <a:bodyPr anchorCtr="0" anchor="t" bIns="91425" lIns="91425" spcFirstLastPara="1" rIns="91425" wrap="square" tIns="91425">
-            <a:noAutofit/>
-          </a:bodyPr>
-          <a:lstStyle/>
-          <a:p>
-            <a:pPr indent="0" lvl="0" marL="0" rtl="0" algn="l">
-              <a:spcBef>
-                <a:spcPts val="0"/>
-              </a:spcBef>
-              <a:spcAft>
-                <a:spcPts val="0"/>
-              </a:spcAft>
-              <a:buNone/>
-            </a:pPr>
-            <a:r>
-              <a:t/>
-            </a:r>
-            <a:endParaRPr/>
-          </a:p>
-        </p:txBody>
-      </p:sp>
-    </p:spTree>
-  </p:cSld>
-  <p:clrMapOvr>
-    <a:masterClrMapping/>
-  </p:clrMapOvr>
-</p:notes>
-</file>
-
-<file path=ppt/notesSlides/notesSlide9.xml><?xml version="1.0" encoding="utf-8"?>
-<p:notes xmlns:a="http://schemas.openxmlformats.org/drawingml/2006/main" xmlns:r="http://schemas.openxmlformats.org/officeDocument/2006/relationships" xmlns:mc="http://schemas.openxmlformats.org/markup-compatibility/2006" xmlns:mv="urn:schemas-microsoft-com:mac:vml" xmlns:p="http://schemas.openxmlformats.org/presentationml/2006/main" xmlns:c="http://schemas.openxmlformats.org/drawingml/2006/chart" xmlns:dgm="http://schemas.openxmlformats.org/drawingml/2006/diagram" xmlns:o="urn:schemas-microsoft-com:office:office" xmlns:v="urn:schemas-microsoft-com:vml" xmlns:pvml="urn:schemas-microsoft-com:office:powerpoint" xmlns:com="http://schemas.openxmlformats.org/drawingml/2006/compatibility" xmlns:p14="http://schemas.microsoft.com/office/powerpoint/2010/main" xmlns:p15="http://schemas.microsoft.com/office/powerpoint/2012/main" xmlns:ahyp="http://schemas.microsoft.com/office/drawing/2018/hyperlinkcolor" showMasterPhAnim="0" showMasterSp="0">
-  <p:cSld>
-    <p:spTree>
-      <p:nvGrpSpPr>
-        <p:cNvPr id="237" name="Shape 237"/>
-        <p:cNvGrpSpPr/>
-        <p:nvPr/>
-      </p:nvGrpSpPr>
-      <p:grpSpPr>
-        <a:xfrm>
-          <a:off x="0" y="0"/>
-          <a:ext cx="0" cy="0"/>
-          <a:chOff x="0" y="0"/>
-          <a:chExt cx="0" cy="0"/>
-        </a:xfrm>
-      </p:grpSpPr>
-      <p:sp>
-        <p:nvSpPr>
-          <p:cNvPr id="238" name="Google Shape;238;g11edce180b9_0_6:notes"/>
-          <p:cNvSpPr/>
-          <p:nvPr>
-            <p:ph idx="2" type="sldImg"/>
-          </p:nvPr>
-        </p:nvSpPr>
-        <p:spPr>
-          <a:xfrm>
-            <a:off x="381188" y="685800"/>
-            <a:ext cx="6096300" cy="3429000"/>
-          </a:xfrm>
-          <a:custGeom>
-            <a:rect b="b" l="l" r="r" t="t"/>
-            <a:pathLst>
-              <a:path extrusionOk="0" h="120000" w="120000">
-                <a:moveTo>
-                  <a:pt x="0" y="0"/>
-                </a:moveTo>
-                <a:lnTo>
-                  <a:pt x="120000" y="0"/>
-                </a:lnTo>
-                <a:lnTo>
-                  <a:pt x="120000" y="120000"/>
-                </a:lnTo>
-                <a:lnTo>
-                  <a:pt x="0" y="120000"/>
-                </a:lnTo>
-                <a:close/>
-              </a:path>
-            </a:pathLst>
-          </a:custGeom>
-        </p:spPr>
-      </p:sp>
-      <p:sp>
-        <p:nvSpPr>
-          <p:cNvPr id="239" name="Google Shape;239;g11edce180b9_0_6:notes"/>
+          <p:cNvPr id="245" name="Google Shape;245;g11edce180b9_0_6:notes"/>
           <p:cNvSpPr txBox="1"/>
           <p:nvPr>
             <p:ph idx="1" type="body"/>
@@ -19987,7 +20914,7 @@
   <p:cSld>
     <p:spTree>
       <p:nvGrpSpPr>
-        <p:cNvPr id="249" name="Shape 249"/>
+        <p:cNvPr id="255" name="Shape 255"/>
         <p:cNvGrpSpPr/>
         <p:nvPr/>
       </p:nvGrpSpPr>
@@ -20001,7 +20928,7 @@
       </p:grpSpPr>
       <p:pic>
         <p:nvPicPr>
-          <p:cNvPr id="250" name="Google Shape;250;p46"/>
+          <p:cNvPr id="256" name="Google Shape;256;p46"/>
           <p:cNvPicPr preferRelativeResize="0"/>
           <p:nvPr/>
         </p:nvPicPr>
@@ -20029,7 +20956,7 @@
       </p:pic>
       <p:sp>
         <p:nvSpPr>
-          <p:cNvPr id="251" name="Google Shape;251;p46"/>
+          <p:cNvPr id="257" name="Google Shape;257;p46"/>
           <p:cNvSpPr txBox="1"/>
           <p:nvPr>
             <p:ph type="title"/>
@@ -20050,15 +20977,23 @@
           </a:bodyPr>
           <a:lstStyle/>
           <a:p>
-            <a:pPr indent="0" lvl="0" marL="0" rtl="0" algn="l">
-              <a:spcBef>
-                <a:spcPts val="0"/>
-              </a:spcBef>
-              <a:spcAft>
-                <a:spcPts val="0"/>
-              </a:spcAft>
-              <a:buNone/>
-            </a:pPr>
+            <a:pPr indent="0" lvl="0" marL="0" rtl="0" algn="ctr">
+              <a:spcBef>
+                <a:spcPts val="0"/>
+              </a:spcBef>
+              <a:spcAft>
+                <a:spcPts val="0"/>
+              </a:spcAft>
+              <a:buNone/>
+            </a:pPr>
+            <a:r>
+              <a:rPr lang="en">
+                <a:solidFill>
+                  <a:srgbClr val="4A86E8"/>
+                </a:solidFill>
+              </a:rPr>
+              <a:t>Format: </a:t>
+            </a:r>
             <a:r>
               <a:rPr lang="en">
                 <a:solidFill>
@@ -20085,7 +21020,7 @@
       </p:sp>
       <p:sp>
         <p:nvSpPr>
-          <p:cNvPr id="252" name="Google Shape;252;p46"/>
+          <p:cNvPr id="258" name="Google Shape;258;p46"/>
           <p:cNvSpPr txBox="1"/>
           <p:nvPr>
             <p:ph idx="12" type="sldNum"/>
@@ -20133,14 +21068,14 @@
       </p:sp>
       <p:sp>
         <p:nvSpPr>
-          <p:cNvPr id="253" name="Google Shape;253;p46"/>
+          <p:cNvPr id="259" name="Google Shape;259;p46"/>
           <p:cNvSpPr txBox="1"/>
           <p:nvPr/>
         </p:nvSpPr>
         <p:spPr>
           <a:xfrm>
-            <a:off x="452100" y="740725"/>
-            <a:ext cx="8520600" cy="1477500"/>
+            <a:off x="151500" y="1678225"/>
+            <a:ext cx="3405900" cy="2225700"/>
           </a:xfrm>
           <a:prstGeom prst="rect">
             <a:avLst/>
@@ -20156,7 +21091,7 @@
           </a:bodyPr>
           <a:lstStyle/>
           <a:p>
-            <a:pPr indent="-323850" lvl="0" marL="457200" rtl="0" algn="l">
+            <a:pPr indent="-311150" lvl="0" marL="457200" rtl="0" algn="l">
               <a:lnSpc>
                 <a:spcPct val="115000"/>
               </a:lnSpc>
@@ -20166,17 +21101,17 @@
               <a:spcAft>
                 <a:spcPts val="0"/>
               </a:spcAft>
-              <a:buSzPts val="1500"/>
+              <a:buSzPts val="1300"/>
               <a:buChar char="●"/>
             </a:pPr>
             <a:r>
-              <a:rPr lang="en" sz="1500"/>
-              <a:t>XML is a markup language that defines rules for encoding data/documents to be shared across the Internet. More details on key concepts and details can be browsed at https://www.w3schools.com/xml/.</a:t>
-            </a:r>
-            <a:endParaRPr sz="1500"/>
-          </a:p>
-          <a:p>
-            <a:pPr indent="-323850" lvl="0" marL="457200" rtl="0" algn="l">
+              <a:rPr lang="en" sz="1300"/>
+              <a:t>Markup language that defines rules for encoding data/documents to be shared across the Internet. </a:t>
+            </a:r>
+            <a:endParaRPr sz="1300"/>
+          </a:p>
+          <a:p>
+            <a:pPr indent="0" lvl="0" marL="457200" rtl="0" algn="l">
               <a:lnSpc>
                 <a:spcPct val="115000"/>
               </a:lnSpc>
@@ -20186,20 +21121,39 @@
               <a:spcAft>
                 <a:spcPts val="0"/>
               </a:spcAft>
-              <a:buSzPts val="1500"/>
+              <a:buNone/>
+            </a:pPr>
+            <a:r>
+              <a:rPr lang="en" sz="1300"/>
+              <a:t> </a:t>
+            </a:r>
+            <a:endParaRPr sz="1300"/>
+          </a:p>
+          <a:p>
+            <a:pPr indent="-311150" lvl="0" marL="457200" rtl="0" algn="l">
+              <a:lnSpc>
+                <a:spcPct val="115000"/>
+              </a:lnSpc>
+              <a:spcBef>
+                <a:spcPts val="0"/>
+              </a:spcBef>
+              <a:spcAft>
+                <a:spcPts val="0"/>
+              </a:spcAft>
+              <a:buSzPts val="1300"/>
               <a:buChar char="●"/>
             </a:pPr>
             <a:r>
-              <a:rPr lang="en" sz="1500"/>
+              <a:rPr lang="en" sz="1300"/>
               <a:t>XML is  a text format that is human readable. Its design goals involved strong support for various human languages (via Unicode), platform independence, and simplicity.</a:t>
             </a:r>
-            <a:endParaRPr sz="1500"/>
+            <a:endParaRPr sz="1300"/>
           </a:p>
         </p:txBody>
       </p:sp>
       <p:pic>
         <p:nvPicPr>
-          <p:cNvPr id="254" name="Google Shape;254;p46"/>
+          <p:cNvPr id="260" name="Google Shape;260;p46"/>
           <p:cNvPicPr preferRelativeResize="0"/>
           <p:nvPr/>
         </p:nvPicPr>
@@ -20213,8 +21167,8 @@
         </p:blipFill>
         <p:spPr>
           <a:xfrm>
-            <a:off x="1971275" y="2121400"/>
-            <a:ext cx="4454699" cy="2474125"/>
+            <a:off x="3383700" y="1125887"/>
+            <a:ext cx="5760300" cy="3199250"/>
           </a:xfrm>
           <a:prstGeom prst="rect">
             <a:avLst/>
@@ -20225,6 +21179,107 @@
           </a:ln>
         </p:spPr>
       </p:pic>
+      <p:sp>
+        <p:nvSpPr>
+          <p:cNvPr id="261" name="Google Shape;261;p46"/>
+          <p:cNvSpPr txBox="1"/>
+          <p:nvPr/>
+        </p:nvSpPr>
+        <p:spPr>
+          <a:xfrm>
+            <a:off x="834075" y="4367950"/>
+            <a:ext cx="5760300" cy="369300"/>
+          </a:xfrm>
+          <a:prstGeom prst="rect">
+            <a:avLst/>
+          </a:prstGeom>
+          <a:noFill/>
+          <a:ln>
+            <a:noFill/>
+          </a:ln>
+        </p:spPr>
+        <p:txBody>
+          <a:bodyPr anchorCtr="0" anchor="t" bIns="91425" lIns="91425" spcFirstLastPara="1" rIns="91425" wrap="square" tIns="91425">
+            <a:spAutoFit/>
+          </a:bodyPr>
+          <a:lstStyle/>
+          <a:p>
+            <a:pPr indent="0" lvl="0" marL="0" rtl="0" algn="l">
+              <a:spcBef>
+                <a:spcPts val="0"/>
+              </a:spcBef>
+              <a:spcAft>
+                <a:spcPts val="0"/>
+              </a:spcAft>
+              <a:buNone/>
+            </a:pPr>
+            <a:r>
+              <a:rPr lang="en" sz="1200"/>
+              <a:t>Example in UniProt: </a:t>
+            </a:r>
+            <a:r>
+              <a:rPr lang="en" sz="1200" u="sng">
+                <a:solidFill>
+                  <a:schemeClr val="hlink"/>
+                </a:solidFill>
+                <a:hlinkClick r:id="rId5"/>
+              </a:rPr>
+              <a:t>https://rest.uniprot.org/uniprotkb/P31749.xml</a:t>
+            </a:r>
+            <a:endParaRPr sz="1200"/>
+          </a:p>
+        </p:txBody>
+      </p:sp>
+      <p:sp>
+        <p:nvSpPr>
+          <p:cNvPr id="262" name="Google Shape;262;p46"/>
+          <p:cNvSpPr txBox="1"/>
+          <p:nvPr/>
+        </p:nvSpPr>
+        <p:spPr>
+          <a:xfrm>
+            <a:off x="2789700" y="556050"/>
+            <a:ext cx="3564600" cy="384900"/>
+          </a:xfrm>
+          <a:prstGeom prst="rect">
+            <a:avLst/>
+          </a:prstGeom>
+          <a:noFill/>
+          <a:ln>
+            <a:noFill/>
+          </a:ln>
+        </p:spPr>
+        <p:txBody>
+          <a:bodyPr anchorCtr="0" anchor="t" bIns="91425" lIns="91425" spcFirstLastPara="1" rIns="91425" wrap="square" tIns="91425">
+            <a:spAutoFit/>
+          </a:bodyPr>
+          <a:lstStyle/>
+          <a:p>
+            <a:pPr indent="0" lvl="0" marL="457200" rtl="0" algn="l">
+              <a:lnSpc>
+                <a:spcPct val="115000"/>
+              </a:lnSpc>
+              <a:spcBef>
+                <a:spcPts val="0"/>
+              </a:spcBef>
+              <a:spcAft>
+                <a:spcPts val="0"/>
+              </a:spcAft>
+              <a:buNone/>
+            </a:pPr>
+            <a:r>
+              <a:rPr lang="en" sz="1300" u="sng">
+                <a:solidFill>
+                  <a:schemeClr val="hlink"/>
+                </a:solidFill>
+                <a:hlinkClick r:id="rId6"/>
+              </a:rPr>
+              <a:t>https://www.w3schools.com/xml/</a:t>
+            </a:r>
+            <a:endParaRPr/>
+          </a:p>
+        </p:txBody>
+      </p:sp>
     </p:spTree>
   </p:cSld>
   <p:clrMapOvr>
@@ -20238,7 +21293,7 @@
   <p:cSld>
     <p:spTree>
       <p:nvGrpSpPr>
-        <p:cNvPr id="258" name="Shape 258"/>
+        <p:cNvPr id="266" name="Shape 266"/>
         <p:cNvGrpSpPr/>
         <p:nvPr/>
       </p:nvGrpSpPr>
@@ -20252,7 +21307,7 @@
       </p:grpSpPr>
       <p:pic>
         <p:nvPicPr>
-          <p:cNvPr id="259" name="Google Shape;259;p47"/>
+          <p:cNvPr id="267" name="Google Shape;267;p47"/>
           <p:cNvPicPr preferRelativeResize="0"/>
           <p:nvPr/>
         </p:nvPicPr>
@@ -20280,7 +21335,7 @@
       </p:pic>
       <p:sp>
         <p:nvSpPr>
-          <p:cNvPr id="260" name="Google Shape;260;p47"/>
+          <p:cNvPr id="268" name="Google Shape;268;p47"/>
           <p:cNvSpPr txBox="1"/>
           <p:nvPr>
             <p:ph type="title"/>
@@ -20316,8 +21371,32 @@
                   <a:srgbClr val="4A86E8"/>
                 </a:solidFill>
               </a:rPr>
+              <a:t>Format: </a:t>
+            </a:r>
+            <a:r>
+              <a:rPr lang="en">
+                <a:solidFill>
+                  <a:srgbClr val="4A86E8"/>
+                </a:solidFill>
+              </a:rPr>
               <a:t>Java Script Object Notation</a:t>
             </a:r>
+            <a:endParaRPr>
+              <a:solidFill>
+                <a:srgbClr val="4A86E8"/>
+              </a:solidFill>
+            </a:endParaRPr>
+          </a:p>
+          <a:p>
+            <a:pPr indent="457200" lvl="0" marL="914400" rtl="0" algn="l">
+              <a:spcBef>
+                <a:spcPts val="0"/>
+              </a:spcBef>
+              <a:spcAft>
+                <a:spcPts val="0"/>
+              </a:spcAft>
+              <a:buNone/>
+            </a:pPr>
             <a:r>
               <a:rPr lang="en">
                 <a:solidFill>
@@ -20336,7 +21415,7 @@
       </p:sp>
       <p:sp>
         <p:nvSpPr>
-          <p:cNvPr id="261" name="Google Shape;261;p47"/>
+          <p:cNvPr id="269" name="Google Shape;269;p47"/>
           <p:cNvSpPr txBox="1"/>
           <p:nvPr>
             <p:ph idx="12" type="sldNum"/>
@@ -20384,14 +21463,14 @@
       </p:sp>
       <p:sp>
         <p:nvSpPr>
-          <p:cNvPr id="262" name="Google Shape;262;p47"/>
+          <p:cNvPr id="270" name="Google Shape;270;p47"/>
           <p:cNvSpPr txBox="1"/>
           <p:nvPr/>
         </p:nvSpPr>
         <p:spPr>
           <a:xfrm>
-            <a:off x="248200" y="740725"/>
-            <a:ext cx="8895900" cy="2274300"/>
+            <a:off x="438425" y="1113750"/>
+            <a:ext cx="5672700" cy="1765500"/>
           </a:xfrm>
           <a:prstGeom prst="rect">
             <a:avLst/>
@@ -20407,7 +21486,7 @@
           </a:bodyPr>
           <a:lstStyle/>
           <a:p>
-            <a:pPr indent="-323850" lvl="0" marL="457200" rtl="0" algn="l">
+            <a:pPr indent="-311150" lvl="0" marL="457200" rtl="0" algn="l">
               <a:lnSpc>
                 <a:spcPct val="115000"/>
               </a:lnSpc>
@@ -20417,17 +21496,17 @@
               <a:spcAft>
                 <a:spcPts val="0"/>
               </a:spcAft>
-              <a:buSzPts val="1500"/>
+              <a:buSzPts val="1300"/>
               <a:buChar char="●"/>
             </a:pPr>
             <a:r>
-              <a:rPr lang="en" sz="1500"/>
+              <a:rPr lang="en" sz="1300"/>
               <a:t>One of the most widely used data interchange formats across the digital realm. </a:t>
             </a:r>
-            <a:endParaRPr sz="1500"/>
-          </a:p>
-          <a:p>
-            <a:pPr indent="-323850" lvl="0" marL="457200" rtl="0" algn="l">
+            <a:endParaRPr sz="1300"/>
+          </a:p>
+          <a:p>
+            <a:pPr indent="-311150" lvl="0" marL="457200" rtl="0" algn="l">
               <a:lnSpc>
                 <a:spcPct val="115000"/>
               </a:lnSpc>
@@ -20437,17 +21516,17 @@
               <a:spcAft>
                 <a:spcPts val="0"/>
               </a:spcAft>
-              <a:buSzPts val="1500"/>
+              <a:buSzPts val="1300"/>
               <a:buChar char="●"/>
             </a:pPr>
             <a:r>
-              <a:rPr lang="en" sz="1500"/>
-              <a:t>A lightweight alternative to legacy formats like XML. </a:t>
-            </a:r>
-            <a:endParaRPr sz="1500"/>
-          </a:p>
-          <a:p>
-            <a:pPr indent="-323850" lvl="0" marL="457200" rtl="0" algn="l">
+              <a:rPr lang="en" sz="1300"/>
+              <a:t>A text format that is language independent with certain defined conventions. </a:t>
+            </a:r>
+            <a:endParaRPr sz="1300"/>
+          </a:p>
+          <a:p>
+            <a:pPr indent="-311150" lvl="0" marL="457200" rtl="0" algn="l">
               <a:lnSpc>
                 <a:spcPct val="115000"/>
               </a:lnSpc>
@@ -20457,17 +21536,17 @@
               <a:spcAft>
                 <a:spcPts val="0"/>
               </a:spcAft>
-              <a:buSzPts val="1500"/>
+              <a:buSzPts val="1300"/>
               <a:buChar char="●"/>
             </a:pPr>
             <a:r>
-              <a:rPr lang="en" sz="1500"/>
-              <a:t>A text format that is language independent with certain defined conventions. </a:t>
-            </a:r>
-            <a:endParaRPr sz="1500"/>
-          </a:p>
-          <a:p>
-            <a:pPr indent="-323850" lvl="0" marL="457200" rtl="0" algn="l">
+              <a:rPr lang="en" sz="1300"/>
+              <a:t>A human-readable format </a:t>
+            </a:r>
+            <a:endParaRPr sz="1300"/>
+          </a:p>
+          <a:p>
+            <a:pPr indent="-311150" lvl="0" marL="457200" rtl="0" algn="l">
               <a:lnSpc>
                 <a:spcPct val="115000"/>
               </a:lnSpc>
@@ -20477,17 +21556,17 @@
               <a:spcAft>
                 <a:spcPts val="0"/>
               </a:spcAft>
-              <a:buSzPts val="1500"/>
+              <a:buSzPts val="1300"/>
               <a:buChar char="●"/>
             </a:pPr>
             <a:r>
-              <a:rPr lang="en" sz="1500"/>
-              <a:t>A human-readable format that is easy/simple to parse in most programming/scripting languages. </a:t>
-            </a:r>
-            <a:endParaRPr sz="1500"/>
-          </a:p>
-          <a:p>
-            <a:pPr indent="-323850" lvl="0" marL="457200" rtl="0" algn="l">
+              <a:rPr lang="en" sz="1300"/>
+              <a:t>Easy to parse in most programming/scripting languages. </a:t>
+            </a:r>
+            <a:endParaRPr sz="1300"/>
+          </a:p>
+          <a:p>
+            <a:pPr indent="-311150" lvl="0" marL="457200" rtl="0" algn="l">
               <a:lnSpc>
                 <a:spcPct val="115000"/>
               </a:lnSpc>
@@ -20497,20 +21576,20 @@
               <a:spcAft>
                 <a:spcPts val="0"/>
               </a:spcAft>
-              <a:buSzPts val="1500"/>
+              <a:buSzPts val="1300"/>
               <a:buChar char="●"/>
             </a:pPr>
             <a:r>
-              <a:rPr lang="en" sz="1500"/>
-              <a:t>A JSON file/object is simply a collection of name(key)-value pairs. Such key-value pair structures have corresponding data structures available in programming languages in the form of dictionaries (Python dict), struct, object, record, keyed lists, and so on. More details are available at http://www.json.org/.</a:t>
-            </a:r>
-            <a:endParaRPr sz="1500"/>
+              <a:rPr lang="en" sz="1300"/>
+              <a:t>A JSON file/object is simply a collection of name(key)-value pairs. </a:t>
+            </a:r>
+            <a:endParaRPr sz="1300"/>
           </a:p>
         </p:txBody>
       </p:sp>
       <p:pic>
         <p:nvPicPr>
-          <p:cNvPr id="263" name="Google Shape;263;p47"/>
+          <p:cNvPr id="271" name="Google Shape;271;p47"/>
           <p:cNvPicPr preferRelativeResize="0"/>
           <p:nvPr/>
         </p:nvPicPr>
@@ -20524,8 +21603,164 @@
         </p:blipFill>
         <p:spPr>
           <a:xfrm>
-            <a:off x="3050450" y="2706175"/>
-            <a:ext cx="4500124" cy="1945025"/>
+            <a:off x="6762125" y="91925"/>
+            <a:ext cx="1951207" cy="4474849"/>
+          </a:xfrm>
+          <a:prstGeom prst="rect">
+            <a:avLst/>
+          </a:prstGeom>
+          <a:noFill/>
+          <a:ln>
+            <a:noFill/>
+          </a:ln>
+        </p:spPr>
+      </p:pic>
+      <p:sp>
+        <p:nvSpPr>
+          <p:cNvPr id="272" name="Google Shape;272;p47"/>
+          <p:cNvSpPr txBox="1"/>
+          <p:nvPr/>
+        </p:nvSpPr>
+        <p:spPr>
+          <a:xfrm>
+            <a:off x="6659725" y="4443575"/>
+            <a:ext cx="2601300" cy="323100"/>
+          </a:xfrm>
+          <a:prstGeom prst="rect">
+            <a:avLst/>
+          </a:prstGeom>
+          <a:noFill/>
+          <a:ln>
+            <a:noFill/>
+          </a:ln>
+        </p:spPr>
+        <p:txBody>
+          <a:bodyPr anchorCtr="0" anchor="t" bIns="91425" lIns="91425" spcFirstLastPara="1" rIns="91425" wrap="square" tIns="91425">
+            <a:spAutoFit/>
+          </a:bodyPr>
+          <a:lstStyle/>
+          <a:p>
+            <a:pPr indent="0" lvl="0" marL="0" rtl="0" algn="l">
+              <a:spcBef>
+                <a:spcPts val="0"/>
+              </a:spcBef>
+              <a:spcAft>
+                <a:spcPts val="0"/>
+              </a:spcAft>
+              <a:buNone/>
+            </a:pPr>
+            <a:r>
+              <a:rPr lang="en" sz="900" u="sng">
+                <a:solidFill>
+                  <a:schemeClr val="hlink"/>
+                </a:solidFill>
+                <a:hlinkClick r:id="rId5"/>
+              </a:rPr>
+              <a:t>https://rest.uniprot.org/uniprotkb/P31749.json</a:t>
+            </a:r>
+            <a:endParaRPr sz="900">
+              <a:solidFill>
+                <a:srgbClr val="0000FF"/>
+              </a:solidFill>
+            </a:endParaRPr>
+          </a:p>
+        </p:txBody>
+      </p:sp>
+      <p:pic>
+        <p:nvPicPr>
+          <p:cNvPr id="273" name="Google Shape;273;p47"/>
+          <p:cNvPicPr preferRelativeResize="0"/>
+          <p:nvPr/>
+        </p:nvPicPr>
+        <p:blipFill rotWithShape="1">
+          <a:blip r:embed="rId6">
+            <a:alphaModFix/>
+          </a:blip>
+          <a:srcRect b="16136" l="30487" r="42344" t="38445"/>
+          <a:stretch/>
+        </p:blipFill>
+        <p:spPr>
+          <a:xfrm>
+            <a:off x="367525" y="3200038"/>
+            <a:ext cx="1308450" cy="1096038"/>
+          </a:xfrm>
+          <a:prstGeom prst="rect">
+            <a:avLst/>
+          </a:prstGeom>
+          <a:noFill/>
+          <a:ln>
+            <a:noFill/>
+          </a:ln>
+        </p:spPr>
+      </p:pic>
+      <p:sp>
+        <p:nvSpPr>
+          <p:cNvPr id="274" name="Google Shape;274;p47"/>
+          <p:cNvSpPr txBox="1"/>
+          <p:nvPr/>
+        </p:nvSpPr>
+        <p:spPr>
+          <a:xfrm>
+            <a:off x="3456100" y="774300"/>
+            <a:ext cx="3000000" cy="384900"/>
+          </a:xfrm>
+          <a:prstGeom prst="rect">
+            <a:avLst/>
+          </a:prstGeom>
+          <a:noFill/>
+          <a:ln>
+            <a:noFill/>
+          </a:ln>
+        </p:spPr>
+        <p:txBody>
+          <a:bodyPr anchorCtr="0" anchor="t" bIns="91425" lIns="91425" spcFirstLastPara="1" rIns="91425" wrap="square" tIns="91425">
+            <a:spAutoFit/>
+          </a:bodyPr>
+          <a:lstStyle/>
+          <a:p>
+            <a:pPr indent="0" lvl="0" marL="0" rtl="0" algn="ctr">
+              <a:lnSpc>
+                <a:spcPct val="115000"/>
+              </a:lnSpc>
+              <a:spcBef>
+                <a:spcPts val="0"/>
+              </a:spcBef>
+              <a:spcAft>
+                <a:spcPts val="0"/>
+              </a:spcAft>
+              <a:buNone/>
+            </a:pPr>
+            <a:r>
+              <a:rPr lang="en" sz="1300" u="sng">
+                <a:solidFill>
+                  <a:schemeClr val="hlink"/>
+                </a:solidFill>
+                <a:hlinkClick r:id="rId7"/>
+              </a:rPr>
+              <a:t>http://www.json.org/</a:t>
+            </a:r>
+            <a:endParaRPr/>
+          </a:p>
+        </p:txBody>
+      </p:sp>
+      <p:pic>
+        <p:nvPicPr>
+          <p:cNvPr id="275" name="Google Shape;275;p47"/>
+          <p:cNvPicPr preferRelativeResize="0"/>
+          <p:nvPr/>
+        </p:nvPicPr>
+        <p:blipFill>
+          <a:blip r:embed="rId8">
+            <a:alphaModFix/>
+          </a:blip>
+          <a:stretch>
+            <a:fillRect/>
+          </a:stretch>
+        </p:blipFill>
+        <p:spPr>
+          <a:xfrm>
+            <a:off x="2173175" y="2822485"/>
+            <a:ext cx="4282924" cy="1851152"/>
           </a:xfrm>
           <a:prstGeom prst="rect">
             <a:avLst/>
@@ -20549,7 +21784,7 @@
   <p:cSld>
     <p:spTree>
       <p:nvGrpSpPr>
-        <p:cNvPr id="267" name="Shape 267"/>
+        <p:cNvPr id="279" name="Shape 279"/>
         <p:cNvGrpSpPr/>
         <p:nvPr/>
       </p:nvGrpSpPr>
@@ -20563,7 +21798,7 @@
       </p:grpSpPr>
       <p:pic>
         <p:nvPicPr>
-          <p:cNvPr id="268" name="Google Shape;268;p48"/>
+          <p:cNvPr id="280" name="Google Shape;280;p48"/>
           <p:cNvPicPr preferRelativeResize="0"/>
           <p:nvPr/>
         </p:nvPicPr>
@@ -20591,7 +21826,7 @@
       </p:pic>
       <p:sp>
         <p:nvSpPr>
-          <p:cNvPr id="269" name="Google Shape;269;p48"/>
+          <p:cNvPr id="281" name="Google Shape;281;p48"/>
           <p:cNvSpPr txBox="1"/>
           <p:nvPr>
             <p:ph type="title"/>
@@ -20612,15 +21847,23 @@
           </a:bodyPr>
           <a:lstStyle/>
           <a:p>
-            <a:pPr indent="0" lvl="0" marL="0" rtl="0" algn="l">
-              <a:spcBef>
-                <a:spcPts val="0"/>
-              </a:spcBef>
-              <a:spcAft>
-                <a:spcPts val="0"/>
-              </a:spcAft>
-              <a:buNone/>
-            </a:pPr>
+            <a:pPr indent="0" lvl="0" marL="0" rtl="0" algn="ctr">
+              <a:spcBef>
+                <a:spcPts val="0"/>
+              </a:spcBef>
+              <a:spcAft>
+                <a:spcPts val="0"/>
+              </a:spcAft>
+              <a:buNone/>
+            </a:pPr>
+            <a:r>
+              <a:rPr lang="en">
+                <a:solidFill>
+                  <a:srgbClr val="4A86E8"/>
+                </a:solidFill>
+              </a:rPr>
+              <a:t>Format: </a:t>
+            </a:r>
             <a:r>
               <a:rPr lang="en">
                 <a:solidFill>
@@ -20647,7 +21890,7 @@
       </p:sp>
       <p:sp>
         <p:nvSpPr>
-          <p:cNvPr id="270" name="Google Shape;270;p48"/>
+          <p:cNvPr id="282" name="Google Shape;282;p48"/>
           <p:cNvSpPr txBox="1"/>
           <p:nvPr>
             <p:ph idx="12" type="sldNum"/>
@@ -20695,7 +21938,7 @@
       </p:sp>
       <p:sp>
         <p:nvSpPr>
-          <p:cNvPr id="271" name="Google Shape;271;p48"/>
+          <p:cNvPr id="283" name="Google Shape;283;p48"/>
           <p:cNvSpPr txBox="1"/>
           <p:nvPr/>
         </p:nvSpPr>
@@ -21008,7 +22251,7 @@
       </p:sp>
       <p:pic>
         <p:nvPicPr>
-          <p:cNvPr id="272" name="Google Shape;272;p48"/>
+          <p:cNvPr id="284" name="Google Shape;284;p48"/>
           <p:cNvPicPr preferRelativeResize="0"/>
           <p:nvPr/>
         </p:nvPicPr>
@@ -21047,7 +22290,7 @@
   <p:cSld>
     <p:spTree>
       <p:nvGrpSpPr>
-        <p:cNvPr id="276" name="Shape 276"/>
+        <p:cNvPr id="288" name="Shape 288"/>
         <p:cNvGrpSpPr/>
         <p:nvPr/>
       </p:nvGrpSpPr>
@@ -21061,7 +22304,7 @@
       </p:grpSpPr>
       <p:pic>
         <p:nvPicPr>
-          <p:cNvPr id="277" name="Google Shape;277;p49"/>
+          <p:cNvPr id="289" name="Google Shape;289;p49"/>
           <p:cNvPicPr preferRelativeResize="0"/>
           <p:nvPr/>
         </p:nvPicPr>
@@ -21089,7 +22332,7 @@
       </p:pic>
       <p:sp>
         <p:nvSpPr>
-          <p:cNvPr id="278" name="Google Shape;278;p49"/>
+          <p:cNvPr id="290" name="Google Shape;290;p49"/>
           <p:cNvSpPr txBox="1"/>
           <p:nvPr>
             <p:ph type="title"/>
@@ -21110,15 +22353,23 @@
           </a:bodyPr>
           <a:lstStyle/>
           <a:p>
-            <a:pPr indent="0" lvl="0" marL="0" rtl="0" algn="l">
-              <a:spcBef>
-                <a:spcPts val="0"/>
-              </a:spcBef>
-              <a:spcAft>
-                <a:spcPts val="0"/>
-              </a:spcAft>
-              <a:buNone/>
-            </a:pPr>
+            <a:pPr indent="0" lvl="0" marL="0" rtl="0" algn="ctr">
+              <a:spcBef>
+                <a:spcPts val="0"/>
+              </a:spcBef>
+              <a:spcAft>
+                <a:spcPts val="0"/>
+              </a:spcAft>
+              <a:buNone/>
+            </a:pPr>
+            <a:r>
+              <a:rPr lang="en">
+                <a:solidFill>
+                  <a:srgbClr val="4A86E8"/>
+                </a:solidFill>
+              </a:rPr>
+              <a:t>Format: </a:t>
+            </a:r>
             <a:r>
               <a:rPr lang="en">
                 <a:solidFill>
@@ -21137,7 +22388,7 @@
       </p:sp>
       <p:sp>
         <p:nvSpPr>
-          <p:cNvPr id="279" name="Google Shape;279;p49"/>
+          <p:cNvPr id="291" name="Google Shape;291;p49"/>
           <p:cNvSpPr txBox="1"/>
           <p:nvPr>
             <p:ph idx="12" type="sldNum"/>
@@ -21185,14 +22436,14 @@
       </p:sp>
       <p:sp>
         <p:nvSpPr>
-          <p:cNvPr id="280" name="Google Shape;280;p49"/>
+          <p:cNvPr id="292" name="Google Shape;292;p49"/>
           <p:cNvSpPr txBox="1"/>
           <p:nvPr/>
         </p:nvSpPr>
         <p:spPr>
           <a:xfrm>
-            <a:off x="248200" y="740725"/>
-            <a:ext cx="8520600" cy="3070800"/>
+            <a:off x="212175" y="740725"/>
+            <a:ext cx="8520600" cy="1212000"/>
           </a:xfrm>
           <a:prstGeom prst="rect">
             <a:avLst/>
@@ -21228,6 +22479,78 @@
             <a:endParaRPr sz="1500"/>
           </a:p>
           <a:p>
+            <a:pPr indent="0" lvl="0" marL="914400" rtl="0" algn="l">
+              <a:lnSpc>
+                <a:spcPct val="115000"/>
+              </a:lnSpc>
+              <a:spcBef>
+                <a:spcPts val="0"/>
+              </a:spcBef>
+              <a:spcAft>
+                <a:spcPts val="0"/>
+              </a:spcAft>
+              <a:buNone/>
+            </a:pPr>
+            <a:r>
+              <a:t/>
+            </a:r>
+            <a:endParaRPr sz="1500"/>
+          </a:p>
+        </p:txBody>
+      </p:sp>
+      <p:pic>
+        <p:nvPicPr>
+          <p:cNvPr id="293" name="Google Shape;293;p49"/>
+          <p:cNvPicPr preferRelativeResize="0"/>
+          <p:nvPr/>
+        </p:nvPicPr>
+        <p:blipFill>
+          <a:blip r:embed="rId4">
+            <a:alphaModFix/>
+          </a:blip>
+          <a:stretch>
+            <a:fillRect/>
+          </a:stretch>
+        </p:blipFill>
+        <p:spPr>
+          <a:xfrm>
+            <a:off x="5841100" y="1371788"/>
+            <a:ext cx="2495550" cy="1609725"/>
+          </a:xfrm>
+          <a:prstGeom prst="rect">
+            <a:avLst/>
+          </a:prstGeom>
+          <a:noFill/>
+          <a:ln>
+            <a:noFill/>
+          </a:ln>
+        </p:spPr>
+      </p:pic>
+      <p:sp>
+        <p:nvSpPr>
+          <p:cNvPr id="294" name="Google Shape;294;p49"/>
+          <p:cNvSpPr txBox="1"/>
+          <p:nvPr/>
+        </p:nvSpPr>
+        <p:spPr>
+          <a:xfrm>
+            <a:off x="212175" y="1573075"/>
+            <a:ext cx="5869500" cy="2008800"/>
+          </a:xfrm>
+          <a:prstGeom prst="rect">
+            <a:avLst/>
+          </a:prstGeom>
+          <a:noFill/>
+          <a:ln>
+            <a:noFill/>
+          </a:ln>
+        </p:spPr>
+        <p:txBody>
+          <a:bodyPr anchorCtr="0" anchor="t" bIns="91425" lIns="91425" spcFirstLastPara="1" rIns="91425" wrap="square" tIns="91425">
+            <a:spAutoFit/>
+          </a:bodyPr>
+          <a:lstStyle/>
+          <a:p>
             <a:pPr indent="-323850" lvl="0" marL="457200" rtl="0" algn="l">
               <a:lnSpc>
                 <a:spcPct val="115000"/>
@@ -21243,23 +22566,7 @@
             </a:pPr>
             <a:r>
               <a:rPr lang="en" sz="1500"/>
-              <a:t>The most common way used while working on data science and related use cases is to access data using SQL queries directly. To access data using SQL queries, powerful libraries like </a:t>
-            </a:r>
-            <a:r>
-              <a:rPr i="1" lang="en" sz="1500"/>
-              <a:t>sqlalchemy</a:t>
-            </a:r>
-            <a:r>
-              <a:rPr lang="en" sz="1500"/>
-              <a:t> and </a:t>
-            </a:r>
-            <a:r>
-              <a:rPr i="1" lang="en" sz="1500"/>
-              <a:t>pyodbc</a:t>
-            </a:r>
-            <a:r>
-              <a:rPr lang="en" sz="1500"/>
-              <a:t> provide convenient interfaces to connect, extract, and manipulate data from a variety of relational databases like MS SQL Server, Oracle and so on.</a:t>
+              <a:t>The most common way used while working on data science and related use cases is to access data using SQL queries directly.</a:t>
             </a:r>
             <a:endParaRPr sz="1500"/>
           </a:p>
@@ -21279,12 +22586,84 @@
             </a:pPr>
             <a:r>
               <a:rPr lang="en" sz="1500"/>
-              <a:t>The second way of interacting with databases is the ORM or the Object Relational Mapper method. This method is synonymous to the object oriented model of data, i.e., relational data is mapped in terms of objects and classes. Sqlalchemy provides a high-level interface to interact with databases in the ORM fashion.</a:t>
+              <a:t>The second way of interacting with databases is the ORM or the Object Relational Mapper method. </a:t>
+            </a:r>
+            <a:endParaRPr sz="1500"/>
+          </a:p>
+          <a:p>
+            <a:pPr indent="-323850" lvl="0" marL="457200" rtl="0" algn="l">
+              <a:lnSpc>
+                <a:spcPct val="115000"/>
+              </a:lnSpc>
+              <a:spcBef>
+                <a:spcPts val="0"/>
+              </a:spcBef>
+              <a:spcAft>
+                <a:spcPts val="0"/>
+              </a:spcAft>
+              <a:buSzPts val="1500"/>
+              <a:buChar char="●"/>
+            </a:pPr>
+            <a:r>
+              <a:rPr lang="en" sz="1500"/>
+              <a:t>Powerful libraries </a:t>
+            </a:r>
+            <a:r>
+              <a:rPr lang="en" sz="1500"/>
+              <a:t>like </a:t>
+            </a:r>
+            <a:r>
+              <a:rPr i="1" lang="en" sz="1500"/>
+              <a:t>sqlalchemy</a:t>
+            </a:r>
+            <a:r>
+              <a:rPr lang="en" sz="1500"/>
+              <a:t> and </a:t>
+            </a:r>
+            <a:r>
+              <a:rPr i="1" lang="en" sz="1500"/>
+              <a:t>pyodbc</a:t>
+            </a:r>
+            <a:r>
+              <a:rPr lang="en" sz="1500"/>
+              <a:t> </a:t>
+            </a:r>
+            <a:r>
+              <a:rPr lang="en" sz="1500"/>
+              <a:t>from Python Ecosystem support both methods.</a:t>
             </a:r>
             <a:endParaRPr sz="1500"/>
           </a:p>
         </p:txBody>
       </p:sp>
+      <p:pic>
+        <p:nvPicPr>
+          <p:cNvPr id="295" name="Google Shape;295;p49"/>
+          <p:cNvPicPr preferRelativeResize="0"/>
+          <p:nvPr/>
+        </p:nvPicPr>
+        <p:blipFill>
+          <a:blip r:embed="rId5">
+            <a:alphaModFix/>
+          </a:blip>
+          <a:stretch>
+            <a:fillRect/>
+          </a:stretch>
+        </p:blipFill>
+        <p:spPr>
+          <a:xfrm>
+            <a:off x="4223013" y="3393225"/>
+            <a:ext cx="4562475" cy="1238250"/>
+          </a:xfrm>
+          <a:prstGeom prst="rect">
+            <a:avLst/>
+          </a:prstGeom>
+          <a:noFill/>
+          <a:ln>
+            <a:noFill/>
+          </a:ln>
+        </p:spPr>
+      </p:pic>
     </p:spTree>
   </p:cSld>
   <p:clrMapOvr>
@@ -21298,7 +22677,7 @@
   <p:cSld>
     <p:spTree>
       <p:nvGrpSpPr>
-        <p:cNvPr id="284" name="Shape 284"/>
+        <p:cNvPr id="299" name="Shape 299"/>
         <p:cNvGrpSpPr/>
         <p:nvPr/>
       </p:nvGrpSpPr>
@@ -21312,7 +22691,7 @@
       </p:grpSpPr>
       <p:pic>
         <p:nvPicPr>
-          <p:cNvPr id="285" name="Google Shape;285;p50"/>
+          <p:cNvPr id="300" name="Google Shape;300;p50"/>
           <p:cNvPicPr preferRelativeResize="0"/>
           <p:nvPr/>
         </p:nvPicPr>
@@ -21340,7 +22719,7 @@
       </p:pic>
       <p:sp>
         <p:nvSpPr>
-          <p:cNvPr id="286" name="Google Shape;286;p50"/>
+          <p:cNvPr id="301" name="Google Shape;301;p50"/>
           <p:cNvSpPr txBox="1"/>
           <p:nvPr>
             <p:ph type="title"/>
@@ -21388,7 +22767,7 @@
       </p:sp>
       <p:sp>
         <p:nvSpPr>
-          <p:cNvPr id="287" name="Google Shape;287;p50"/>
+          <p:cNvPr id="302" name="Google Shape;302;p50"/>
           <p:cNvSpPr txBox="1"/>
           <p:nvPr>
             <p:ph idx="12" type="sldNum"/>
@@ -21436,7 +22815,7 @@
       </p:sp>
       <p:sp>
         <p:nvSpPr>
-          <p:cNvPr id="288" name="Google Shape;288;p50"/>
+          <p:cNvPr id="303" name="Google Shape;303;p50"/>
           <p:cNvSpPr txBox="1"/>
           <p:nvPr/>
         </p:nvSpPr>
@@ -21592,7 +22971,7 @@
       </p:sp>
       <p:pic>
         <p:nvPicPr>
-          <p:cNvPr id="289" name="Google Shape;289;p50"/>
+          <p:cNvPr id="304" name="Google Shape;304;p50"/>
           <p:cNvPicPr preferRelativeResize="0"/>
           <p:nvPr/>
         </p:nvPicPr>
@@ -21630,7 +23009,7 @@
   <p:cSld>
     <p:spTree>
       <p:nvGrpSpPr>
-        <p:cNvPr id="293" name="Shape 293"/>
+        <p:cNvPr id="308" name="Shape 308"/>
         <p:cNvGrpSpPr/>
         <p:nvPr/>
       </p:nvGrpSpPr>
@@ -21644,7 +23023,7 @@
       </p:grpSpPr>
       <p:pic>
         <p:nvPicPr>
-          <p:cNvPr id="294" name="Google Shape;294;p51"/>
+          <p:cNvPr id="309" name="Google Shape;309;p51"/>
           <p:cNvPicPr preferRelativeResize="0"/>
           <p:nvPr/>
         </p:nvPicPr>
@@ -21672,7 +23051,7 @@
       </p:pic>
       <p:sp>
         <p:nvSpPr>
-          <p:cNvPr id="295" name="Google Shape;295;p51"/>
+          <p:cNvPr id="310" name="Google Shape;310;p51"/>
           <p:cNvSpPr txBox="1"/>
           <p:nvPr>
             <p:ph type="title"/>
@@ -21708,7 +23087,15 @@
                   <a:srgbClr val="4A86E8"/>
                 </a:solidFill>
               </a:rPr>
-              <a:t>Data Description (Types)</a:t>
+              <a:t>D</a:t>
+            </a:r>
+            <a:r>
+              <a:rPr lang="en">
+                <a:solidFill>
+                  <a:srgbClr val="4A86E8"/>
+                </a:solidFill>
+              </a:rPr>
+              <a:t>ata Description (Types)</a:t>
             </a:r>
             <a:endParaRPr>
               <a:solidFill>
@@ -21720,7 +23107,7 @@
       </p:sp>
       <p:sp>
         <p:nvSpPr>
-          <p:cNvPr id="296" name="Google Shape;296;p51"/>
+          <p:cNvPr id="311" name="Google Shape;311;p51"/>
           <p:cNvSpPr txBox="1"/>
           <p:nvPr>
             <p:ph idx="12" type="sldNum"/>
@@ -21768,14 +23155,14 @@
       </p:sp>
       <p:sp>
         <p:nvSpPr>
-          <p:cNvPr id="297" name="Google Shape;297;p51"/>
+          <p:cNvPr id="312" name="Google Shape;312;p51"/>
           <p:cNvSpPr txBox="1"/>
           <p:nvPr/>
         </p:nvSpPr>
         <p:spPr>
           <a:xfrm>
-            <a:off x="259350" y="651650"/>
-            <a:ext cx="8520600" cy="3374100"/>
+            <a:off x="196275" y="1242575"/>
+            <a:ext cx="5195100" cy="2878200"/>
           </a:xfrm>
           <a:prstGeom prst="rect">
             <a:avLst/>
@@ -21826,12 +23213,12 @@
             </a:pPr>
             <a:r>
               <a:rPr lang="en"/>
-              <a:t>This is simplest of the data types available. It is also the type that is directly usable and understood by most algorithms. </a:t>
+              <a:t>This is simplest of the data types available. Directly usable and understood by most AI/ML algorithms. </a:t>
             </a:r>
             <a:endParaRPr/>
           </a:p>
           <a:p>
-            <a:pPr indent="-374650" lvl="1" marL="800100" rtl="0" algn="l">
+            <a:pPr indent="-317500" lvl="1" marL="1371600" rtl="0" algn="l">
               <a:lnSpc>
                 <a:spcPct val="115000"/>
               </a:lnSpc>
@@ -21846,12 +23233,12 @@
             </a:pPr>
             <a:r>
               <a:rPr lang="en"/>
-              <a:t>Numeric data represents scalar information about entities being observed. </a:t>
+              <a:t>Scalars and vectors</a:t>
             </a:r>
             <a:endParaRPr/>
           </a:p>
           <a:p>
-            <a:pPr indent="-374650" lvl="1" marL="800100" rtl="0" algn="l">
+            <a:pPr indent="0" lvl="0" marL="1371600" rtl="0" algn="l">
               <a:lnSpc>
                 <a:spcPct val="115000"/>
               </a:lnSpc>
@@ -21861,12 +23248,46 @@
               <a:spcAft>
                 <a:spcPts val="0"/>
               </a:spcAft>
-              <a:buSzPts val="1400"/>
-              <a:buChar char="○"/>
-            </a:pPr>
-            <a:r>
-              <a:rPr lang="en"/>
-              <a:t>Numeric values also form the basis of vector features, where each dimension is represented by a scalar value. The scale, range, and distribution of numeric data has an implicit effect on the algorithm and/or the overall workflow.</a:t>
+              <a:buNone/>
+            </a:pPr>
+            <a:r>
+              <a:t/>
+            </a:r>
+            <a:endParaRPr/>
+          </a:p>
+          <a:p>
+            <a:pPr indent="0" lvl="0" marL="1371600" rtl="0" algn="l">
+              <a:lnSpc>
+                <a:spcPct val="115000"/>
+              </a:lnSpc>
+              <a:spcBef>
+                <a:spcPts val="0"/>
+              </a:spcBef>
+              <a:spcAft>
+                <a:spcPts val="0"/>
+              </a:spcAft>
+              <a:buNone/>
+            </a:pPr>
+            <a:r>
+              <a:t/>
+            </a:r>
+            <a:endParaRPr/>
+          </a:p>
+          <a:p>
+            <a:pPr indent="0" lvl="0" marL="1371600" rtl="0" algn="l">
+              <a:lnSpc>
+                <a:spcPct val="115000"/>
+              </a:lnSpc>
+              <a:spcBef>
+                <a:spcPts val="0"/>
+              </a:spcBef>
+              <a:spcAft>
+                <a:spcPts val="0"/>
+              </a:spcAft>
+              <a:buNone/>
+            </a:pPr>
+            <a:r>
+              <a:t/>
             </a:r>
             <a:endParaRPr/>
           </a:p>
@@ -21906,12 +23327,12 @@
             </a:pPr>
             <a:r>
               <a:rPr lang="en"/>
-              <a:t>Categorical variables are used to represent categories of entities being observed.</a:t>
+              <a:t>Categorical variables are descriptive</a:t>
             </a:r>
             <a:endParaRPr/>
           </a:p>
           <a:p>
-            <a:pPr indent="-317500" lvl="2" marL="1828800" rtl="0" algn="l">
+            <a:pPr indent="-317500" lvl="1" marL="1371600" rtl="0" algn="l">
               <a:lnSpc>
                 <a:spcPct val="115000"/>
               </a:lnSpc>
@@ -21922,7 +23343,7 @@
                 <a:spcPts val="0"/>
               </a:spcAft>
               <a:buSzPts val="1400"/>
-              <a:buChar char="■"/>
+              <a:buChar char="○"/>
             </a:pPr>
             <a:r>
               <a:rPr lang="en" u="sng"/>
@@ -21930,12 +23351,12 @@
             </a:r>
             <a:r>
               <a:rPr lang="en"/>
-              <a:t>: define the category of the data point without any ordering possible. e.g., hair color can be black, brown, blonde, etc.</a:t>
+              <a:t>: named categories, no order.</a:t>
             </a:r>
             <a:endParaRPr/>
           </a:p>
           <a:p>
-            <a:pPr indent="-317500" lvl="2" marL="1828800" rtl="0" algn="l">
+            <a:pPr indent="-317500" lvl="1" marL="1371600" rtl="0" algn="l">
               <a:lnSpc>
                 <a:spcPct val="115000"/>
               </a:lnSpc>
@@ -21946,7 +23367,7 @@
                 <a:spcPts val="0"/>
               </a:spcAft>
               <a:buSzPts val="1400"/>
-              <a:buChar char="■"/>
+              <a:buChar char="○"/>
             </a:pPr>
             <a:r>
               <a:rPr lang="en" u="sng"/>
@@ -21954,12 +23375,40 @@
             </a:r>
             <a:r>
               <a:rPr lang="en"/>
-              <a:t>: define the categories of data but can also be ordered based on rules on the context. e.g., people categorized by economic status of low, medium, or high.</a:t>
-            </a:r>
-            <a:endParaRPr/>
+              <a:t>: categories of data with implied order</a:t>
+            </a:r>
+            <a:endParaRPr sz="1100"/>
           </a:p>
         </p:txBody>
       </p:sp>
+      <p:pic>
+        <p:nvPicPr>
+          <p:cNvPr id="313" name="Google Shape;313;p51"/>
+          <p:cNvPicPr preferRelativeResize="0"/>
+          <p:nvPr/>
+        </p:nvPicPr>
+        <p:blipFill>
+          <a:blip r:embed="rId4">
+            <a:alphaModFix/>
+          </a:blip>
+          <a:stretch>
+            <a:fillRect/>
+          </a:stretch>
+        </p:blipFill>
+        <p:spPr>
+          <a:xfrm>
+            <a:off x="5391386" y="132925"/>
+            <a:ext cx="3536038" cy="4577375"/>
+          </a:xfrm>
+          <a:prstGeom prst="rect">
+            <a:avLst/>
+          </a:prstGeom>
+          <a:noFill/>
+          <a:ln>
+            <a:noFill/>
+          </a:ln>
+        </p:spPr>
+      </p:pic>
     </p:spTree>
   </p:cSld>
   <p:clrMapOvr>
@@ -21973,7 +23422,7 @@
   <p:cSld>
     <p:spTree>
       <p:nvGrpSpPr>
-        <p:cNvPr id="301" name="Shape 301"/>
+        <p:cNvPr id="317" name="Shape 317"/>
         <p:cNvGrpSpPr/>
         <p:nvPr/>
       </p:nvGrpSpPr>
@@ -21987,7 +23436,7 @@
       </p:grpSpPr>
       <p:pic>
         <p:nvPicPr>
-          <p:cNvPr id="302" name="Google Shape;302;p52"/>
+          <p:cNvPr id="318" name="Google Shape;318;p52"/>
           <p:cNvPicPr preferRelativeResize="0"/>
           <p:nvPr/>
         </p:nvPicPr>
@@ -22015,7 +23464,7 @@
       </p:pic>
       <p:sp>
         <p:nvSpPr>
-          <p:cNvPr id="303" name="Google Shape;303;p52"/>
+          <p:cNvPr id="319" name="Google Shape;319;p52"/>
           <p:cNvSpPr txBox="1"/>
           <p:nvPr>
             <p:ph type="title"/>
@@ -22036,7 +23485,7 @@
           </a:bodyPr>
           <a:lstStyle/>
           <a:p>
-            <a:pPr indent="0" lvl="0" marL="0" rtl="0" algn="l">
+            <a:pPr indent="0" lvl="0" marL="0" rtl="0" algn="ctr">
               <a:spcBef>
                 <a:spcPts val="0"/>
               </a:spcBef>
@@ -22051,55 +23500,7 @@
                   <a:srgbClr val="4A86E8"/>
                 </a:solidFill>
               </a:rPr>
-              <a:t>Why </a:t>
-            </a:r>
-            <a:r>
-              <a:rPr lang="en">
-                <a:solidFill>
-                  <a:srgbClr val="4A86E8"/>
-                </a:solidFill>
-              </a:rPr>
-              <a:t>r</a:t>
-            </a:r>
-            <a:r>
-              <a:rPr lang="en">
-                <a:solidFill>
-                  <a:srgbClr val="4A86E8"/>
-                </a:solidFill>
-              </a:rPr>
-              <a:t>aw </a:t>
-            </a:r>
-            <a:r>
-              <a:rPr lang="en">
-                <a:solidFill>
-                  <a:srgbClr val="4A86E8"/>
-                </a:solidFill>
-              </a:rPr>
-              <a:t>d</a:t>
-            </a:r>
-            <a:r>
-              <a:rPr lang="en">
-                <a:solidFill>
-                  <a:srgbClr val="4A86E8"/>
-                </a:solidFill>
-              </a:rPr>
-              <a:t>ata </a:t>
-            </a:r>
-            <a:r>
-              <a:rPr lang="en">
-                <a:solidFill>
-                  <a:srgbClr val="4A86E8"/>
-                </a:solidFill>
-              </a:rPr>
-              <a:t>n</a:t>
-            </a:r>
-            <a:r>
-              <a:rPr lang="en">
-                <a:solidFill>
-                  <a:srgbClr val="4A86E8"/>
-                </a:solidFill>
-              </a:rPr>
-              <a:t>eeds to be prepared?</a:t>
+              <a:t>What is data preparation?</a:t>
             </a:r>
             <a:endParaRPr>
               <a:solidFill>
@@ -22111,7 +23512,7 @@
       </p:sp>
       <p:sp>
         <p:nvSpPr>
-          <p:cNvPr id="304" name="Google Shape;304;p52"/>
+          <p:cNvPr id="320" name="Google Shape;320;p52"/>
           <p:cNvSpPr txBox="1"/>
           <p:nvPr>
             <p:ph idx="12" type="sldNum"/>
@@ -22159,14 +23560,160 @@
       </p:sp>
       <p:sp>
         <p:nvSpPr>
-          <p:cNvPr id="305" name="Google Shape;305;p52"/>
+          <p:cNvPr id="321" name="Google Shape;321;p52"/>
+          <p:cNvSpPr/>
+          <p:nvPr/>
+        </p:nvSpPr>
+        <p:spPr>
+          <a:xfrm>
+            <a:off x="769925" y="934200"/>
+            <a:ext cx="7682400" cy="1544100"/>
+          </a:xfrm>
+          <a:prstGeom prst="roundRect">
+            <a:avLst>
+              <a:gd fmla="val 16667" name="adj"/>
+            </a:avLst>
+          </a:prstGeom>
+          <a:solidFill>
+            <a:srgbClr val="FFE599"/>
+          </a:solidFill>
+          <a:ln cap="flat" cmpd="sng" w="9525">
+            <a:solidFill>
+              <a:schemeClr val="dk2"/>
+            </a:solidFill>
+            <a:prstDash val="solid"/>
+            <a:round/>
+            <a:headEnd len="sm" w="sm" type="none"/>
+            <a:tailEnd len="sm" w="sm" type="none"/>
+          </a:ln>
+        </p:spPr>
+        <p:txBody>
+          <a:bodyPr anchorCtr="0" anchor="ctr" bIns="91425" lIns="91425" spcFirstLastPara="1" rIns="91425" wrap="square" tIns="91425">
+            <a:noAutofit/>
+          </a:bodyPr>
+          <a:lstStyle/>
+          <a:p>
+            <a:pPr indent="0" lvl="0" marL="0" rtl="0" algn="l">
+              <a:lnSpc>
+                <a:spcPct val="115000"/>
+              </a:lnSpc>
+              <a:spcBef>
+                <a:spcPts val="0"/>
+              </a:spcBef>
+              <a:spcAft>
+                <a:spcPts val="0"/>
+              </a:spcAft>
+              <a:buNone/>
+            </a:pPr>
+            <a:r>
+              <a:t/>
+            </a:r>
+            <a:endParaRPr sz="1600"/>
+          </a:p>
+          <a:p>
+            <a:pPr indent="0" lvl="0" marL="914400" rtl="0" algn="l">
+              <a:lnSpc>
+                <a:spcPct val="115000"/>
+              </a:lnSpc>
+              <a:spcBef>
+                <a:spcPts val="0"/>
+              </a:spcBef>
+              <a:spcAft>
+                <a:spcPts val="0"/>
+              </a:spcAft>
+              <a:buNone/>
+            </a:pPr>
+            <a:r>
+              <a:rPr lang="en" sz="1600"/>
+              <a:t>A step in predictive modeling project where the </a:t>
+            </a:r>
+            <a:r>
+              <a:rPr lang="en" sz="1600" u="sng"/>
+              <a:t>raw data must be pre-processed</a:t>
+            </a:r>
+            <a:r>
+              <a:rPr lang="en" sz="1600"/>
+              <a:t> before being used to fit and evaluate a machine learning model.</a:t>
+            </a:r>
+            <a:endParaRPr sz="1600"/>
+          </a:p>
+          <a:p>
+            <a:pPr indent="0" lvl="0" marL="0" rtl="0" algn="l">
+              <a:lnSpc>
+                <a:spcPct val="115000"/>
+              </a:lnSpc>
+              <a:spcBef>
+                <a:spcPts val="0"/>
+              </a:spcBef>
+              <a:spcAft>
+                <a:spcPts val="0"/>
+              </a:spcAft>
+              <a:buNone/>
+            </a:pPr>
+            <a:r>
+              <a:rPr lang="en" sz="1600"/>
+              <a:t>The goal is to discover how to best expose the underlying structure of the data to the learning algorithms.</a:t>
+            </a:r>
+            <a:endParaRPr sz="1600"/>
+          </a:p>
+          <a:p>
+            <a:pPr indent="0" lvl="0" marL="0" rtl="0" algn="l">
+              <a:lnSpc>
+                <a:spcPct val="115000"/>
+              </a:lnSpc>
+              <a:spcBef>
+                <a:spcPts val="0"/>
+              </a:spcBef>
+              <a:spcAft>
+                <a:spcPts val="0"/>
+              </a:spcAft>
+              <a:buNone/>
+            </a:pPr>
+            <a:r>
+              <a:t/>
+            </a:r>
+            <a:endParaRPr b="1" sz="1600"/>
+          </a:p>
+        </p:txBody>
+      </p:sp>
+      <p:pic>
+        <p:nvPicPr>
+          <p:cNvPr id="322" name="Google Shape;322;p52"/>
+          <p:cNvPicPr preferRelativeResize="0"/>
+          <p:nvPr/>
+        </p:nvPicPr>
+        <p:blipFill>
+          <a:blip r:embed="rId4">
+            <a:alphaModFix/>
+          </a:blip>
+          <a:stretch>
+            <a:fillRect/>
+          </a:stretch>
+        </p:blipFill>
+        <p:spPr>
+          <a:xfrm>
+            <a:off x="923600" y="1083412"/>
+            <a:ext cx="766300" cy="492125"/>
+          </a:xfrm>
+          <a:prstGeom prst="rect">
+            <a:avLst/>
+          </a:prstGeom>
+          <a:noFill/>
+          <a:ln>
+            <a:noFill/>
+          </a:ln>
+        </p:spPr>
+      </p:pic>
+      <p:sp>
+        <p:nvSpPr>
+          <p:cNvPr id="323" name="Google Shape;323;p52"/>
           <p:cNvSpPr txBox="1"/>
           <p:nvPr/>
         </p:nvSpPr>
         <p:spPr>
           <a:xfrm>
-            <a:off x="452100" y="740725"/>
-            <a:ext cx="8520600" cy="1280700"/>
+            <a:off x="690750" y="2670750"/>
+            <a:ext cx="8193300" cy="1761000"/>
           </a:xfrm>
           <a:prstGeom prst="rect">
             <a:avLst/>
@@ -22182,7 +23729,7 @@
           </a:bodyPr>
           <a:lstStyle/>
           <a:p>
-            <a:pPr indent="-330200" lvl="0" marL="457200" rtl="0" algn="l">
+            <a:pPr indent="0" lvl="0" marL="457200" rtl="0" algn="l">
               <a:lnSpc>
                 <a:spcPct val="115000"/>
               </a:lnSpc>
@@ -22192,25 +23739,16 @@
               <a:spcAft>
                 <a:spcPts val="0"/>
               </a:spcAft>
-              <a:buSzPts val="1600"/>
-              <a:buChar char="●"/>
-            </a:pPr>
-            <a:r>
-              <a:rPr b="1" lang="en" sz="1600"/>
-              <a:t>Raw data</a:t>
-            </a:r>
+              <a:buNone/>
+            </a:pPr>
             <a:r>
               <a:rPr lang="en" sz="1600"/>
-              <a:t>: data in the form </a:t>
-            </a:r>
-            <a:r>
-              <a:rPr lang="en" sz="1600"/>
-              <a:t>provided from the domain of interest</a:t>
+              <a:t>ML is mostly about data preparation!</a:t>
             </a:r>
             <a:endParaRPr sz="1600"/>
           </a:p>
           <a:p>
-            <a:pPr indent="-330200" lvl="0" marL="457200" rtl="0" algn="l">
+            <a:pPr indent="-323850" lvl="0" marL="914400" rtl="0" algn="l">
               <a:lnSpc>
                 <a:spcPct val="115000"/>
               </a:lnSpc>
@@ -22220,17 +23758,17 @@
               <a:spcAft>
                 <a:spcPts val="0"/>
               </a:spcAft>
-              <a:buSzPts val="1600"/>
+              <a:buSzPts val="1500"/>
               <a:buChar char="●"/>
             </a:pPr>
             <a:r>
-              <a:rPr lang="en" sz="1600"/>
-              <a:t>Machine Learning algorithms expect numbers</a:t>
-            </a:r>
-            <a:endParaRPr sz="1600"/>
-          </a:p>
-          <a:p>
-            <a:pPr indent="-330200" lvl="0" marL="457200" rtl="0" algn="l">
+              <a:rPr lang="en" sz="1500"/>
+              <a:t>Most ML algorithms are well understood and well parameterized and there are standard definitions and implementations </a:t>
+            </a:r>
+            <a:endParaRPr sz="1500"/>
+          </a:p>
+          <a:p>
+            <a:pPr indent="-323850" lvl="0" marL="914400" rtl="0" algn="l">
               <a:lnSpc>
                 <a:spcPct val="115000"/>
               </a:lnSpc>
@@ -22240,17 +23778,17 @@
               <a:spcAft>
                 <a:spcPts val="0"/>
               </a:spcAft>
-              <a:buSzPts val="1600"/>
+              <a:buSzPts val="1500"/>
               <a:buChar char="●"/>
             </a:pPr>
             <a:r>
-              <a:rPr lang="en" sz="1600"/>
-              <a:t>Statistical noise and errors in the data need to be corrected</a:t>
-            </a:r>
-            <a:endParaRPr sz="1600"/>
-          </a:p>
-          <a:p>
-            <a:pPr indent="-330200" lvl="0" marL="457200" rtl="0" algn="l">
+              <a:rPr lang="en" sz="1500"/>
+              <a:t>Each ML project is empirically rather than theoretical and require systematic experimentation on data</a:t>
+            </a:r>
+            <a:endParaRPr sz="1500"/>
+          </a:p>
+          <a:p>
+            <a:pPr indent="-323850" lvl="0" marL="914400" rtl="0" algn="l">
               <a:lnSpc>
                 <a:spcPct val="115000"/>
               </a:lnSpc>
@@ -22260,14 +23798,14 @@
               <a:spcAft>
                 <a:spcPts val="0"/>
               </a:spcAft>
-              <a:buSzPts val="1600"/>
+              <a:buSzPts val="1500"/>
               <a:buChar char="●"/>
             </a:pPr>
             <a:r>
-              <a:rPr lang="en" sz="1600"/>
-              <a:t>Model performance also depends on the quality of data</a:t>
-            </a:r>
-            <a:endParaRPr sz="1600"/>
+              <a:rPr lang="en" sz="1500"/>
+              <a:t>One thing that changes from project to project is the specific data used in the project</a:t>
+            </a:r>
+            <a:endParaRPr sz="1500"/>
           </a:p>
         </p:txBody>
       </p:sp>
@@ -22284,7 +23822,7 @@
   <p:cSld>
     <p:spTree>
       <p:nvGrpSpPr>
-        <p:cNvPr id="309" name="Shape 309"/>
+        <p:cNvPr id="327" name="Shape 327"/>
         <p:cNvGrpSpPr/>
         <p:nvPr/>
       </p:nvGrpSpPr>
@@ -22298,7 +23836,7 @@
       </p:grpSpPr>
       <p:pic>
         <p:nvPicPr>
-          <p:cNvPr id="310" name="Google Shape;310;p53"/>
+          <p:cNvPr id="328" name="Google Shape;328;p53"/>
           <p:cNvPicPr preferRelativeResize="0"/>
           <p:nvPr/>
         </p:nvPicPr>
@@ -22326,7 +23864,7 @@
       </p:pic>
       <p:sp>
         <p:nvSpPr>
-          <p:cNvPr id="311" name="Google Shape;311;p53"/>
+          <p:cNvPr id="329" name="Google Shape;329;p53"/>
           <p:cNvSpPr txBox="1"/>
           <p:nvPr>
             <p:ph type="title"/>
@@ -22347,7 +23885,7 @@
           </a:bodyPr>
           <a:lstStyle/>
           <a:p>
-            <a:pPr indent="0" lvl="0" marL="0" rtl="0" algn="l">
+            <a:pPr indent="0" lvl="0" marL="0" rtl="0" algn="ctr">
               <a:spcBef>
                 <a:spcPts val="0"/>
               </a:spcBef>
@@ -22362,7 +23900,55 @@
                   <a:srgbClr val="4A86E8"/>
                 </a:solidFill>
               </a:rPr>
-              <a:t>Machine Learning is mostly data preparation</a:t>
+              <a:t>Why </a:t>
+            </a:r>
+            <a:r>
+              <a:rPr lang="en">
+                <a:solidFill>
+                  <a:srgbClr val="4A86E8"/>
+                </a:solidFill>
+              </a:rPr>
+              <a:t>r</a:t>
+            </a:r>
+            <a:r>
+              <a:rPr lang="en">
+                <a:solidFill>
+                  <a:srgbClr val="4A86E8"/>
+                </a:solidFill>
+              </a:rPr>
+              <a:t>aw </a:t>
+            </a:r>
+            <a:r>
+              <a:rPr lang="en">
+                <a:solidFill>
+                  <a:srgbClr val="4A86E8"/>
+                </a:solidFill>
+              </a:rPr>
+              <a:t>d</a:t>
+            </a:r>
+            <a:r>
+              <a:rPr lang="en">
+                <a:solidFill>
+                  <a:srgbClr val="4A86E8"/>
+                </a:solidFill>
+              </a:rPr>
+              <a:t>ata </a:t>
+            </a:r>
+            <a:r>
+              <a:rPr lang="en">
+                <a:solidFill>
+                  <a:srgbClr val="4A86E8"/>
+                </a:solidFill>
+              </a:rPr>
+              <a:t>n</a:t>
+            </a:r>
+            <a:r>
+              <a:rPr lang="en">
+                <a:solidFill>
+                  <a:srgbClr val="4A86E8"/>
+                </a:solidFill>
+              </a:rPr>
+              <a:t>eeds to be prepared?</a:t>
             </a:r>
             <a:endParaRPr>
               <a:solidFill>
@@ -22374,7 +23960,7 @@
       </p:sp>
       <p:sp>
         <p:nvSpPr>
-          <p:cNvPr id="312" name="Google Shape;312;p53"/>
+          <p:cNvPr id="330" name="Google Shape;330;p53"/>
           <p:cNvSpPr txBox="1"/>
           <p:nvPr>
             <p:ph idx="12" type="sldNum"/>
@@ -22422,14 +24008,14 @@
       </p:sp>
       <p:sp>
         <p:nvSpPr>
-          <p:cNvPr id="313" name="Google Shape;313;p53"/>
+          <p:cNvPr id="331" name="Google Shape;331;p53"/>
           <p:cNvSpPr txBox="1"/>
           <p:nvPr/>
         </p:nvSpPr>
         <p:spPr>
           <a:xfrm>
-            <a:off x="171300" y="839400"/>
-            <a:ext cx="8520600" cy="1563900"/>
+            <a:off x="1526700" y="2350350"/>
+            <a:ext cx="6222300" cy="997500"/>
           </a:xfrm>
           <a:prstGeom prst="rect">
             <a:avLst/>
@@ -22460,11 +24046,7 @@
             </a:pPr>
             <a:r>
               <a:rPr lang="en" sz="1600"/>
-              <a:t>Most ML algorithms are well understood and well parameterized and there are standard definitions and implementations</a:t>
-            </a:r>
-            <a:r>
-              <a:rPr lang="en" sz="1600"/>
-              <a:t> </a:t>
+              <a:t>Machine Learning algorithms expect numbers</a:t>
             </a:r>
             <a:endParaRPr sz="1600"/>
           </a:p>
@@ -22484,7 +24066,7 @@
             </a:pPr>
             <a:r>
               <a:rPr lang="en" sz="1600"/>
-              <a:t>Each ML project is empirically rather than theoretical and require systematic experimentation on data</a:t>
+              <a:t>Statistical noise and errors in the data need to be corrected</a:t>
             </a:r>
             <a:endParaRPr sz="1600"/>
           </a:p>
@@ -22504,12 +24086,99 @@
             </a:pPr>
             <a:r>
               <a:rPr lang="en" sz="1600"/>
-              <a:t>One thing that changes from project to project is the specific data used in the project</a:t>
+              <a:t>Model performance also depends on the quality of data</a:t>
             </a:r>
             <a:endParaRPr sz="1600"/>
           </a:p>
         </p:txBody>
       </p:sp>
+      <p:sp>
+        <p:nvSpPr>
+          <p:cNvPr id="332" name="Google Shape;332;p53"/>
+          <p:cNvSpPr/>
+          <p:nvPr/>
+        </p:nvSpPr>
+        <p:spPr>
+          <a:xfrm>
+            <a:off x="1802375" y="1102600"/>
+            <a:ext cx="6325500" cy="687900"/>
+          </a:xfrm>
+          <a:prstGeom prst="roundRect">
+            <a:avLst>
+              <a:gd fmla="val 16667" name="adj"/>
+            </a:avLst>
+          </a:prstGeom>
+          <a:solidFill>
+            <a:srgbClr val="FFE599"/>
+          </a:solidFill>
+          <a:ln cap="flat" cmpd="sng" w="9525">
+            <a:solidFill>
+              <a:schemeClr val="dk2"/>
+            </a:solidFill>
+            <a:prstDash val="solid"/>
+            <a:round/>
+            <a:headEnd len="sm" w="sm" type="none"/>
+            <a:tailEnd len="sm" w="sm" type="none"/>
+          </a:ln>
+        </p:spPr>
+        <p:txBody>
+          <a:bodyPr anchorCtr="0" anchor="ctr" bIns="91425" lIns="91425" spcFirstLastPara="1" rIns="91425" wrap="square" tIns="91425">
+            <a:noAutofit/>
+          </a:bodyPr>
+          <a:lstStyle/>
+          <a:p>
+            <a:pPr indent="457200" lvl="0" marL="0" rtl="0" algn="ctr">
+              <a:lnSpc>
+                <a:spcPct val="115000"/>
+              </a:lnSpc>
+              <a:spcBef>
+                <a:spcPts val="0"/>
+              </a:spcBef>
+              <a:spcAft>
+                <a:spcPts val="0"/>
+              </a:spcAft>
+              <a:buNone/>
+            </a:pPr>
+            <a:r>
+              <a:rPr lang="en" sz="1600"/>
+              <a:t>D</a:t>
+            </a:r>
+            <a:r>
+              <a:rPr lang="en" sz="1600"/>
+              <a:t>ata in the form provided from the domain of interest are usually not ready for AI/ML</a:t>
+            </a:r>
+            <a:endParaRPr/>
+          </a:p>
+        </p:txBody>
+      </p:sp>
+      <p:pic>
+        <p:nvPicPr>
+          <p:cNvPr id="333" name="Google Shape;333;p53"/>
+          <p:cNvPicPr preferRelativeResize="0"/>
+          <p:nvPr/>
+        </p:nvPicPr>
+        <p:blipFill>
+          <a:blip r:embed="rId4">
+            <a:alphaModFix/>
+          </a:blip>
+          <a:stretch>
+            <a:fillRect/>
+          </a:stretch>
+        </p:blipFill>
+        <p:spPr>
+          <a:xfrm>
+            <a:off x="1871150" y="1200500"/>
+            <a:ext cx="766300" cy="492125"/>
+          </a:xfrm>
+          <a:prstGeom prst="rect">
+            <a:avLst/>
+          </a:prstGeom>
+          <a:noFill/>
+          <a:ln>
+            <a:noFill/>
+          </a:ln>
+        </p:spPr>
+      </p:pic>
     </p:spTree>
   </p:cSld>
   <p:clrMapOvr>
@@ -22523,7 +24192,7 @@
   <p:cSld>
     <p:spTree>
       <p:nvGrpSpPr>
-        <p:cNvPr id="317" name="Shape 317"/>
+        <p:cNvPr id="337" name="Shape 337"/>
         <p:cNvGrpSpPr/>
         <p:nvPr/>
       </p:nvGrpSpPr>
@@ -22537,7 +24206,7 @@
       </p:grpSpPr>
       <p:pic>
         <p:nvPicPr>
-          <p:cNvPr id="318" name="Google Shape;318;p54"/>
+          <p:cNvPr id="338" name="Google Shape;338;p54"/>
           <p:cNvPicPr preferRelativeResize="0"/>
           <p:nvPr/>
         </p:nvPicPr>
@@ -22565,7 +24234,7 @@
       </p:pic>
       <p:sp>
         <p:nvSpPr>
-          <p:cNvPr id="319" name="Google Shape;319;p54"/>
+          <p:cNvPr id="339" name="Google Shape;339;p54"/>
           <p:cNvSpPr txBox="1"/>
           <p:nvPr>
             <p:ph type="title"/>
@@ -22586,7 +24255,7 @@
           </a:bodyPr>
           <a:lstStyle/>
           <a:p>
-            <a:pPr indent="0" lvl="0" marL="0" rtl="0" algn="l">
+            <a:pPr indent="0" lvl="0" marL="0" rtl="0" algn="ctr">
               <a:spcBef>
                 <a:spcPts val="0"/>
               </a:spcBef>
@@ -22601,7 +24270,7 @@
                   <a:srgbClr val="4A86E8"/>
                 </a:solidFill>
               </a:rPr>
-              <a:t>What is data preparation?</a:t>
+              <a:t>Steps in data preparation</a:t>
             </a:r>
             <a:endParaRPr>
               <a:solidFill>
@@ -22613,7 +24282,7 @@
       </p:sp>
       <p:sp>
         <p:nvSpPr>
-          <p:cNvPr id="320" name="Google Shape;320;p54"/>
+          <p:cNvPr id="340" name="Google Shape;340;p54"/>
           <p:cNvSpPr txBox="1"/>
           <p:nvPr>
             <p:ph idx="12" type="sldNum"/>
@@ -22661,14 +24330,14 @@
       </p:sp>
       <p:sp>
         <p:nvSpPr>
-          <p:cNvPr id="321" name="Google Shape;321;p54"/>
+          <p:cNvPr id="341" name="Google Shape;341;p54"/>
           <p:cNvSpPr txBox="1"/>
           <p:nvPr/>
         </p:nvSpPr>
         <p:spPr>
           <a:xfrm>
-            <a:off x="171300" y="839400"/>
-            <a:ext cx="8801400" cy="3263100"/>
+            <a:off x="253425" y="1198075"/>
+            <a:ext cx="8352600" cy="3054900"/>
           </a:xfrm>
           <a:prstGeom prst="rect">
             <a:avLst/>
@@ -22698,12 +24367,8 @@
               <a:buChar char="●"/>
             </a:pPr>
             <a:r>
-              <a:rPr b="1" lang="en" sz="1600"/>
-              <a:t>Data preparation</a:t>
-            </a:r>
-            <a:r>
               <a:rPr lang="en" sz="1600"/>
-              <a:t> </a:t>
+              <a:t>Data preparation involves:</a:t>
             </a:r>
             <a:endParaRPr sz="1600"/>
           </a:p>
@@ -22713,7 +24378,7 @@
                 <a:spcPct val="115000"/>
               </a:lnSpc>
               <a:spcBef>
-                <a:spcPts val="0"/>
+                <a:spcPts val="1000"/>
               </a:spcBef>
               <a:spcAft>
                 <a:spcPts val="0"/>
@@ -22722,12 +24387,31 @@
               <a:buChar char="○"/>
             </a:pPr>
             <a:r>
+              <a:rPr b="1" lang="en" sz="1600"/>
+              <a:t>Data cleaning</a:t>
+            </a:r>
+            <a:r>
               <a:rPr lang="en" sz="1600"/>
-              <a:t>A </a:t>
-            </a:r>
+              <a:t>: identifying and correcting</a:t>
+            </a:r>
+            <a:endParaRPr sz="1600"/>
+          </a:p>
+          <a:p>
+            <a:pPr indent="0" lvl="0" marL="914400" rtl="0" algn="l">
+              <a:lnSpc>
+                <a:spcPct val="115000"/>
+              </a:lnSpc>
+              <a:spcBef>
+                <a:spcPts val="0"/>
+              </a:spcBef>
+              <a:spcAft>
+                <a:spcPts val="0"/>
+              </a:spcAft>
+              <a:buNone/>
+            </a:pPr>
             <a:r>
               <a:rPr lang="en" sz="1600"/>
-              <a:t>step in predictive modeling project where the raw data must be pre-processed before being use to fit and evaluate a machine learning model.</a:t>
+              <a:t> mistakes or errors in the data</a:t>
             </a:r>
             <a:endParaRPr sz="1600"/>
           </a:p>
@@ -22737,7 +24421,7 @@
                 <a:spcPct val="115000"/>
               </a:lnSpc>
               <a:spcBef>
-                <a:spcPts val="0"/>
+                <a:spcPts val="1000"/>
               </a:spcBef>
               <a:spcAft>
                 <a:spcPts val="0"/>
@@ -22746,13 +24430,17 @@
               <a:buChar char="○"/>
             </a:pPr>
             <a:r>
+              <a:rPr b="1" lang="en" sz="1600"/>
+              <a:t>Data transformation</a:t>
+            </a:r>
+            <a:r>
               <a:rPr lang="en" sz="1600"/>
-              <a:t>The goal is to discover how to best expose the underlying structure of the data to the learning algorithms.</a:t>
+              <a:t>: changing the scale</a:t>
             </a:r>
             <a:endParaRPr sz="1600"/>
           </a:p>
           <a:p>
-            <a:pPr indent="-330200" lvl="0" marL="457200" rtl="0" algn="l">
+            <a:pPr indent="0" lvl="0" marL="914400" rtl="0" algn="l">
               <a:lnSpc>
                 <a:spcPct val="115000"/>
               </a:lnSpc>
@@ -22762,12 +24450,11 @@
               <a:spcAft>
                 <a:spcPts val="0"/>
               </a:spcAft>
-              <a:buSzPts val="1600"/>
-              <a:buChar char="●"/>
+              <a:buNone/>
             </a:pPr>
             <a:r>
               <a:rPr lang="en" sz="1600"/>
-              <a:t>The tasks of data preparation:</a:t>
+              <a:t> or distribution of the input variables</a:t>
             </a:r>
             <a:endParaRPr sz="1600"/>
           </a:p>
@@ -22777,7 +24464,7 @@
                 <a:spcPct val="115000"/>
               </a:lnSpc>
               <a:spcBef>
-                <a:spcPts val="0"/>
+                <a:spcPts val="1000"/>
               </a:spcBef>
               <a:spcAft>
                 <a:spcPts val="0"/>
@@ -22787,11 +24474,11 @@
             </a:pPr>
             <a:r>
               <a:rPr b="1" lang="en" sz="1600"/>
-              <a:t>Data cleaning</a:t>
+              <a:t>Feature selection</a:t>
             </a:r>
             <a:r>
               <a:rPr lang="en" sz="1600"/>
-              <a:t>: identifying and correcting mistakes or errors in the data</a:t>
+              <a:t>: identifying those input variables that are most relevant</a:t>
             </a:r>
             <a:endParaRPr sz="1600"/>
           </a:p>
@@ -22801,7 +24488,7 @@
                 <a:spcPct val="115000"/>
               </a:lnSpc>
               <a:spcBef>
-                <a:spcPts val="0"/>
+                <a:spcPts val="1000"/>
               </a:spcBef>
               <a:spcAft>
                 <a:spcPts val="0"/>
@@ -22811,11 +24498,11 @@
             </a:pPr>
             <a:r>
               <a:rPr b="1" lang="en" sz="1600"/>
-              <a:t>Data transformation</a:t>
+              <a:t>Feature engineering</a:t>
             </a:r>
             <a:r>
               <a:rPr lang="en" sz="1600"/>
-              <a:t>: changing the scale or distribution of the input variables</a:t>
+              <a:t>: deriving new variables from available data</a:t>
             </a:r>
             <a:endParaRPr sz="1600"/>
           </a:p>
@@ -22825,7 +24512,7 @@
                 <a:spcPct val="115000"/>
               </a:lnSpc>
               <a:spcBef>
-                <a:spcPts val="0"/>
+                <a:spcPts val="1000"/>
               </a:spcBef>
               <a:spcAft>
                 <a:spcPts val="0"/>
@@ -22835,69 +24522,96 @@
             </a:pPr>
             <a:r>
               <a:rPr b="1" lang="en" sz="1600"/>
-              <a:t>Feature selection</a:t>
+              <a:t>Dimensionality reduction</a:t>
             </a:r>
             <a:r>
               <a:rPr lang="en" sz="1600"/>
-              <a:t>: identifying those input variables that are most relevant</a:t>
+              <a:t>: creating compact representations of the data</a:t>
             </a:r>
             <a:endParaRPr sz="1600"/>
           </a:p>
-          <a:p>
-            <a:pPr indent="-330200" lvl="1" marL="914400" rtl="0" algn="l">
-              <a:lnSpc>
-                <a:spcPct val="115000"/>
-              </a:lnSpc>
-              <a:spcBef>
-                <a:spcPts val="0"/>
-              </a:spcBef>
-              <a:spcAft>
-                <a:spcPts val="0"/>
-              </a:spcAft>
-              <a:buSzPts val="1600"/>
-              <a:buChar char="○"/>
-            </a:pPr>
-            <a:r>
-              <a:rPr b="1" lang="en" sz="1600"/>
-              <a:t>Feature engineering</a:t>
-            </a:r>
-            <a:r>
-              <a:rPr lang="en" sz="1600"/>
-              <a:t>: deriving new variables from available data</a:t>
-            </a:r>
-            <a:endParaRPr sz="1600"/>
-          </a:p>
-          <a:p>
-            <a:pPr indent="-330200" lvl="1" marL="914400" rtl="0" algn="l">
-              <a:lnSpc>
-                <a:spcPct val="115000"/>
-              </a:lnSpc>
-              <a:spcBef>
-                <a:spcPts val="0"/>
-              </a:spcBef>
-              <a:spcAft>
-                <a:spcPts val="0"/>
-              </a:spcAft>
-              <a:buSzPts val="1600"/>
-              <a:buChar char="○"/>
-            </a:pPr>
-            <a:r>
-              <a:rPr b="1" lang="en" sz="1600"/>
-              <a:t>Dimensionality reduction</a:t>
-            </a:r>
-            <a:r>
-              <a:rPr lang="en" sz="1600"/>
-              <a:t>: creating compact </a:t>
-            </a:r>
-            <a:r>
-              <a:rPr lang="en" sz="1600"/>
-              <a:t>projections</a:t>
-            </a:r>
-            <a:r>
-              <a:rPr lang="en" sz="1600"/>
-              <a:t> of the data</a:t>
-            </a:r>
-            <a:endParaRPr sz="1600"/>
+        </p:txBody>
+      </p:sp>
+      <p:pic>
+        <p:nvPicPr>
+          <p:cNvPr id="342" name="Google Shape;342;p54"/>
+          <p:cNvPicPr preferRelativeResize="0"/>
+          <p:nvPr/>
+        </p:nvPicPr>
+        <p:blipFill>
+          <a:blip r:embed="rId4">
+            <a:alphaModFix/>
+          </a:blip>
+          <a:stretch>
+            <a:fillRect/>
+          </a:stretch>
+        </p:blipFill>
+        <p:spPr>
+          <a:xfrm>
+            <a:off x="5288525" y="813924"/>
+            <a:ext cx="3580751" cy="2111600"/>
+          </a:xfrm>
+          <a:prstGeom prst="rect">
+            <a:avLst/>
+          </a:prstGeom>
+          <a:noFill/>
+          <a:ln>
+            <a:noFill/>
+          </a:ln>
+        </p:spPr>
+      </p:pic>
+      <p:sp>
+        <p:nvSpPr>
+          <p:cNvPr id="343" name="Google Shape;343;p54"/>
+          <p:cNvSpPr txBox="1"/>
+          <p:nvPr/>
+        </p:nvSpPr>
+        <p:spPr>
+          <a:xfrm>
+            <a:off x="5750750" y="2670525"/>
+            <a:ext cx="3000000" cy="369300"/>
+          </a:xfrm>
+          <a:prstGeom prst="rect">
+            <a:avLst/>
+          </a:prstGeom>
+          <a:noFill/>
+          <a:ln>
+            <a:noFill/>
+          </a:ln>
+        </p:spPr>
+        <p:txBody>
+          <a:bodyPr anchorCtr="0" anchor="t" bIns="91425" lIns="91425" spcFirstLastPara="1" rIns="91425" wrap="square" tIns="91425">
+            <a:spAutoFit/>
+          </a:bodyPr>
+          <a:lstStyle/>
+          <a:p>
+            <a:pPr indent="0" lvl="0" marL="0" rtl="0" algn="r">
+              <a:spcBef>
+                <a:spcPts val="0"/>
+              </a:spcBef>
+              <a:spcAft>
+                <a:spcPts val="0"/>
+              </a:spcAft>
+              <a:buNone/>
+            </a:pPr>
+            <a:r>
+              <a:rPr lang="en" sz="900"/>
+              <a:t>Source:</a:t>
+            </a:r>
+            <a:r>
+              <a:rPr lang="en" sz="1200"/>
+              <a:t> </a:t>
+            </a:r>
+            <a:r>
+              <a:rPr lang="en" sz="900" u="sng">
+                <a:solidFill>
+                  <a:schemeClr val="hlink"/>
+                </a:solidFill>
+                <a:hlinkClick r:id="rId5"/>
+              </a:rPr>
+              <a:t>https://www.thecads.com/</a:t>
+            </a:r>
+            <a:endParaRPr sz="1200"/>
           </a:p>
         </p:txBody>
       </p:sp>
@@ -22914,7 +24628,7 @@
   <p:cSld>
     <p:spTree>
       <p:nvGrpSpPr>
-        <p:cNvPr id="325" name="Shape 325"/>
+        <p:cNvPr id="347" name="Shape 347"/>
         <p:cNvGrpSpPr/>
         <p:nvPr/>
       </p:nvGrpSpPr>
@@ -22928,7 +24642,7 @@
       </p:grpSpPr>
       <p:pic>
         <p:nvPicPr>
-          <p:cNvPr id="326" name="Google Shape;326;p55"/>
+          <p:cNvPr id="348" name="Google Shape;348;p55"/>
           <p:cNvPicPr preferRelativeResize="0"/>
           <p:nvPr/>
         </p:nvPicPr>
@@ -22956,7 +24670,7 @@
       </p:pic>
       <p:sp>
         <p:nvSpPr>
-          <p:cNvPr id="327" name="Google Shape;327;p55"/>
+          <p:cNvPr id="349" name="Google Shape;349;p55"/>
           <p:cNvSpPr txBox="1"/>
           <p:nvPr>
             <p:ph type="title"/>
@@ -22977,7 +24691,7 @@
           </a:bodyPr>
           <a:lstStyle/>
           <a:p>
-            <a:pPr indent="0" lvl="0" marL="0" rtl="0" algn="l">
+            <a:pPr indent="0" lvl="0" marL="0" rtl="0" algn="ctr">
               <a:spcBef>
                 <a:spcPts val="0"/>
               </a:spcBef>
@@ -23004,7 +24718,7 @@
       </p:sp>
       <p:sp>
         <p:nvSpPr>
-          <p:cNvPr id="328" name="Google Shape;328;p55"/>
+          <p:cNvPr id="350" name="Google Shape;350;p55"/>
           <p:cNvSpPr txBox="1"/>
           <p:nvPr>
             <p:ph idx="12" type="sldNum"/>
@@ -23052,14 +24766,14 @@
       </p:sp>
       <p:sp>
         <p:nvSpPr>
-          <p:cNvPr id="329" name="Google Shape;329;p55"/>
+          <p:cNvPr id="351" name="Google Shape;351;p55"/>
           <p:cNvSpPr txBox="1"/>
           <p:nvPr/>
         </p:nvSpPr>
         <p:spPr>
           <a:xfrm>
-            <a:off x="171300" y="740725"/>
-            <a:ext cx="8801400" cy="997500"/>
+            <a:off x="1239500" y="740725"/>
+            <a:ext cx="7285200" cy="997500"/>
           </a:xfrm>
           <a:prstGeom prst="rect">
             <a:avLst/>
@@ -23075,7 +24789,7 @@
           </a:bodyPr>
           <a:lstStyle/>
           <a:p>
-            <a:pPr indent="-330200" lvl="0" marL="457200" rtl="0" algn="l">
+            <a:pPr indent="0" lvl="0" marL="0" rtl="0" algn="l">
               <a:lnSpc>
                 <a:spcPct val="115000"/>
               </a:lnSpc>
@@ -23085,17 +24799,16 @@
               <a:spcAft>
                 <a:spcPts val="0"/>
               </a:spcAft>
-              <a:buSzPts val="1600"/>
-              <a:buChar char="●"/>
+              <a:buNone/>
             </a:pPr>
             <a:r>
               <a:rPr lang="en" sz="1600"/>
-              <a:t>Involves fixing systematic problems or errors in messy data. </a:t>
+              <a:t>The goal is to identify and address specific observations that may be incorrect.</a:t>
             </a:r>
             <a:endParaRPr sz="1600"/>
           </a:p>
           <a:p>
-            <a:pPr indent="-330200" lvl="0" marL="457200" rtl="0" algn="l">
+            <a:pPr indent="-330200" lvl="0" marL="914400" rtl="0" algn="l">
               <a:lnSpc>
                 <a:spcPct val="115000"/>
               </a:lnSpc>
@@ -23110,12 +24823,12 @@
             </a:pPr>
             <a:r>
               <a:rPr lang="en" sz="1600"/>
-              <a:t>Involves deep domain expertise.</a:t>
+              <a:t>Involves fixing systematic problems or errors in messy data. </a:t>
             </a:r>
             <a:endParaRPr sz="1600"/>
           </a:p>
           <a:p>
-            <a:pPr indent="-330200" lvl="0" marL="457200" rtl="0" algn="l">
+            <a:pPr indent="-330200" lvl="0" marL="914400" rtl="0" algn="l">
               <a:lnSpc>
                 <a:spcPct val="115000"/>
               </a:lnSpc>
@@ -23130,7 +24843,7 @@
             </a:pPr>
             <a:r>
               <a:rPr lang="en" sz="1600"/>
-              <a:t>The goal is to identify and address specific observations that may be incorrect.</a:t>
+              <a:t>Involves deep domain expertise.</a:t>
             </a:r>
             <a:endParaRPr sz="1600"/>
           </a:p>
@@ -23138,7 +24851,7 @@
       </p:sp>
       <p:pic>
         <p:nvPicPr>
-          <p:cNvPr id="330" name="Google Shape;330;p55"/>
+          <p:cNvPr id="352" name="Google Shape;352;p55"/>
           <p:cNvPicPr preferRelativeResize="0"/>
           <p:nvPr/>
         </p:nvPicPr>
@@ -23152,7 +24865,7 @@
         </p:blipFill>
         <p:spPr>
           <a:xfrm>
-            <a:off x="1123050" y="1836900"/>
+            <a:off x="1825425" y="1836900"/>
             <a:ext cx="5631048" cy="2450501"/>
           </a:xfrm>
           <a:prstGeom prst="rect">
@@ -23166,14 +24879,14 @@
       </p:pic>
       <p:sp>
         <p:nvSpPr>
-          <p:cNvPr id="331" name="Google Shape;331;p55"/>
+          <p:cNvPr id="353" name="Google Shape;353;p55"/>
           <p:cNvSpPr txBox="1"/>
           <p:nvPr/>
         </p:nvSpPr>
         <p:spPr>
           <a:xfrm>
-            <a:off x="3223650" y="4153250"/>
-            <a:ext cx="1652700" cy="400200"/>
+            <a:off x="6479500" y="4287400"/>
+            <a:ext cx="2285400" cy="400200"/>
           </a:xfrm>
           <a:prstGeom prst="rect">
             <a:avLst/>
@@ -23205,7 +24918,7 @@
                 <a:cs typeface="Roboto"/>
                 <a:sym typeface="Roboto"/>
               </a:rPr>
-              <a:t>(Brownlee, 2020)</a:t>
+              <a:t>(source: Brownlee, 2020)</a:t>
             </a:r>
             <a:endParaRPr>
               <a:latin typeface="Roboto"/>
@@ -23561,7 +25274,7 @@
   <p:cSld>
     <p:spTree>
       <p:nvGrpSpPr>
-        <p:cNvPr id="335" name="Shape 335"/>
+        <p:cNvPr id="357" name="Shape 357"/>
         <p:cNvGrpSpPr/>
         <p:nvPr/>
       </p:nvGrpSpPr>
@@ -23575,7 +25288,7 @@
       </p:grpSpPr>
       <p:pic>
         <p:nvPicPr>
-          <p:cNvPr id="336" name="Google Shape;336;p56"/>
+          <p:cNvPr id="358" name="Google Shape;358;p56"/>
           <p:cNvPicPr preferRelativeResize="0"/>
           <p:nvPr/>
         </p:nvPicPr>
@@ -23603,7 +25316,7 @@
       </p:pic>
       <p:sp>
         <p:nvSpPr>
-          <p:cNvPr id="337" name="Google Shape;337;p56"/>
+          <p:cNvPr id="359" name="Google Shape;359;p56"/>
           <p:cNvSpPr txBox="1"/>
           <p:nvPr>
             <p:ph type="title"/>
@@ -23624,7 +25337,7 @@
           </a:bodyPr>
           <a:lstStyle/>
           <a:p>
-            <a:pPr indent="0" lvl="0" marL="0" rtl="0" algn="l">
+            <a:pPr indent="0" lvl="0" marL="0" rtl="0" algn="ctr">
               <a:spcBef>
                 <a:spcPts val="0"/>
               </a:spcBef>
@@ -23639,7 +25352,7 @@
                   <a:srgbClr val="4A86E8"/>
                 </a:solidFill>
               </a:rPr>
-              <a:t>Feature Selection</a:t>
+              <a:t>Data Transformation</a:t>
             </a:r>
             <a:endParaRPr>
               <a:solidFill>
@@ -23651,7 +25364,7 @@
       </p:sp>
       <p:sp>
         <p:nvSpPr>
-          <p:cNvPr id="338" name="Google Shape;338;p56"/>
+          <p:cNvPr id="360" name="Google Shape;360;p56"/>
           <p:cNvSpPr txBox="1"/>
           <p:nvPr>
             <p:ph idx="12" type="sldNum"/>
@@ -23699,322 +25412,7 @@
       </p:sp>
       <p:sp>
         <p:nvSpPr>
-          <p:cNvPr id="339" name="Google Shape;339;p56"/>
-          <p:cNvSpPr txBox="1"/>
-          <p:nvPr/>
-        </p:nvSpPr>
-        <p:spPr>
-          <a:xfrm>
-            <a:off x="171300" y="636825"/>
-            <a:ext cx="8801400" cy="1563900"/>
-          </a:xfrm>
-          <a:prstGeom prst="rect">
-            <a:avLst/>
-          </a:prstGeom>
-          <a:noFill/>
-          <a:ln>
-            <a:noFill/>
-          </a:ln>
-        </p:spPr>
-        <p:txBody>
-          <a:bodyPr anchorCtr="0" anchor="t" bIns="91425" lIns="91425" spcFirstLastPara="1" rIns="91425" wrap="square" tIns="91425">
-            <a:spAutoFit/>
-          </a:bodyPr>
-          <a:lstStyle/>
-          <a:p>
-            <a:pPr indent="-330200" lvl="0" marL="457200" rtl="0" algn="l">
-              <a:lnSpc>
-                <a:spcPct val="115000"/>
-              </a:lnSpc>
-              <a:spcBef>
-                <a:spcPts val="0"/>
-              </a:spcBef>
-              <a:spcAft>
-                <a:spcPts val="0"/>
-              </a:spcAft>
-              <a:buSzPts val="1600"/>
-              <a:buChar char="●"/>
-            </a:pPr>
-            <a:r>
-              <a:rPr lang="en" sz="1600"/>
-              <a:t>Techniques for selecting a subset of input features that are most relevant to the target variable that is being predicted.</a:t>
-            </a:r>
-            <a:endParaRPr sz="1600"/>
-          </a:p>
-          <a:p>
-            <a:pPr indent="-330200" lvl="0" marL="457200" rtl="0" algn="l">
-              <a:lnSpc>
-                <a:spcPct val="115000"/>
-              </a:lnSpc>
-              <a:spcBef>
-                <a:spcPts val="0"/>
-              </a:spcBef>
-              <a:spcAft>
-                <a:spcPts val="0"/>
-              </a:spcAft>
-              <a:buSzPts val="1600"/>
-              <a:buChar char="●"/>
-            </a:pPr>
-            <a:r>
-              <a:rPr lang="en" sz="1600"/>
-              <a:t>Irrelevant and redundant input variables can distract or mislead learning algorithms possibly resulting in lower predictive performance.</a:t>
-            </a:r>
-            <a:endParaRPr sz="1600"/>
-          </a:p>
-          <a:p>
-            <a:pPr indent="-330200" lvl="0" marL="457200" rtl="0" algn="l">
-              <a:lnSpc>
-                <a:spcPct val="115000"/>
-              </a:lnSpc>
-              <a:spcBef>
-                <a:spcPts val="0"/>
-              </a:spcBef>
-              <a:spcAft>
-                <a:spcPts val="0"/>
-              </a:spcAft>
-              <a:buSzPts val="1600"/>
-              <a:buChar char="●"/>
-            </a:pPr>
-            <a:r>
-              <a:rPr lang="en" sz="1600"/>
-              <a:t>The goal is to favor the simplest possible well performing model.</a:t>
-            </a:r>
-            <a:endParaRPr sz="1600"/>
-          </a:p>
-        </p:txBody>
-      </p:sp>
-      <p:pic>
-        <p:nvPicPr>
-          <p:cNvPr id="340" name="Google Shape;340;p56"/>
-          <p:cNvPicPr preferRelativeResize="0"/>
-          <p:nvPr/>
-        </p:nvPicPr>
-        <p:blipFill>
-          <a:blip r:embed="rId4">
-            <a:alphaModFix/>
-          </a:blip>
-          <a:stretch>
-            <a:fillRect/>
-          </a:stretch>
-        </p:blipFill>
-        <p:spPr>
-          <a:xfrm>
-            <a:off x="2397475" y="2146225"/>
-            <a:ext cx="3968326" cy="2440600"/>
-          </a:xfrm>
-          <a:prstGeom prst="rect">
-            <a:avLst/>
-          </a:prstGeom>
-          <a:noFill/>
-          <a:ln>
-            <a:noFill/>
-          </a:ln>
-        </p:spPr>
-      </p:pic>
-      <p:sp>
-        <p:nvSpPr>
-          <p:cNvPr id="341" name="Google Shape;341;p56"/>
-          <p:cNvSpPr txBox="1"/>
-          <p:nvPr/>
-        </p:nvSpPr>
-        <p:spPr>
-          <a:xfrm>
-            <a:off x="3248523" y="4329900"/>
-            <a:ext cx="1705800" cy="400200"/>
-          </a:xfrm>
-          <a:prstGeom prst="rect">
-            <a:avLst/>
-          </a:prstGeom>
-          <a:noFill/>
-          <a:ln>
-            <a:noFill/>
-          </a:ln>
-        </p:spPr>
-        <p:txBody>
-          <a:bodyPr anchorCtr="0" anchor="t" bIns="91425" lIns="91425" spcFirstLastPara="1" rIns="91425" wrap="square" tIns="91425">
-            <a:spAutoFit/>
-          </a:bodyPr>
-          <a:lstStyle/>
-          <a:p>
-            <a:pPr indent="0" lvl="0" marL="0" rtl="0" algn="l">
-              <a:spcBef>
-                <a:spcPts val="0"/>
-              </a:spcBef>
-              <a:spcAft>
-                <a:spcPts val="0"/>
-              </a:spcAft>
-              <a:buNone/>
-            </a:pPr>
-            <a:r>
-              <a:rPr lang="en">
-                <a:latin typeface="Roboto"/>
-                <a:ea typeface="Roboto"/>
-                <a:cs typeface="Roboto"/>
-                <a:sym typeface="Roboto"/>
-              </a:rPr>
-              <a:t>(Brownlee, 2020)</a:t>
-            </a:r>
-            <a:endParaRPr>
-              <a:latin typeface="Roboto"/>
-              <a:ea typeface="Roboto"/>
-              <a:cs typeface="Roboto"/>
-              <a:sym typeface="Roboto"/>
-            </a:endParaRPr>
-          </a:p>
-        </p:txBody>
-      </p:sp>
-    </p:spTree>
-  </p:cSld>
-  <p:clrMapOvr>
-    <a:masterClrMapping/>
-  </p:clrMapOvr>
-</p:sld>
-</file>
-
-<file path=ppt/slides/slide21.xml><?xml version="1.0" encoding="utf-8"?>
-<p:sld xmlns:a="http://schemas.openxmlformats.org/drawingml/2006/main" xmlns:r="http://schemas.openxmlformats.org/officeDocument/2006/relationships" xmlns:mc="http://schemas.openxmlformats.org/markup-compatibility/2006" xmlns:mv="urn:schemas-microsoft-com:mac:vml" xmlns:p="http://schemas.openxmlformats.org/presentationml/2006/main" xmlns:c="http://schemas.openxmlformats.org/drawingml/2006/chart" xmlns:dgm="http://schemas.openxmlformats.org/drawingml/2006/diagram" xmlns:o="urn:schemas-microsoft-com:office:office" xmlns:v="urn:schemas-microsoft-com:vml" xmlns:pvml="urn:schemas-microsoft-com:office:powerpoint" xmlns:com="http://schemas.openxmlformats.org/drawingml/2006/compatibility" xmlns:p14="http://schemas.microsoft.com/office/powerpoint/2010/main" xmlns:p15="http://schemas.microsoft.com/office/powerpoint/2012/main" xmlns:ahyp="http://schemas.microsoft.com/office/drawing/2018/hyperlinkcolor">
-  <p:cSld>
-    <p:spTree>
-      <p:nvGrpSpPr>
-        <p:cNvPr id="345" name="Shape 345"/>
-        <p:cNvGrpSpPr/>
-        <p:nvPr/>
-      </p:nvGrpSpPr>
-      <p:grpSpPr>
-        <a:xfrm>
-          <a:off x="0" y="0"/>
-          <a:ext cx="0" cy="0"/>
-          <a:chOff x="0" y="0"/>
-          <a:chExt cx="0" cy="0"/>
-        </a:xfrm>
-      </p:grpSpPr>
-      <p:pic>
-        <p:nvPicPr>
-          <p:cNvPr id="346" name="Google Shape;346;p57"/>
-          <p:cNvPicPr preferRelativeResize="0"/>
-          <p:nvPr/>
-        </p:nvPicPr>
-        <p:blipFill>
-          <a:blip r:embed="rId3">
-            <a:alphaModFix/>
-          </a:blip>
-          <a:stretch>
-            <a:fillRect/>
-          </a:stretch>
-        </p:blipFill>
-        <p:spPr>
-          <a:xfrm>
-            <a:off x="0" y="4710300"/>
-            <a:ext cx="9144000" cy="433200"/>
-          </a:xfrm>
-          <a:prstGeom prst="rect">
-            <a:avLst/>
-          </a:prstGeom>
-          <a:noFill/>
-          <a:ln>
-            <a:noFill/>
-          </a:ln>
-        </p:spPr>
-      </p:pic>
-      <p:sp>
-        <p:nvSpPr>
-          <p:cNvPr id="347" name="Google Shape;347;p57"/>
-          <p:cNvSpPr txBox="1"/>
-          <p:nvPr>
-            <p:ph type="title"/>
-          </p:nvPr>
-        </p:nvSpPr>
-        <p:spPr>
-          <a:xfrm>
-            <a:off x="311700" y="132925"/>
-            <a:ext cx="8520600" cy="607800"/>
-          </a:xfrm>
-          <a:prstGeom prst="rect">
-            <a:avLst/>
-          </a:prstGeom>
-        </p:spPr>
-        <p:txBody>
-          <a:bodyPr anchorCtr="0" anchor="t" bIns="91425" lIns="91425" spcFirstLastPara="1" rIns="91425" wrap="square" tIns="91425">
-            <a:noAutofit/>
-          </a:bodyPr>
-          <a:lstStyle/>
-          <a:p>
-            <a:pPr indent="0" lvl="0" marL="0" rtl="0" algn="l">
-              <a:spcBef>
-                <a:spcPts val="0"/>
-              </a:spcBef>
-              <a:spcAft>
-                <a:spcPts val="0"/>
-              </a:spcAft>
-              <a:buNone/>
-            </a:pPr>
-            <a:r>
-              <a:rPr lang="en">
-                <a:solidFill>
-                  <a:srgbClr val="4A86E8"/>
-                </a:solidFill>
-              </a:rPr>
-              <a:t>Data Transformation</a:t>
-            </a:r>
-            <a:endParaRPr>
-              <a:solidFill>
-                <a:srgbClr val="4A86E8"/>
-              </a:solidFill>
-            </a:endParaRPr>
-          </a:p>
-        </p:txBody>
-      </p:sp>
-      <p:sp>
-        <p:nvSpPr>
-          <p:cNvPr id="348" name="Google Shape;348;p57"/>
-          <p:cNvSpPr txBox="1"/>
-          <p:nvPr>
-            <p:ph idx="12" type="sldNum"/>
-          </p:nvPr>
-        </p:nvSpPr>
-        <p:spPr>
-          <a:xfrm>
-            <a:off x="6" y="4730090"/>
-            <a:ext cx="548700" cy="393600"/>
-          </a:xfrm>
-          <a:prstGeom prst="rect">
-            <a:avLst/>
-          </a:prstGeom>
-        </p:spPr>
-        <p:txBody>
-          <a:bodyPr anchorCtr="0" anchor="ctr" bIns="91425" lIns="91425" spcFirstLastPara="1" rIns="91425" wrap="square" tIns="91425">
-            <a:noAutofit/>
-          </a:bodyPr>
-          <a:lstStyle/>
-          <a:p>
-            <a:pPr indent="0" lvl="0" marL="0" rtl="0" algn="r">
-              <a:spcBef>
-                <a:spcPts val="0"/>
-              </a:spcBef>
-              <a:spcAft>
-                <a:spcPts val="0"/>
-              </a:spcAft>
-              <a:buNone/>
-            </a:pPr>
-            <a:fld id="{00000000-1234-1234-1234-123412341234}" type="slidenum">
-              <a:rPr lang="en">
-                <a:solidFill>
-                  <a:schemeClr val="lt1"/>
-                </a:solidFill>
-              </a:rPr>
-              <a:t>‹#›</a:t>
-            </a:fld>
-            <a:endParaRPr>
-              <a:solidFill>
-                <a:schemeClr val="lt1"/>
-              </a:solidFill>
-            </a:endParaRPr>
-          </a:p>
-        </p:txBody>
-      </p:sp>
-      <p:sp>
-        <p:nvSpPr>
-          <p:cNvPr id="349" name="Google Shape;349;p57"/>
+          <p:cNvPr id="361" name="Google Shape;361;p56"/>
           <p:cNvSpPr txBox="1"/>
           <p:nvPr/>
         </p:nvSpPr>
@@ -24080,14 +25478,14 @@
       </p:sp>
       <p:sp>
         <p:nvSpPr>
-          <p:cNvPr id="350" name="Google Shape;350;p57"/>
+          <p:cNvPr id="362" name="Google Shape;362;p56"/>
           <p:cNvSpPr txBox="1"/>
           <p:nvPr/>
         </p:nvSpPr>
         <p:spPr>
           <a:xfrm>
-            <a:off x="3435163" y="4358550"/>
-            <a:ext cx="2095500" cy="400200"/>
+            <a:off x="3435180" y="4358550"/>
+            <a:ext cx="2863800" cy="400200"/>
           </a:xfrm>
           <a:prstGeom prst="rect">
             <a:avLst/>
@@ -24119,7 +25517,7 @@
                 <a:cs typeface="Roboto"/>
                 <a:sym typeface="Roboto"/>
               </a:rPr>
-              <a:t>(Brownlee, 2020)</a:t>
+              <a:t>(source: Brownlee, 2020)</a:t>
             </a:r>
             <a:endParaRPr>
               <a:latin typeface="Roboto"/>
@@ -24132,7 +25530,7 @@
       </p:sp>
       <p:pic>
         <p:nvPicPr>
-          <p:cNvPr id="351" name="Google Shape;351;p57"/>
+          <p:cNvPr id="363" name="Google Shape;363;p56"/>
           <p:cNvPicPr preferRelativeResize="0"/>
           <p:nvPr/>
         </p:nvPicPr>
@@ -24160,7 +25558,7 @@
       </p:pic>
       <p:pic>
         <p:nvPicPr>
-          <p:cNvPr id="352" name="Google Shape;352;p57"/>
+          <p:cNvPr id="364" name="Google Shape;364;p56"/>
           <p:cNvPicPr preferRelativeResize="0"/>
           <p:nvPr/>
         </p:nvPicPr>
@@ -24194,12 +25592,12 @@
 </p:sld>
 </file>
 
-<file path=ppt/slides/slide22.xml><?xml version="1.0" encoding="utf-8"?>
+<file path=ppt/slides/slide21.xml><?xml version="1.0" encoding="utf-8"?>
 <p:sld xmlns:a="http://schemas.openxmlformats.org/drawingml/2006/main" xmlns:r="http://schemas.openxmlformats.org/officeDocument/2006/relationships" xmlns:mc="http://schemas.openxmlformats.org/markup-compatibility/2006" xmlns:mv="urn:schemas-microsoft-com:mac:vml" xmlns:p="http://schemas.openxmlformats.org/presentationml/2006/main" xmlns:c="http://schemas.openxmlformats.org/drawingml/2006/chart" xmlns:dgm="http://schemas.openxmlformats.org/drawingml/2006/diagram" xmlns:o="urn:schemas-microsoft-com:office:office" xmlns:v="urn:schemas-microsoft-com:vml" xmlns:pvml="urn:schemas-microsoft-com:office:powerpoint" xmlns:com="http://schemas.openxmlformats.org/drawingml/2006/compatibility" xmlns:p14="http://schemas.microsoft.com/office/powerpoint/2010/main" xmlns:p15="http://schemas.microsoft.com/office/powerpoint/2012/main" xmlns:ahyp="http://schemas.microsoft.com/office/drawing/2018/hyperlinkcolor">
   <p:cSld>
     <p:spTree>
       <p:nvGrpSpPr>
-        <p:cNvPr id="356" name="Shape 356"/>
+        <p:cNvPr id="368" name="Shape 368"/>
         <p:cNvGrpSpPr/>
         <p:nvPr/>
       </p:nvGrpSpPr>
@@ -24213,7 +25611,7 @@
       </p:grpSpPr>
       <p:pic>
         <p:nvPicPr>
-          <p:cNvPr id="357" name="Google Shape;357;p58"/>
+          <p:cNvPr id="369" name="Google Shape;369;p57"/>
           <p:cNvPicPr preferRelativeResize="0"/>
           <p:nvPr/>
         </p:nvPicPr>
@@ -24241,7 +25639,7 @@
       </p:pic>
       <p:sp>
         <p:nvSpPr>
-          <p:cNvPr id="358" name="Google Shape;358;p58"/>
+          <p:cNvPr id="370" name="Google Shape;370;p57"/>
           <p:cNvSpPr txBox="1"/>
           <p:nvPr>
             <p:ph type="title"/>
@@ -24277,7 +25675,7 @@
                   <a:srgbClr val="4A86E8"/>
                 </a:solidFill>
               </a:rPr>
-              <a:t>Feature Engineering</a:t>
+              <a:t>Feature Selection</a:t>
             </a:r>
             <a:endParaRPr>
               <a:solidFill>
@@ -24289,7 +25687,7 @@
       </p:sp>
       <p:sp>
         <p:nvSpPr>
-          <p:cNvPr id="359" name="Google Shape;359;p58"/>
+          <p:cNvPr id="371" name="Google Shape;371;p57"/>
           <p:cNvSpPr txBox="1"/>
           <p:nvPr>
             <p:ph idx="12" type="sldNum"/>
@@ -24337,14 +25735,14 @@
       </p:sp>
       <p:sp>
         <p:nvSpPr>
-          <p:cNvPr id="360" name="Google Shape;360;p58"/>
+          <p:cNvPr id="372" name="Google Shape;372;p57"/>
           <p:cNvSpPr txBox="1"/>
           <p:nvPr/>
         </p:nvSpPr>
         <p:spPr>
           <a:xfrm>
-            <a:off x="171300" y="740725"/>
-            <a:ext cx="8801400" cy="1280700"/>
+            <a:off x="311700" y="2085650"/>
+            <a:ext cx="4352100" cy="2130300"/>
           </a:xfrm>
           <a:prstGeom prst="rect">
             <a:avLst/>
@@ -24375,7 +25773,25 @@
             </a:pPr>
             <a:r>
               <a:rPr lang="en" sz="1600"/>
-              <a:t>The process of creating new input variables from the available data.</a:t>
+              <a:t>Irrelevant and redundant input variables can distract or mislead learning algorithms possibly resulting in lower predictive performance.</a:t>
+            </a:r>
+            <a:endParaRPr sz="1600"/>
+          </a:p>
+          <a:p>
+            <a:pPr indent="0" lvl="0" marL="457200" rtl="0" algn="l">
+              <a:lnSpc>
+                <a:spcPct val="115000"/>
+              </a:lnSpc>
+              <a:spcBef>
+                <a:spcPts val="0"/>
+              </a:spcBef>
+              <a:spcAft>
+                <a:spcPts val="0"/>
+              </a:spcAft>
+              <a:buNone/>
+            </a:pPr>
+            <a:r>
+              <a:t/>
             </a:r>
             <a:endParaRPr sz="1600"/>
           </a:p>
@@ -24395,27 +25811,7 @@
             </a:pPr>
             <a:r>
               <a:rPr lang="en" sz="1600"/>
-              <a:t>Usually require the collaboration of a subject matter expert to help identify new features.</a:t>
-            </a:r>
-            <a:endParaRPr sz="1600"/>
-          </a:p>
-          <a:p>
-            <a:pPr indent="-330200" lvl="0" marL="457200" rtl="0" algn="l">
-              <a:lnSpc>
-                <a:spcPct val="115000"/>
-              </a:lnSpc>
-              <a:spcBef>
-                <a:spcPts val="0"/>
-              </a:spcBef>
-              <a:spcAft>
-                <a:spcPts val="0"/>
-              </a:spcAft>
-              <a:buSzPts val="1600"/>
-              <a:buChar char="●"/>
-            </a:pPr>
-            <a:r>
-              <a:rPr lang="en" sz="1600"/>
-              <a:t>To add broader context to a single observation or decompose a complex variable in order to provide more straightforward perspectives on the input data.</a:t>
+              <a:t>The goal is to favor the simplest possible well performing model.</a:t>
             </a:r>
             <a:endParaRPr sz="1600"/>
           </a:p>
@@ -24423,7 +25819,7 @@
       </p:sp>
       <p:pic>
         <p:nvPicPr>
-          <p:cNvPr id="361" name="Google Shape;361;p58"/>
+          <p:cNvPr id="373" name="Google Shape;373;p57"/>
           <p:cNvPicPr preferRelativeResize="0"/>
           <p:nvPr/>
         </p:nvPicPr>
@@ -24437,8 +25833,8 @@
         </p:blipFill>
         <p:spPr>
           <a:xfrm>
-            <a:off x="5834150" y="2188951"/>
-            <a:ext cx="2998149" cy="1828875"/>
+            <a:off x="4783200" y="2051375"/>
+            <a:ext cx="3968326" cy="2440600"/>
           </a:xfrm>
           <a:prstGeom prst="rect">
             <a:avLst/>
@@ -24451,14 +25847,14 @@
       </p:pic>
       <p:sp>
         <p:nvSpPr>
-          <p:cNvPr id="362" name="Google Shape;362;p58"/>
+          <p:cNvPr id="374" name="Google Shape;374;p57"/>
           <p:cNvSpPr txBox="1"/>
           <p:nvPr/>
         </p:nvSpPr>
         <p:spPr>
           <a:xfrm>
-            <a:off x="171300" y="1830925"/>
-            <a:ext cx="5509200" cy="2696700"/>
+            <a:off x="5707176" y="4310100"/>
+            <a:ext cx="2580300" cy="400200"/>
           </a:xfrm>
           <a:prstGeom prst="rect">
             <a:avLst/>
@@ -24474,117 +25870,172 @@
           </a:bodyPr>
           <a:lstStyle/>
           <a:p>
-            <a:pPr indent="-330200" lvl="0" marL="457200" rtl="0" algn="l">
-              <a:lnSpc>
-                <a:spcPct val="115000"/>
-              </a:lnSpc>
-              <a:spcBef>
-                <a:spcPts val="0"/>
-              </a:spcBef>
-              <a:spcAft>
-                <a:spcPts val="0"/>
-              </a:spcAft>
-              <a:buSzPts val="1600"/>
-              <a:buChar char="●"/>
-            </a:pPr>
-            <a:r>
-              <a:rPr lang="en" sz="1600"/>
-              <a:t>Popular techniques:</a:t>
-            </a:r>
-            <a:endParaRPr sz="1600"/>
-          </a:p>
-          <a:p>
-            <a:pPr indent="-330200" lvl="1" marL="914400" rtl="0" algn="l">
-              <a:lnSpc>
-                <a:spcPct val="115000"/>
-              </a:lnSpc>
-              <a:spcBef>
-                <a:spcPts val="0"/>
-              </a:spcBef>
-              <a:spcAft>
-                <a:spcPts val="0"/>
-              </a:spcAft>
-              <a:buSzPts val="1600"/>
-              <a:buChar char="○"/>
-            </a:pPr>
-            <a:r>
-              <a:rPr lang="en" sz="1600"/>
-              <a:t>Adding a boolean flag variable for some state.</a:t>
-            </a:r>
-            <a:endParaRPr sz="1600"/>
-          </a:p>
-          <a:p>
-            <a:pPr indent="-330200" lvl="1" marL="914400" rtl="0" algn="l">
-              <a:lnSpc>
-                <a:spcPct val="115000"/>
-              </a:lnSpc>
-              <a:spcBef>
-                <a:spcPts val="0"/>
-              </a:spcBef>
-              <a:spcAft>
-                <a:spcPts val="0"/>
-              </a:spcAft>
-              <a:buSzPts val="1600"/>
-              <a:buChar char="○"/>
-            </a:pPr>
-            <a:r>
-              <a:rPr lang="en" sz="1600"/>
-              <a:t>Adding a group or global summary statistic, such as mean.</a:t>
-            </a:r>
-            <a:endParaRPr sz="1600"/>
-          </a:p>
-          <a:p>
-            <a:pPr indent="-330200" lvl="1" marL="914400" rtl="0" algn="l">
-              <a:lnSpc>
-                <a:spcPct val="115000"/>
-              </a:lnSpc>
-              <a:spcBef>
-                <a:spcPts val="0"/>
-              </a:spcBef>
-              <a:spcAft>
-                <a:spcPts val="0"/>
-              </a:spcAft>
-              <a:buSzPts val="1600"/>
-              <a:buChar char="○"/>
-            </a:pPr>
-            <a:r>
-              <a:rPr lang="en" sz="1600"/>
-              <a:t>Adding new variables for each component of a compound variable, such as a date-time.</a:t>
-            </a:r>
-            <a:endParaRPr sz="1600"/>
-          </a:p>
-          <a:p>
-            <a:pPr indent="-330200" lvl="1" marL="914400" rtl="0" algn="l">
-              <a:lnSpc>
-                <a:spcPct val="115000"/>
-              </a:lnSpc>
-              <a:spcBef>
-                <a:spcPts val="0"/>
-              </a:spcBef>
-              <a:spcAft>
-                <a:spcPts val="0"/>
-              </a:spcAft>
-              <a:buSzPts val="1600"/>
-              <a:buChar char="○"/>
-            </a:pPr>
-            <a:r>
-              <a:rPr lang="en" sz="1600"/>
-              <a:t>Creating copies of numerical input variables that have been changed with a simple mathematical operation.</a:t>
-            </a:r>
-            <a:endParaRPr sz="1600"/>
+            <a:pPr indent="0" lvl="0" marL="0" rtl="0" algn="l">
+              <a:spcBef>
+                <a:spcPts val="0"/>
+              </a:spcBef>
+              <a:spcAft>
+                <a:spcPts val="0"/>
+              </a:spcAft>
+              <a:buNone/>
+            </a:pPr>
+            <a:r>
+              <a:rPr lang="en">
+                <a:latin typeface="Roboto"/>
+                <a:ea typeface="Roboto"/>
+                <a:cs typeface="Roboto"/>
+                <a:sym typeface="Roboto"/>
+              </a:rPr>
+              <a:t>(source: Brownlee, 2020)</a:t>
+            </a:r>
+            <a:endParaRPr>
+              <a:latin typeface="Roboto"/>
+              <a:ea typeface="Roboto"/>
+              <a:cs typeface="Roboto"/>
+              <a:sym typeface="Roboto"/>
+            </a:endParaRPr>
           </a:p>
         </p:txBody>
       </p:sp>
       <p:sp>
         <p:nvSpPr>
-          <p:cNvPr id="363" name="Google Shape;363;p58"/>
-          <p:cNvSpPr txBox="1"/>
+          <p:cNvPr id="375" name="Google Shape;375;p57"/>
+          <p:cNvSpPr/>
           <p:nvPr/>
         </p:nvSpPr>
         <p:spPr>
           <a:xfrm>
-            <a:off x="6671300" y="4017825"/>
-            <a:ext cx="1670100" cy="400200"/>
+            <a:off x="1632850" y="816925"/>
+            <a:ext cx="6036000" cy="687900"/>
+          </a:xfrm>
+          <a:prstGeom prst="roundRect">
+            <a:avLst>
+              <a:gd fmla="val 16667" name="adj"/>
+            </a:avLst>
+          </a:prstGeom>
+          <a:solidFill>
+            <a:srgbClr val="FFE599"/>
+          </a:solidFill>
+          <a:ln cap="flat" cmpd="sng" w="9525">
+            <a:solidFill>
+              <a:schemeClr val="dk2"/>
+            </a:solidFill>
+            <a:prstDash val="solid"/>
+            <a:round/>
+            <a:headEnd len="sm" w="sm" type="none"/>
+            <a:tailEnd len="sm" w="sm" type="none"/>
+          </a:ln>
+        </p:spPr>
+        <p:txBody>
+          <a:bodyPr anchorCtr="0" anchor="ctr" bIns="91425" lIns="91425" spcFirstLastPara="1" rIns="91425" wrap="square" tIns="91425">
+            <a:noAutofit/>
+          </a:bodyPr>
+          <a:lstStyle/>
+          <a:p>
+            <a:pPr indent="0" lvl="0" marL="914400" rtl="0" algn="l">
+              <a:spcBef>
+                <a:spcPts val="0"/>
+              </a:spcBef>
+              <a:spcAft>
+                <a:spcPts val="0"/>
+              </a:spcAft>
+              <a:buNone/>
+            </a:pPr>
+            <a:r>
+              <a:t/>
+            </a:r>
+            <a:endParaRPr/>
+          </a:p>
+          <a:p>
+            <a:pPr indent="0" lvl="0" marL="914400" rtl="0" algn="l">
+              <a:lnSpc>
+                <a:spcPct val="115000"/>
+              </a:lnSpc>
+              <a:spcBef>
+                <a:spcPts val="0"/>
+              </a:spcBef>
+              <a:spcAft>
+                <a:spcPts val="0"/>
+              </a:spcAft>
+              <a:buNone/>
+            </a:pPr>
+            <a:r>
+              <a:t/>
+            </a:r>
+            <a:endParaRPr/>
+          </a:p>
+          <a:p>
+            <a:pPr indent="0" lvl="0" marL="914400" rtl="0" algn="l">
+              <a:lnSpc>
+                <a:spcPct val="115000"/>
+              </a:lnSpc>
+              <a:spcBef>
+                <a:spcPts val="0"/>
+              </a:spcBef>
+              <a:spcAft>
+                <a:spcPts val="0"/>
+              </a:spcAft>
+              <a:buNone/>
+            </a:pPr>
+            <a:r>
+              <a:rPr lang="en"/>
+              <a:t>Techniques for selecting a subset of input features that are most relevant to the target variable that is being predicted</a:t>
+            </a:r>
+            <a:endParaRPr/>
+          </a:p>
+          <a:p>
+            <a:pPr indent="0" lvl="0" marL="914400" rtl="0" algn="l">
+              <a:spcBef>
+                <a:spcPts val="0"/>
+              </a:spcBef>
+              <a:spcAft>
+                <a:spcPts val="0"/>
+              </a:spcAft>
+              <a:buNone/>
+            </a:pPr>
+            <a:r>
+              <a:t/>
+            </a:r>
+            <a:endParaRPr/>
+          </a:p>
+          <a:p>
+            <a:pPr indent="457200" lvl="0" marL="0" rtl="0" algn="ctr">
+              <a:lnSpc>
+                <a:spcPct val="115000"/>
+              </a:lnSpc>
+              <a:spcBef>
+                <a:spcPts val="0"/>
+              </a:spcBef>
+              <a:spcAft>
+                <a:spcPts val="0"/>
+              </a:spcAft>
+              <a:buNone/>
+            </a:pPr>
+            <a:r>
+              <a:t/>
+            </a:r>
+            <a:endParaRPr sz="1600"/>
+          </a:p>
+        </p:txBody>
+      </p:sp>
+      <p:pic>
+        <p:nvPicPr>
+          <p:cNvPr id="376" name="Google Shape;376;p57"/>
+          <p:cNvPicPr preferRelativeResize="0"/>
+          <p:nvPr/>
+        </p:nvPicPr>
+        <p:blipFill>
+          <a:blip r:embed="rId5">
+            <a:alphaModFix/>
+          </a:blip>
+          <a:stretch>
+            <a:fillRect/>
+          </a:stretch>
+        </p:blipFill>
+        <p:spPr>
+          <a:xfrm>
+            <a:off x="1734975" y="869987"/>
+            <a:ext cx="766300" cy="492125"/>
           </a:xfrm>
           <a:prstGeom prst="rect">
             <a:avLst/>
@@ -24594,57 +26045,7 @@
             <a:noFill/>
           </a:ln>
         </p:spPr>
-        <p:txBody>
-          <a:bodyPr anchorCtr="0" anchor="t" bIns="91425" lIns="91425" spcFirstLastPara="1" rIns="91425" wrap="square" tIns="91425">
-            <a:spAutoFit/>
-          </a:bodyPr>
-          <a:lstStyle/>
-          <a:p>
-            <a:pPr indent="0" lvl="0" marL="0" rtl="0" algn="l">
-              <a:spcBef>
-                <a:spcPts val="0"/>
-              </a:spcBef>
-              <a:spcAft>
-                <a:spcPts val="0"/>
-              </a:spcAft>
-              <a:buNone/>
-            </a:pPr>
-            <a:r>
-              <a:rPr lang="en">
-                <a:latin typeface="Roboto"/>
-                <a:ea typeface="Roboto"/>
-                <a:cs typeface="Roboto"/>
-                <a:sym typeface="Roboto"/>
-              </a:rPr>
-              <a:t>(</a:t>
-            </a:r>
-            <a:r>
-              <a:rPr lang="en">
-                <a:latin typeface="Roboto"/>
-                <a:ea typeface="Roboto"/>
-                <a:cs typeface="Roboto"/>
-                <a:sym typeface="Roboto"/>
-              </a:rPr>
-              <a:t>Koehrsen, 2018</a:t>
-            </a:r>
-            <a:r>
-              <a:rPr lang="en">
-                <a:latin typeface="Roboto"/>
-                <a:ea typeface="Roboto"/>
-                <a:cs typeface="Roboto"/>
-                <a:sym typeface="Roboto"/>
-              </a:rPr>
-              <a:t>)</a:t>
-            </a:r>
-            <a:endParaRPr>
-              <a:latin typeface="Roboto"/>
-              <a:ea typeface="Roboto"/>
-              <a:cs typeface="Roboto"/>
-              <a:sym typeface="Roboto"/>
-            </a:endParaRPr>
-          </a:p>
-        </p:txBody>
-      </p:sp>
+      </p:pic>
     </p:spTree>
   </p:cSld>
   <p:clrMapOvr>
@@ -24653,12 +26054,12 @@
 </p:sld>
 </file>
 
-<file path=ppt/slides/slide23.xml><?xml version="1.0" encoding="utf-8"?>
+<file path=ppt/slides/slide22.xml><?xml version="1.0" encoding="utf-8"?>
 <p:sld xmlns:a="http://schemas.openxmlformats.org/drawingml/2006/main" xmlns:r="http://schemas.openxmlformats.org/officeDocument/2006/relationships" xmlns:mc="http://schemas.openxmlformats.org/markup-compatibility/2006" xmlns:mv="urn:schemas-microsoft-com:mac:vml" xmlns:p="http://schemas.openxmlformats.org/presentationml/2006/main" xmlns:c="http://schemas.openxmlformats.org/drawingml/2006/chart" xmlns:dgm="http://schemas.openxmlformats.org/drawingml/2006/diagram" xmlns:o="urn:schemas-microsoft-com:office:office" xmlns:v="urn:schemas-microsoft-com:vml" xmlns:pvml="urn:schemas-microsoft-com:office:powerpoint" xmlns:com="http://schemas.openxmlformats.org/drawingml/2006/compatibility" xmlns:p14="http://schemas.microsoft.com/office/powerpoint/2010/main" xmlns:p15="http://schemas.microsoft.com/office/powerpoint/2012/main" xmlns:ahyp="http://schemas.microsoft.com/office/drawing/2018/hyperlinkcolor">
   <p:cSld>
     <p:spTree>
       <p:nvGrpSpPr>
-        <p:cNvPr id="367" name="Shape 367"/>
+        <p:cNvPr id="380" name="Shape 380"/>
         <p:cNvGrpSpPr/>
         <p:nvPr/>
       </p:nvGrpSpPr>
@@ -24672,7 +26073,7 @@
       </p:grpSpPr>
       <p:pic>
         <p:nvPicPr>
-          <p:cNvPr id="368" name="Google Shape;368;p59"/>
+          <p:cNvPr id="381" name="Google Shape;381;p58"/>
           <p:cNvPicPr preferRelativeResize="0"/>
           <p:nvPr/>
         </p:nvPicPr>
@@ -24700,7 +26101,7 @@
       </p:pic>
       <p:sp>
         <p:nvSpPr>
-          <p:cNvPr id="369" name="Google Shape;369;p59"/>
+          <p:cNvPr id="382" name="Google Shape;382;p58"/>
           <p:cNvSpPr txBox="1"/>
           <p:nvPr>
             <p:ph type="title"/>
@@ -24721,7 +26122,7 @@
           </a:bodyPr>
           <a:lstStyle/>
           <a:p>
-            <a:pPr indent="0" lvl="0" marL="0" rtl="0" algn="l">
+            <a:pPr indent="0" lvl="0" marL="0" rtl="0" algn="ctr">
               <a:spcBef>
                 <a:spcPts val="0"/>
               </a:spcBef>
@@ -24736,7 +26137,7 @@
                   <a:srgbClr val="4A86E8"/>
                 </a:solidFill>
               </a:rPr>
-              <a:t>Dimensionality Reduction</a:t>
+              <a:t>Feature Engineering</a:t>
             </a:r>
             <a:endParaRPr>
               <a:solidFill>
@@ -24748,7 +26149,7 @@
       </p:sp>
       <p:sp>
         <p:nvSpPr>
-          <p:cNvPr id="370" name="Google Shape;370;p59"/>
+          <p:cNvPr id="383" name="Google Shape;383;p58"/>
           <p:cNvSpPr txBox="1"/>
           <p:nvPr>
             <p:ph idx="12" type="sldNum"/>
@@ -24796,7 +26197,423 @@
       </p:sp>
       <p:sp>
         <p:nvSpPr>
-          <p:cNvPr id="371" name="Google Shape;371;p59"/>
+          <p:cNvPr id="384" name="Google Shape;384;p58"/>
+          <p:cNvSpPr txBox="1"/>
+          <p:nvPr/>
+        </p:nvSpPr>
+        <p:spPr>
+          <a:xfrm>
+            <a:off x="5132400" y="1658125"/>
+            <a:ext cx="3870000" cy="3126300"/>
+          </a:xfrm>
+          <a:prstGeom prst="rect">
+            <a:avLst/>
+          </a:prstGeom>
+          <a:noFill/>
+          <a:ln>
+            <a:noFill/>
+          </a:ln>
+        </p:spPr>
+        <p:txBody>
+          <a:bodyPr anchorCtr="0" anchor="t" bIns="91425" lIns="91425" spcFirstLastPara="1" rIns="91425" wrap="square" tIns="91425">
+            <a:spAutoFit/>
+          </a:bodyPr>
+          <a:lstStyle/>
+          <a:p>
+            <a:pPr indent="-317500" lvl="0" marL="457200" rtl="0" algn="l">
+              <a:lnSpc>
+                <a:spcPct val="115000"/>
+              </a:lnSpc>
+              <a:spcBef>
+                <a:spcPts val="0"/>
+              </a:spcBef>
+              <a:spcAft>
+                <a:spcPts val="0"/>
+              </a:spcAft>
+              <a:buSzPts val="1400"/>
+              <a:buChar char="●"/>
+            </a:pPr>
+            <a:r>
+              <a:rPr lang="en"/>
+              <a:t>Popular techniques:</a:t>
+            </a:r>
+            <a:endParaRPr/>
+          </a:p>
+          <a:p>
+            <a:pPr indent="-317500" lvl="1" marL="914400" rtl="0" algn="l">
+              <a:lnSpc>
+                <a:spcPct val="115000"/>
+              </a:lnSpc>
+              <a:spcBef>
+                <a:spcPts val="0"/>
+              </a:spcBef>
+              <a:spcAft>
+                <a:spcPts val="0"/>
+              </a:spcAft>
+              <a:buSzPts val="1400"/>
+              <a:buChar char="○"/>
+            </a:pPr>
+            <a:r>
+              <a:rPr lang="en"/>
+              <a:t>Adding a boolean flag variable for some state.</a:t>
+            </a:r>
+            <a:endParaRPr/>
+          </a:p>
+          <a:p>
+            <a:pPr indent="-317500" lvl="1" marL="914400" rtl="0" algn="l">
+              <a:lnSpc>
+                <a:spcPct val="115000"/>
+              </a:lnSpc>
+              <a:spcBef>
+                <a:spcPts val="0"/>
+              </a:spcBef>
+              <a:spcAft>
+                <a:spcPts val="0"/>
+              </a:spcAft>
+              <a:buSzPts val="1400"/>
+              <a:buChar char="○"/>
+            </a:pPr>
+            <a:r>
+              <a:rPr lang="en"/>
+              <a:t>Adding a group or global summary statistic, such as mean.</a:t>
+            </a:r>
+            <a:endParaRPr/>
+          </a:p>
+          <a:p>
+            <a:pPr indent="-317500" lvl="1" marL="914400" rtl="0" algn="l">
+              <a:lnSpc>
+                <a:spcPct val="115000"/>
+              </a:lnSpc>
+              <a:spcBef>
+                <a:spcPts val="0"/>
+              </a:spcBef>
+              <a:spcAft>
+                <a:spcPts val="0"/>
+              </a:spcAft>
+              <a:buSzPts val="1400"/>
+              <a:buChar char="○"/>
+            </a:pPr>
+            <a:r>
+              <a:rPr lang="en"/>
+              <a:t>Adding new variables for each component of a compound variable, such as a date-time.</a:t>
+            </a:r>
+            <a:endParaRPr/>
+          </a:p>
+          <a:p>
+            <a:pPr indent="-317500" lvl="1" marL="914400" rtl="0" algn="l">
+              <a:lnSpc>
+                <a:spcPct val="115000"/>
+              </a:lnSpc>
+              <a:spcBef>
+                <a:spcPts val="0"/>
+              </a:spcBef>
+              <a:spcAft>
+                <a:spcPts val="0"/>
+              </a:spcAft>
+              <a:buSzPts val="1400"/>
+              <a:buChar char="○"/>
+            </a:pPr>
+            <a:r>
+              <a:rPr lang="en"/>
+              <a:t>Creating copies of numerical input variables that have been changed with a simple mathematical operation.</a:t>
+            </a:r>
+            <a:endParaRPr/>
+          </a:p>
+        </p:txBody>
+      </p:sp>
+      <p:pic>
+        <p:nvPicPr>
+          <p:cNvPr id="385" name="Google Shape;385;p58"/>
+          <p:cNvPicPr preferRelativeResize="0"/>
+          <p:nvPr/>
+        </p:nvPicPr>
+        <p:blipFill>
+          <a:blip r:embed="rId4">
+            <a:alphaModFix/>
+          </a:blip>
+          <a:stretch>
+            <a:fillRect/>
+          </a:stretch>
+        </p:blipFill>
+        <p:spPr>
+          <a:xfrm>
+            <a:off x="183450" y="1647776"/>
+            <a:ext cx="4899001" cy="2279775"/>
+          </a:xfrm>
+          <a:prstGeom prst="rect">
+            <a:avLst/>
+          </a:prstGeom>
+          <a:noFill/>
+          <a:ln>
+            <a:noFill/>
+          </a:ln>
+        </p:spPr>
+      </p:pic>
+      <p:sp>
+        <p:nvSpPr>
+          <p:cNvPr id="386" name="Google Shape;386;p58"/>
+          <p:cNvSpPr/>
+          <p:nvPr/>
+        </p:nvSpPr>
+        <p:spPr>
+          <a:xfrm>
+            <a:off x="1632850" y="816925"/>
+            <a:ext cx="6036000" cy="687900"/>
+          </a:xfrm>
+          <a:prstGeom prst="roundRect">
+            <a:avLst>
+              <a:gd fmla="val 16667" name="adj"/>
+            </a:avLst>
+          </a:prstGeom>
+          <a:solidFill>
+            <a:srgbClr val="FFE599"/>
+          </a:solidFill>
+          <a:ln cap="flat" cmpd="sng" w="9525">
+            <a:solidFill>
+              <a:schemeClr val="dk2"/>
+            </a:solidFill>
+            <a:prstDash val="solid"/>
+            <a:round/>
+            <a:headEnd len="sm" w="sm" type="none"/>
+            <a:tailEnd len="sm" w="sm" type="none"/>
+          </a:ln>
+        </p:spPr>
+        <p:txBody>
+          <a:bodyPr anchorCtr="0" anchor="ctr" bIns="91425" lIns="91425" spcFirstLastPara="1" rIns="91425" wrap="square" tIns="91425">
+            <a:noAutofit/>
+          </a:bodyPr>
+          <a:lstStyle/>
+          <a:p>
+            <a:pPr indent="0" lvl="0" marL="914400" rtl="0" algn="l">
+              <a:spcBef>
+                <a:spcPts val="0"/>
+              </a:spcBef>
+              <a:spcAft>
+                <a:spcPts val="0"/>
+              </a:spcAft>
+              <a:buNone/>
+            </a:pPr>
+            <a:r>
+              <a:t/>
+            </a:r>
+            <a:endParaRPr/>
+          </a:p>
+          <a:p>
+            <a:pPr indent="0" lvl="0" marL="914400" rtl="0" algn="l">
+              <a:spcBef>
+                <a:spcPts val="0"/>
+              </a:spcBef>
+              <a:spcAft>
+                <a:spcPts val="0"/>
+              </a:spcAft>
+              <a:buNone/>
+            </a:pPr>
+            <a:r>
+              <a:rPr lang="en"/>
+              <a:t>The art and science of transforming raw data into features that better represent a pattern to the learning algorithms</a:t>
+            </a:r>
+            <a:endParaRPr/>
+          </a:p>
+          <a:p>
+            <a:pPr indent="457200" lvl="0" marL="0" rtl="0" algn="ctr">
+              <a:lnSpc>
+                <a:spcPct val="115000"/>
+              </a:lnSpc>
+              <a:spcBef>
+                <a:spcPts val="0"/>
+              </a:spcBef>
+              <a:spcAft>
+                <a:spcPts val="0"/>
+              </a:spcAft>
+              <a:buNone/>
+            </a:pPr>
+            <a:r>
+              <a:t/>
+            </a:r>
+            <a:endParaRPr sz="1600"/>
+          </a:p>
+        </p:txBody>
+      </p:sp>
+      <p:pic>
+        <p:nvPicPr>
+          <p:cNvPr id="387" name="Google Shape;387;p58"/>
+          <p:cNvPicPr preferRelativeResize="0"/>
+          <p:nvPr/>
+        </p:nvPicPr>
+        <p:blipFill>
+          <a:blip r:embed="rId5">
+            <a:alphaModFix/>
+          </a:blip>
+          <a:stretch>
+            <a:fillRect/>
+          </a:stretch>
+        </p:blipFill>
+        <p:spPr>
+          <a:xfrm>
+            <a:off x="1734975" y="869987"/>
+            <a:ext cx="766300" cy="492125"/>
+          </a:xfrm>
+          <a:prstGeom prst="rect">
+            <a:avLst/>
+          </a:prstGeom>
+          <a:noFill/>
+          <a:ln>
+            <a:noFill/>
+          </a:ln>
+        </p:spPr>
+      </p:pic>
+    </p:spTree>
+  </p:cSld>
+  <p:clrMapOvr>
+    <a:masterClrMapping/>
+  </p:clrMapOvr>
+</p:sld>
+</file>
+
+<file path=ppt/slides/slide23.xml><?xml version="1.0" encoding="utf-8"?>
+<p:sld xmlns:a="http://schemas.openxmlformats.org/drawingml/2006/main" xmlns:r="http://schemas.openxmlformats.org/officeDocument/2006/relationships" xmlns:mc="http://schemas.openxmlformats.org/markup-compatibility/2006" xmlns:mv="urn:schemas-microsoft-com:mac:vml" xmlns:p="http://schemas.openxmlformats.org/presentationml/2006/main" xmlns:c="http://schemas.openxmlformats.org/drawingml/2006/chart" xmlns:dgm="http://schemas.openxmlformats.org/drawingml/2006/diagram" xmlns:o="urn:schemas-microsoft-com:office:office" xmlns:v="urn:schemas-microsoft-com:vml" xmlns:pvml="urn:schemas-microsoft-com:office:powerpoint" xmlns:com="http://schemas.openxmlformats.org/drawingml/2006/compatibility" xmlns:p14="http://schemas.microsoft.com/office/powerpoint/2010/main" xmlns:p15="http://schemas.microsoft.com/office/powerpoint/2012/main" xmlns:ahyp="http://schemas.microsoft.com/office/drawing/2018/hyperlinkcolor">
+  <p:cSld>
+    <p:spTree>
+      <p:nvGrpSpPr>
+        <p:cNvPr id="391" name="Shape 391"/>
+        <p:cNvGrpSpPr/>
+        <p:nvPr/>
+      </p:nvGrpSpPr>
+      <p:grpSpPr>
+        <a:xfrm>
+          <a:off x="0" y="0"/>
+          <a:ext cx="0" cy="0"/>
+          <a:chOff x="0" y="0"/>
+          <a:chExt cx="0" cy="0"/>
+        </a:xfrm>
+      </p:grpSpPr>
+      <p:pic>
+        <p:nvPicPr>
+          <p:cNvPr id="392" name="Google Shape;392;p59"/>
+          <p:cNvPicPr preferRelativeResize="0"/>
+          <p:nvPr/>
+        </p:nvPicPr>
+        <p:blipFill>
+          <a:blip r:embed="rId3">
+            <a:alphaModFix/>
+          </a:blip>
+          <a:stretch>
+            <a:fillRect/>
+          </a:stretch>
+        </p:blipFill>
+        <p:spPr>
+          <a:xfrm>
+            <a:off x="0" y="4710300"/>
+            <a:ext cx="9144000" cy="433200"/>
+          </a:xfrm>
+          <a:prstGeom prst="rect">
+            <a:avLst/>
+          </a:prstGeom>
+          <a:noFill/>
+          <a:ln>
+            <a:noFill/>
+          </a:ln>
+        </p:spPr>
+      </p:pic>
+      <p:sp>
+        <p:nvSpPr>
+          <p:cNvPr id="393" name="Google Shape;393;p59"/>
+          <p:cNvSpPr txBox="1"/>
+          <p:nvPr>
+            <p:ph type="title"/>
+          </p:nvPr>
+        </p:nvSpPr>
+        <p:spPr>
+          <a:xfrm>
+            <a:off x="311700" y="132925"/>
+            <a:ext cx="8520600" cy="607800"/>
+          </a:xfrm>
+          <a:prstGeom prst="rect">
+            <a:avLst/>
+          </a:prstGeom>
+        </p:spPr>
+        <p:txBody>
+          <a:bodyPr anchorCtr="0" anchor="t" bIns="91425" lIns="91425" spcFirstLastPara="1" rIns="91425" wrap="square" tIns="91425">
+            <a:noAutofit/>
+          </a:bodyPr>
+          <a:lstStyle/>
+          <a:p>
+            <a:pPr indent="0" lvl="0" marL="0" rtl="0" algn="ctr">
+              <a:spcBef>
+                <a:spcPts val="0"/>
+              </a:spcBef>
+              <a:spcAft>
+                <a:spcPts val="0"/>
+              </a:spcAft>
+              <a:buNone/>
+            </a:pPr>
+            <a:r>
+              <a:rPr lang="en">
+                <a:solidFill>
+                  <a:srgbClr val="4A86E8"/>
+                </a:solidFill>
+              </a:rPr>
+              <a:t>Dimensionality Reduction</a:t>
+            </a:r>
+            <a:endParaRPr>
+              <a:solidFill>
+                <a:srgbClr val="4A86E8"/>
+              </a:solidFill>
+            </a:endParaRPr>
+          </a:p>
+        </p:txBody>
+      </p:sp>
+      <p:sp>
+        <p:nvSpPr>
+          <p:cNvPr id="394" name="Google Shape;394;p59"/>
+          <p:cNvSpPr txBox="1"/>
+          <p:nvPr>
+            <p:ph idx="12" type="sldNum"/>
+          </p:nvPr>
+        </p:nvSpPr>
+        <p:spPr>
+          <a:xfrm>
+            <a:off x="6" y="4730090"/>
+            <a:ext cx="548700" cy="393600"/>
+          </a:xfrm>
+          <a:prstGeom prst="rect">
+            <a:avLst/>
+          </a:prstGeom>
+        </p:spPr>
+        <p:txBody>
+          <a:bodyPr anchorCtr="0" anchor="ctr" bIns="91425" lIns="91425" spcFirstLastPara="1" rIns="91425" wrap="square" tIns="91425">
+            <a:noAutofit/>
+          </a:bodyPr>
+          <a:lstStyle/>
+          <a:p>
+            <a:pPr indent="0" lvl="0" marL="0" rtl="0" algn="r">
+              <a:spcBef>
+                <a:spcPts val="0"/>
+              </a:spcBef>
+              <a:spcAft>
+                <a:spcPts val="0"/>
+              </a:spcAft>
+              <a:buNone/>
+            </a:pPr>
+            <a:fld id="{00000000-1234-1234-1234-123412341234}" type="slidenum">
+              <a:rPr lang="en">
+                <a:solidFill>
+                  <a:schemeClr val="lt1"/>
+                </a:solidFill>
+              </a:rPr>
+              <a:t>‹#›</a:t>
+            </a:fld>
+            <a:endParaRPr>
+              <a:solidFill>
+                <a:schemeClr val="lt1"/>
+              </a:solidFill>
+            </a:endParaRPr>
+          </a:p>
+        </p:txBody>
+      </p:sp>
+      <p:sp>
+        <p:nvSpPr>
+          <p:cNvPr id="395" name="Google Shape;395;p59"/>
           <p:cNvSpPr txBox="1"/>
           <p:nvPr/>
         </p:nvSpPr>
@@ -24874,7 +26691,7 @@
       </p:sp>
       <p:pic>
         <p:nvPicPr>
-          <p:cNvPr id="372" name="Google Shape;372;p59"/>
+          <p:cNvPr id="396" name="Google Shape;396;p59"/>
           <p:cNvPicPr preferRelativeResize="0"/>
           <p:nvPr/>
         </p:nvPicPr>
@@ -24902,14 +26719,14 @@
       </p:pic>
       <p:sp>
         <p:nvSpPr>
-          <p:cNvPr id="373" name="Google Shape;373;p59"/>
+          <p:cNvPr id="397" name="Google Shape;397;p59"/>
           <p:cNvSpPr txBox="1"/>
           <p:nvPr/>
         </p:nvSpPr>
         <p:spPr>
           <a:xfrm>
-            <a:off x="6307513" y="3652250"/>
-            <a:ext cx="2095500" cy="400200"/>
+            <a:off x="6307526" y="3652250"/>
+            <a:ext cx="2339100" cy="400200"/>
           </a:xfrm>
           <a:prstGeom prst="rect">
             <a:avLst/>
@@ -24941,7 +26758,7 @@
                 <a:cs typeface="Roboto"/>
                 <a:sym typeface="Roboto"/>
               </a:rPr>
-              <a:t>(Brownlee, 2020)</a:t>
+              <a:t>(source: Brownlee, 2020)</a:t>
             </a:r>
             <a:endParaRPr>
               <a:latin typeface="Roboto"/>
@@ -24965,7 +26782,7 @@
   <p:cSld>
     <p:spTree>
       <p:nvGrpSpPr>
-        <p:cNvPr id="377" name="Shape 377"/>
+        <p:cNvPr id="401" name="Shape 401"/>
         <p:cNvGrpSpPr/>
         <p:nvPr/>
       </p:nvGrpSpPr>
@@ -24979,7 +26796,7 @@
       </p:grpSpPr>
       <p:pic>
         <p:nvPicPr>
-          <p:cNvPr id="378" name="Google Shape;378;p60"/>
+          <p:cNvPr id="402" name="Google Shape;402;p60"/>
           <p:cNvPicPr preferRelativeResize="0"/>
           <p:nvPr/>
         </p:nvPicPr>
@@ -25007,7 +26824,7 @@
       </p:pic>
       <p:sp>
         <p:nvSpPr>
-          <p:cNvPr id="379" name="Google Shape;379;p60"/>
+          <p:cNvPr id="403" name="Google Shape;403;p60"/>
           <p:cNvSpPr txBox="1"/>
           <p:nvPr>
             <p:ph type="title"/>
@@ -25055,7 +26872,7 @@
       </p:sp>
       <p:sp>
         <p:nvSpPr>
-          <p:cNvPr id="380" name="Google Shape;380;p60"/>
+          <p:cNvPr id="404" name="Google Shape;404;p60"/>
           <p:cNvSpPr txBox="1"/>
           <p:nvPr>
             <p:ph idx="12" type="sldNum"/>
@@ -25111,7 +26928,7 @@
       </p:sp>
       <p:sp>
         <p:nvSpPr>
-          <p:cNvPr id="381" name="Google Shape;381;p60"/>
+          <p:cNvPr id="405" name="Google Shape;405;p60"/>
           <p:cNvSpPr txBox="1"/>
           <p:nvPr/>
         </p:nvSpPr>
@@ -25174,7 +26991,7 @@
       </p:sp>
       <p:sp>
         <p:nvSpPr>
-          <p:cNvPr id="382" name="Google Shape;382;p60"/>
+          <p:cNvPr id="406" name="Google Shape;406;p60"/>
           <p:cNvSpPr txBox="1"/>
           <p:nvPr/>
         </p:nvSpPr>
@@ -25215,7 +27032,7 @@
       </p:sp>
       <p:sp>
         <p:nvSpPr>
-          <p:cNvPr id="383" name="Google Shape;383;p60"/>
+          <p:cNvPr id="407" name="Google Shape;407;p60"/>
           <p:cNvSpPr txBox="1"/>
           <p:nvPr/>
         </p:nvSpPr>
@@ -25309,7 +27126,7 @@
       </p:sp>
       <p:sp>
         <p:nvSpPr>
-          <p:cNvPr id="384" name="Google Shape;384;p60"/>
+          <p:cNvPr id="408" name="Google Shape;408;p60"/>
           <p:cNvSpPr txBox="1"/>
           <p:nvPr/>
         </p:nvSpPr>
@@ -25363,7 +27180,7 @@
       </p:sp>
       <p:sp>
         <p:nvSpPr>
-          <p:cNvPr id="385" name="Google Shape;385;p60"/>
+          <p:cNvPr id="409" name="Google Shape;409;p60"/>
           <p:cNvSpPr txBox="1"/>
           <p:nvPr/>
         </p:nvSpPr>
@@ -25457,7 +27274,7 @@
       </p:sp>
       <p:sp>
         <p:nvSpPr>
-          <p:cNvPr id="386" name="Google Shape;386;p60"/>
+          <p:cNvPr id="410" name="Google Shape;410;p60"/>
           <p:cNvSpPr txBox="1"/>
           <p:nvPr/>
         </p:nvSpPr>
@@ -25529,7 +27346,7 @@
       </p:sp>
       <p:sp>
         <p:nvSpPr>
-          <p:cNvPr id="387" name="Google Shape;387;p60"/>
+          <p:cNvPr id="411" name="Google Shape;411;p60"/>
           <p:cNvSpPr txBox="1"/>
           <p:nvPr/>
         </p:nvSpPr>
@@ -25623,7 +27440,7 @@
       </p:sp>
       <p:sp>
         <p:nvSpPr>
-          <p:cNvPr id="388" name="Google Shape;388;p60"/>
+          <p:cNvPr id="412" name="Google Shape;412;p60"/>
           <p:cNvSpPr txBox="1"/>
           <p:nvPr/>
         </p:nvSpPr>
@@ -25665,7 +27482,7 @@
       </p:sp>
       <p:sp>
         <p:nvSpPr>
-          <p:cNvPr id="389" name="Google Shape;389;p60"/>
+          <p:cNvPr id="413" name="Google Shape;413;p60"/>
           <p:cNvSpPr txBox="1"/>
           <p:nvPr/>
         </p:nvSpPr>
@@ -25707,7 +27524,7 @@
       </p:sp>
       <p:sp>
         <p:nvSpPr>
-          <p:cNvPr id="390" name="Google Shape;390;p60"/>
+          <p:cNvPr id="414" name="Google Shape;414;p60"/>
           <p:cNvSpPr txBox="1"/>
           <p:nvPr/>
         </p:nvSpPr>
@@ -25747,6 +27564,85 @@
           </a:p>
         </p:txBody>
       </p:sp>
+      <p:sp>
+        <p:nvSpPr>
+          <p:cNvPr id="415" name="Google Shape;415;p60"/>
+          <p:cNvSpPr txBox="1"/>
+          <p:nvPr/>
+        </p:nvSpPr>
+        <p:spPr>
+          <a:xfrm>
+            <a:off x="4191750" y="4080375"/>
+            <a:ext cx="3989400" cy="400200"/>
+          </a:xfrm>
+          <a:prstGeom prst="rect">
+            <a:avLst/>
+          </a:prstGeom>
+          <a:noFill/>
+          <a:ln>
+            <a:noFill/>
+          </a:ln>
+        </p:spPr>
+        <p:txBody>
+          <a:bodyPr anchorCtr="0" anchor="t" bIns="91425" lIns="91425" spcFirstLastPara="1" rIns="91425" wrap="square" tIns="91425">
+            <a:spAutoFit/>
+          </a:bodyPr>
+          <a:lstStyle/>
+          <a:p>
+            <a:pPr indent="0" lvl="0" marL="0" rtl="0" algn="l">
+              <a:spcBef>
+                <a:spcPts val="0"/>
+              </a:spcBef>
+              <a:spcAft>
+                <a:spcPts val="0"/>
+              </a:spcAft>
+              <a:buNone/>
+            </a:pPr>
+            <a:r>
+              <a:rPr lang="en" u="sng">
+                <a:solidFill>
+                  <a:schemeClr val="hlink"/>
+                </a:solidFill>
+                <a:hlinkClick r:id="rId4"/>
+              </a:rPr>
+              <a:t>https://forms.gle/xPj1A9WvEzXQHoEa7</a:t>
+            </a:r>
+            <a:r>
+              <a:rPr lang="en"/>
+              <a:t> </a:t>
+            </a:r>
+            <a:endParaRPr/>
+          </a:p>
+        </p:txBody>
+      </p:sp>
+      <p:pic>
+        <p:nvPicPr>
+          <p:cNvPr id="416" name="Google Shape;416;p60"/>
+          <p:cNvPicPr preferRelativeResize="0"/>
+          <p:nvPr/>
+        </p:nvPicPr>
+        <p:blipFill>
+          <a:blip r:embed="rId5">
+            <a:alphaModFix/>
+          </a:blip>
+          <a:stretch>
+            <a:fillRect/>
+          </a:stretch>
+        </p:blipFill>
+        <p:spPr>
+          <a:xfrm flipH="1">
+            <a:off x="7927001" y="3663299"/>
+            <a:ext cx="811099" cy="811099"/>
+          </a:xfrm>
+          <a:prstGeom prst="rect">
+            <a:avLst/>
+          </a:prstGeom>
+          <a:noFill/>
+          <a:ln>
+            <a:noFill/>
+          </a:ln>
+        </p:spPr>
+      </p:pic>
     </p:spTree>
   </p:cSld>
   <p:clrMapOvr>
@@ -25786,7 +27682,7 @@
                                           </p:stCondLst>
                                         </p:cTn>
                                         <p:tgtEl>
-                                          <p:spTgt spid="388"/>
+                                          <p:spTgt spid="412"/>
                                         </p:tgtEl>
                                         <p:attrNameLst>
                                           <p:attrName>style.visibility</p:attrName>
@@ -25800,7 +27696,7 @@
                                       <p:cBhvr>
                                         <p:cTn dur="1000"/>
                                         <p:tgtEl>
-                                          <p:spTgt spid="388"/>
+                                          <p:spTgt spid="412"/>
                                         </p:tgtEl>
                                       </p:cBhvr>
                                     </p:animEffect>
@@ -25839,7 +27735,7 @@
                                           </p:stCondLst>
                                         </p:cTn>
                                         <p:tgtEl>
-                                          <p:spTgt spid="389"/>
+                                          <p:spTgt spid="413"/>
                                         </p:tgtEl>
                                         <p:attrNameLst>
                                           <p:attrName>style.visibility</p:attrName>
@@ -25853,7 +27749,7 @@
                                       <p:cBhvr>
                                         <p:cTn dur="1000"/>
                                         <p:tgtEl>
-                                          <p:spTgt spid="389"/>
+                                          <p:spTgt spid="413"/>
                                         </p:tgtEl>
                                       </p:cBhvr>
                                     </p:animEffect>
@@ -25892,7 +27788,7 @@
                                           </p:stCondLst>
                                         </p:cTn>
                                         <p:tgtEl>
-                                          <p:spTgt spid="390"/>
+                                          <p:spTgt spid="414"/>
                                         </p:tgtEl>
                                         <p:attrNameLst>
                                           <p:attrName>style.visibility</p:attrName>
@@ -25906,7 +27802,7 @@
                                       <p:cBhvr>
                                         <p:cTn dur="1000"/>
                                         <p:tgtEl>
-                                          <p:spTgt spid="390"/>
+                                          <p:spTgt spid="414"/>
                                         </p:tgtEl>
                                       </p:cBhvr>
                                     </p:animEffect>
@@ -25949,7 +27845,7 @@
   <p:cSld>
     <p:spTree>
       <p:nvGrpSpPr>
-        <p:cNvPr id="394" name="Shape 394"/>
+        <p:cNvPr id="420" name="Shape 420"/>
         <p:cNvGrpSpPr/>
         <p:nvPr/>
       </p:nvGrpSpPr>
@@ -25963,7 +27859,7 @@
       </p:grpSpPr>
       <p:pic>
         <p:nvPicPr>
-          <p:cNvPr id="395" name="Google Shape;395;p61"/>
+          <p:cNvPr id="421" name="Google Shape;421;p61"/>
           <p:cNvPicPr preferRelativeResize="0"/>
           <p:nvPr/>
         </p:nvPicPr>
@@ -25991,7 +27887,7 @@
       </p:pic>
       <p:sp>
         <p:nvSpPr>
-          <p:cNvPr id="396" name="Google Shape;396;p61"/>
+          <p:cNvPr id="422" name="Google Shape;422;p61"/>
           <p:cNvSpPr txBox="1"/>
           <p:nvPr>
             <p:ph type="title"/>
@@ -26012,7 +27908,7 @@
           </a:bodyPr>
           <a:lstStyle/>
           <a:p>
-            <a:pPr indent="0" lvl="0" marL="0" rtl="0" algn="l">
+            <a:pPr indent="0" lvl="0" marL="0" rtl="0" algn="ctr">
               <a:spcBef>
                 <a:spcPts val="0"/>
               </a:spcBef>
@@ -26039,13 +27935,13 @@
       </p:sp>
       <p:sp>
         <p:nvSpPr>
-          <p:cNvPr id="397" name="Google Shape;397;p61"/>
+          <p:cNvPr id="423" name="Google Shape;423;p61"/>
           <p:cNvSpPr txBox="1"/>
           <p:nvPr/>
         </p:nvSpPr>
         <p:spPr>
           <a:xfrm>
-            <a:off x="311700" y="717650"/>
+            <a:off x="396300" y="1498275"/>
             <a:ext cx="8697300" cy="2696700"/>
           </a:xfrm>
           <a:prstGeom prst="rect">
@@ -26160,7 +28056,7 @@
       </p:sp>
       <p:sp>
         <p:nvSpPr>
-          <p:cNvPr id="398" name="Google Shape;398;p61"/>
+          <p:cNvPr id="424" name="Google Shape;424;p61"/>
           <p:cNvSpPr txBox="1"/>
           <p:nvPr>
             <p:ph idx="12" type="sldNum"/>
@@ -26206,6 +28102,34 @@
           </a:p>
         </p:txBody>
       </p:sp>
+      <p:pic>
+        <p:nvPicPr>
+          <p:cNvPr id="425" name="Google Shape;425;p61"/>
+          <p:cNvPicPr preferRelativeResize="0"/>
+          <p:nvPr/>
+        </p:nvPicPr>
+        <p:blipFill>
+          <a:blip r:embed="rId4">
+            <a:alphaModFix/>
+          </a:blip>
+          <a:stretch>
+            <a:fillRect/>
+          </a:stretch>
+        </p:blipFill>
+        <p:spPr>
+          <a:xfrm>
+            <a:off x="2801575" y="84588"/>
+            <a:ext cx="658325" cy="658325"/>
+          </a:xfrm>
+          <a:prstGeom prst="rect">
+            <a:avLst/>
+          </a:prstGeom>
+          <a:noFill/>
+          <a:ln>
+            <a:noFill/>
+          </a:ln>
+        </p:spPr>
+      </p:pic>
     </p:spTree>
   </p:cSld>
   <p:clrMapOvr>
@@ -26219,7 +28143,7 @@
   <p:cSld>
     <p:spTree>
       <p:nvGrpSpPr>
-        <p:cNvPr id="402" name="Shape 402"/>
+        <p:cNvPr id="429" name="Shape 429"/>
         <p:cNvGrpSpPr/>
         <p:nvPr/>
       </p:nvGrpSpPr>
@@ -26233,7 +28157,7 @@
       </p:grpSpPr>
       <p:pic>
         <p:nvPicPr>
-          <p:cNvPr id="403" name="Google Shape;403;p62"/>
+          <p:cNvPr id="430" name="Google Shape;430;p62"/>
           <p:cNvPicPr preferRelativeResize="0"/>
           <p:nvPr/>
         </p:nvPicPr>
@@ -26261,7 +28185,7 @@
       </p:pic>
       <p:sp>
         <p:nvSpPr>
-          <p:cNvPr id="404" name="Google Shape;404;p62"/>
+          <p:cNvPr id="431" name="Google Shape;431;p62"/>
           <p:cNvSpPr txBox="1"/>
           <p:nvPr>
             <p:ph type="title"/>
@@ -26309,7 +28233,7 @@
       </p:sp>
       <p:sp>
         <p:nvSpPr>
-          <p:cNvPr id="405" name="Google Shape;405;p62"/>
+          <p:cNvPr id="432" name="Google Shape;432;p62"/>
           <p:cNvSpPr txBox="1"/>
           <p:nvPr>
             <p:ph idx="12" type="sldNum"/>
@@ -26357,7 +28281,7 @@
       </p:sp>
       <p:sp>
         <p:nvSpPr>
-          <p:cNvPr id="406" name="Google Shape;406;p62"/>
+          <p:cNvPr id="433" name="Google Shape;433;p62"/>
           <p:cNvSpPr txBox="1"/>
           <p:nvPr/>
         </p:nvSpPr>
@@ -26513,7 +28437,7 @@
       </p:sp>
       <p:pic>
         <p:nvPicPr>
-          <p:cNvPr id="407" name="Google Shape;407;p62"/>
+          <p:cNvPr id="434" name="Google Shape;434;p62"/>
           <p:cNvPicPr preferRelativeResize="0"/>
           <p:nvPr/>
         </p:nvPicPr>
@@ -27598,6 +29522,580 @@
             <a:avLst/>
           </a:prstGeom>
           <a:noFill/>
+          <a:ln cap="flat" cmpd="sng" w="9525">
+            <a:solidFill>
+              <a:srgbClr val="4A86E8"/>
+            </a:solidFill>
+            <a:prstDash val="solid"/>
+            <a:round/>
+            <a:headEnd len="sm" w="sm" type="none"/>
+            <a:tailEnd len="sm" w="sm" type="none"/>
+          </a:ln>
+        </p:spPr>
+        <p:txBody>
+          <a:bodyPr anchorCtr="0" anchor="t" bIns="91425" lIns="91425" spcFirstLastPara="1" rIns="91425" wrap="square" tIns="91425">
+            <a:spAutoFit/>
+          </a:bodyPr>
+          <a:lstStyle/>
+          <a:p>
+            <a:pPr indent="-330200" lvl="0" marL="457200" rtl="0" algn="l">
+              <a:lnSpc>
+                <a:spcPct val="115000"/>
+              </a:lnSpc>
+              <a:spcBef>
+                <a:spcPts val="0"/>
+              </a:spcBef>
+              <a:spcAft>
+                <a:spcPts val="0"/>
+              </a:spcAft>
+              <a:buSzPts val="1600"/>
+              <a:buChar char="●"/>
+            </a:pPr>
+            <a:r>
+              <a:rPr b="1" lang="en" sz="1600"/>
+              <a:t>Define the problem</a:t>
+            </a:r>
+            <a:endParaRPr b="1" sz="1600"/>
+          </a:p>
+          <a:p>
+            <a:pPr indent="-330200" lvl="1" marL="914400" rtl="0" algn="l">
+              <a:lnSpc>
+                <a:spcPct val="115000"/>
+              </a:lnSpc>
+              <a:spcBef>
+                <a:spcPts val="0"/>
+              </a:spcBef>
+              <a:spcAft>
+                <a:spcPts val="0"/>
+              </a:spcAft>
+              <a:buSzPts val="1600"/>
+              <a:buChar char="○"/>
+            </a:pPr>
+            <a:r>
+              <a:rPr lang="en" sz="1600"/>
+              <a:t>Learning enough about the project to select the model or models for the prediction task.</a:t>
+            </a:r>
+            <a:endParaRPr sz="1600"/>
+          </a:p>
+          <a:p>
+            <a:pPr indent="-330200" lvl="0" marL="457200" rtl="0" algn="l">
+              <a:lnSpc>
+                <a:spcPct val="115000"/>
+              </a:lnSpc>
+              <a:spcBef>
+                <a:spcPts val="0"/>
+              </a:spcBef>
+              <a:spcAft>
+                <a:spcPts val="0"/>
+              </a:spcAft>
+              <a:buSzPts val="1600"/>
+              <a:buChar char="●"/>
+            </a:pPr>
+            <a:r>
+              <a:rPr b="1" lang="en" sz="1600"/>
+              <a:t>Prepare the data</a:t>
+            </a:r>
+            <a:endParaRPr b="1" sz="1600"/>
+          </a:p>
+          <a:p>
+            <a:pPr indent="-330200" lvl="1" marL="914400" rtl="0" algn="l">
+              <a:lnSpc>
+                <a:spcPct val="115000"/>
+              </a:lnSpc>
+              <a:spcBef>
+                <a:spcPts val="0"/>
+              </a:spcBef>
+              <a:spcAft>
+                <a:spcPts val="0"/>
+              </a:spcAft>
+              <a:buSzPts val="1600"/>
+              <a:buChar char="○"/>
+            </a:pPr>
+            <a:r>
+              <a:rPr lang="en" sz="1600"/>
+              <a:t>Transforming the raw data into a form that can be used in modeling</a:t>
+            </a:r>
+            <a:endParaRPr sz="1600"/>
+          </a:p>
+          <a:p>
+            <a:pPr indent="-330200" lvl="0" marL="457200" rtl="0" algn="l">
+              <a:lnSpc>
+                <a:spcPct val="115000"/>
+              </a:lnSpc>
+              <a:spcBef>
+                <a:spcPts val="0"/>
+              </a:spcBef>
+              <a:spcAft>
+                <a:spcPts val="0"/>
+              </a:spcAft>
+              <a:buSzPts val="1600"/>
+              <a:buChar char="●"/>
+            </a:pPr>
+            <a:r>
+              <a:rPr b="1" lang="en" sz="1600"/>
+              <a:t>Evaluate the models</a:t>
+            </a:r>
+            <a:endParaRPr b="1" sz="1600"/>
+          </a:p>
+          <a:p>
+            <a:pPr indent="-330200" lvl="1" marL="914400" rtl="0" algn="l">
+              <a:lnSpc>
+                <a:spcPct val="115000"/>
+              </a:lnSpc>
+              <a:spcBef>
+                <a:spcPts val="0"/>
+              </a:spcBef>
+              <a:spcAft>
+                <a:spcPts val="0"/>
+              </a:spcAft>
+              <a:buSzPts val="1600"/>
+              <a:buChar char="○"/>
+            </a:pPr>
+            <a:r>
+              <a:rPr lang="en" sz="1600"/>
+              <a:t>Evaluating machine learning models on your dataset.</a:t>
+            </a:r>
+            <a:endParaRPr sz="1600"/>
+          </a:p>
+          <a:p>
+            <a:pPr indent="-330200" lvl="0" marL="457200" rtl="0" algn="l">
+              <a:lnSpc>
+                <a:spcPct val="115000"/>
+              </a:lnSpc>
+              <a:spcBef>
+                <a:spcPts val="0"/>
+              </a:spcBef>
+              <a:spcAft>
+                <a:spcPts val="0"/>
+              </a:spcAft>
+              <a:buSzPts val="1600"/>
+              <a:buChar char="●"/>
+            </a:pPr>
+            <a:r>
+              <a:rPr b="1" lang="en" sz="1600"/>
+              <a:t>Finalize the model</a:t>
+            </a:r>
+            <a:endParaRPr b="1" sz="1600"/>
+          </a:p>
+          <a:p>
+            <a:pPr indent="-330200" lvl="1" marL="914400" rtl="0" algn="l">
+              <a:lnSpc>
+                <a:spcPct val="115000"/>
+              </a:lnSpc>
+              <a:spcBef>
+                <a:spcPts val="0"/>
+              </a:spcBef>
+              <a:spcAft>
+                <a:spcPts val="0"/>
+              </a:spcAft>
+              <a:buSzPts val="1600"/>
+              <a:buChar char="○"/>
+            </a:pPr>
+            <a:r>
+              <a:rPr lang="en" sz="1600"/>
+              <a:t>Selecting and deploying the final model</a:t>
+            </a:r>
+            <a:endParaRPr sz="1600"/>
+          </a:p>
+        </p:txBody>
+      </p:sp>
+      <p:sp>
+        <p:nvSpPr>
+          <p:cNvPr id="221" name="Google Shape;221;p42"/>
+          <p:cNvSpPr/>
+          <p:nvPr/>
+        </p:nvSpPr>
+        <p:spPr>
+          <a:xfrm>
+            <a:off x="825150" y="2186675"/>
+            <a:ext cx="6615000" cy="536400"/>
+          </a:xfrm>
+          <a:prstGeom prst="rect">
+            <a:avLst/>
+          </a:prstGeom>
+          <a:noFill/>
+          <a:ln cap="flat" cmpd="sng" w="19050">
+            <a:solidFill>
+              <a:srgbClr val="FF0000"/>
+            </a:solidFill>
+            <a:prstDash val="solid"/>
+            <a:round/>
+            <a:headEnd len="sm" w="sm" type="none"/>
+            <a:tailEnd len="sm" w="sm" type="none"/>
+          </a:ln>
+        </p:spPr>
+        <p:txBody>
+          <a:bodyPr anchorCtr="0" anchor="ctr" bIns="91425" lIns="91425" spcFirstLastPara="1" rIns="91425" wrap="square" tIns="91425">
+            <a:noAutofit/>
+          </a:bodyPr>
+          <a:lstStyle/>
+          <a:p>
+            <a:pPr indent="0" lvl="0" marL="0" rtl="0" algn="l">
+              <a:spcBef>
+                <a:spcPts val="0"/>
+              </a:spcBef>
+              <a:spcAft>
+                <a:spcPts val="0"/>
+              </a:spcAft>
+              <a:buNone/>
+            </a:pPr>
+            <a:r>
+              <a:t/>
+            </a:r>
+            <a:endParaRPr/>
+          </a:p>
+        </p:txBody>
+      </p:sp>
+    </p:spTree>
+  </p:cSld>
+  <p:clrMapOvr>
+    <a:masterClrMapping/>
+  </p:clrMapOvr>
+  <p:timing>
+    <p:tnLst>
+      <p:par>
+        <p:cTn dur="indefinite" nodeType="tmRoot" restart="never">
+          <p:childTnLst>
+            <p:seq concurrent="1" nextAc="seek">
+              <p:cTn dur="indefinite" id="2" nodeType="mainSeq">
+                <p:childTnLst>
+                  <p:par>
+                    <p:cTn fill="hold">
+                      <p:stCondLst>
+                        <p:cond delay="indefinite"/>
+                      </p:stCondLst>
+                      <p:childTnLst>
+                        <p:par>
+                          <p:cTn fill="hold">
+                            <p:stCondLst>
+                              <p:cond delay="0"/>
+                            </p:stCondLst>
+                            <p:childTnLst>
+                              <p:par>
+                                <p:cTn fill="hold" nodeType="clickEffect" presetClass="entr" presetID="10" presetSubtype="0">
+                                  <p:stCondLst>
+                                    <p:cond delay="0"/>
+                                  </p:stCondLst>
+                                  <p:childTnLst>
+                                    <p:set>
+                                      <p:cBhvr>
+                                        <p:cTn dur="1" fill="hold">
+                                          <p:stCondLst>
+                                            <p:cond delay="0"/>
+                                          </p:stCondLst>
+                                        </p:cTn>
+                                        <p:tgtEl>
+                                          <p:spTgt spid="221"/>
+                                        </p:tgtEl>
+                                        <p:attrNameLst>
+                                          <p:attrName>style.visibility</p:attrName>
+                                        </p:attrNameLst>
+                                      </p:cBhvr>
+                                      <p:to>
+                                        <p:strVal val="visible"/>
+                                      </p:to>
+                                    </p:set>
+                                    <p:animEffect filter="fade" transition="in">
+                                      <p:cBhvr>
+                                        <p:cTn dur="1000"/>
+                                        <p:tgtEl>
+                                          <p:spTgt spid="221"/>
+                                        </p:tgtEl>
+                                      </p:cBhvr>
+                                    </p:animEffect>
+                                  </p:childTnLst>
+                                </p:cTn>
+                              </p:par>
+                            </p:childTnLst>
+                          </p:cTn>
+                        </p:par>
+                      </p:childTnLst>
+                    </p:cTn>
+                  </p:par>
+                </p:childTnLst>
+              </p:cTn>
+              <p:prevCondLst>
+                <p:cond evt="onPrev">
+                  <p:tgtEl>
+                    <p:sldTgt/>
+                  </p:tgtEl>
+                </p:cond>
+              </p:prevCondLst>
+              <p:nextCondLst>
+                <p:cond evt="onNext">
+                  <p:tgtEl>
+                    <p:sldTgt/>
+                  </p:tgtEl>
+                </p:cond>
+              </p:nextCondLst>
+            </p:seq>
+          </p:childTnLst>
+        </p:cTn>
+      </p:par>
+    </p:tnLst>
+  </p:timing>
+</p:sld>
+</file>
+
+<file path=ppt/slides/slide7.xml><?xml version="1.0" encoding="utf-8"?>
+<p:sld xmlns:a="http://schemas.openxmlformats.org/drawingml/2006/main" xmlns:r="http://schemas.openxmlformats.org/officeDocument/2006/relationships" xmlns:mc="http://schemas.openxmlformats.org/markup-compatibility/2006" xmlns:mv="urn:schemas-microsoft-com:mac:vml" xmlns:p="http://schemas.openxmlformats.org/presentationml/2006/main" xmlns:c="http://schemas.openxmlformats.org/drawingml/2006/chart" xmlns:dgm="http://schemas.openxmlformats.org/drawingml/2006/diagram" xmlns:o="urn:schemas-microsoft-com:office:office" xmlns:v="urn:schemas-microsoft-com:vml" xmlns:pvml="urn:schemas-microsoft-com:office:powerpoint" xmlns:com="http://schemas.openxmlformats.org/drawingml/2006/compatibility" xmlns:p14="http://schemas.microsoft.com/office/powerpoint/2010/main" xmlns:p15="http://schemas.microsoft.com/office/powerpoint/2012/main" xmlns:ahyp="http://schemas.microsoft.com/office/drawing/2018/hyperlinkcolor">
+  <p:cSld>
+    <p:spTree>
+      <p:nvGrpSpPr>
+        <p:cNvPr id="225" name="Shape 225"/>
+        <p:cNvGrpSpPr/>
+        <p:nvPr/>
+      </p:nvGrpSpPr>
+      <p:grpSpPr>
+        <a:xfrm>
+          <a:off x="0" y="0"/>
+          <a:ext cx="0" cy="0"/>
+          <a:chOff x="0" y="0"/>
+          <a:chExt cx="0" cy="0"/>
+        </a:xfrm>
+      </p:grpSpPr>
+      <p:sp>
+        <p:nvSpPr>
+          <p:cNvPr id="226" name="Google Shape;226;p43"/>
+          <p:cNvSpPr txBox="1"/>
+          <p:nvPr>
+            <p:ph idx="12" type="sldNum"/>
+          </p:nvPr>
+        </p:nvSpPr>
+        <p:spPr>
+          <a:xfrm>
+            <a:off x="8460431" y="4651190"/>
+            <a:ext cx="548700" cy="393600"/>
+          </a:xfrm>
+          <a:prstGeom prst="rect">
+            <a:avLst/>
+          </a:prstGeom>
+        </p:spPr>
+        <p:txBody>
+          <a:bodyPr anchorCtr="0" anchor="ctr" bIns="91425" lIns="91425" spcFirstLastPara="1" rIns="91425" wrap="square" tIns="91425">
+            <a:noAutofit/>
+          </a:bodyPr>
+          <a:lstStyle/>
+          <a:p>
+            <a:pPr indent="0" lvl="0" marL="0" rtl="0" algn="r">
+              <a:spcBef>
+                <a:spcPts val="0"/>
+              </a:spcBef>
+              <a:spcAft>
+                <a:spcPts val="0"/>
+              </a:spcAft>
+              <a:buNone/>
+            </a:pPr>
+            <a:fld id="{00000000-1234-1234-1234-123412341234}" type="slidenum">
+              <a:rPr lang="en"/>
+              <a:t>‹#›</a:t>
+            </a:fld>
+            <a:endParaRPr/>
+          </a:p>
+        </p:txBody>
+      </p:sp>
+      <p:sp>
+        <p:nvSpPr>
+          <p:cNvPr id="227" name="Google Shape;227;p43"/>
+          <p:cNvSpPr txBox="1"/>
+          <p:nvPr>
+            <p:ph type="title"/>
+          </p:nvPr>
+        </p:nvSpPr>
+        <p:spPr>
+          <a:xfrm>
+            <a:off x="311700" y="132925"/>
+            <a:ext cx="8520600" cy="607800"/>
+          </a:xfrm>
+          <a:prstGeom prst="rect">
+            <a:avLst/>
+          </a:prstGeom>
+        </p:spPr>
+        <p:txBody>
+          <a:bodyPr anchorCtr="0" anchor="t" bIns="91425" lIns="91425" spcFirstLastPara="1" rIns="91425" wrap="square" tIns="91425">
+            <a:noAutofit/>
+          </a:bodyPr>
+          <a:lstStyle/>
+          <a:p>
+            <a:pPr indent="0" lvl="0" marL="0" rtl="0" algn="ctr">
+              <a:spcBef>
+                <a:spcPts val="0"/>
+              </a:spcBef>
+              <a:spcAft>
+                <a:spcPts val="0"/>
+              </a:spcAft>
+              <a:buNone/>
+            </a:pPr>
+            <a:r>
+              <a:rPr lang="en">
+                <a:solidFill>
+                  <a:srgbClr val="4A86E8"/>
+                </a:solidFill>
+              </a:rPr>
+              <a:t>What is data?</a:t>
+            </a:r>
+            <a:endParaRPr>
+              <a:solidFill>
+                <a:srgbClr val="4A86E8"/>
+              </a:solidFill>
+            </a:endParaRPr>
+          </a:p>
+        </p:txBody>
+      </p:sp>
+      <p:sp>
+        <p:nvSpPr>
+          <p:cNvPr id="228" name="Google Shape;228;p43"/>
+          <p:cNvSpPr/>
+          <p:nvPr/>
+        </p:nvSpPr>
+        <p:spPr>
+          <a:xfrm>
+            <a:off x="1501600" y="788000"/>
+            <a:ext cx="6614100" cy="687900"/>
+          </a:xfrm>
+          <a:prstGeom prst="roundRect">
+            <a:avLst>
+              <a:gd fmla="val 16667" name="adj"/>
+            </a:avLst>
+          </a:prstGeom>
+          <a:solidFill>
+            <a:srgbClr val="FFE599"/>
+          </a:solidFill>
+          <a:ln cap="flat" cmpd="sng" w="9525">
+            <a:solidFill>
+              <a:schemeClr val="dk2"/>
+            </a:solidFill>
+            <a:prstDash val="solid"/>
+            <a:round/>
+            <a:headEnd len="sm" w="sm" type="none"/>
+            <a:tailEnd len="sm" w="sm" type="none"/>
+          </a:ln>
+        </p:spPr>
+        <p:txBody>
+          <a:bodyPr anchorCtr="0" anchor="ctr" bIns="91425" lIns="91425" spcFirstLastPara="1" rIns="91425" wrap="square" tIns="91425">
+            <a:noAutofit/>
+          </a:bodyPr>
+          <a:lstStyle/>
+          <a:p>
+            <a:pPr indent="0" lvl="0" marL="914400" rtl="0" algn="l">
+              <a:lnSpc>
+                <a:spcPct val="115000"/>
+              </a:lnSpc>
+              <a:spcBef>
+                <a:spcPts val="0"/>
+              </a:spcBef>
+              <a:spcAft>
+                <a:spcPts val="0"/>
+              </a:spcAft>
+              <a:buNone/>
+            </a:pPr>
+            <a:r>
+              <a:rPr lang="en" sz="1600"/>
+              <a:t>Examples or cases from a given domain that characterize the problem we want to solve</a:t>
+            </a:r>
+            <a:endParaRPr/>
+          </a:p>
+        </p:txBody>
+      </p:sp>
+      <p:grpSp>
+        <p:nvGrpSpPr>
+          <p:cNvPr id="229" name="Google Shape;229;p43"/>
+          <p:cNvGrpSpPr/>
+          <p:nvPr/>
+        </p:nvGrpSpPr>
+        <p:grpSpPr>
+          <a:xfrm>
+            <a:off x="2029450" y="1611475"/>
+            <a:ext cx="5205400" cy="1823550"/>
+            <a:chOff x="1969300" y="1418475"/>
+            <a:chExt cx="5205400" cy="1823550"/>
+          </a:xfrm>
+        </p:grpSpPr>
+        <p:pic>
+          <p:nvPicPr>
+            <p:cNvPr id="230" name="Google Shape;230;p43"/>
+            <p:cNvPicPr preferRelativeResize="0"/>
+            <p:nvPr/>
+          </p:nvPicPr>
+          <p:blipFill rotWithShape="1">
+            <a:blip r:embed="rId3">
+              <a:alphaModFix/>
+            </a:blip>
+            <a:srcRect b="0" l="0" r="0" t="33002"/>
+            <a:stretch/>
+          </p:blipFill>
+          <p:spPr>
+            <a:xfrm>
+              <a:off x="1969300" y="1418475"/>
+              <a:ext cx="5205400" cy="1823550"/>
+            </a:xfrm>
+            <a:prstGeom prst="rect">
+              <a:avLst/>
+            </a:prstGeom>
+            <a:noFill/>
+            <a:ln>
+              <a:noFill/>
+            </a:ln>
+          </p:spPr>
+        </p:pic>
+        <p:sp>
+          <p:nvSpPr>
+            <p:cNvPr id="231" name="Google Shape;231;p43"/>
+            <p:cNvSpPr txBox="1"/>
+            <p:nvPr/>
+          </p:nvSpPr>
+          <p:spPr>
+            <a:xfrm>
+              <a:off x="2040085" y="2866610"/>
+              <a:ext cx="4144800" cy="323100"/>
+            </a:xfrm>
+            <a:prstGeom prst="rect">
+              <a:avLst/>
+            </a:prstGeom>
+            <a:noFill/>
+            <a:ln>
+              <a:noFill/>
+            </a:ln>
+          </p:spPr>
+          <p:txBody>
+            <a:bodyPr anchorCtr="0" anchor="t" bIns="91425" lIns="91425" spcFirstLastPara="1" rIns="91425" wrap="square" tIns="91425">
+              <a:spAutoFit/>
+            </a:bodyPr>
+            <a:lstStyle/>
+            <a:p>
+              <a:pPr indent="0" lvl="0" marL="0" rtl="0" algn="l">
+                <a:spcBef>
+                  <a:spcPts val="0"/>
+                </a:spcBef>
+                <a:spcAft>
+                  <a:spcPts val="0"/>
+                </a:spcAft>
+                <a:buNone/>
+              </a:pPr>
+              <a:r>
+                <a:rPr i="1" lang="en" sz="900"/>
+                <a:t>Source: Lucidchart</a:t>
+              </a:r>
+              <a:endParaRPr i="1" sz="900"/>
+            </a:p>
+          </p:txBody>
+        </p:sp>
+      </p:grpSp>
+      <p:sp>
+        <p:nvSpPr>
+          <p:cNvPr id="232" name="Google Shape;232;p43"/>
+          <p:cNvSpPr txBox="1"/>
+          <p:nvPr/>
+        </p:nvSpPr>
+        <p:spPr>
+          <a:xfrm>
+            <a:off x="5832300" y="3435025"/>
+            <a:ext cx="3132300" cy="997500"/>
+          </a:xfrm>
+          <a:prstGeom prst="rect">
+            <a:avLst/>
+          </a:prstGeom>
+          <a:noFill/>
           <a:ln>
             <a:noFill/>
           </a:ln>
@@ -27623,9 +30121,13 @@
             </a:pPr>
             <a:r>
               <a:rPr b="1" lang="en" sz="1600"/>
-              <a:t>Define the problem</a:t>
-            </a:r>
-            <a:endParaRPr b="1" sz="1600"/>
+              <a:t>Output data</a:t>
+            </a:r>
+            <a:r>
+              <a:rPr lang="en" sz="1600"/>
+              <a:t>: </a:t>
+            </a:r>
+            <a:endParaRPr sz="1600"/>
           </a:p>
           <a:p>
             <a:pPr indent="-330200" lvl="1" marL="914400" rtl="0" algn="l">
@@ -27643,10 +30145,56 @@
             </a:pPr>
             <a:r>
               <a:rPr lang="en" sz="1600"/>
-              <a:t>Learning enough about the project to select the model or models for the prediction task.</a:t>
+              <a:t>labels (classification)</a:t>
             </a:r>
             <a:endParaRPr sz="1600"/>
           </a:p>
+          <a:p>
+            <a:pPr indent="-330200" lvl="1" marL="914400" rtl="0" algn="l">
+              <a:lnSpc>
+                <a:spcPct val="115000"/>
+              </a:lnSpc>
+              <a:spcBef>
+                <a:spcPts val="0"/>
+              </a:spcBef>
+              <a:spcAft>
+                <a:spcPts val="0"/>
+              </a:spcAft>
+              <a:buSzPts val="1600"/>
+              <a:buChar char="○"/>
+            </a:pPr>
+            <a:r>
+              <a:rPr lang="en" sz="1600"/>
+              <a:t>numbers (regression)</a:t>
+            </a:r>
+            <a:endParaRPr/>
+          </a:p>
+        </p:txBody>
+      </p:sp>
+      <p:sp>
+        <p:nvSpPr>
+          <p:cNvPr id="233" name="Google Shape;233;p43"/>
+          <p:cNvSpPr txBox="1"/>
+          <p:nvPr/>
+        </p:nvSpPr>
+        <p:spPr>
+          <a:xfrm>
+            <a:off x="311700" y="3487425"/>
+            <a:ext cx="5109600" cy="960600"/>
+          </a:xfrm>
+          <a:prstGeom prst="rect">
+            <a:avLst/>
+          </a:prstGeom>
+          <a:noFill/>
+          <a:ln>
+            <a:noFill/>
+          </a:ln>
+        </p:spPr>
+        <p:txBody>
+          <a:bodyPr anchorCtr="0" anchor="t" bIns="91425" lIns="91425" spcFirstLastPara="1" rIns="91425" wrap="square" tIns="91425">
+            <a:spAutoFit/>
+          </a:bodyPr>
+          <a:lstStyle/>
           <a:p>
             <a:pPr indent="-330200" lvl="0" marL="457200" rtl="0" algn="l">
               <a:lnSpc>
@@ -27663,15 +30211,20 @@
             </a:pPr>
             <a:r>
               <a:rPr b="1" lang="en" sz="1600"/>
-              <a:t>Prepare the data</a:t>
-            </a:r>
-            <a:endParaRPr b="1" sz="1600"/>
+              <a:t>Input</a:t>
+            </a:r>
+            <a:r>
+              <a:rPr b="1" lang="en" sz="1600"/>
+              <a:t> data</a:t>
+            </a:r>
+            <a:r>
+              <a:rPr lang="en" sz="1600"/>
+              <a:t>: </a:t>
+            </a:r>
+            <a:endParaRPr sz="1600"/>
           </a:p>
           <a:p>
             <a:pPr indent="-330200" lvl="1" marL="914400" rtl="0" algn="l">
-              <a:lnSpc>
-                <a:spcPct val="115000"/>
-              </a:lnSpc>
               <a:spcBef>
                 <a:spcPts val="0"/>
               </a:spcBef>
@@ -27682,36 +30235,13 @@
               <a:buChar char="○"/>
             </a:pPr>
             <a:r>
-              <a:rPr lang="en" sz="1600"/>
-              <a:t>Transforming the raw data into a form that can be used in modeling</a:t>
+              <a:rPr lang="en"/>
+              <a:t>tabular (spreadsheet, database table, CSV, TSV)</a:t>
             </a:r>
             <a:endParaRPr sz="1600"/>
           </a:p>
           <a:p>
-            <a:pPr indent="-330200" lvl="0" marL="457200" rtl="0" algn="l">
-              <a:lnSpc>
-                <a:spcPct val="115000"/>
-              </a:lnSpc>
-              <a:spcBef>
-                <a:spcPts val="0"/>
-              </a:spcBef>
-              <a:spcAft>
-                <a:spcPts val="0"/>
-              </a:spcAft>
-              <a:buSzPts val="1600"/>
-              <a:buChar char="●"/>
-            </a:pPr>
-            <a:r>
-              <a:rPr b="1" lang="en" sz="1600"/>
-              <a:t>Evaluate the models</a:t>
-            </a:r>
-            <a:endParaRPr b="1" sz="1600"/>
-          </a:p>
-          <a:p>
             <a:pPr indent="-330200" lvl="1" marL="914400" rtl="0" algn="l">
-              <a:lnSpc>
-                <a:spcPct val="115000"/>
-              </a:lnSpc>
               <a:spcBef>
                 <a:spcPts val="0"/>
               </a:spcBef>
@@ -27722,53 +30252,41 @@
               <a:buChar char="○"/>
             </a:pPr>
             <a:r>
-              <a:rPr lang="en" sz="1600"/>
-              <a:t>Evaluating machine learning models on your dataset.</a:t>
-            </a:r>
-            <a:endParaRPr sz="1600"/>
-          </a:p>
-          <a:p>
-            <a:pPr indent="-330200" lvl="0" marL="457200" rtl="0" algn="l">
-              <a:lnSpc>
-                <a:spcPct val="115000"/>
-              </a:lnSpc>
-              <a:spcBef>
-                <a:spcPts val="0"/>
-              </a:spcBef>
-              <a:spcAft>
-                <a:spcPts val="0"/>
-              </a:spcAft>
-              <a:buSzPts val="1600"/>
-              <a:buChar char="●"/>
-            </a:pPr>
-            <a:r>
-              <a:rPr b="1" lang="en" sz="1600"/>
-              <a:t>Finalize the model</a:t>
-            </a:r>
-            <a:endParaRPr b="1" sz="1600"/>
-          </a:p>
-          <a:p>
-            <a:pPr indent="-330200" lvl="1" marL="914400" rtl="0" algn="l">
-              <a:lnSpc>
-                <a:spcPct val="115000"/>
-              </a:lnSpc>
-              <a:spcBef>
-                <a:spcPts val="0"/>
-              </a:spcBef>
-              <a:spcAft>
-                <a:spcPts val="0"/>
-              </a:spcAft>
-              <a:buSzPts val="1600"/>
-              <a:buChar char="○"/>
-            </a:pPr>
-            <a:r>
-              <a:rPr lang="en" sz="1600"/>
-              <a:t>Selecting and deploying the final model</a:t>
-            </a:r>
-            <a:endParaRPr sz="1600"/>
+              <a:rPr lang="en"/>
+              <a:t>structured data (XML, JSON, HTML)</a:t>
+            </a:r>
+            <a:endParaRPr/>
           </a:p>
         </p:txBody>
       </p:sp>
+      <p:pic>
+        <p:nvPicPr>
+          <p:cNvPr id="234" name="Google Shape;234;p43"/>
+          <p:cNvPicPr preferRelativeResize="0"/>
+          <p:nvPr/>
+        </p:nvPicPr>
+        <p:blipFill>
+          <a:blip r:embed="rId4">
+            <a:alphaModFix/>
+          </a:blip>
+          <a:stretch>
+            <a:fillRect/>
+          </a:stretch>
+        </p:blipFill>
+        <p:spPr>
+          <a:xfrm>
+            <a:off x="0" y="4710300"/>
+            <a:ext cx="9144000" cy="433200"/>
+          </a:xfrm>
+          <a:prstGeom prst="rect">
+            <a:avLst/>
+          </a:prstGeom>
+          <a:noFill/>
+          <a:ln>
+            <a:noFill/>
+          </a:ln>
+        </p:spPr>
+      </p:pic>
     </p:spTree>
   </p:cSld>
   <p:clrMapOvr>
@@ -27777,12 +30295,12 @@
 </p:sld>
 </file>
 
-<file path=ppt/slides/slide7.xml><?xml version="1.0" encoding="utf-8"?>
+<file path=ppt/slides/slide8.xml><?xml version="1.0" encoding="utf-8"?>
 <p:sld xmlns:a="http://schemas.openxmlformats.org/drawingml/2006/main" xmlns:r="http://schemas.openxmlformats.org/officeDocument/2006/relationships" xmlns:mc="http://schemas.openxmlformats.org/markup-compatibility/2006" xmlns:mv="urn:schemas-microsoft-com:mac:vml" xmlns:p="http://schemas.openxmlformats.org/presentationml/2006/main" xmlns:c="http://schemas.openxmlformats.org/drawingml/2006/chart" xmlns:dgm="http://schemas.openxmlformats.org/drawingml/2006/diagram" xmlns:o="urn:schemas-microsoft-com:office:office" xmlns:v="urn:schemas-microsoft-com:vml" xmlns:pvml="urn:schemas-microsoft-com:office:powerpoint" xmlns:com="http://schemas.openxmlformats.org/drawingml/2006/compatibility" xmlns:p14="http://schemas.microsoft.com/office/powerpoint/2010/main" xmlns:p15="http://schemas.microsoft.com/office/powerpoint/2012/main" xmlns:ahyp="http://schemas.microsoft.com/office/drawing/2018/hyperlinkcolor">
   <p:cSld>
     <p:spTree>
       <p:nvGrpSpPr>
-        <p:cNvPr id="224" name="Shape 224"/>
+        <p:cNvPr id="238" name="Shape 238"/>
         <p:cNvGrpSpPr/>
         <p:nvPr/>
       </p:nvGrpSpPr>
@@ -27796,7 +30314,7 @@
       </p:grpSpPr>
       <p:pic>
         <p:nvPicPr>
-          <p:cNvPr id="225" name="Google Shape;225;p43"/>
+          <p:cNvPr id="239" name="Google Shape;239;p44"/>
           <p:cNvPicPr preferRelativeResize="0"/>
           <p:nvPr/>
         </p:nvPicPr>
@@ -27824,7 +30342,7 @@
       </p:pic>
       <p:sp>
         <p:nvSpPr>
-          <p:cNvPr id="226" name="Google Shape;226;p43"/>
+          <p:cNvPr id="240" name="Google Shape;240;p44"/>
           <p:cNvSpPr txBox="1"/>
           <p:nvPr>
             <p:ph type="title"/>
@@ -27845,7 +30363,7 @@
           </a:bodyPr>
           <a:lstStyle/>
           <a:p>
-            <a:pPr indent="0" lvl="0" marL="0" rtl="0" algn="l">
+            <a:pPr indent="0" lvl="0" marL="0" rtl="0" algn="ctr">
               <a:spcBef>
                 <a:spcPts val="0"/>
               </a:spcBef>
@@ -27860,7 +30378,7 @@
                   <a:srgbClr val="4A86E8"/>
                 </a:solidFill>
               </a:rPr>
-              <a:t>What is data?</a:t>
+              <a:t>Data Collection</a:t>
             </a:r>
             <a:endParaRPr>
               <a:solidFill>
@@ -27872,7 +30390,7 @@
       </p:sp>
       <p:sp>
         <p:nvSpPr>
-          <p:cNvPr id="227" name="Google Shape;227;p43"/>
+          <p:cNvPr id="241" name="Google Shape;241;p44"/>
           <p:cNvSpPr txBox="1"/>
           <p:nvPr>
             <p:ph idx="12" type="sldNum"/>
@@ -27880,7 +30398,7 @@
         </p:nvSpPr>
         <p:spPr>
           <a:xfrm>
-            <a:off x="6" y="4710290"/>
+            <a:off x="6" y="4730090"/>
             <a:ext cx="548700" cy="393600"/>
           </a:xfrm>
           <a:prstGeom prst="rect">
@@ -27920,14 +30438,14 @@
       </p:sp>
       <p:sp>
         <p:nvSpPr>
-          <p:cNvPr id="228" name="Google Shape;228;p43"/>
+          <p:cNvPr id="242" name="Google Shape;242;p44"/>
           <p:cNvSpPr txBox="1"/>
           <p:nvPr/>
         </p:nvSpPr>
         <p:spPr>
           <a:xfrm>
-            <a:off x="171300" y="740725"/>
-            <a:ext cx="8801400" cy="3546300"/>
+            <a:off x="511875" y="1400025"/>
+            <a:ext cx="8279700" cy="2130300"/>
           </a:xfrm>
           <a:prstGeom prst="rect">
             <a:avLst/>
@@ -27958,7 +30476,33 @@
             </a:pPr>
             <a:r>
               <a:rPr lang="en" sz="1600"/>
-              <a:t>Refers to examples or cases from the domain that characterize the problem we want to solve.</a:t>
+              <a:t>Data collection is where everything begins. D</a:t>
+            </a:r>
+            <a:r>
+              <a:rPr lang="en" sz="1600"/>
+              <a:t>ata collection often happens in parallel to the problem definition and it is later formalized</a:t>
+            </a:r>
+            <a:r>
+              <a:rPr lang="en" sz="1600"/>
+              <a:t> once the problem statement is defined and the project gets underway.</a:t>
+            </a:r>
+            <a:endParaRPr sz="1600"/>
+          </a:p>
+          <a:p>
+            <a:pPr indent="0" lvl="0" marL="457200" rtl="0" algn="l">
+              <a:lnSpc>
+                <a:spcPct val="115000"/>
+              </a:lnSpc>
+              <a:spcBef>
+                <a:spcPts val="0"/>
+              </a:spcBef>
+              <a:spcAft>
+                <a:spcPts val="0"/>
+              </a:spcAft>
+              <a:buNone/>
+            </a:pPr>
+            <a:r>
+              <a:t/>
             </a:r>
             <a:endParaRPr sz="1600"/>
           </a:p>
@@ -27978,179 +30522,7 @@
             </a:pPr>
             <a:r>
               <a:rPr lang="en" sz="1600"/>
-              <a:t>In supervised learning, data consists of </a:t>
-            </a:r>
-            <a:r>
-              <a:rPr lang="en" sz="1600"/>
-              <a:t>examples</a:t>
-            </a:r>
-            <a:r>
-              <a:rPr lang="en" sz="1600"/>
-              <a:t> where each example has an input that will be </a:t>
-            </a:r>
-            <a:r>
-              <a:rPr lang="en" sz="1600"/>
-              <a:t>provided to the model and an output or target that the model is going to predict.</a:t>
-            </a:r>
-            <a:endParaRPr sz="1600"/>
-          </a:p>
-          <a:p>
-            <a:pPr indent="-330200" lvl="0" marL="457200" rtl="0" algn="l">
-              <a:lnSpc>
-                <a:spcPct val="115000"/>
-              </a:lnSpc>
-              <a:spcBef>
-                <a:spcPts val="0"/>
-              </a:spcBef>
-              <a:spcAft>
-                <a:spcPts val="0"/>
-              </a:spcAft>
-              <a:buSzPts val="1600"/>
-              <a:buChar char="●"/>
-            </a:pPr>
-            <a:r>
-              <a:rPr b="1" lang="en" sz="1600"/>
-              <a:t>Output data</a:t>
-            </a:r>
-            <a:r>
-              <a:rPr lang="en" sz="1600"/>
-              <a:t>: a label (classification), a number (regression)</a:t>
-            </a:r>
-            <a:endParaRPr sz="1600"/>
-          </a:p>
-          <a:p>
-            <a:pPr indent="-330200" lvl="0" marL="457200" rtl="0" algn="l">
-              <a:lnSpc>
-                <a:spcPct val="115000"/>
-              </a:lnSpc>
-              <a:spcBef>
-                <a:spcPts val="0"/>
-              </a:spcBef>
-              <a:spcAft>
-                <a:spcPts val="0"/>
-              </a:spcAft>
-              <a:buSzPts val="1600"/>
-              <a:buChar char="●"/>
-            </a:pPr>
-            <a:r>
-              <a:rPr b="1" lang="en" sz="1600"/>
-              <a:t>Input data</a:t>
-            </a:r>
-            <a:r>
-              <a:rPr lang="en" sz="1600"/>
-              <a:t>: </a:t>
-            </a:r>
-            <a:r>
-              <a:rPr lang="en" sz="1600"/>
-              <a:t>usually</a:t>
-            </a:r>
-            <a:r>
-              <a:rPr lang="en" sz="1600"/>
-              <a:t> is </a:t>
-            </a:r>
-            <a:r>
-              <a:rPr lang="en" sz="1600"/>
-              <a:t>tabular</a:t>
-            </a:r>
-            <a:r>
-              <a:rPr lang="en" sz="1600"/>
-              <a:t> or structured data (spreadsheet, database table, CSV, TSV)</a:t>
-            </a:r>
-            <a:endParaRPr sz="1600"/>
-          </a:p>
-          <a:p>
-            <a:pPr indent="-330200" lvl="1" marL="914400" rtl="0" algn="l">
-              <a:lnSpc>
-                <a:spcPct val="115000"/>
-              </a:lnSpc>
-              <a:spcBef>
-                <a:spcPts val="0"/>
-              </a:spcBef>
-              <a:spcAft>
-                <a:spcPts val="0"/>
-              </a:spcAft>
-              <a:buSzPts val="1600"/>
-              <a:buChar char="○"/>
-            </a:pPr>
-            <a:r>
-              <a:rPr lang="en" sz="1600" u="sng"/>
-              <a:t>Row</a:t>
-            </a:r>
-            <a:r>
-              <a:rPr lang="en" sz="1600"/>
-              <a:t>: a single example from the domain, also called an instance, an example or a case.</a:t>
-            </a:r>
-            <a:endParaRPr sz="1600"/>
-          </a:p>
-          <a:p>
-            <a:pPr indent="-330200" lvl="1" marL="914400" rtl="0" algn="l">
-              <a:lnSpc>
-                <a:spcPct val="115000"/>
-              </a:lnSpc>
-              <a:spcBef>
-                <a:spcPts val="0"/>
-              </a:spcBef>
-              <a:spcAft>
-                <a:spcPts val="0"/>
-              </a:spcAft>
-              <a:buSzPts val="1600"/>
-              <a:buChar char="○"/>
-            </a:pPr>
-            <a:r>
-              <a:rPr lang="en" sz="1600" u="sng"/>
-              <a:t>Column</a:t>
-            </a:r>
-            <a:r>
-              <a:rPr lang="en" sz="1600"/>
-              <a:t>: a single property observed about that example, also called a variable, a predictor or feature.</a:t>
-            </a:r>
-            <a:endParaRPr sz="1600"/>
-          </a:p>
-          <a:p>
-            <a:pPr indent="-330200" lvl="1" marL="914400" rtl="0" algn="l">
-              <a:lnSpc>
-                <a:spcPct val="115000"/>
-              </a:lnSpc>
-              <a:spcBef>
-                <a:spcPts val="0"/>
-              </a:spcBef>
-              <a:spcAft>
-                <a:spcPts val="0"/>
-              </a:spcAft>
-              <a:buSzPts val="1600"/>
-              <a:buChar char="○"/>
-            </a:pPr>
-            <a:r>
-              <a:rPr lang="en" sz="1600" u="sng"/>
-              <a:t>Input variables</a:t>
-            </a:r>
-            <a:r>
-              <a:rPr lang="en" sz="1600"/>
-              <a:t>: columns in the dataset provided to the model to make a prediction</a:t>
-            </a:r>
-            <a:endParaRPr sz="1600"/>
-          </a:p>
-          <a:p>
-            <a:pPr indent="-330200" lvl="1" marL="914400" rtl="0" algn="l">
-              <a:lnSpc>
-                <a:spcPct val="115000"/>
-              </a:lnSpc>
-              <a:spcBef>
-                <a:spcPts val="0"/>
-              </a:spcBef>
-              <a:spcAft>
-                <a:spcPts val="0"/>
-              </a:spcAft>
-              <a:buSzPts val="1600"/>
-              <a:buChar char="○"/>
-            </a:pPr>
-            <a:r>
-              <a:rPr lang="en" sz="1600" u="sng"/>
-              <a:t>Output variables</a:t>
-            </a:r>
-            <a:r>
-              <a:rPr lang="en" sz="1600"/>
-              <a:t>: column in the dataset to be predicted by the model</a:t>
+              <a:t>Data can be present in different formats, shapes, and sizes and exists in systems such as legacy machines (say mainframes), web (say web sites and web applications), databases, flat files, sensors, mobile devices, and so on.</a:t>
             </a:r>
             <a:endParaRPr sz="1600"/>
           </a:p>
@@ -28164,12 +30536,12 @@
 </p:sld>
 </file>
 
-<file path=ppt/slides/slide8.xml><?xml version="1.0" encoding="utf-8"?>
+<file path=ppt/slides/slide9.xml><?xml version="1.0" encoding="utf-8"?>
 <p:sld xmlns:a="http://schemas.openxmlformats.org/drawingml/2006/main" xmlns:r="http://schemas.openxmlformats.org/officeDocument/2006/relationships" xmlns:mc="http://schemas.openxmlformats.org/markup-compatibility/2006" xmlns:mv="urn:schemas-microsoft-com:mac:vml" xmlns:p="http://schemas.openxmlformats.org/presentationml/2006/main" xmlns:c="http://schemas.openxmlformats.org/drawingml/2006/chart" xmlns:dgm="http://schemas.openxmlformats.org/drawingml/2006/diagram" xmlns:o="urn:schemas-microsoft-com:office:office" xmlns:v="urn:schemas-microsoft-com:vml" xmlns:pvml="urn:schemas-microsoft-com:office:powerpoint" xmlns:com="http://schemas.openxmlformats.org/drawingml/2006/compatibility" xmlns:p14="http://schemas.microsoft.com/office/powerpoint/2010/main" xmlns:p15="http://schemas.microsoft.com/office/powerpoint/2012/main" xmlns:ahyp="http://schemas.microsoft.com/office/drawing/2018/hyperlinkcolor">
   <p:cSld>
     <p:spTree>
       <p:nvGrpSpPr>
-        <p:cNvPr id="232" name="Shape 232"/>
+        <p:cNvPr id="246" name="Shape 246"/>
         <p:cNvGrpSpPr/>
         <p:nvPr/>
       </p:nvGrpSpPr>
@@ -28183,7 +30555,7 @@
       </p:grpSpPr>
       <p:pic>
         <p:nvPicPr>
-          <p:cNvPr id="233" name="Google Shape;233;p44"/>
+          <p:cNvPr id="247" name="Google Shape;247;p45"/>
           <p:cNvPicPr preferRelativeResize="0"/>
           <p:nvPr/>
         </p:nvPicPr>
@@ -28211,7 +30583,7 @@
       </p:pic>
       <p:sp>
         <p:nvSpPr>
-          <p:cNvPr id="234" name="Google Shape;234;p44"/>
+          <p:cNvPr id="248" name="Google Shape;248;p45"/>
           <p:cNvSpPr txBox="1"/>
           <p:nvPr>
             <p:ph type="title"/>
@@ -28232,7 +30604,7 @@
           </a:bodyPr>
           <a:lstStyle/>
           <a:p>
-            <a:pPr indent="0" lvl="0" marL="0" rtl="0" algn="l">
+            <a:pPr indent="0" lvl="0" marL="0" rtl="0" algn="ctr">
               <a:spcBef>
                 <a:spcPts val="0"/>
               </a:spcBef>
@@ -28247,7 +30619,7 @@
                   <a:srgbClr val="4A86E8"/>
                 </a:solidFill>
               </a:rPr>
-              <a:t>Data Collection</a:t>
+              <a:t>Format: Comma Separated Values (CSV)</a:t>
             </a:r>
             <a:endParaRPr>
               <a:solidFill>
@@ -28259,7 +30631,7 @@
       </p:sp>
       <p:sp>
         <p:nvSpPr>
-          <p:cNvPr id="235" name="Google Shape;235;p44"/>
+          <p:cNvPr id="249" name="Google Shape;249;p45"/>
           <p:cNvSpPr txBox="1"/>
           <p:nvPr>
             <p:ph idx="12" type="sldNum"/>
@@ -28307,242 +30679,7 @@
       </p:sp>
       <p:sp>
         <p:nvSpPr>
-          <p:cNvPr id="236" name="Google Shape;236;p44"/>
-          <p:cNvSpPr txBox="1"/>
-          <p:nvPr/>
-        </p:nvSpPr>
-        <p:spPr>
-          <a:xfrm>
-            <a:off x="452100" y="740725"/>
-            <a:ext cx="8279700" cy="2696700"/>
-          </a:xfrm>
-          <a:prstGeom prst="rect">
-            <a:avLst/>
-          </a:prstGeom>
-          <a:noFill/>
-          <a:ln>
-            <a:noFill/>
-          </a:ln>
-        </p:spPr>
-        <p:txBody>
-          <a:bodyPr anchorCtr="0" anchor="t" bIns="91425" lIns="91425" spcFirstLastPara="1" rIns="91425" wrap="square" tIns="91425">
-            <a:spAutoFit/>
-          </a:bodyPr>
-          <a:lstStyle/>
-          <a:p>
-            <a:pPr indent="-330200" lvl="0" marL="457200" rtl="0" algn="l">
-              <a:lnSpc>
-                <a:spcPct val="115000"/>
-              </a:lnSpc>
-              <a:spcBef>
-                <a:spcPts val="0"/>
-              </a:spcBef>
-              <a:spcAft>
-                <a:spcPts val="0"/>
-              </a:spcAft>
-              <a:buSzPts val="1600"/>
-              <a:buChar char="●"/>
-            </a:pPr>
-            <a:r>
-              <a:rPr lang="en" sz="1600"/>
-              <a:t>Data collection is where everything begins. Though listed as a step that comes post business understanding and problem definition, data collection often happens in parallel. </a:t>
-            </a:r>
-            <a:endParaRPr sz="1600"/>
-          </a:p>
-          <a:p>
-            <a:pPr indent="-330200" lvl="0" marL="457200" rtl="0" algn="l">
-              <a:lnSpc>
-                <a:spcPct val="115000"/>
-              </a:lnSpc>
-              <a:spcBef>
-                <a:spcPts val="0"/>
-              </a:spcBef>
-              <a:spcAft>
-                <a:spcPts val="0"/>
-              </a:spcAft>
-              <a:buSzPts val="1600"/>
-              <a:buChar char="●"/>
-            </a:pPr>
-            <a:r>
-              <a:rPr lang="en" sz="1600"/>
-              <a:t>Of course, data collection takes a formal and better form once the problem statement is defined and the project gets underway.</a:t>
-            </a:r>
-            <a:endParaRPr sz="1600"/>
-          </a:p>
-          <a:p>
-            <a:pPr indent="-330200" lvl="0" marL="457200" rtl="0" algn="l">
-              <a:lnSpc>
-                <a:spcPct val="115000"/>
-              </a:lnSpc>
-              <a:spcBef>
-                <a:spcPts val="0"/>
-              </a:spcBef>
-              <a:spcAft>
-                <a:spcPts val="0"/>
-              </a:spcAft>
-              <a:buSzPts val="1600"/>
-              <a:buChar char="●"/>
-            </a:pPr>
-            <a:r>
-              <a:rPr lang="en" sz="1600"/>
-              <a:t>We should also realize that data can be present in different formats, shapes, and sizes and exists in systems such as legacy machines (say mainframes), web (say web sites and web applications), databases, flat files, sensors, mobile devices, and so on.</a:t>
-            </a:r>
-            <a:endParaRPr sz="1600"/>
-          </a:p>
-        </p:txBody>
-      </p:sp>
-    </p:spTree>
-  </p:cSld>
-  <p:clrMapOvr>
-    <a:masterClrMapping/>
-  </p:clrMapOvr>
-</p:sld>
-</file>
-
-<file path=ppt/slides/slide9.xml><?xml version="1.0" encoding="utf-8"?>
-<p:sld xmlns:a="http://schemas.openxmlformats.org/drawingml/2006/main" xmlns:r="http://schemas.openxmlformats.org/officeDocument/2006/relationships" xmlns:mc="http://schemas.openxmlformats.org/markup-compatibility/2006" xmlns:mv="urn:schemas-microsoft-com:mac:vml" xmlns:p="http://schemas.openxmlformats.org/presentationml/2006/main" xmlns:c="http://schemas.openxmlformats.org/drawingml/2006/chart" xmlns:dgm="http://schemas.openxmlformats.org/drawingml/2006/diagram" xmlns:o="urn:schemas-microsoft-com:office:office" xmlns:v="urn:schemas-microsoft-com:vml" xmlns:pvml="urn:schemas-microsoft-com:office:powerpoint" xmlns:com="http://schemas.openxmlformats.org/drawingml/2006/compatibility" xmlns:p14="http://schemas.microsoft.com/office/powerpoint/2010/main" xmlns:p15="http://schemas.microsoft.com/office/powerpoint/2012/main" xmlns:ahyp="http://schemas.microsoft.com/office/drawing/2018/hyperlinkcolor">
-  <p:cSld>
-    <p:spTree>
-      <p:nvGrpSpPr>
-        <p:cNvPr id="240" name="Shape 240"/>
-        <p:cNvGrpSpPr/>
-        <p:nvPr/>
-      </p:nvGrpSpPr>
-      <p:grpSpPr>
-        <a:xfrm>
-          <a:off x="0" y="0"/>
-          <a:ext cx="0" cy="0"/>
-          <a:chOff x="0" y="0"/>
-          <a:chExt cx="0" cy="0"/>
-        </a:xfrm>
-      </p:grpSpPr>
-      <p:pic>
-        <p:nvPicPr>
-          <p:cNvPr id="241" name="Google Shape;241;p45"/>
-          <p:cNvPicPr preferRelativeResize="0"/>
-          <p:nvPr/>
-        </p:nvPicPr>
-        <p:blipFill>
-          <a:blip r:embed="rId3">
-            <a:alphaModFix/>
-          </a:blip>
-          <a:stretch>
-            <a:fillRect/>
-          </a:stretch>
-        </p:blipFill>
-        <p:spPr>
-          <a:xfrm>
-            <a:off x="0" y="4710300"/>
-            <a:ext cx="9144000" cy="433200"/>
-          </a:xfrm>
-          <a:prstGeom prst="rect">
-            <a:avLst/>
-          </a:prstGeom>
-          <a:noFill/>
-          <a:ln>
-            <a:noFill/>
-          </a:ln>
-        </p:spPr>
-      </p:pic>
-      <p:sp>
-        <p:nvSpPr>
-          <p:cNvPr id="242" name="Google Shape;242;p45"/>
-          <p:cNvSpPr txBox="1"/>
-          <p:nvPr>
-            <p:ph type="title"/>
-          </p:nvPr>
-        </p:nvSpPr>
-        <p:spPr>
-          <a:xfrm>
-            <a:off x="311700" y="132925"/>
-            <a:ext cx="8520600" cy="607800"/>
-          </a:xfrm>
-          <a:prstGeom prst="rect">
-            <a:avLst/>
-          </a:prstGeom>
-        </p:spPr>
-        <p:txBody>
-          <a:bodyPr anchorCtr="0" anchor="t" bIns="91425" lIns="91425" spcFirstLastPara="1" rIns="91425" wrap="square" tIns="91425">
-            <a:noAutofit/>
-          </a:bodyPr>
-          <a:lstStyle/>
-          <a:p>
-            <a:pPr indent="0" lvl="0" marL="0" rtl="0" algn="l">
-              <a:spcBef>
-                <a:spcPts val="0"/>
-              </a:spcBef>
-              <a:spcAft>
-                <a:spcPts val="0"/>
-              </a:spcAft>
-              <a:buNone/>
-            </a:pPr>
-            <a:r>
-              <a:rPr lang="en">
-                <a:solidFill>
-                  <a:srgbClr val="4A86E8"/>
-                </a:solidFill>
-              </a:rPr>
-              <a:t>Comma Separated Values (CSV)</a:t>
-            </a:r>
-            <a:endParaRPr>
-              <a:solidFill>
-                <a:srgbClr val="4A86E8"/>
-              </a:solidFill>
-            </a:endParaRPr>
-          </a:p>
-        </p:txBody>
-      </p:sp>
-      <p:sp>
-        <p:nvSpPr>
-          <p:cNvPr id="243" name="Google Shape;243;p45"/>
-          <p:cNvSpPr txBox="1"/>
-          <p:nvPr>
-            <p:ph idx="12" type="sldNum"/>
-          </p:nvPr>
-        </p:nvSpPr>
-        <p:spPr>
-          <a:xfrm>
-            <a:off x="6" y="4730090"/>
-            <a:ext cx="548700" cy="393600"/>
-          </a:xfrm>
-          <a:prstGeom prst="rect">
-            <a:avLst/>
-          </a:prstGeom>
-        </p:spPr>
-        <p:txBody>
-          <a:bodyPr anchorCtr="0" anchor="ctr" bIns="91425" lIns="91425" spcFirstLastPara="1" rIns="91425" wrap="square" tIns="91425">
-            <a:noAutofit/>
-          </a:bodyPr>
-          <a:lstStyle/>
-          <a:p>
-            <a:pPr indent="0" lvl="0" marL="0" rtl="0" algn="r">
-              <a:spcBef>
-                <a:spcPts val="0"/>
-              </a:spcBef>
-              <a:spcAft>
-                <a:spcPts val="0"/>
-              </a:spcAft>
-              <a:buNone/>
-            </a:pPr>
-            <a:fld id="{00000000-1234-1234-1234-123412341234}" type="slidenum">
-              <a:rPr lang="en">
-                <a:solidFill>
-                  <a:schemeClr val="lt1"/>
-                </a:solidFill>
-              </a:rPr>
-              <a:t>‹#›</a:t>
-            </a:fld>
-            <a:endParaRPr>
-              <a:solidFill>
-                <a:schemeClr val="lt1"/>
-              </a:solidFill>
-            </a:endParaRPr>
-          </a:p>
-        </p:txBody>
-      </p:sp>
-      <p:sp>
-        <p:nvSpPr>
-          <p:cNvPr id="244" name="Google Shape;244;p45"/>
+          <p:cNvPr id="250" name="Google Shape;250;p45"/>
           <p:cNvSpPr txBox="1"/>
           <p:nvPr/>
         </p:nvSpPr>
@@ -28640,7 +30777,7 @@
             </a:pPr>
             <a:r>
               <a:rPr lang="en" sz="1500"/>
-              <a:t>CSVs may also optionally enclose each of the attributes in single or double quotes.</a:t>
+              <a:t>CSVs may optionally enclose each of the attributes in single or double quotes.</a:t>
             </a:r>
             <a:endParaRPr sz="1500"/>
           </a:p>
@@ -28688,7 +30825,7 @@
       </p:sp>
       <p:pic>
         <p:nvPicPr>
-          <p:cNvPr id="245" name="Google Shape;245;p45"/>
+          <p:cNvPr id="251" name="Google Shape;251;p45"/>
           <p:cNvPicPr preferRelativeResize="0"/>
           <p:nvPr/>
         </p:nvPicPr>
@@ -28723,285 +30860,6 @@
 </file>
 
 <file path=ppt/theme/theme1.xml><?xml version="1.0" encoding="utf-8"?>
-<a:theme xmlns:a="http://schemas.openxmlformats.org/drawingml/2006/main" xmlns:r="http://schemas.openxmlformats.org/officeDocument/2006/relationships">
-  <a:themeElements>
-    <a:clrScheme name="Default">
-      <a:dk1>
-        <a:srgbClr val="000000"/>
-      </a:dk1>
-      <a:lt1>
-        <a:srgbClr val="FFFFFF"/>
-      </a:lt1>
-      <a:dk2>
-        <a:srgbClr val="158158"/>
-      </a:dk2>
-      <a:lt2>
-        <a:srgbClr val="F3F3F3"/>
-      </a:lt2>
-      <a:accent1>
-        <a:srgbClr val="058DC7"/>
-      </a:accent1>
-      <a:accent2>
-        <a:srgbClr val="50B432"/>
-      </a:accent2>
-      <a:accent3>
-        <a:srgbClr val="ED561B"/>
-      </a:accent3>
-      <a:accent4>
-        <a:srgbClr val="EDEF00"/>
-      </a:accent4>
-      <a:accent5>
-        <a:srgbClr val="24CBE5"/>
-      </a:accent5>
-      <a:accent6>
-        <a:srgbClr val="64E572"/>
-      </a:accent6>
-      <a:hlink>
-        <a:srgbClr val="2200CC"/>
-      </a:hlink>
-      <a:folHlink>
-        <a:srgbClr val="551A8B"/>
-      </a:folHlink>
-    </a:clrScheme>
-    <a:fontScheme name="Office">
-      <a:majorFont>
-        <a:latin typeface="Arial"/>
-        <a:ea typeface=""/>
-        <a:cs typeface=""/>
-        <a:font script="Jpan" typeface="ＭＳ Ｐゴシック"/>
-        <a:font script="Hang" typeface="맑은 고딕"/>
-        <a:font script="Hans" typeface="宋体"/>
-        <a:font script="Hant" typeface="新細明體"/>
-        <a:font script="Arab" typeface="Times New Roman"/>
-        <a:font script="Hebr" typeface="Times New Roman"/>
-        <a:font script="Thai" typeface="Angsana New"/>
-        <a:font script="Ethi" typeface="Nyala"/>
-        <a:font script="Beng" typeface="Vrinda"/>
-        <a:font script="Gujr" typeface="Shruti"/>
-        <a:font script="Khmr" typeface="MoolBoran"/>
-        <a:font script="Knda" typeface="Tunga"/>
-        <a:font script="Guru" typeface="Raavi"/>
-        <a:font script="Cans" typeface="Euphemia"/>
-        <a:font script="Cher" typeface="Plantagenet Cherokee"/>
-        <a:font script="Yiii" typeface="Microsoft Yi Baiti"/>
-        <a:font script="Tibt" typeface="Microsoft Himalaya"/>
-        <a:font script="Thaa" typeface="MV Boli"/>
-        <a:font script="Deva" typeface="Mangal"/>
-        <a:font script="Telu" typeface="Gautami"/>
-        <a:font script="Taml" typeface="Latha"/>
-        <a:font script="Syrc" typeface="Estrangelo Edessa"/>
-        <a:font script="Orya" typeface="Kalinga"/>
-        <a:font script="Mlym" typeface="Kartika"/>
-        <a:font script="Laoo" typeface="DokChampa"/>
-        <a:font script="Sinh" typeface="Iskoola Pota"/>
-        <a:font script="Mong" typeface="Mongolian Baiti"/>
-        <a:font script="Viet" typeface="Times New Roman"/>
-        <a:font script="Uigh" typeface="Microsoft Uighur"/>
-        <a:font script="Geor" typeface="Sylfaen"/>
-      </a:majorFont>
-      <a:minorFont>
-        <a:latin typeface="Arial"/>
-        <a:ea typeface=""/>
-        <a:cs typeface=""/>
-        <a:font script="Jpan" typeface="ＭＳ Ｐゴシック"/>
-        <a:font script="Hang" typeface="맑은 고딕"/>
-        <a:font script="Hans" typeface="宋体"/>
-        <a:font script="Hant" typeface="新細明體"/>
-        <a:font script="Arab" typeface="Arial"/>
-        <a:font script="Hebr" typeface="Arial"/>
-        <a:font script="Thai" typeface="Cordia New"/>
-        <a:font script="Ethi" typeface="Nyala"/>
-        <a:font script="Beng" typeface="Vrinda"/>
-        <a:font script="Gujr" typeface="Shruti"/>
-        <a:font script="Khmr" typeface="DaunPenh"/>
-        <a:font script="Knda" typeface="Tunga"/>
-        <a:font script="Guru" typeface="Raavi"/>
-        <a:font script="Cans" typeface="Euphemia"/>
-        <a:font script="Cher" typeface="Plantagenet Cherokee"/>
-        <a:font script="Yiii" typeface="Microsoft Yi Baiti"/>
-        <a:font script="Tibt" typeface="Microsoft Himalaya"/>
-        <a:font script="Thaa" typeface="MV Boli"/>
-        <a:font script="Deva" typeface="Mangal"/>
-        <a:font script="Telu" typeface="Gautami"/>
-        <a:font script="Taml" typeface="Latha"/>
-        <a:font script="Syrc" typeface="Estrangelo Edessa"/>
-        <a:font script="Orya" typeface="Kalinga"/>
-        <a:font script="Mlym" typeface="Kartika"/>
-        <a:font script="Laoo" typeface="DokChampa"/>
-        <a:font script="Sinh" typeface="Iskoola Pota"/>
-        <a:font script="Mong" typeface="Mongolian Baiti"/>
-        <a:font script="Viet" typeface="Arial"/>
-        <a:font script="Uigh" typeface="Microsoft Uighur"/>
-        <a:font script="Geor" typeface="Sylfaen"/>
-      </a:minorFont>
-    </a:fontScheme>
-    <a:fmtScheme name="Office">
-      <a:fillStyleLst>
-        <a:solidFill>
-          <a:schemeClr val="phClr"/>
-        </a:solidFill>
-        <a:gradFill rotWithShape="1">
-          <a:gsLst>
-            <a:gs pos="0">
-              <a:schemeClr val="phClr">
-                <a:tint val="50000"/>
-                <a:satMod val="300000"/>
-              </a:schemeClr>
-            </a:gs>
-            <a:gs pos="35000">
-              <a:schemeClr val="phClr">
-                <a:tint val="37000"/>
-                <a:satMod val="300000"/>
-              </a:schemeClr>
-            </a:gs>
-            <a:gs pos="100000">
-              <a:schemeClr val="phClr">
-                <a:tint val="15000"/>
-                <a:satMod val="350000"/>
-              </a:schemeClr>
-            </a:gs>
-          </a:gsLst>
-          <a:lin ang="16200000" scaled="1"/>
-        </a:gradFill>
-        <a:gradFill rotWithShape="1">
-          <a:gsLst>
-            <a:gs pos="0">
-              <a:schemeClr val="phClr">
-                <a:tint val="100000"/>
-                <a:shade val="100000"/>
-                <a:satMod val="130000"/>
-              </a:schemeClr>
-            </a:gs>
-            <a:gs pos="100000">
-              <a:schemeClr val="phClr">
-                <a:tint val="50000"/>
-                <a:shade val="100000"/>
-                <a:satMod val="350000"/>
-              </a:schemeClr>
-            </a:gs>
-          </a:gsLst>
-          <a:lin ang="16200000" scaled="0"/>
-        </a:gradFill>
-      </a:fillStyleLst>
-      <a:lnStyleLst>
-        <a:ln w="9525" cap="flat" cmpd="sng" algn="ctr">
-          <a:solidFill>
-            <a:schemeClr val="phClr">
-              <a:shade val="95000"/>
-              <a:satMod val="105000"/>
-            </a:schemeClr>
-          </a:solidFill>
-          <a:prstDash val="solid"/>
-        </a:ln>
-        <a:ln w="25400" cap="flat" cmpd="sng" algn="ctr">
-          <a:solidFill>
-            <a:schemeClr val="phClr"/>
-          </a:solidFill>
-          <a:prstDash val="solid"/>
-        </a:ln>
-        <a:ln w="38100" cap="flat" cmpd="sng" algn="ctr">
-          <a:solidFill>
-            <a:schemeClr val="phClr"/>
-          </a:solidFill>
-          <a:prstDash val="solid"/>
-        </a:ln>
-      </a:lnStyleLst>
-      <a:effectStyleLst>
-        <a:effectStyle>
-          <a:effectLst>
-            <a:outerShdw blurRad="40000" dist="20000" dir="5400000" rotWithShape="0">
-              <a:srgbClr val="000000">
-                <a:alpha val="38000"/>
-              </a:srgbClr>
-            </a:outerShdw>
-          </a:effectLst>
-        </a:effectStyle>
-        <a:effectStyle>
-          <a:effectLst>
-            <a:outerShdw blurRad="40000" dist="23000" dir="5400000" rotWithShape="0">
-              <a:srgbClr val="000000">
-                <a:alpha val="35000"/>
-              </a:srgbClr>
-            </a:outerShdw>
-          </a:effectLst>
-        </a:effectStyle>
-        <a:effectStyle>
-          <a:effectLst>
-            <a:outerShdw blurRad="40000" dist="23000" dir="5400000" rotWithShape="0">
-              <a:srgbClr val="000000">
-                <a:alpha val="35000"/>
-              </a:srgbClr>
-            </a:outerShdw>
-          </a:effectLst>
-          <a:scene3d>
-            <a:camera prst="orthographicFront">
-              <a:rot lat="0" lon="0" rev="0"/>
-            </a:camera>
-            <a:lightRig rig="threePt" dir="t">
-              <a:rot lat="0" lon="0" rev="1200000"/>
-            </a:lightRig>
-          </a:scene3d>
-          <a:sp3d>
-            <a:bevelT w="63500" h="25400"/>
-          </a:sp3d>
-        </a:effectStyle>
-      </a:effectStyleLst>
-      <a:bgFillStyleLst>
-        <a:solidFill>
-          <a:schemeClr val="phClr"/>
-        </a:solidFill>
-        <a:gradFill rotWithShape="1">
-          <a:gsLst>
-            <a:gs pos="0">
-              <a:schemeClr val="phClr">
-                <a:tint val="40000"/>
-                <a:satMod val="350000"/>
-              </a:schemeClr>
-            </a:gs>
-            <a:gs pos="40000">
-              <a:schemeClr val="phClr">
-                <a:tint val="45000"/>
-                <a:shade val="99000"/>
-                <a:satMod val="350000"/>
-              </a:schemeClr>
-            </a:gs>
-            <a:gs pos="100000">
-              <a:schemeClr val="phClr">
-                <a:shade val="20000"/>
-                <a:satMod val="255000"/>
-              </a:schemeClr>
-            </a:gs>
-          </a:gsLst>
-          <a:path path="circle">
-            <a:fillToRect l="50000" t="-80000" r="50000" b="180000"/>
-          </a:path>
-        </a:gradFill>
-        <a:gradFill rotWithShape="1">
-          <a:gsLst>
-            <a:gs pos="0">
-              <a:schemeClr val="phClr">
-                <a:tint val="80000"/>
-                <a:satMod val="300000"/>
-              </a:schemeClr>
-            </a:gs>
-            <a:gs pos="100000">
-              <a:schemeClr val="phClr">
-                <a:shade val="30000"/>
-                <a:satMod val="200000"/>
-              </a:schemeClr>
-            </a:gs>
-          </a:gsLst>
-          <a:path path="circle">
-            <a:fillToRect l="50000" t="50000" r="50000" b="50000"/>
-          </a:path>
-        </a:gradFill>
-      </a:bgFillStyleLst>
-    </a:fmtScheme>
-  </a:themeElements>
-</a:theme>
-</file>
-
-<file path=ppt/theme/theme2.xml><?xml version="1.0" encoding="utf-8"?>
 <a:theme xmlns:a="http://schemas.openxmlformats.org/drawingml/2006/main" xmlns:r="http://schemas.openxmlformats.org/officeDocument/2006/relationships" name="Simple Light">
   <a:themeElements>
     <a:clrScheme name="Simple Light">
@@ -29280,7 +31138,7 @@
 </a:theme>
 </file>
 
-<file path=ppt/theme/theme3.xml><?xml version="1.0" encoding="utf-8"?>
+<file path=ppt/theme/theme2.xml><?xml version="1.0" encoding="utf-8"?>
 <a:theme xmlns:a="http://schemas.openxmlformats.org/drawingml/2006/main" xmlns:r="http://schemas.openxmlformats.org/officeDocument/2006/relationships" name="Geometric">
   <a:themeElements>
     <a:clrScheme name="Geometric">
@@ -29319,6 +31177,285 @@
       </a:hlink>
       <a:folHlink>
         <a:srgbClr val="F06292"/>
+      </a:folHlink>
+    </a:clrScheme>
+    <a:fontScheme name="Office">
+      <a:majorFont>
+        <a:latin typeface="Arial"/>
+        <a:ea typeface=""/>
+        <a:cs typeface=""/>
+        <a:font script="Jpan" typeface="ＭＳ Ｐゴシック"/>
+        <a:font script="Hang" typeface="맑은 고딕"/>
+        <a:font script="Hans" typeface="宋体"/>
+        <a:font script="Hant" typeface="新細明體"/>
+        <a:font script="Arab" typeface="Times New Roman"/>
+        <a:font script="Hebr" typeface="Times New Roman"/>
+        <a:font script="Thai" typeface="Angsana New"/>
+        <a:font script="Ethi" typeface="Nyala"/>
+        <a:font script="Beng" typeface="Vrinda"/>
+        <a:font script="Gujr" typeface="Shruti"/>
+        <a:font script="Khmr" typeface="MoolBoran"/>
+        <a:font script="Knda" typeface="Tunga"/>
+        <a:font script="Guru" typeface="Raavi"/>
+        <a:font script="Cans" typeface="Euphemia"/>
+        <a:font script="Cher" typeface="Plantagenet Cherokee"/>
+        <a:font script="Yiii" typeface="Microsoft Yi Baiti"/>
+        <a:font script="Tibt" typeface="Microsoft Himalaya"/>
+        <a:font script="Thaa" typeface="MV Boli"/>
+        <a:font script="Deva" typeface="Mangal"/>
+        <a:font script="Telu" typeface="Gautami"/>
+        <a:font script="Taml" typeface="Latha"/>
+        <a:font script="Syrc" typeface="Estrangelo Edessa"/>
+        <a:font script="Orya" typeface="Kalinga"/>
+        <a:font script="Mlym" typeface="Kartika"/>
+        <a:font script="Laoo" typeface="DokChampa"/>
+        <a:font script="Sinh" typeface="Iskoola Pota"/>
+        <a:font script="Mong" typeface="Mongolian Baiti"/>
+        <a:font script="Viet" typeface="Times New Roman"/>
+        <a:font script="Uigh" typeface="Microsoft Uighur"/>
+        <a:font script="Geor" typeface="Sylfaen"/>
+      </a:majorFont>
+      <a:minorFont>
+        <a:latin typeface="Arial"/>
+        <a:ea typeface=""/>
+        <a:cs typeface=""/>
+        <a:font script="Jpan" typeface="ＭＳ Ｐゴシック"/>
+        <a:font script="Hang" typeface="맑은 고딕"/>
+        <a:font script="Hans" typeface="宋体"/>
+        <a:font script="Hant" typeface="新細明體"/>
+        <a:font script="Arab" typeface="Arial"/>
+        <a:font script="Hebr" typeface="Arial"/>
+        <a:font script="Thai" typeface="Cordia New"/>
+        <a:font script="Ethi" typeface="Nyala"/>
+        <a:font script="Beng" typeface="Vrinda"/>
+        <a:font script="Gujr" typeface="Shruti"/>
+        <a:font script="Khmr" typeface="DaunPenh"/>
+        <a:font script="Knda" typeface="Tunga"/>
+        <a:font script="Guru" typeface="Raavi"/>
+        <a:font script="Cans" typeface="Euphemia"/>
+        <a:font script="Cher" typeface="Plantagenet Cherokee"/>
+        <a:font script="Yiii" typeface="Microsoft Yi Baiti"/>
+        <a:font script="Tibt" typeface="Microsoft Himalaya"/>
+        <a:font script="Thaa" typeface="MV Boli"/>
+        <a:font script="Deva" typeface="Mangal"/>
+        <a:font script="Telu" typeface="Gautami"/>
+        <a:font script="Taml" typeface="Latha"/>
+        <a:font script="Syrc" typeface="Estrangelo Edessa"/>
+        <a:font script="Orya" typeface="Kalinga"/>
+        <a:font script="Mlym" typeface="Kartika"/>
+        <a:font script="Laoo" typeface="DokChampa"/>
+        <a:font script="Sinh" typeface="Iskoola Pota"/>
+        <a:font script="Mong" typeface="Mongolian Baiti"/>
+        <a:font script="Viet" typeface="Arial"/>
+        <a:font script="Uigh" typeface="Microsoft Uighur"/>
+        <a:font script="Geor" typeface="Sylfaen"/>
+      </a:minorFont>
+    </a:fontScheme>
+    <a:fmtScheme name="Office">
+      <a:fillStyleLst>
+        <a:solidFill>
+          <a:schemeClr val="phClr"/>
+        </a:solidFill>
+        <a:gradFill rotWithShape="1">
+          <a:gsLst>
+            <a:gs pos="0">
+              <a:schemeClr val="phClr">
+                <a:tint val="50000"/>
+                <a:satMod val="300000"/>
+              </a:schemeClr>
+            </a:gs>
+            <a:gs pos="35000">
+              <a:schemeClr val="phClr">
+                <a:tint val="37000"/>
+                <a:satMod val="300000"/>
+              </a:schemeClr>
+            </a:gs>
+            <a:gs pos="100000">
+              <a:schemeClr val="phClr">
+                <a:tint val="15000"/>
+                <a:satMod val="350000"/>
+              </a:schemeClr>
+            </a:gs>
+          </a:gsLst>
+          <a:lin ang="16200000" scaled="1"/>
+        </a:gradFill>
+        <a:gradFill rotWithShape="1">
+          <a:gsLst>
+            <a:gs pos="0">
+              <a:schemeClr val="phClr">
+                <a:tint val="100000"/>
+                <a:shade val="100000"/>
+                <a:satMod val="130000"/>
+              </a:schemeClr>
+            </a:gs>
+            <a:gs pos="100000">
+              <a:schemeClr val="phClr">
+                <a:tint val="50000"/>
+                <a:shade val="100000"/>
+                <a:satMod val="350000"/>
+              </a:schemeClr>
+            </a:gs>
+          </a:gsLst>
+          <a:lin ang="16200000" scaled="0"/>
+        </a:gradFill>
+      </a:fillStyleLst>
+      <a:lnStyleLst>
+        <a:ln w="9525" cap="flat" cmpd="sng" algn="ctr">
+          <a:solidFill>
+            <a:schemeClr val="phClr">
+              <a:shade val="95000"/>
+              <a:satMod val="105000"/>
+            </a:schemeClr>
+          </a:solidFill>
+          <a:prstDash val="solid"/>
+        </a:ln>
+        <a:ln w="25400" cap="flat" cmpd="sng" algn="ctr">
+          <a:solidFill>
+            <a:schemeClr val="phClr"/>
+          </a:solidFill>
+          <a:prstDash val="solid"/>
+        </a:ln>
+        <a:ln w="38100" cap="flat" cmpd="sng" algn="ctr">
+          <a:solidFill>
+            <a:schemeClr val="phClr"/>
+          </a:solidFill>
+          <a:prstDash val="solid"/>
+        </a:ln>
+      </a:lnStyleLst>
+      <a:effectStyleLst>
+        <a:effectStyle>
+          <a:effectLst>
+            <a:outerShdw blurRad="40000" dist="20000" dir="5400000" rotWithShape="0">
+              <a:srgbClr val="000000">
+                <a:alpha val="38000"/>
+              </a:srgbClr>
+            </a:outerShdw>
+          </a:effectLst>
+        </a:effectStyle>
+        <a:effectStyle>
+          <a:effectLst>
+            <a:outerShdw blurRad="40000" dist="23000" dir="5400000" rotWithShape="0">
+              <a:srgbClr val="000000">
+                <a:alpha val="35000"/>
+              </a:srgbClr>
+            </a:outerShdw>
+          </a:effectLst>
+        </a:effectStyle>
+        <a:effectStyle>
+          <a:effectLst>
+            <a:outerShdw blurRad="40000" dist="23000" dir="5400000" rotWithShape="0">
+              <a:srgbClr val="000000">
+                <a:alpha val="35000"/>
+              </a:srgbClr>
+            </a:outerShdw>
+          </a:effectLst>
+          <a:scene3d>
+            <a:camera prst="orthographicFront">
+              <a:rot lat="0" lon="0" rev="0"/>
+            </a:camera>
+            <a:lightRig rig="threePt" dir="t">
+              <a:rot lat="0" lon="0" rev="1200000"/>
+            </a:lightRig>
+          </a:scene3d>
+          <a:sp3d>
+            <a:bevelT w="63500" h="25400"/>
+          </a:sp3d>
+        </a:effectStyle>
+      </a:effectStyleLst>
+      <a:bgFillStyleLst>
+        <a:solidFill>
+          <a:schemeClr val="phClr"/>
+        </a:solidFill>
+        <a:gradFill rotWithShape="1">
+          <a:gsLst>
+            <a:gs pos="0">
+              <a:schemeClr val="phClr">
+                <a:tint val="40000"/>
+                <a:satMod val="350000"/>
+              </a:schemeClr>
+            </a:gs>
+            <a:gs pos="40000">
+              <a:schemeClr val="phClr">
+                <a:tint val="45000"/>
+                <a:shade val="99000"/>
+                <a:satMod val="350000"/>
+              </a:schemeClr>
+            </a:gs>
+            <a:gs pos="100000">
+              <a:schemeClr val="phClr">
+                <a:shade val="20000"/>
+                <a:satMod val="255000"/>
+              </a:schemeClr>
+            </a:gs>
+          </a:gsLst>
+          <a:path path="circle">
+            <a:fillToRect l="50000" t="-80000" r="50000" b="180000"/>
+          </a:path>
+        </a:gradFill>
+        <a:gradFill rotWithShape="1">
+          <a:gsLst>
+            <a:gs pos="0">
+              <a:schemeClr val="phClr">
+                <a:tint val="80000"/>
+                <a:satMod val="300000"/>
+              </a:schemeClr>
+            </a:gs>
+            <a:gs pos="100000">
+              <a:schemeClr val="phClr">
+                <a:shade val="30000"/>
+                <a:satMod val="200000"/>
+              </a:schemeClr>
+            </a:gs>
+          </a:gsLst>
+          <a:path path="circle">
+            <a:fillToRect l="50000" t="50000" r="50000" b="50000"/>
+          </a:path>
+        </a:gradFill>
+      </a:bgFillStyleLst>
+    </a:fmtScheme>
+  </a:themeElements>
+</a:theme>
+</file>
+
+<file path=ppt/theme/theme3.xml><?xml version="1.0" encoding="utf-8"?>
+<a:theme xmlns:a="http://schemas.openxmlformats.org/drawingml/2006/main" xmlns:r="http://schemas.openxmlformats.org/officeDocument/2006/relationships">
+  <a:themeElements>
+    <a:clrScheme name="Default">
+      <a:dk1>
+        <a:srgbClr val="000000"/>
+      </a:dk1>
+      <a:lt1>
+        <a:srgbClr val="FFFFFF"/>
+      </a:lt1>
+      <a:dk2>
+        <a:srgbClr val="158158"/>
+      </a:dk2>
+      <a:lt2>
+        <a:srgbClr val="F3F3F3"/>
+      </a:lt2>
+      <a:accent1>
+        <a:srgbClr val="058DC7"/>
+      </a:accent1>
+      <a:accent2>
+        <a:srgbClr val="50B432"/>
+      </a:accent2>
+      <a:accent3>
+        <a:srgbClr val="ED561B"/>
+      </a:accent3>
+      <a:accent4>
+        <a:srgbClr val="EDEF00"/>
+      </a:accent4>
+      <a:accent5>
+        <a:srgbClr val="24CBE5"/>
+      </a:accent5>
+      <a:accent6>
+        <a:srgbClr val="64E572"/>
+      </a:accent6>
+      <a:hlink>
+        <a:srgbClr val="2200CC"/>
+      </a:hlink>
+      <a:folHlink>
+        <a:srgbClr val="551A8B"/>
       </a:folHlink>
     </a:clrScheme>
     <a:fontScheme name="Office">

--- a/Day_2/Lectures/Day_2_Lecture_1_Data_Collection_Data_Preparation.pptx
+++ b/Day_2/Lectures/Day_2_Lecture_1_Data_Collection_Data_Preparation.pptx
@@ -31139,44 +31139,44 @@
 </file>
 
 <file path=ppt/theme/theme2.xml><?xml version="1.0" encoding="utf-8"?>
-<a:theme xmlns:a="http://schemas.openxmlformats.org/drawingml/2006/main" xmlns:r="http://schemas.openxmlformats.org/officeDocument/2006/relationships" name="Geometric">
+<a:theme xmlns:a="http://schemas.openxmlformats.org/drawingml/2006/main" xmlns:r="http://schemas.openxmlformats.org/officeDocument/2006/relationships" name="Simple Light">
   <a:themeElements>
-    <a:clrScheme name="Geometric">
+    <a:clrScheme name="Simple Light">
       <a:dk1>
-        <a:srgbClr val="2A3990"/>
+        <a:srgbClr val="000000"/>
       </a:dk1>
       <a:lt1>
         <a:srgbClr val="FFFFFF"/>
       </a:lt1>
       <a:dk2>
-        <a:srgbClr val="434343"/>
+        <a:srgbClr val="595959"/>
       </a:dk2>
       <a:lt2>
-        <a:srgbClr val="999999"/>
+        <a:srgbClr val="EEEEEE"/>
       </a:lt2>
       <a:accent1>
-        <a:srgbClr val="212D74"/>
+        <a:srgbClr val="4285F4"/>
       </a:accent1>
       <a:accent2>
-        <a:srgbClr val="3949AB"/>
+        <a:srgbClr val="212121"/>
       </a:accent2>
       <a:accent3>
-        <a:srgbClr val="9C254D"/>
+        <a:srgbClr val="78909C"/>
       </a:accent3>
       <a:accent4>
-        <a:srgbClr val="D23369"/>
+        <a:srgbClr val="FFAB40"/>
       </a:accent4>
       <a:accent5>
-        <a:srgbClr val="F06292"/>
+        <a:srgbClr val="0097A7"/>
       </a:accent5>
       <a:accent6>
-        <a:srgbClr val="7890CD"/>
+        <a:srgbClr val="EEFF41"/>
       </a:accent6>
       <a:hlink>
-        <a:srgbClr val="F06292"/>
+        <a:srgbClr val="0097A7"/>
       </a:hlink>
       <a:folHlink>
-        <a:srgbClr val="F06292"/>
+        <a:srgbClr val="0097A7"/>
       </a:folHlink>
     </a:clrScheme>
     <a:fontScheme name="Office">
@@ -31697,44 +31697,44 @@
 </file>
 
 <file path=ppt/theme/theme4.xml><?xml version="1.0" encoding="utf-8"?>
-<a:theme xmlns:a="http://schemas.openxmlformats.org/drawingml/2006/main" xmlns:r="http://schemas.openxmlformats.org/officeDocument/2006/relationships" name="Simple Light">
+<a:theme xmlns:a="http://schemas.openxmlformats.org/drawingml/2006/main" xmlns:r="http://schemas.openxmlformats.org/officeDocument/2006/relationships" name="Geometric">
   <a:themeElements>
-    <a:clrScheme name="Simple Light">
+    <a:clrScheme name="Geometric">
       <a:dk1>
-        <a:srgbClr val="000000"/>
+        <a:srgbClr val="2A3990"/>
       </a:dk1>
       <a:lt1>
         <a:srgbClr val="FFFFFF"/>
       </a:lt1>
       <a:dk2>
-        <a:srgbClr val="595959"/>
+        <a:srgbClr val="434343"/>
       </a:dk2>
       <a:lt2>
-        <a:srgbClr val="EEEEEE"/>
+        <a:srgbClr val="999999"/>
       </a:lt2>
       <a:accent1>
-        <a:srgbClr val="4285F4"/>
+        <a:srgbClr val="212D74"/>
       </a:accent1>
       <a:accent2>
-        <a:srgbClr val="212121"/>
+        <a:srgbClr val="3949AB"/>
       </a:accent2>
       <a:accent3>
-        <a:srgbClr val="78909C"/>
+        <a:srgbClr val="9C254D"/>
       </a:accent3>
       <a:accent4>
-        <a:srgbClr val="FFAB40"/>
+        <a:srgbClr val="D23369"/>
       </a:accent4>
       <a:accent5>
-        <a:srgbClr val="0097A7"/>
+        <a:srgbClr val="F06292"/>
       </a:accent5>
       <a:accent6>
-        <a:srgbClr val="EEFF41"/>
+        <a:srgbClr val="7890CD"/>
       </a:accent6>
       <a:hlink>
-        <a:srgbClr val="0097A7"/>
+        <a:srgbClr val="F06292"/>
       </a:hlink>
       <a:folHlink>
-        <a:srgbClr val="0097A7"/>
+        <a:srgbClr val="F06292"/>
       </a:folHlink>
     </a:clrScheme>
     <a:fontScheme name="Office">

--- a/Day_2/Lectures/Day_2_Lecture_1_Data_Collection_Data_Preparation.pptx
+++ b/Day_2/Lectures/Day_2_Lecture_1_Data_Collection_Data_Preparation.pptx
@@ -1784,7 +1784,7 @@
   <p:cSld>
     <p:spTree>
       <p:nvGrpSpPr>
-        <p:cNvPr id="314" name="Shape 314"/>
+        <p:cNvPr id="315" name="Shape 315"/>
         <p:cNvGrpSpPr/>
         <p:nvPr/>
       </p:nvGrpSpPr>
@@ -1798,7 +1798,7 @@
       </p:grpSpPr>
       <p:sp>
         <p:nvSpPr>
-          <p:cNvPr id="315" name="Google Shape;315;g110a238f71a_0_1:notes"/>
+          <p:cNvPr id="316" name="Google Shape;316;g110a238f71a_0_1:notes"/>
           <p:cNvSpPr/>
           <p:nvPr>
             <p:ph idx="2" type="sldImg"/>
@@ -1833,7 +1833,7 @@
       </p:sp>
       <p:sp>
         <p:nvSpPr>
-          <p:cNvPr id="316" name="Google Shape;316;g110a238f71a_0_1:notes"/>
+          <p:cNvPr id="317" name="Google Shape;317;g110a238f71a_0_1:notes"/>
           <p:cNvSpPr txBox="1"/>
           <p:nvPr>
             <p:ph idx="1" type="body"/>
@@ -1883,7 +1883,7 @@
   <p:cSld>
     <p:spTree>
       <p:nvGrpSpPr>
-        <p:cNvPr id="324" name="Shape 324"/>
+        <p:cNvPr id="325" name="Shape 325"/>
         <p:cNvGrpSpPr/>
         <p:nvPr/>
       </p:nvGrpSpPr>
@@ -1897,7 +1897,7 @@
       </p:grpSpPr>
       <p:sp>
         <p:nvSpPr>
-          <p:cNvPr id="325" name="Google Shape;325;g110a238f71a_0_13:notes"/>
+          <p:cNvPr id="326" name="Google Shape;326;g110a238f71a_0_13:notes"/>
           <p:cNvSpPr/>
           <p:nvPr>
             <p:ph idx="2" type="sldImg"/>
@@ -1932,7 +1932,7 @@
       </p:sp>
       <p:sp>
         <p:nvSpPr>
-          <p:cNvPr id="326" name="Google Shape;326;g110a238f71a_0_13:notes"/>
+          <p:cNvPr id="327" name="Google Shape;327;g110a238f71a_0_13:notes"/>
           <p:cNvSpPr txBox="1"/>
           <p:nvPr>
             <p:ph idx="1" type="body"/>
@@ -1982,7 +1982,7 @@
   <p:cSld>
     <p:spTree>
       <p:nvGrpSpPr>
-        <p:cNvPr id="334" name="Shape 334"/>
+        <p:cNvPr id="335" name="Shape 335"/>
         <p:cNvGrpSpPr/>
         <p:nvPr/>
       </p:nvGrpSpPr>
@@ -1996,7 +1996,7 @@
       </p:grpSpPr>
       <p:sp>
         <p:nvSpPr>
-          <p:cNvPr id="335" name="Google Shape;335;g11cb97c2611_0_192:notes"/>
+          <p:cNvPr id="336" name="Google Shape;336;g11cb97c2611_0_192:notes"/>
           <p:cNvSpPr/>
           <p:nvPr>
             <p:ph idx="2" type="sldImg"/>
@@ -2031,7 +2031,7 @@
       </p:sp>
       <p:sp>
         <p:nvSpPr>
-          <p:cNvPr id="336" name="Google Shape;336;g11cb97c2611_0_192:notes"/>
+          <p:cNvPr id="337" name="Google Shape;337;g11cb97c2611_0_192:notes"/>
           <p:cNvSpPr txBox="1"/>
           <p:nvPr>
             <p:ph idx="1" type="body"/>
@@ -2081,7 +2081,7 @@
   <p:cSld>
     <p:spTree>
       <p:nvGrpSpPr>
-        <p:cNvPr id="344" name="Shape 344"/>
+        <p:cNvPr id="345" name="Shape 345"/>
         <p:cNvGrpSpPr/>
         <p:nvPr/>
       </p:nvGrpSpPr>
@@ -2095,7 +2095,7 @@
       </p:grpSpPr>
       <p:sp>
         <p:nvSpPr>
-          <p:cNvPr id="345" name="Google Shape;345;g110a238f71a_0_25:notes"/>
+          <p:cNvPr id="346" name="Google Shape;346;g110a238f71a_0_25:notes"/>
           <p:cNvSpPr/>
           <p:nvPr>
             <p:ph idx="2" type="sldImg"/>
@@ -2130,7 +2130,7 @@
       </p:sp>
       <p:sp>
         <p:nvSpPr>
-          <p:cNvPr id="346" name="Google Shape;346;g110a238f71a_0_25:notes"/>
+          <p:cNvPr id="347" name="Google Shape;347;g110a238f71a_0_25:notes"/>
           <p:cNvSpPr txBox="1"/>
           <p:nvPr>
             <p:ph idx="1" type="body"/>
@@ -2279,7 +2279,7 @@
   <p:cSld>
     <p:spTree>
       <p:nvGrpSpPr>
-        <p:cNvPr id="354" name="Shape 354"/>
+        <p:cNvPr id="355" name="Shape 355"/>
         <p:cNvGrpSpPr/>
         <p:nvPr/>
       </p:nvGrpSpPr>
@@ -2293,7 +2293,7 @@
       </p:grpSpPr>
       <p:sp>
         <p:nvSpPr>
-          <p:cNvPr id="355" name="Google Shape;355;g110a238f71a_0_44:notes"/>
+          <p:cNvPr id="356" name="Google Shape;356;g110a238f71a_0_44:notes"/>
           <p:cNvSpPr/>
           <p:nvPr>
             <p:ph idx="2" type="sldImg"/>
@@ -2328,7 +2328,7 @@
       </p:sp>
       <p:sp>
         <p:nvSpPr>
-          <p:cNvPr id="356" name="Google Shape;356;g110a238f71a_0_44:notes"/>
+          <p:cNvPr id="357" name="Google Shape;357;g110a238f71a_0_44:notes"/>
           <p:cNvSpPr txBox="1"/>
           <p:nvPr>
             <p:ph idx="1" type="body"/>
@@ -2378,7 +2378,7 @@
   <p:cSld>
     <p:spTree>
       <p:nvGrpSpPr>
-        <p:cNvPr id="365" name="Shape 365"/>
+        <p:cNvPr id="366" name="Shape 366"/>
         <p:cNvGrpSpPr/>
         <p:nvPr/>
       </p:nvGrpSpPr>
@@ -2392,7 +2392,7 @@
       </p:grpSpPr>
       <p:sp>
         <p:nvSpPr>
-          <p:cNvPr id="366" name="Google Shape;366;g110a238f71a_0_34:notes"/>
+          <p:cNvPr id="367" name="Google Shape;367;g110a238f71a_0_34:notes"/>
           <p:cNvSpPr/>
           <p:nvPr>
             <p:ph idx="2" type="sldImg"/>
@@ -2427,7 +2427,7 @@
       </p:sp>
       <p:sp>
         <p:nvSpPr>
-          <p:cNvPr id="367" name="Google Shape;367;g110a238f71a_0_34:notes"/>
+          <p:cNvPr id="368" name="Google Shape;368;g110a238f71a_0_34:notes"/>
           <p:cNvSpPr txBox="1"/>
           <p:nvPr>
             <p:ph idx="1" type="body"/>
@@ -2637,7 +2637,7 @@
   <p:cSld>
     <p:spTree>
       <p:nvGrpSpPr>
-        <p:cNvPr id="377" name="Shape 377"/>
+        <p:cNvPr id="378" name="Shape 378"/>
         <p:cNvGrpSpPr/>
         <p:nvPr/>
       </p:nvGrpSpPr>
@@ -2651,7 +2651,7 @@
       </p:grpSpPr>
       <p:sp>
         <p:nvSpPr>
-          <p:cNvPr id="378" name="Google Shape;378;g110a238f71a_0_54:notes"/>
+          <p:cNvPr id="379" name="Google Shape;379;g110a238f71a_0_54:notes"/>
           <p:cNvSpPr/>
           <p:nvPr>
             <p:ph idx="2" type="sldImg"/>
@@ -2686,7 +2686,7 @@
       </p:sp>
       <p:sp>
         <p:nvSpPr>
-          <p:cNvPr id="379" name="Google Shape;379;g110a238f71a_0_54:notes"/>
+          <p:cNvPr id="380" name="Google Shape;380;g110a238f71a_0_54:notes"/>
           <p:cNvSpPr txBox="1"/>
           <p:nvPr>
             <p:ph idx="1" type="body"/>
@@ -3006,7 +3006,7 @@
   <p:cSld>
     <p:spTree>
       <p:nvGrpSpPr>
-        <p:cNvPr id="388" name="Shape 388"/>
+        <p:cNvPr id="389" name="Shape 389"/>
         <p:cNvGrpSpPr/>
         <p:nvPr/>
       </p:nvGrpSpPr>
@@ -3020,7 +3020,7 @@
       </p:grpSpPr>
       <p:sp>
         <p:nvSpPr>
-          <p:cNvPr id="389" name="Google Shape;389;g110a238f71a_0_63:notes"/>
+          <p:cNvPr id="390" name="Google Shape;390;g110a238f71a_0_63:notes"/>
           <p:cNvSpPr/>
           <p:nvPr>
             <p:ph idx="2" type="sldImg"/>
@@ -3055,7 +3055,7 @@
       </p:sp>
       <p:sp>
         <p:nvSpPr>
-          <p:cNvPr id="390" name="Google Shape;390;g110a238f71a_0_63:notes"/>
+          <p:cNvPr id="391" name="Google Shape;391;g110a238f71a_0_63:notes"/>
           <p:cNvSpPr txBox="1"/>
           <p:nvPr>
             <p:ph idx="1" type="body"/>
@@ -3105,7 +3105,7 @@
   <p:cSld>
     <p:spTree>
       <p:nvGrpSpPr>
-        <p:cNvPr id="398" name="Shape 398"/>
+        <p:cNvPr id="399" name="Shape 399"/>
         <p:cNvGrpSpPr/>
         <p:nvPr/>
       </p:nvGrpSpPr>
@@ -3119,7 +3119,7 @@
       </p:grpSpPr>
       <p:sp>
         <p:nvSpPr>
-          <p:cNvPr id="399" name="Google Shape;399;g11ba22b7cc1_0_61:notes"/>
+          <p:cNvPr id="400" name="Google Shape;400;g11ba22b7cc1_0_61:notes"/>
           <p:cNvSpPr/>
           <p:nvPr>
             <p:ph idx="2" type="sldImg"/>
@@ -3154,7 +3154,7 @@
       </p:sp>
       <p:sp>
         <p:nvSpPr>
-          <p:cNvPr id="400" name="Google Shape;400;g11ba22b7cc1_0_61:notes"/>
+          <p:cNvPr id="401" name="Google Shape;401;g11ba22b7cc1_0_61:notes"/>
           <p:cNvSpPr txBox="1"/>
           <p:nvPr>
             <p:ph idx="1" type="body"/>
@@ -3204,7 +3204,7 @@
   <p:cSld>
     <p:spTree>
       <p:nvGrpSpPr>
-        <p:cNvPr id="417" name="Shape 417"/>
+        <p:cNvPr id="418" name="Shape 418"/>
         <p:cNvGrpSpPr/>
         <p:nvPr/>
       </p:nvGrpSpPr>
@@ -3218,7 +3218,7 @@
       </p:grpSpPr>
       <p:sp>
         <p:nvSpPr>
-          <p:cNvPr id="418" name="Google Shape;418;g110c9cc373d_0_0:notes"/>
+          <p:cNvPr id="419" name="Google Shape;419;g110c9cc373d_0_0:notes"/>
           <p:cNvSpPr/>
           <p:nvPr>
             <p:ph idx="2" type="sldImg"/>
@@ -3253,7 +3253,7 @@
       </p:sp>
       <p:sp>
         <p:nvSpPr>
-          <p:cNvPr id="419" name="Google Shape;419;g110c9cc373d_0_0:notes"/>
+          <p:cNvPr id="420" name="Google Shape;420;g110c9cc373d_0_0:notes"/>
           <p:cNvSpPr txBox="1"/>
           <p:nvPr>
             <p:ph idx="1" type="body"/>
@@ -3391,7 +3391,7 @@
   <p:cSld>
     <p:spTree>
       <p:nvGrpSpPr>
-        <p:cNvPr id="426" name="Shape 426"/>
+        <p:cNvPr id="427" name="Shape 427"/>
         <p:cNvGrpSpPr/>
         <p:nvPr/>
       </p:nvGrpSpPr>
@@ -3405,7 +3405,7 @@
       </p:grpSpPr>
       <p:sp>
         <p:nvSpPr>
-          <p:cNvPr id="427" name="Google Shape;427;g11c1ae6140b_0_17:notes"/>
+          <p:cNvPr id="428" name="Google Shape;428;g11c1ae6140b_0_17:notes"/>
           <p:cNvSpPr/>
           <p:nvPr>
             <p:ph idx="2" type="sldImg"/>
@@ -3440,7 +3440,7 @@
       </p:sp>
       <p:sp>
         <p:nvSpPr>
-          <p:cNvPr id="428" name="Google Shape;428;g11c1ae6140b_0_17:notes"/>
+          <p:cNvPr id="429" name="Google Shape;429;g11c1ae6140b_0_17:notes"/>
           <p:cNvSpPr txBox="1"/>
           <p:nvPr>
             <p:ph idx="1" type="body"/>
@@ -23397,7 +23397,7 @@
         </p:blipFill>
         <p:spPr>
           <a:xfrm>
-            <a:off x="5391386" y="132925"/>
+            <a:off x="5391386" y="0"/>
             <a:ext cx="3536038" cy="4577375"/>
           </a:xfrm>
           <a:prstGeom prst="rect">
@@ -23409,6 +23409,58 @@
           </a:ln>
         </p:spPr>
       </p:pic>
+      <p:sp>
+        <p:nvSpPr>
+          <p:cNvPr id="314" name="Google Shape;314;p51"/>
+          <p:cNvSpPr txBox="1"/>
+          <p:nvPr/>
+        </p:nvSpPr>
+        <p:spPr>
+          <a:xfrm>
+            <a:off x="6606900" y="4422300"/>
+            <a:ext cx="2537100" cy="307800"/>
+          </a:xfrm>
+          <a:prstGeom prst="rect">
+            <a:avLst/>
+          </a:prstGeom>
+          <a:noFill/>
+          <a:ln>
+            <a:noFill/>
+          </a:ln>
+        </p:spPr>
+        <p:txBody>
+          <a:bodyPr anchorCtr="0" anchor="t" bIns="91425" lIns="91425" spcFirstLastPara="1" rIns="91425" wrap="square" tIns="91425">
+            <a:spAutoFit/>
+          </a:bodyPr>
+          <a:lstStyle/>
+          <a:p>
+            <a:pPr indent="0" lvl="0" marL="0" rtl="0" algn="r">
+              <a:spcBef>
+                <a:spcPts val="0"/>
+              </a:spcBef>
+              <a:spcAft>
+                <a:spcPts val="0"/>
+              </a:spcAft>
+              <a:buNone/>
+            </a:pPr>
+            <a:r>
+              <a:rPr i="1" lang="en" sz="800">
+                <a:latin typeface="Roboto"/>
+                <a:ea typeface="Roboto"/>
+                <a:cs typeface="Roboto"/>
+                <a:sym typeface="Roboto"/>
+              </a:rPr>
+              <a:t>Created in Canva  by C. Arighi</a:t>
+            </a:r>
+            <a:endParaRPr i="1" sz="800">
+              <a:latin typeface="Roboto"/>
+              <a:ea typeface="Roboto"/>
+              <a:cs typeface="Roboto"/>
+              <a:sym typeface="Roboto"/>
+            </a:endParaRPr>
+          </a:p>
+        </p:txBody>
+      </p:sp>
     </p:spTree>
   </p:cSld>
   <p:clrMapOvr>
@@ -23422,7 +23474,7 @@
   <p:cSld>
     <p:spTree>
       <p:nvGrpSpPr>
-        <p:cNvPr id="317" name="Shape 317"/>
+        <p:cNvPr id="318" name="Shape 318"/>
         <p:cNvGrpSpPr/>
         <p:nvPr/>
       </p:nvGrpSpPr>
@@ -23436,7 +23488,7 @@
       </p:grpSpPr>
       <p:pic>
         <p:nvPicPr>
-          <p:cNvPr id="318" name="Google Shape;318;p52"/>
+          <p:cNvPr id="319" name="Google Shape;319;p52"/>
           <p:cNvPicPr preferRelativeResize="0"/>
           <p:nvPr/>
         </p:nvPicPr>
@@ -23464,7 +23516,7 @@
       </p:pic>
       <p:sp>
         <p:nvSpPr>
-          <p:cNvPr id="319" name="Google Shape;319;p52"/>
+          <p:cNvPr id="320" name="Google Shape;320;p52"/>
           <p:cNvSpPr txBox="1"/>
           <p:nvPr>
             <p:ph type="title"/>
@@ -23512,7 +23564,7 @@
       </p:sp>
       <p:sp>
         <p:nvSpPr>
-          <p:cNvPr id="320" name="Google Shape;320;p52"/>
+          <p:cNvPr id="321" name="Google Shape;321;p52"/>
           <p:cNvSpPr txBox="1"/>
           <p:nvPr>
             <p:ph idx="12" type="sldNum"/>
@@ -23560,7 +23612,7 @@
       </p:sp>
       <p:sp>
         <p:nvSpPr>
-          <p:cNvPr id="321" name="Google Shape;321;p52"/>
+          <p:cNvPr id="322" name="Google Shape;322;p52"/>
           <p:cNvSpPr/>
           <p:nvPr/>
         </p:nvSpPr>
@@ -23678,7 +23730,7 @@
       </p:sp>
       <p:pic>
         <p:nvPicPr>
-          <p:cNvPr id="322" name="Google Shape;322;p52"/>
+          <p:cNvPr id="323" name="Google Shape;323;p52"/>
           <p:cNvPicPr preferRelativeResize="0"/>
           <p:nvPr/>
         </p:nvPicPr>
@@ -23706,7 +23758,7 @@
       </p:pic>
       <p:sp>
         <p:nvSpPr>
-          <p:cNvPr id="323" name="Google Shape;323;p52"/>
+          <p:cNvPr id="324" name="Google Shape;324;p52"/>
           <p:cNvSpPr txBox="1"/>
           <p:nvPr/>
         </p:nvSpPr>
@@ -23822,7 +23874,7 @@
   <p:cSld>
     <p:spTree>
       <p:nvGrpSpPr>
-        <p:cNvPr id="327" name="Shape 327"/>
+        <p:cNvPr id="328" name="Shape 328"/>
         <p:cNvGrpSpPr/>
         <p:nvPr/>
       </p:nvGrpSpPr>
@@ -23836,7 +23888,7 @@
       </p:grpSpPr>
       <p:pic>
         <p:nvPicPr>
-          <p:cNvPr id="328" name="Google Shape;328;p53"/>
+          <p:cNvPr id="329" name="Google Shape;329;p53"/>
           <p:cNvPicPr preferRelativeResize="0"/>
           <p:nvPr/>
         </p:nvPicPr>
@@ -23864,7 +23916,7 @@
       </p:pic>
       <p:sp>
         <p:nvSpPr>
-          <p:cNvPr id="329" name="Google Shape;329;p53"/>
+          <p:cNvPr id="330" name="Google Shape;330;p53"/>
           <p:cNvSpPr txBox="1"/>
           <p:nvPr>
             <p:ph type="title"/>
@@ -23960,7 +24012,7 @@
       </p:sp>
       <p:sp>
         <p:nvSpPr>
-          <p:cNvPr id="330" name="Google Shape;330;p53"/>
+          <p:cNvPr id="331" name="Google Shape;331;p53"/>
           <p:cNvSpPr txBox="1"/>
           <p:nvPr>
             <p:ph idx="12" type="sldNum"/>
@@ -24008,14 +24060,14 @@
       </p:sp>
       <p:sp>
         <p:nvSpPr>
-          <p:cNvPr id="331" name="Google Shape;331;p53"/>
+          <p:cNvPr id="332" name="Google Shape;332;p53"/>
           <p:cNvSpPr txBox="1"/>
           <p:nvPr/>
         </p:nvSpPr>
         <p:spPr>
           <a:xfrm>
             <a:off x="1526700" y="2350350"/>
-            <a:ext cx="6222300" cy="997500"/>
+            <a:ext cx="6222300" cy="1254000"/>
           </a:xfrm>
           <a:prstGeom prst="rect">
             <a:avLst/>
@@ -24056,7 +24108,7 @@
                 <a:spcPct val="115000"/>
               </a:lnSpc>
               <a:spcBef>
-                <a:spcPts val="0"/>
+                <a:spcPts val="1000"/>
               </a:spcBef>
               <a:spcAft>
                 <a:spcPts val="0"/>
@@ -24076,10 +24128,10 @@
                 <a:spcPct val="115000"/>
               </a:lnSpc>
               <a:spcBef>
-                <a:spcPts val="0"/>
-              </a:spcBef>
-              <a:spcAft>
-                <a:spcPts val="0"/>
+                <a:spcPts val="1000"/>
+              </a:spcBef>
+              <a:spcAft>
+                <a:spcPts val="1000"/>
               </a:spcAft>
               <a:buSzPts val="1600"/>
               <a:buChar char="●"/>
@@ -24094,13 +24146,13 @@
       </p:sp>
       <p:sp>
         <p:nvSpPr>
-          <p:cNvPr id="332" name="Google Shape;332;p53"/>
+          <p:cNvPr id="333" name="Google Shape;333;p53"/>
           <p:cNvSpPr/>
           <p:nvPr/>
         </p:nvSpPr>
         <p:spPr>
           <a:xfrm>
-            <a:off x="1802375" y="1102600"/>
+            <a:off x="1345175" y="1102600"/>
             <a:ext cx="6325500" cy="687900"/>
           </a:xfrm>
           <a:prstGeom prst="roundRect">
@@ -24153,7 +24205,7 @@
       </p:sp>
       <p:pic>
         <p:nvPicPr>
-          <p:cNvPr id="333" name="Google Shape;333;p53"/>
+          <p:cNvPr id="334" name="Google Shape;334;p53"/>
           <p:cNvPicPr preferRelativeResize="0"/>
           <p:nvPr/>
         </p:nvPicPr>
@@ -24167,7 +24219,7 @@
         </p:blipFill>
         <p:spPr>
           <a:xfrm>
-            <a:off x="1871150" y="1200500"/>
+            <a:off x="1413950" y="1200500"/>
             <a:ext cx="766300" cy="492125"/>
           </a:xfrm>
           <a:prstGeom prst="rect">
@@ -24192,7 +24244,7 @@
   <p:cSld>
     <p:spTree>
       <p:nvGrpSpPr>
-        <p:cNvPr id="337" name="Shape 337"/>
+        <p:cNvPr id="338" name="Shape 338"/>
         <p:cNvGrpSpPr/>
         <p:nvPr/>
       </p:nvGrpSpPr>
@@ -24206,7 +24258,7 @@
       </p:grpSpPr>
       <p:pic>
         <p:nvPicPr>
-          <p:cNvPr id="338" name="Google Shape;338;p54"/>
+          <p:cNvPr id="339" name="Google Shape;339;p54"/>
           <p:cNvPicPr preferRelativeResize="0"/>
           <p:nvPr/>
         </p:nvPicPr>
@@ -24234,7 +24286,7 @@
       </p:pic>
       <p:sp>
         <p:nvSpPr>
-          <p:cNvPr id="339" name="Google Shape;339;p54"/>
+          <p:cNvPr id="340" name="Google Shape;340;p54"/>
           <p:cNvSpPr txBox="1"/>
           <p:nvPr>
             <p:ph type="title"/>
@@ -24282,7 +24334,7 @@
       </p:sp>
       <p:sp>
         <p:nvSpPr>
-          <p:cNvPr id="340" name="Google Shape;340;p54"/>
+          <p:cNvPr id="341" name="Google Shape;341;p54"/>
           <p:cNvSpPr txBox="1"/>
           <p:nvPr>
             <p:ph idx="12" type="sldNum"/>
@@ -24330,7 +24382,7 @@
       </p:sp>
       <p:sp>
         <p:nvSpPr>
-          <p:cNvPr id="341" name="Google Shape;341;p54"/>
+          <p:cNvPr id="342" name="Google Shape;342;p54"/>
           <p:cNvSpPr txBox="1"/>
           <p:nvPr/>
         </p:nvSpPr>
@@ -24534,7 +24586,7 @@
       </p:sp>
       <p:pic>
         <p:nvPicPr>
-          <p:cNvPr id="342" name="Google Shape;342;p54"/>
+          <p:cNvPr id="343" name="Google Shape;343;p54"/>
           <p:cNvPicPr preferRelativeResize="0"/>
           <p:nvPr/>
         </p:nvPicPr>
@@ -24562,7 +24614,7 @@
       </p:pic>
       <p:sp>
         <p:nvSpPr>
-          <p:cNvPr id="343" name="Google Shape;343;p54"/>
+          <p:cNvPr id="344" name="Google Shape;344;p54"/>
           <p:cNvSpPr txBox="1"/>
           <p:nvPr/>
         </p:nvSpPr>
@@ -24628,7 +24680,7 @@
   <p:cSld>
     <p:spTree>
       <p:nvGrpSpPr>
-        <p:cNvPr id="347" name="Shape 347"/>
+        <p:cNvPr id="348" name="Shape 348"/>
         <p:cNvGrpSpPr/>
         <p:nvPr/>
       </p:nvGrpSpPr>
@@ -24642,7 +24694,7 @@
       </p:grpSpPr>
       <p:pic>
         <p:nvPicPr>
-          <p:cNvPr id="348" name="Google Shape;348;p55"/>
+          <p:cNvPr id="349" name="Google Shape;349;p55"/>
           <p:cNvPicPr preferRelativeResize="0"/>
           <p:nvPr/>
         </p:nvPicPr>
@@ -24670,7 +24722,7 @@
       </p:pic>
       <p:sp>
         <p:nvSpPr>
-          <p:cNvPr id="349" name="Google Shape;349;p55"/>
+          <p:cNvPr id="350" name="Google Shape;350;p55"/>
           <p:cNvSpPr txBox="1"/>
           <p:nvPr>
             <p:ph type="title"/>
@@ -24718,7 +24770,7 @@
       </p:sp>
       <p:sp>
         <p:nvSpPr>
-          <p:cNvPr id="350" name="Google Shape;350;p55"/>
+          <p:cNvPr id="351" name="Google Shape;351;p55"/>
           <p:cNvSpPr txBox="1"/>
           <p:nvPr>
             <p:ph idx="12" type="sldNum"/>
@@ -24766,7 +24818,7 @@
       </p:sp>
       <p:sp>
         <p:nvSpPr>
-          <p:cNvPr id="351" name="Google Shape;351;p55"/>
+          <p:cNvPr id="352" name="Google Shape;352;p55"/>
           <p:cNvSpPr txBox="1"/>
           <p:nvPr/>
         </p:nvSpPr>
@@ -24851,7 +24903,7 @@
       </p:sp>
       <p:pic>
         <p:nvPicPr>
-          <p:cNvPr id="352" name="Google Shape;352;p55"/>
+          <p:cNvPr id="353" name="Google Shape;353;p55"/>
           <p:cNvPicPr preferRelativeResize="0"/>
           <p:nvPr/>
         </p:nvPicPr>
@@ -24879,7 +24931,7 @@
       </p:pic>
       <p:sp>
         <p:nvSpPr>
-          <p:cNvPr id="353" name="Google Shape;353;p55"/>
+          <p:cNvPr id="354" name="Google Shape;354;p55"/>
           <p:cNvSpPr txBox="1"/>
           <p:nvPr/>
         </p:nvSpPr>
@@ -25274,7 +25326,7 @@
   <p:cSld>
     <p:spTree>
       <p:nvGrpSpPr>
-        <p:cNvPr id="357" name="Shape 357"/>
+        <p:cNvPr id="358" name="Shape 358"/>
         <p:cNvGrpSpPr/>
         <p:nvPr/>
       </p:nvGrpSpPr>
@@ -25288,7 +25340,7 @@
       </p:grpSpPr>
       <p:pic>
         <p:nvPicPr>
-          <p:cNvPr id="358" name="Google Shape;358;p56"/>
+          <p:cNvPr id="359" name="Google Shape;359;p56"/>
           <p:cNvPicPr preferRelativeResize="0"/>
           <p:nvPr/>
         </p:nvPicPr>
@@ -25316,7 +25368,7 @@
       </p:pic>
       <p:sp>
         <p:nvSpPr>
-          <p:cNvPr id="359" name="Google Shape;359;p56"/>
+          <p:cNvPr id="360" name="Google Shape;360;p56"/>
           <p:cNvSpPr txBox="1"/>
           <p:nvPr>
             <p:ph type="title"/>
@@ -25364,7 +25416,7 @@
       </p:sp>
       <p:sp>
         <p:nvSpPr>
-          <p:cNvPr id="360" name="Google Shape;360;p56"/>
+          <p:cNvPr id="361" name="Google Shape;361;p56"/>
           <p:cNvSpPr txBox="1"/>
           <p:nvPr>
             <p:ph idx="12" type="sldNum"/>
@@ -25412,7 +25464,7 @@
       </p:sp>
       <p:sp>
         <p:nvSpPr>
-          <p:cNvPr id="361" name="Google Shape;361;p56"/>
+          <p:cNvPr id="362" name="Google Shape;362;p56"/>
           <p:cNvSpPr txBox="1"/>
           <p:nvPr/>
         </p:nvSpPr>
@@ -25478,7 +25530,7 @@
       </p:sp>
       <p:sp>
         <p:nvSpPr>
-          <p:cNvPr id="362" name="Google Shape;362;p56"/>
+          <p:cNvPr id="363" name="Google Shape;363;p56"/>
           <p:cNvSpPr txBox="1"/>
           <p:nvPr/>
         </p:nvSpPr>
@@ -25530,7 +25582,7 @@
       </p:sp>
       <p:pic>
         <p:nvPicPr>
-          <p:cNvPr id="363" name="Google Shape;363;p56"/>
+          <p:cNvPr id="364" name="Google Shape;364;p56"/>
           <p:cNvPicPr preferRelativeResize="0"/>
           <p:nvPr/>
         </p:nvPicPr>
@@ -25558,7 +25610,7 @@
       </p:pic>
       <p:pic>
         <p:nvPicPr>
-          <p:cNvPr id="364" name="Google Shape;364;p56"/>
+          <p:cNvPr id="365" name="Google Shape;365;p56"/>
           <p:cNvPicPr preferRelativeResize="0"/>
           <p:nvPr/>
         </p:nvPicPr>
@@ -25597,7 +25649,7 @@
   <p:cSld>
     <p:spTree>
       <p:nvGrpSpPr>
-        <p:cNvPr id="368" name="Shape 368"/>
+        <p:cNvPr id="369" name="Shape 369"/>
         <p:cNvGrpSpPr/>
         <p:nvPr/>
       </p:nvGrpSpPr>
@@ -25611,7 +25663,7 @@
       </p:grpSpPr>
       <p:pic>
         <p:nvPicPr>
-          <p:cNvPr id="369" name="Google Shape;369;p57"/>
+          <p:cNvPr id="370" name="Google Shape;370;p57"/>
           <p:cNvPicPr preferRelativeResize="0"/>
           <p:nvPr/>
         </p:nvPicPr>
@@ -25639,7 +25691,7 @@
       </p:pic>
       <p:sp>
         <p:nvSpPr>
-          <p:cNvPr id="370" name="Google Shape;370;p57"/>
+          <p:cNvPr id="371" name="Google Shape;371;p57"/>
           <p:cNvSpPr txBox="1"/>
           <p:nvPr>
             <p:ph type="title"/>
@@ -25660,7 +25712,7 @@
           </a:bodyPr>
           <a:lstStyle/>
           <a:p>
-            <a:pPr indent="0" lvl="0" marL="0" rtl="0" algn="l">
+            <a:pPr indent="0" lvl="0" marL="0" rtl="0" algn="ctr">
               <a:spcBef>
                 <a:spcPts val="0"/>
               </a:spcBef>
@@ -25687,7 +25739,7 @@
       </p:sp>
       <p:sp>
         <p:nvSpPr>
-          <p:cNvPr id="371" name="Google Shape;371;p57"/>
+          <p:cNvPr id="372" name="Google Shape;372;p57"/>
           <p:cNvSpPr txBox="1"/>
           <p:nvPr>
             <p:ph idx="12" type="sldNum"/>
@@ -25735,7 +25787,7 @@
       </p:sp>
       <p:sp>
         <p:nvSpPr>
-          <p:cNvPr id="372" name="Google Shape;372;p57"/>
+          <p:cNvPr id="373" name="Google Shape;373;p57"/>
           <p:cNvSpPr txBox="1"/>
           <p:nvPr/>
         </p:nvSpPr>
@@ -25819,7 +25871,7 @@
       </p:sp>
       <p:pic>
         <p:nvPicPr>
-          <p:cNvPr id="373" name="Google Shape;373;p57"/>
+          <p:cNvPr id="374" name="Google Shape;374;p57"/>
           <p:cNvPicPr preferRelativeResize="0"/>
           <p:nvPr/>
         </p:nvPicPr>
@@ -25847,7 +25899,7 @@
       </p:pic>
       <p:sp>
         <p:nvSpPr>
-          <p:cNvPr id="374" name="Google Shape;374;p57"/>
+          <p:cNvPr id="375" name="Google Shape;375;p57"/>
           <p:cNvSpPr txBox="1"/>
           <p:nvPr/>
         </p:nvSpPr>
@@ -25899,7 +25951,7 @@
       </p:sp>
       <p:sp>
         <p:nvSpPr>
-          <p:cNvPr id="375" name="Google Shape;375;p57"/>
+          <p:cNvPr id="376" name="Google Shape;376;p57"/>
           <p:cNvSpPr/>
           <p:nvPr/>
         </p:nvSpPr>
@@ -26020,7 +26072,7 @@
       </p:sp>
       <p:pic>
         <p:nvPicPr>
-          <p:cNvPr id="376" name="Google Shape;376;p57"/>
+          <p:cNvPr id="377" name="Google Shape;377;p57"/>
           <p:cNvPicPr preferRelativeResize="0"/>
           <p:nvPr/>
         </p:nvPicPr>
@@ -26059,7 +26111,7 @@
   <p:cSld>
     <p:spTree>
       <p:nvGrpSpPr>
-        <p:cNvPr id="380" name="Shape 380"/>
+        <p:cNvPr id="381" name="Shape 381"/>
         <p:cNvGrpSpPr/>
         <p:nvPr/>
       </p:nvGrpSpPr>
@@ -26073,7 +26125,7 @@
       </p:grpSpPr>
       <p:pic>
         <p:nvPicPr>
-          <p:cNvPr id="381" name="Google Shape;381;p58"/>
+          <p:cNvPr id="382" name="Google Shape;382;p58"/>
           <p:cNvPicPr preferRelativeResize="0"/>
           <p:nvPr/>
         </p:nvPicPr>
@@ -26101,7 +26153,7 @@
       </p:pic>
       <p:sp>
         <p:nvSpPr>
-          <p:cNvPr id="382" name="Google Shape;382;p58"/>
+          <p:cNvPr id="383" name="Google Shape;383;p58"/>
           <p:cNvSpPr txBox="1"/>
           <p:nvPr>
             <p:ph type="title"/>
@@ -26149,7 +26201,7 @@
       </p:sp>
       <p:sp>
         <p:nvSpPr>
-          <p:cNvPr id="383" name="Google Shape;383;p58"/>
+          <p:cNvPr id="384" name="Google Shape;384;p58"/>
           <p:cNvSpPr txBox="1"/>
           <p:nvPr>
             <p:ph idx="12" type="sldNum"/>
@@ -26197,7 +26249,7 @@
       </p:sp>
       <p:sp>
         <p:nvSpPr>
-          <p:cNvPr id="384" name="Google Shape;384;p58"/>
+          <p:cNvPr id="385" name="Google Shape;385;p58"/>
           <p:cNvSpPr txBox="1"/>
           <p:nvPr/>
         </p:nvSpPr>
@@ -26323,7 +26375,7 @@
       </p:sp>
       <p:pic>
         <p:nvPicPr>
-          <p:cNvPr id="385" name="Google Shape;385;p58"/>
+          <p:cNvPr id="386" name="Google Shape;386;p58"/>
           <p:cNvPicPr preferRelativeResize="0"/>
           <p:nvPr/>
         </p:nvPicPr>
@@ -26351,7 +26403,7 @@
       </p:pic>
       <p:sp>
         <p:nvSpPr>
-          <p:cNvPr id="386" name="Google Shape;386;p58"/>
+          <p:cNvPr id="387" name="Google Shape;387;p58"/>
           <p:cNvSpPr/>
           <p:nvPr/>
         </p:nvSpPr>
@@ -26436,7 +26488,7 @@
       </p:sp>
       <p:pic>
         <p:nvPicPr>
-          <p:cNvPr id="387" name="Google Shape;387;p58"/>
+          <p:cNvPr id="388" name="Google Shape;388;p58"/>
           <p:cNvPicPr preferRelativeResize="0"/>
           <p:nvPr/>
         </p:nvPicPr>
@@ -26475,7 +26527,7 @@
   <p:cSld>
     <p:spTree>
       <p:nvGrpSpPr>
-        <p:cNvPr id="391" name="Shape 391"/>
+        <p:cNvPr id="392" name="Shape 392"/>
         <p:cNvGrpSpPr/>
         <p:nvPr/>
       </p:nvGrpSpPr>
@@ -26489,7 +26541,7 @@
       </p:grpSpPr>
       <p:pic>
         <p:nvPicPr>
-          <p:cNvPr id="392" name="Google Shape;392;p59"/>
+          <p:cNvPr id="393" name="Google Shape;393;p59"/>
           <p:cNvPicPr preferRelativeResize="0"/>
           <p:nvPr/>
         </p:nvPicPr>
@@ -26517,7 +26569,7 @@
       </p:pic>
       <p:sp>
         <p:nvSpPr>
-          <p:cNvPr id="393" name="Google Shape;393;p59"/>
+          <p:cNvPr id="394" name="Google Shape;394;p59"/>
           <p:cNvSpPr txBox="1"/>
           <p:nvPr>
             <p:ph type="title"/>
@@ -26565,7 +26617,7 @@
       </p:sp>
       <p:sp>
         <p:nvSpPr>
-          <p:cNvPr id="394" name="Google Shape;394;p59"/>
+          <p:cNvPr id="395" name="Google Shape;395;p59"/>
           <p:cNvSpPr txBox="1"/>
           <p:nvPr>
             <p:ph idx="12" type="sldNum"/>
@@ -26613,7 +26665,7 @@
       </p:sp>
       <p:sp>
         <p:nvSpPr>
-          <p:cNvPr id="395" name="Google Shape;395;p59"/>
+          <p:cNvPr id="396" name="Google Shape;396;p59"/>
           <p:cNvSpPr txBox="1"/>
           <p:nvPr/>
         </p:nvSpPr>
@@ -26691,7 +26743,7 @@
       </p:sp>
       <p:pic>
         <p:nvPicPr>
-          <p:cNvPr id="396" name="Google Shape;396;p59"/>
+          <p:cNvPr id="397" name="Google Shape;397;p59"/>
           <p:cNvPicPr preferRelativeResize="0"/>
           <p:nvPr/>
         </p:nvPicPr>
@@ -26719,7 +26771,7 @@
       </p:pic>
       <p:sp>
         <p:nvSpPr>
-          <p:cNvPr id="397" name="Google Shape;397;p59"/>
+          <p:cNvPr id="398" name="Google Shape;398;p59"/>
           <p:cNvSpPr txBox="1"/>
           <p:nvPr/>
         </p:nvSpPr>
@@ -26782,7 +26834,7 @@
   <p:cSld>
     <p:spTree>
       <p:nvGrpSpPr>
-        <p:cNvPr id="401" name="Shape 401"/>
+        <p:cNvPr id="402" name="Shape 402"/>
         <p:cNvGrpSpPr/>
         <p:nvPr/>
       </p:nvGrpSpPr>
@@ -26796,7 +26848,7 @@
       </p:grpSpPr>
       <p:pic>
         <p:nvPicPr>
-          <p:cNvPr id="402" name="Google Shape;402;p60"/>
+          <p:cNvPr id="403" name="Google Shape;403;p60"/>
           <p:cNvPicPr preferRelativeResize="0"/>
           <p:nvPr/>
         </p:nvPicPr>
@@ -26824,7 +26876,7 @@
       </p:pic>
       <p:sp>
         <p:nvSpPr>
-          <p:cNvPr id="403" name="Google Shape;403;p60"/>
+          <p:cNvPr id="404" name="Google Shape;404;p60"/>
           <p:cNvSpPr txBox="1"/>
           <p:nvPr>
             <p:ph type="title"/>
@@ -26872,7 +26924,7 @@
       </p:sp>
       <p:sp>
         <p:nvSpPr>
-          <p:cNvPr id="404" name="Google Shape;404;p60"/>
+          <p:cNvPr id="405" name="Google Shape;405;p60"/>
           <p:cNvSpPr txBox="1"/>
           <p:nvPr>
             <p:ph idx="12" type="sldNum"/>
@@ -26928,7 +26980,7 @@
       </p:sp>
       <p:sp>
         <p:nvSpPr>
-          <p:cNvPr id="405" name="Google Shape;405;p60"/>
+          <p:cNvPr id="406" name="Google Shape;406;p60"/>
           <p:cNvSpPr txBox="1"/>
           <p:nvPr/>
         </p:nvSpPr>
@@ -26991,7 +27043,7 @@
       </p:sp>
       <p:sp>
         <p:nvSpPr>
-          <p:cNvPr id="406" name="Google Shape;406;p60"/>
+          <p:cNvPr id="407" name="Google Shape;407;p60"/>
           <p:cNvSpPr txBox="1"/>
           <p:nvPr/>
         </p:nvSpPr>
@@ -27032,7 +27084,7 @@
       </p:sp>
       <p:sp>
         <p:nvSpPr>
-          <p:cNvPr id="407" name="Google Shape;407;p60"/>
+          <p:cNvPr id="408" name="Google Shape;408;p60"/>
           <p:cNvSpPr txBox="1"/>
           <p:nvPr/>
         </p:nvSpPr>
@@ -27126,7 +27178,7 @@
       </p:sp>
       <p:sp>
         <p:nvSpPr>
-          <p:cNvPr id="408" name="Google Shape;408;p60"/>
+          <p:cNvPr id="409" name="Google Shape;409;p60"/>
           <p:cNvSpPr txBox="1"/>
           <p:nvPr/>
         </p:nvSpPr>
@@ -27180,7 +27232,7 @@
       </p:sp>
       <p:sp>
         <p:nvSpPr>
-          <p:cNvPr id="409" name="Google Shape;409;p60"/>
+          <p:cNvPr id="410" name="Google Shape;410;p60"/>
           <p:cNvSpPr txBox="1"/>
           <p:nvPr/>
         </p:nvSpPr>
@@ -27274,7 +27326,7 @@
       </p:sp>
       <p:sp>
         <p:nvSpPr>
-          <p:cNvPr id="410" name="Google Shape;410;p60"/>
+          <p:cNvPr id="411" name="Google Shape;411;p60"/>
           <p:cNvSpPr txBox="1"/>
           <p:nvPr/>
         </p:nvSpPr>
@@ -27346,7 +27398,7 @@
       </p:sp>
       <p:sp>
         <p:nvSpPr>
-          <p:cNvPr id="411" name="Google Shape;411;p60"/>
+          <p:cNvPr id="412" name="Google Shape;412;p60"/>
           <p:cNvSpPr txBox="1"/>
           <p:nvPr/>
         </p:nvSpPr>
@@ -27440,7 +27492,7 @@
       </p:sp>
       <p:sp>
         <p:nvSpPr>
-          <p:cNvPr id="412" name="Google Shape;412;p60"/>
+          <p:cNvPr id="413" name="Google Shape;413;p60"/>
           <p:cNvSpPr txBox="1"/>
           <p:nvPr/>
         </p:nvSpPr>
@@ -27482,7 +27534,7 @@
       </p:sp>
       <p:sp>
         <p:nvSpPr>
-          <p:cNvPr id="413" name="Google Shape;413;p60"/>
+          <p:cNvPr id="414" name="Google Shape;414;p60"/>
           <p:cNvSpPr txBox="1"/>
           <p:nvPr/>
         </p:nvSpPr>
@@ -27524,7 +27576,7 @@
       </p:sp>
       <p:sp>
         <p:nvSpPr>
-          <p:cNvPr id="414" name="Google Shape;414;p60"/>
+          <p:cNvPr id="415" name="Google Shape;415;p60"/>
           <p:cNvSpPr txBox="1"/>
           <p:nvPr/>
         </p:nvSpPr>
@@ -27566,7 +27618,7 @@
       </p:sp>
       <p:sp>
         <p:nvSpPr>
-          <p:cNvPr id="415" name="Google Shape;415;p60"/>
+          <p:cNvPr id="416" name="Google Shape;416;p60"/>
           <p:cNvSpPr txBox="1"/>
           <p:nvPr/>
         </p:nvSpPr>
@@ -27617,7 +27669,7 @@
       </p:sp>
       <p:pic>
         <p:nvPicPr>
-          <p:cNvPr id="416" name="Google Shape;416;p60"/>
+          <p:cNvPr id="417" name="Google Shape;417;p60"/>
           <p:cNvPicPr preferRelativeResize="0"/>
           <p:nvPr/>
         </p:nvPicPr>
@@ -27656,59 +27708,6 @@
             <p:seq concurrent="1" nextAc="seek">
               <p:cTn dur="indefinite" id="2" nodeType="mainSeq">
                 <p:childTnLst>
-                  <p:par>
-                    <p:cTn fill="hold">
-                      <p:stCondLst>
-                        <p:cond delay="indefinite"/>
-                      </p:stCondLst>
-                      <p:childTnLst>
-                        <p:par>
-                          <p:cTn fill="hold">
-                            <p:stCondLst>
-                              <p:cond delay="0"/>
-                            </p:stCondLst>
-                            <p:childTnLst>
-                              <p:par>
-                                <p:cTn fill="hold" nodeType="clickEffect" presetClass="entr" presetID="10" presetSubtype="0">
-                                  <p:stCondLst>
-                                    <p:cond delay="0"/>
-                                  </p:stCondLst>
-                                  <p:childTnLst>
-                                    <p:set>
-                                      <p:cBhvr>
-                                        <p:cTn dur="1" fill="hold">
-                                          <p:stCondLst>
-                                            <p:cond delay="0"/>
-                                          </p:stCondLst>
-                                        </p:cTn>
-                                        <p:tgtEl>
-                                          <p:spTgt spid="412"/>
-                                        </p:tgtEl>
-                                        <p:attrNameLst>
-                                          <p:attrName>style.visibility</p:attrName>
-                                        </p:attrNameLst>
-                                      </p:cBhvr>
-                                      <p:to>
-                                        <p:strVal val="visible"/>
-                                      </p:to>
-                                    </p:set>
-                                    <p:animEffect filter="fade" transition="in">
-                                      <p:cBhvr>
-                                        <p:cTn dur="1000"/>
-                                        <p:tgtEl>
-                                          <p:spTgt spid="412"/>
-                                        </p:tgtEl>
-                                      </p:cBhvr>
-                                    </p:animEffect>
-                                  </p:childTnLst>
-                                </p:cTn>
-                              </p:par>
-                            </p:childTnLst>
-                          </p:cTn>
-                        </p:par>
-                      </p:childTnLst>
-                    </p:cTn>
-                  </p:par>
                   <p:par>
                     <p:cTn fill="hold">
                       <p:stCondLst>
@@ -27815,6 +27814,59 @@
                       </p:childTnLst>
                     </p:cTn>
                   </p:par>
+                  <p:par>
+                    <p:cTn fill="hold">
+                      <p:stCondLst>
+                        <p:cond delay="indefinite"/>
+                      </p:stCondLst>
+                      <p:childTnLst>
+                        <p:par>
+                          <p:cTn fill="hold">
+                            <p:stCondLst>
+                              <p:cond delay="0"/>
+                            </p:stCondLst>
+                            <p:childTnLst>
+                              <p:par>
+                                <p:cTn fill="hold" nodeType="clickEffect" presetClass="entr" presetID="10" presetSubtype="0">
+                                  <p:stCondLst>
+                                    <p:cond delay="0"/>
+                                  </p:stCondLst>
+                                  <p:childTnLst>
+                                    <p:set>
+                                      <p:cBhvr>
+                                        <p:cTn dur="1" fill="hold">
+                                          <p:stCondLst>
+                                            <p:cond delay="0"/>
+                                          </p:stCondLst>
+                                        </p:cTn>
+                                        <p:tgtEl>
+                                          <p:spTgt spid="415"/>
+                                        </p:tgtEl>
+                                        <p:attrNameLst>
+                                          <p:attrName>style.visibility</p:attrName>
+                                        </p:attrNameLst>
+                                      </p:cBhvr>
+                                      <p:to>
+                                        <p:strVal val="visible"/>
+                                      </p:to>
+                                    </p:set>
+                                    <p:animEffect filter="fade" transition="in">
+                                      <p:cBhvr>
+                                        <p:cTn dur="1000"/>
+                                        <p:tgtEl>
+                                          <p:spTgt spid="415"/>
+                                        </p:tgtEl>
+                                      </p:cBhvr>
+                                    </p:animEffect>
+                                  </p:childTnLst>
+                                </p:cTn>
+                              </p:par>
+                            </p:childTnLst>
+                          </p:cTn>
+                        </p:par>
+                      </p:childTnLst>
+                    </p:cTn>
+                  </p:par>
                 </p:childTnLst>
               </p:cTn>
               <p:prevCondLst>
@@ -27845,7 +27897,7 @@
   <p:cSld>
     <p:spTree>
       <p:nvGrpSpPr>
-        <p:cNvPr id="420" name="Shape 420"/>
+        <p:cNvPr id="421" name="Shape 421"/>
         <p:cNvGrpSpPr/>
         <p:nvPr/>
       </p:nvGrpSpPr>
@@ -27859,7 +27911,7 @@
       </p:grpSpPr>
       <p:pic>
         <p:nvPicPr>
-          <p:cNvPr id="421" name="Google Shape;421;p61"/>
+          <p:cNvPr id="422" name="Google Shape;422;p61"/>
           <p:cNvPicPr preferRelativeResize="0"/>
           <p:nvPr/>
         </p:nvPicPr>
@@ -27887,7 +27939,7 @@
       </p:pic>
       <p:sp>
         <p:nvSpPr>
-          <p:cNvPr id="422" name="Google Shape;422;p61"/>
+          <p:cNvPr id="423" name="Google Shape;423;p61"/>
           <p:cNvSpPr txBox="1"/>
           <p:nvPr>
             <p:ph type="title"/>
@@ -27935,7 +27987,7 @@
       </p:sp>
       <p:sp>
         <p:nvSpPr>
-          <p:cNvPr id="423" name="Google Shape;423;p61"/>
+          <p:cNvPr id="424" name="Google Shape;424;p61"/>
           <p:cNvSpPr txBox="1"/>
           <p:nvPr/>
         </p:nvSpPr>
@@ -28056,7 +28108,7 @@
       </p:sp>
       <p:sp>
         <p:nvSpPr>
-          <p:cNvPr id="424" name="Google Shape;424;p61"/>
+          <p:cNvPr id="425" name="Google Shape;425;p61"/>
           <p:cNvSpPr txBox="1"/>
           <p:nvPr>
             <p:ph idx="12" type="sldNum"/>
@@ -28104,7 +28156,7 @@
       </p:sp>
       <p:pic>
         <p:nvPicPr>
-          <p:cNvPr id="425" name="Google Shape;425;p61"/>
+          <p:cNvPr id="426" name="Google Shape;426;p61"/>
           <p:cNvPicPr preferRelativeResize="0"/>
           <p:nvPr/>
         </p:nvPicPr>
@@ -28143,7 +28195,7 @@
   <p:cSld>
     <p:spTree>
       <p:nvGrpSpPr>
-        <p:cNvPr id="429" name="Shape 429"/>
+        <p:cNvPr id="430" name="Shape 430"/>
         <p:cNvGrpSpPr/>
         <p:nvPr/>
       </p:nvGrpSpPr>
@@ -28157,7 +28209,7 @@
       </p:grpSpPr>
       <p:pic>
         <p:nvPicPr>
-          <p:cNvPr id="430" name="Google Shape;430;p62"/>
+          <p:cNvPr id="431" name="Google Shape;431;p62"/>
           <p:cNvPicPr preferRelativeResize="0"/>
           <p:nvPr/>
         </p:nvPicPr>
@@ -28185,7 +28237,7 @@
       </p:pic>
       <p:sp>
         <p:nvSpPr>
-          <p:cNvPr id="431" name="Google Shape;431;p62"/>
+          <p:cNvPr id="432" name="Google Shape;432;p62"/>
           <p:cNvSpPr txBox="1"/>
           <p:nvPr>
             <p:ph type="title"/>
@@ -28233,7 +28285,7 @@
       </p:sp>
       <p:sp>
         <p:nvSpPr>
-          <p:cNvPr id="432" name="Google Shape;432;p62"/>
+          <p:cNvPr id="433" name="Google Shape;433;p62"/>
           <p:cNvSpPr txBox="1"/>
           <p:nvPr>
             <p:ph idx="12" type="sldNum"/>
@@ -28281,7 +28333,7 @@
       </p:sp>
       <p:sp>
         <p:nvSpPr>
-          <p:cNvPr id="433" name="Google Shape;433;p62"/>
+          <p:cNvPr id="434" name="Google Shape;434;p62"/>
           <p:cNvSpPr txBox="1"/>
           <p:nvPr/>
         </p:nvSpPr>
@@ -28437,7 +28489,7 @@
       </p:sp>
       <p:pic>
         <p:nvPicPr>
-          <p:cNvPr id="434" name="Google Shape;434;p62"/>
+          <p:cNvPr id="435" name="Google Shape;435;p62"/>
           <p:cNvPicPr preferRelativeResize="0"/>
           <p:nvPr/>
         </p:nvPicPr>
@@ -30860,9 +30912,9 @@
 </file>
 
 <file path=ppt/theme/theme1.xml><?xml version="1.0" encoding="utf-8"?>
-<a:theme xmlns:a="http://schemas.openxmlformats.org/drawingml/2006/main" xmlns:r="http://schemas.openxmlformats.org/officeDocument/2006/relationships" name="Simple Light">
+<a:theme xmlns:a="http://schemas.openxmlformats.org/drawingml/2006/main" xmlns:r="http://schemas.openxmlformats.org/officeDocument/2006/relationships">
   <a:themeElements>
-    <a:clrScheme name="Simple Light">
+    <a:clrScheme name="Default">
       <a:dk1>
         <a:srgbClr val="000000"/>
       </a:dk1>
@@ -30870,34 +30922,34 @@
         <a:srgbClr val="FFFFFF"/>
       </a:lt1>
       <a:dk2>
-        <a:srgbClr val="595959"/>
+        <a:srgbClr val="158158"/>
       </a:dk2>
       <a:lt2>
-        <a:srgbClr val="EEEEEE"/>
+        <a:srgbClr val="F3F3F3"/>
       </a:lt2>
       <a:accent1>
-        <a:srgbClr val="4285F4"/>
+        <a:srgbClr val="058DC7"/>
       </a:accent1>
       <a:accent2>
-        <a:srgbClr val="212121"/>
+        <a:srgbClr val="50B432"/>
       </a:accent2>
       <a:accent3>
-        <a:srgbClr val="78909C"/>
+        <a:srgbClr val="ED561B"/>
       </a:accent3>
       <a:accent4>
-        <a:srgbClr val="FFAB40"/>
+        <a:srgbClr val="EDEF00"/>
       </a:accent4>
       <a:accent5>
-        <a:srgbClr val="0097A7"/>
+        <a:srgbClr val="24CBE5"/>
       </a:accent5>
       <a:accent6>
-        <a:srgbClr val="EEFF41"/>
+        <a:srgbClr val="64E572"/>
       </a:accent6>
       <a:hlink>
-        <a:srgbClr val="0097A7"/>
+        <a:srgbClr val="2200CC"/>
       </a:hlink>
       <a:folHlink>
-        <a:srgbClr val="0097A7"/>
+        <a:srgbClr val="551A8B"/>
       </a:folHlink>
     </a:clrScheme>
     <a:fontScheme name="Office">
@@ -31418,285 +31470,6 @@
 </file>
 
 <file path=ppt/theme/theme3.xml><?xml version="1.0" encoding="utf-8"?>
-<a:theme xmlns:a="http://schemas.openxmlformats.org/drawingml/2006/main" xmlns:r="http://schemas.openxmlformats.org/officeDocument/2006/relationships">
-  <a:themeElements>
-    <a:clrScheme name="Default">
-      <a:dk1>
-        <a:srgbClr val="000000"/>
-      </a:dk1>
-      <a:lt1>
-        <a:srgbClr val="FFFFFF"/>
-      </a:lt1>
-      <a:dk2>
-        <a:srgbClr val="158158"/>
-      </a:dk2>
-      <a:lt2>
-        <a:srgbClr val="F3F3F3"/>
-      </a:lt2>
-      <a:accent1>
-        <a:srgbClr val="058DC7"/>
-      </a:accent1>
-      <a:accent2>
-        <a:srgbClr val="50B432"/>
-      </a:accent2>
-      <a:accent3>
-        <a:srgbClr val="ED561B"/>
-      </a:accent3>
-      <a:accent4>
-        <a:srgbClr val="EDEF00"/>
-      </a:accent4>
-      <a:accent5>
-        <a:srgbClr val="24CBE5"/>
-      </a:accent5>
-      <a:accent6>
-        <a:srgbClr val="64E572"/>
-      </a:accent6>
-      <a:hlink>
-        <a:srgbClr val="2200CC"/>
-      </a:hlink>
-      <a:folHlink>
-        <a:srgbClr val="551A8B"/>
-      </a:folHlink>
-    </a:clrScheme>
-    <a:fontScheme name="Office">
-      <a:majorFont>
-        <a:latin typeface="Arial"/>
-        <a:ea typeface=""/>
-        <a:cs typeface=""/>
-        <a:font script="Jpan" typeface="ＭＳ Ｐゴシック"/>
-        <a:font script="Hang" typeface="맑은 고딕"/>
-        <a:font script="Hans" typeface="宋体"/>
-        <a:font script="Hant" typeface="新細明體"/>
-        <a:font script="Arab" typeface="Times New Roman"/>
-        <a:font script="Hebr" typeface="Times New Roman"/>
-        <a:font script="Thai" typeface="Angsana New"/>
-        <a:font script="Ethi" typeface="Nyala"/>
-        <a:font script="Beng" typeface="Vrinda"/>
-        <a:font script="Gujr" typeface="Shruti"/>
-        <a:font script="Khmr" typeface="MoolBoran"/>
-        <a:font script="Knda" typeface="Tunga"/>
-        <a:font script="Guru" typeface="Raavi"/>
-        <a:font script="Cans" typeface="Euphemia"/>
-        <a:font script="Cher" typeface="Plantagenet Cherokee"/>
-        <a:font script="Yiii" typeface="Microsoft Yi Baiti"/>
-        <a:font script="Tibt" typeface="Microsoft Himalaya"/>
-        <a:font script="Thaa" typeface="MV Boli"/>
-        <a:font script="Deva" typeface="Mangal"/>
-        <a:font script="Telu" typeface="Gautami"/>
-        <a:font script="Taml" typeface="Latha"/>
-        <a:font script="Syrc" typeface="Estrangelo Edessa"/>
-        <a:font script="Orya" typeface="Kalinga"/>
-        <a:font script="Mlym" typeface="Kartika"/>
-        <a:font script="Laoo" typeface="DokChampa"/>
-        <a:font script="Sinh" typeface="Iskoola Pota"/>
-        <a:font script="Mong" typeface="Mongolian Baiti"/>
-        <a:font script="Viet" typeface="Times New Roman"/>
-        <a:font script="Uigh" typeface="Microsoft Uighur"/>
-        <a:font script="Geor" typeface="Sylfaen"/>
-      </a:majorFont>
-      <a:minorFont>
-        <a:latin typeface="Arial"/>
-        <a:ea typeface=""/>
-        <a:cs typeface=""/>
-        <a:font script="Jpan" typeface="ＭＳ Ｐゴシック"/>
-        <a:font script="Hang" typeface="맑은 고딕"/>
-        <a:font script="Hans" typeface="宋体"/>
-        <a:font script="Hant" typeface="新細明體"/>
-        <a:font script="Arab" typeface="Arial"/>
-        <a:font script="Hebr" typeface="Arial"/>
-        <a:font script="Thai" typeface="Cordia New"/>
-        <a:font script="Ethi" typeface="Nyala"/>
-        <a:font script="Beng" typeface="Vrinda"/>
-        <a:font script="Gujr" typeface="Shruti"/>
-        <a:font script="Khmr" typeface="DaunPenh"/>
-        <a:font script="Knda" typeface="Tunga"/>
-        <a:font script="Guru" typeface="Raavi"/>
-        <a:font script="Cans" typeface="Euphemia"/>
-        <a:font script="Cher" typeface="Plantagenet Cherokee"/>
-        <a:font script="Yiii" typeface="Microsoft Yi Baiti"/>
-        <a:font script="Tibt" typeface="Microsoft Himalaya"/>
-        <a:font script="Thaa" typeface="MV Boli"/>
-        <a:font script="Deva" typeface="Mangal"/>
-        <a:font script="Telu" typeface="Gautami"/>
-        <a:font script="Taml" typeface="Latha"/>
-        <a:font script="Syrc" typeface="Estrangelo Edessa"/>
-        <a:font script="Orya" typeface="Kalinga"/>
-        <a:font script="Mlym" typeface="Kartika"/>
-        <a:font script="Laoo" typeface="DokChampa"/>
-        <a:font script="Sinh" typeface="Iskoola Pota"/>
-        <a:font script="Mong" typeface="Mongolian Baiti"/>
-        <a:font script="Viet" typeface="Arial"/>
-        <a:font script="Uigh" typeface="Microsoft Uighur"/>
-        <a:font script="Geor" typeface="Sylfaen"/>
-      </a:minorFont>
-    </a:fontScheme>
-    <a:fmtScheme name="Office">
-      <a:fillStyleLst>
-        <a:solidFill>
-          <a:schemeClr val="phClr"/>
-        </a:solidFill>
-        <a:gradFill rotWithShape="1">
-          <a:gsLst>
-            <a:gs pos="0">
-              <a:schemeClr val="phClr">
-                <a:tint val="50000"/>
-                <a:satMod val="300000"/>
-              </a:schemeClr>
-            </a:gs>
-            <a:gs pos="35000">
-              <a:schemeClr val="phClr">
-                <a:tint val="37000"/>
-                <a:satMod val="300000"/>
-              </a:schemeClr>
-            </a:gs>
-            <a:gs pos="100000">
-              <a:schemeClr val="phClr">
-                <a:tint val="15000"/>
-                <a:satMod val="350000"/>
-              </a:schemeClr>
-            </a:gs>
-          </a:gsLst>
-          <a:lin ang="16200000" scaled="1"/>
-        </a:gradFill>
-        <a:gradFill rotWithShape="1">
-          <a:gsLst>
-            <a:gs pos="0">
-              <a:schemeClr val="phClr">
-                <a:tint val="100000"/>
-                <a:shade val="100000"/>
-                <a:satMod val="130000"/>
-              </a:schemeClr>
-            </a:gs>
-            <a:gs pos="100000">
-              <a:schemeClr val="phClr">
-                <a:tint val="50000"/>
-                <a:shade val="100000"/>
-                <a:satMod val="350000"/>
-              </a:schemeClr>
-            </a:gs>
-          </a:gsLst>
-          <a:lin ang="16200000" scaled="0"/>
-        </a:gradFill>
-      </a:fillStyleLst>
-      <a:lnStyleLst>
-        <a:ln w="9525" cap="flat" cmpd="sng" algn="ctr">
-          <a:solidFill>
-            <a:schemeClr val="phClr">
-              <a:shade val="95000"/>
-              <a:satMod val="105000"/>
-            </a:schemeClr>
-          </a:solidFill>
-          <a:prstDash val="solid"/>
-        </a:ln>
-        <a:ln w="25400" cap="flat" cmpd="sng" algn="ctr">
-          <a:solidFill>
-            <a:schemeClr val="phClr"/>
-          </a:solidFill>
-          <a:prstDash val="solid"/>
-        </a:ln>
-        <a:ln w="38100" cap="flat" cmpd="sng" algn="ctr">
-          <a:solidFill>
-            <a:schemeClr val="phClr"/>
-          </a:solidFill>
-          <a:prstDash val="solid"/>
-        </a:ln>
-      </a:lnStyleLst>
-      <a:effectStyleLst>
-        <a:effectStyle>
-          <a:effectLst>
-            <a:outerShdw blurRad="40000" dist="20000" dir="5400000" rotWithShape="0">
-              <a:srgbClr val="000000">
-                <a:alpha val="38000"/>
-              </a:srgbClr>
-            </a:outerShdw>
-          </a:effectLst>
-        </a:effectStyle>
-        <a:effectStyle>
-          <a:effectLst>
-            <a:outerShdw blurRad="40000" dist="23000" dir="5400000" rotWithShape="0">
-              <a:srgbClr val="000000">
-                <a:alpha val="35000"/>
-              </a:srgbClr>
-            </a:outerShdw>
-          </a:effectLst>
-        </a:effectStyle>
-        <a:effectStyle>
-          <a:effectLst>
-            <a:outerShdw blurRad="40000" dist="23000" dir="5400000" rotWithShape="0">
-              <a:srgbClr val="000000">
-                <a:alpha val="35000"/>
-              </a:srgbClr>
-            </a:outerShdw>
-          </a:effectLst>
-          <a:scene3d>
-            <a:camera prst="orthographicFront">
-              <a:rot lat="0" lon="0" rev="0"/>
-            </a:camera>
-            <a:lightRig rig="threePt" dir="t">
-              <a:rot lat="0" lon="0" rev="1200000"/>
-            </a:lightRig>
-          </a:scene3d>
-          <a:sp3d>
-            <a:bevelT w="63500" h="25400"/>
-          </a:sp3d>
-        </a:effectStyle>
-      </a:effectStyleLst>
-      <a:bgFillStyleLst>
-        <a:solidFill>
-          <a:schemeClr val="phClr"/>
-        </a:solidFill>
-        <a:gradFill rotWithShape="1">
-          <a:gsLst>
-            <a:gs pos="0">
-              <a:schemeClr val="phClr">
-                <a:tint val="40000"/>
-                <a:satMod val="350000"/>
-              </a:schemeClr>
-            </a:gs>
-            <a:gs pos="40000">
-              <a:schemeClr val="phClr">
-                <a:tint val="45000"/>
-                <a:shade val="99000"/>
-                <a:satMod val="350000"/>
-              </a:schemeClr>
-            </a:gs>
-            <a:gs pos="100000">
-              <a:schemeClr val="phClr">
-                <a:shade val="20000"/>
-                <a:satMod val="255000"/>
-              </a:schemeClr>
-            </a:gs>
-          </a:gsLst>
-          <a:path path="circle">
-            <a:fillToRect l="50000" t="-80000" r="50000" b="180000"/>
-          </a:path>
-        </a:gradFill>
-        <a:gradFill rotWithShape="1">
-          <a:gsLst>
-            <a:gs pos="0">
-              <a:schemeClr val="phClr">
-                <a:tint val="80000"/>
-                <a:satMod val="300000"/>
-              </a:schemeClr>
-            </a:gs>
-            <a:gs pos="100000">
-              <a:schemeClr val="phClr">
-                <a:shade val="30000"/>
-                <a:satMod val="200000"/>
-              </a:schemeClr>
-            </a:gs>
-          </a:gsLst>
-          <a:path path="circle">
-            <a:fillToRect l="50000" t="50000" r="50000" b="50000"/>
-          </a:path>
-        </a:gradFill>
-      </a:bgFillStyleLst>
-    </a:fmtScheme>
-  </a:themeElements>
-</a:theme>
-</file>
-
-<file path=ppt/theme/theme4.xml><?xml version="1.0" encoding="utf-8"?>
 <a:theme xmlns:a="http://schemas.openxmlformats.org/drawingml/2006/main" xmlns:r="http://schemas.openxmlformats.org/officeDocument/2006/relationships" name="Geometric">
   <a:themeElements>
     <a:clrScheme name="Geometric">
@@ -31973,4 +31746,283 @@
     </a:fmtScheme>
   </a:themeElements>
 </a:theme>
+</file>
+
+<file path=ppt/theme/theme4.xml><?xml version="1.0" encoding="utf-8"?>
+<a:theme xmlns:a="http://schemas.openxmlformats.org/drawingml/2006/main" xmlns:r="http://schemas.openxmlformats.org/officeDocument/2006/relationships" name="Simple Light">
+  <a:themeElements>
+    <a:clrScheme name="Simple Light">
+      <a:dk1>
+        <a:srgbClr val="000000"/>
+      </a:dk1>
+      <a:lt1>
+        <a:srgbClr val="FFFFFF"/>
+      </a:lt1>
+      <a:dk2>
+        <a:srgbClr val="595959"/>
+      </a:dk2>
+      <a:lt2>
+        <a:srgbClr val="EEEEEE"/>
+      </a:lt2>
+      <a:accent1>
+        <a:srgbClr val="4285F4"/>
+      </a:accent1>
+      <a:accent2>
+        <a:srgbClr val="212121"/>
+      </a:accent2>
+      <a:accent3>
+        <a:srgbClr val="78909C"/>
+      </a:accent3>
+      <a:accent4>
+        <a:srgbClr val="FFAB40"/>
+      </a:accent4>
+      <a:accent5>
+        <a:srgbClr val="0097A7"/>
+      </a:accent5>
+      <a:accent6>
+        <a:srgbClr val="EEFF41"/>
+      </a:accent6>
+      <a:hlink>
+        <a:srgbClr val="0097A7"/>
+      </a:hlink>
+      <a:folHlink>
+        <a:srgbClr val="0097A7"/>
+      </a:folHlink>
+    </a:clrScheme>
+    <a:fontScheme name="Office">
+      <a:majorFont>
+        <a:latin typeface="Arial"/>
+        <a:ea typeface=""/>
+        <a:cs typeface=""/>
+        <a:font script="Jpan" typeface="ＭＳ Ｐゴシック"/>
+        <a:font script="Hang" typeface="맑은 고딕"/>
+        <a:font script="Hans" typeface="宋体"/>
+        <a:font script="Hant" typeface="新細明體"/>
+        <a:font script="Arab" typeface="Times New Roman"/>
+        <a:font script="Hebr" typeface="Times New Roman"/>
+        <a:font script="Thai" typeface="Angsana New"/>
+        <a:font script="Ethi" typeface="Nyala"/>
+        <a:font script="Beng" typeface="Vrinda"/>
+        <a:font script="Gujr" typeface="Shruti"/>
+        <a:font script="Khmr" typeface="MoolBoran"/>
+        <a:font script="Knda" typeface="Tunga"/>
+        <a:font script="Guru" typeface="Raavi"/>
+        <a:font script="Cans" typeface="Euphemia"/>
+        <a:font script="Cher" typeface="Plantagenet Cherokee"/>
+        <a:font script="Yiii" typeface="Microsoft Yi Baiti"/>
+        <a:font script="Tibt" typeface="Microsoft Himalaya"/>
+        <a:font script="Thaa" typeface="MV Boli"/>
+        <a:font script="Deva" typeface="Mangal"/>
+        <a:font script="Telu" typeface="Gautami"/>
+        <a:font script="Taml" typeface="Latha"/>
+        <a:font script="Syrc" typeface="Estrangelo Edessa"/>
+        <a:font script="Orya" typeface="Kalinga"/>
+        <a:font script="Mlym" typeface="Kartika"/>
+        <a:font script="Laoo" typeface="DokChampa"/>
+        <a:font script="Sinh" typeface="Iskoola Pota"/>
+        <a:font script="Mong" typeface="Mongolian Baiti"/>
+        <a:font script="Viet" typeface="Times New Roman"/>
+        <a:font script="Uigh" typeface="Microsoft Uighur"/>
+        <a:font script="Geor" typeface="Sylfaen"/>
+      </a:majorFont>
+      <a:minorFont>
+        <a:latin typeface="Arial"/>
+        <a:ea typeface=""/>
+        <a:cs typeface=""/>
+        <a:font script="Jpan" typeface="ＭＳ Ｐゴシック"/>
+        <a:font script="Hang" typeface="맑은 고딕"/>
+        <a:font script="Hans" typeface="宋体"/>
+        <a:font script="Hant" typeface="新細明體"/>
+        <a:font script="Arab" typeface="Arial"/>
+        <a:font script="Hebr" typeface="Arial"/>
+        <a:font script="Thai" typeface="Cordia New"/>
+        <a:font script="Ethi" typeface="Nyala"/>
+        <a:font script="Beng" typeface="Vrinda"/>
+        <a:font script="Gujr" typeface="Shruti"/>
+        <a:font script="Khmr" typeface="DaunPenh"/>
+        <a:font script="Knda" typeface="Tunga"/>
+        <a:font script="Guru" typeface="Raavi"/>
+        <a:font script="Cans" typeface="Euphemia"/>
+        <a:font script="Cher" typeface="Plantagenet Cherokee"/>
+        <a:font script="Yiii" typeface="Microsoft Yi Baiti"/>
+        <a:font script="Tibt" typeface="Microsoft Himalaya"/>
+        <a:font script="Thaa" typeface="MV Boli"/>
+        <a:font script="Deva" typeface="Mangal"/>
+        <a:font script="Telu" typeface="Gautami"/>
+        <a:font script="Taml" typeface="Latha"/>
+        <a:font script="Syrc" typeface="Estrangelo Edessa"/>
+        <a:font script="Orya" typeface="Kalinga"/>
+        <a:font script="Mlym" typeface="Kartika"/>
+        <a:font script="Laoo" typeface="DokChampa"/>
+        <a:font script="Sinh" typeface="Iskoola Pota"/>
+        <a:font script="Mong" typeface="Mongolian Baiti"/>
+        <a:font script="Viet" typeface="Arial"/>
+        <a:font script="Uigh" typeface="Microsoft Uighur"/>
+        <a:font script="Geor" typeface="Sylfaen"/>
+      </a:minorFont>
+    </a:fontScheme>
+    <a:fmtScheme name="Office">
+      <a:fillStyleLst>
+        <a:solidFill>
+          <a:schemeClr val="phClr"/>
+        </a:solidFill>
+        <a:gradFill rotWithShape="1">
+          <a:gsLst>
+            <a:gs pos="0">
+              <a:schemeClr val="phClr">
+                <a:tint val="50000"/>
+                <a:satMod val="300000"/>
+              </a:schemeClr>
+            </a:gs>
+            <a:gs pos="35000">
+              <a:schemeClr val="phClr">
+                <a:tint val="37000"/>
+                <a:satMod val="300000"/>
+              </a:schemeClr>
+            </a:gs>
+            <a:gs pos="100000">
+              <a:schemeClr val="phClr">
+                <a:tint val="15000"/>
+                <a:satMod val="350000"/>
+              </a:schemeClr>
+            </a:gs>
+          </a:gsLst>
+          <a:lin ang="16200000" scaled="1"/>
+        </a:gradFill>
+        <a:gradFill rotWithShape="1">
+          <a:gsLst>
+            <a:gs pos="0">
+              <a:schemeClr val="phClr">
+                <a:tint val="100000"/>
+                <a:shade val="100000"/>
+                <a:satMod val="130000"/>
+              </a:schemeClr>
+            </a:gs>
+            <a:gs pos="100000">
+              <a:schemeClr val="phClr">
+                <a:tint val="50000"/>
+                <a:shade val="100000"/>
+                <a:satMod val="350000"/>
+              </a:schemeClr>
+            </a:gs>
+          </a:gsLst>
+          <a:lin ang="16200000" scaled="0"/>
+        </a:gradFill>
+      </a:fillStyleLst>
+      <a:lnStyleLst>
+        <a:ln w="9525" cap="flat" cmpd="sng" algn="ctr">
+          <a:solidFill>
+            <a:schemeClr val="phClr">
+              <a:shade val="95000"/>
+              <a:satMod val="105000"/>
+            </a:schemeClr>
+          </a:solidFill>
+          <a:prstDash val="solid"/>
+        </a:ln>
+        <a:ln w="25400" cap="flat" cmpd="sng" algn="ctr">
+          <a:solidFill>
+            <a:schemeClr val="phClr"/>
+          </a:solidFill>
+          <a:prstDash val="solid"/>
+        </a:ln>
+        <a:ln w="38100" cap="flat" cmpd="sng" algn="ctr">
+          <a:solidFill>
+            <a:schemeClr val="phClr"/>
+          </a:solidFill>
+          <a:prstDash val="solid"/>
+        </a:ln>
+      </a:lnStyleLst>
+      <a:effectStyleLst>
+        <a:effectStyle>
+          <a:effectLst>
+            <a:outerShdw blurRad="40000" dist="20000" dir="5400000" rotWithShape="0">
+              <a:srgbClr val="000000">
+                <a:alpha val="38000"/>
+              </a:srgbClr>
+            </a:outerShdw>
+          </a:effectLst>
+        </a:effectStyle>
+        <a:effectStyle>
+          <a:effectLst>
+            <a:outerShdw blurRad="40000" dist="23000" dir="5400000" rotWithShape="0">
+              <a:srgbClr val="000000">
+                <a:alpha val="35000"/>
+              </a:srgbClr>
+            </a:outerShdw>
+          </a:effectLst>
+        </a:effectStyle>
+        <a:effectStyle>
+          <a:effectLst>
+            <a:outerShdw blurRad="40000" dist="23000" dir="5400000" rotWithShape="0">
+              <a:srgbClr val="000000">
+                <a:alpha val="35000"/>
+              </a:srgbClr>
+            </a:outerShdw>
+          </a:effectLst>
+          <a:scene3d>
+            <a:camera prst="orthographicFront">
+              <a:rot lat="0" lon="0" rev="0"/>
+            </a:camera>
+            <a:lightRig rig="threePt" dir="t">
+              <a:rot lat="0" lon="0" rev="1200000"/>
+            </a:lightRig>
+          </a:scene3d>
+          <a:sp3d>
+            <a:bevelT w="63500" h="25400"/>
+          </a:sp3d>
+        </a:effectStyle>
+      </a:effectStyleLst>
+      <a:bgFillStyleLst>
+        <a:solidFill>
+          <a:schemeClr val="phClr"/>
+        </a:solidFill>
+        <a:gradFill rotWithShape="1">
+          <a:gsLst>
+            <a:gs pos="0">
+              <a:schemeClr val="phClr">
+                <a:tint val="40000"/>
+                <a:satMod val="350000"/>
+              </a:schemeClr>
+            </a:gs>
+            <a:gs pos="40000">
+              <a:schemeClr val="phClr">
+                <a:tint val="45000"/>
+                <a:shade val="99000"/>
+                <a:satMod val="350000"/>
+              </a:schemeClr>
+            </a:gs>
+            <a:gs pos="100000">
+              <a:schemeClr val="phClr">
+                <a:shade val="20000"/>
+                <a:satMod val="255000"/>
+              </a:schemeClr>
+            </a:gs>
+          </a:gsLst>
+          <a:path path="circle">
+            <a:fillToRect l="50000" t="-80000" r="50000" b="180000"/>
+          </a:path>
+        </a:gradFill>
+        <a:gradFill rotWithShape="1">
+          <a:gsLst>
+            <a:gs pos="0">
+              <a:schemeClr val="phClr">
+                <a:tint val="80000"/>
+                <a:satMod val="300000"/>
+              </a:schemeClr>
+            </a:gs>
+            <a:gs pos="100000">
+              <a:schemeClr val="phClr">
+                <a:shade val="30000"/>
+                <a:satMod val="200000"/>
+              </a:schemeClr>
+            </a:gs>
+          </a:gsLst>
+          <a:path path="circle">
+            <a:fillToRect l="50000" t="50000" r="50000" b="50000"/>
+          </a:path>
+        </a:gradFill>
+      </a:bgFillStyleLst>
+    </a:fmtScheme>
+  </a:themeElements>
+</a:theme>
 </file>
--- a/Day_2/Lectures/Day_2_Lecture_1_Data_Collection_Data_Preparation.pptx
+++ b/Day_2/Lectures/Day_2_Lecture_1_Data_Collection_Data_Preparation.pptx
@@ -31470,6 +31470,285 @@
 </file>
 
 <file path=ppt/theme/theme3.xml><?xml version="1.0" encoding="utf-8"?>
+<a:theme xmlns:a="http://schemas.openxmlformats.org/drawingml/2006/main" xmlns:r="http://schemas.openxmlformats.org/officeDocument/2006/relationships" name="Simple Light">
+  <a:themeElements>
+    <a:clrScheme name="Simple Light">
+      <a:dk1>
+        <a:srgbClr val="000000"/>
+      </a:dk1>
+      <a:lt1>
+        <a:srgbClr val="FFFFFF"/>
+      </a:lt1>
+      <a:dk2>
+        <a:srgbClr val="595959"/>
+      </a:dk2>
+      <a:lt2>
+        <a:srgbClr val="EEEEEE"/>
+      </a:lt2>
+      <a:accent1>
+        <a:srgbClr val="4285F4"/>
+      </a:accent1>
+      <a:accent2>
+        <a:srgbClr val="212121"/>
+      </a:accent2>
+      <a:accent3>
+        <a:srgbClr val="78909C"/>
+      </a:accent3>
+      <a:accent4>
+        <a:srgbClr val="FFAB40"/>
+      </a:accent4>
+      <a:accent5>
+        <a:srgbClr val="0097A7"/>
+      </a:accent5>
+      <a:accent6>
+        <a:srgbClr val="EEFF41"/>
+      </a:accent6>
+      <a:hlink>
+        <a:srgbClr val="0097A7"/>
+      </a:hlink>
+      <a:folHlink>
+        <a:srgbClr val="0097A7"/>
+      </a:folHlink>
+    </a:clrScheme>
+    <a:fontScheme name="Office">
+      <a:majorFont>
+        <a:latin typeface="Arial"/>
+        <a:ea typeface=""/>
+        <a:cs typeface=""/>
+        <a:font script="Jpan" typeface="ＭＳ Ｐゴシック"/>
+        <a:font script="Hang" typeface="맑은 고딕"/>
+        <a:font script="Hans" typeface="宋体"/>
+        <a:font script="Hant" typeface="新細明體"/>
+        <a:font script="Arab" typeface="Times New Roman"/>
+        <a:font script="Hebr" typeface="Times New Roman"/>
+        <a:font script="Thai" typeface="Angsana New"/>
+        <a:font script="Ethi" typeface="Nyala"/>
+        <a:font script="Beng" typeface="Vrinda"/>
+        <a:font script="Gujr" typeface="Shruti"/>
+        <a:font script="Khmr" typeface="MoolBoran"/>
+        <a:font script="Knda" typeface="Tunga"/>
+        <a:font script="Guru" typeface="Raavi"/>
+        <a:font script="Cans" typeface="Euphemia"/>
+        <a:font script="Cher" typeface="Plantagenet Cherokee"/>
+        <a:font script="Yiii" typeface="Microsoft Yi Baiti"/>
+        <a:font script="Tibt" typeface="Microsoft Himalaya"/>
+        <a:font script="Thaa" typeface="MV Boli"/>
+        <a:font script="Deva" typeface="Mangal"/>
+        <a:font script="Telu" typeface="Gautami"/>
+        <a:font script="Taml" typeface="Latha"/>
+        <a:font script="Syrc" typeface="Estrangelo Edessa"/>
+        <a:font script="Orya" typeface="Kalinga"/>
+        <a:font script="Mlym" typeface="Kartika"/>
+        <a:font script="Laoo" typeface="DokChampa"/>
+        <a:font script="Sinh" typeface="Iskoola Pota"/>
+        <a:font script="Mong" typeface="Mongolian Baiti"/>
+        <a:font script="Viet" typeface="Times New Roman"/>
+        <a:font script="Uigh" typeface="Microsoft Uighur"/>
+        <a:font script="Geor" typeface="Sylfaen"/>
+      </a:majorFont>
+      <a:minorFont>
+        <a:latin typeface="Arial"/>
+        <a:ea typeface=""/>
+        <a:cs typeface=""/>
+        <a:font script="Jpan" typeface="ＭＳ Ｐゴシック"/>
+        <a:font script="Hang" typeface="맑은 고딕"/>
+        <a:font script="Hans" typeface="宋体"/>
+        <a:font script="Hant" typeface="新細明體"/>
+        <a:font script="Arab" typeface="Arial"/>
+        <a:font script="Hebr" typeface="Arial"/>
+        <a:font script="Thai" typeface="Cordia New"/>
+        <a:font script="Ethi" typeface="Nyala"/>
+        <a:font script="Beng" typeface="Vrinda"/>
+        <a:font script="Gujr" typeface="Shruti"/>
+        <a:font script="Khmr" typeface="DaunPenh"/>
+        <a:font script="Knda" typeface="Tunga"/>
+        <a:font script="Guru" typeface="Raavi"/>
+        <a:font script="Cans" typeface="Euphemia"/>
+        <a:font script="Cher" typeface="Plantagenet Cherokee"/>
+        <a:font script="Yiii" typeface="Microsoft Yi Baiti"/>
+        <a:font script="Tibt" typeface="Microsoft Himalaya"/>
+        <a:font script="Thaa" typeface="MV Boli"/>
+        <a:font script="Deva" typeface="Mangal"/>
+        <a:font script="Telu" typeface="Gautami"/>
+        <a:font script="Taml" typeface="Latha"/>
+        <a:font script="Syrc" typeface="Estrangelo Edessa"/>
+        <a:font script="Orya" typeface="Kalinga"/>
+        <a:font script="Mlym" typeface="Kartika"/>
+        <a:font script="Laoo" typeface="DokChampa"/>
+        <a:font script="Sinh" typeface="Iskoola Pota"/>
+        <a:font script="Mong" typeface="Mongolian Baiti"/>
+        <a:font script="Viet" typeface="Arial"/>
+        <a:font script="Uigh" typeface="Microsoft Uighur"/>
+        <a:font script="Geor" typeface="Sylfaen"/>
+      </a:minorFont>
+    </a:fontScheme>
+    <a:fmtScheme name="Office">
+      <a:fillStyleLst>
+        <a:solidFill>
+          <a:schemeClr val="phClr"/>
+        </a:solidFill>
+        <a:gradFill rotWithShape="1">
+          <a:gsLst>
+            <a:gs pos="0">
+              <a:schemeClr val="phClr">
+                <a:tint val="50000"/>
+                <a:satMod val="300000"/>
+              </a:schemeClr>
+            </a:gs>
+            <a:gs pos="35000">
+              <a:schemeClr val="phClr">
+                <a:tint val="37000"/>
+                <a:satMod val="300000"/>
+              </a:schemeClr>
+            </a:gs>
+            <a:gs pos="100000">
+              <a:schemeClr val="phClr">
+                <a:tint val="15000"/>
+                <a:satMod val="350000"/>
+              </a:schemeClr>
+            </a:gs>
+          </a:gsLst>
+          <a:lin ang="16200000" scaled="1"/>
+        </a:gradFill>
+        <a:gradFill rotWithShape="1">
+          <a:gsLst>
+            <a:gs pos="0">
+              <a:schemeClr val="phClr">
+                <a:tint val="100000"/>
+                <a:shade val="100000"/>
+                <a:satMod val="130000"/>
+              </a:schemeClr>
+            </a:gs>
+            <a:gs pos="100000">
+              <a:schemeClr val="phClr">
+                <a:tint val="50000"/>
+                <a:shade val="100000"/>
+                <a:satMod val="350000"/>
+              </a:schemeClr>
+            </a:gs>
+          </a:gsLst>
+          <a:lin ang="16200000" scaled="0"/>
+        </a:gradFill>
+      </a:fillStyleLst>
+      <a:lnStyleLst>
+        <a:ln w="9525" cap="flat" cmpd="sng" algn="ctr">
+          <a:solidFill>
+            <a:schemeClr val="phClr">
+              <a:shade val="95000"/>
+              <a:satMod val="105000"/>
+            </a:schemeClr>
+          </a:solidFill>
+          <a:prstDash val="solid"/>
+        </a:ln>
+        <a:ln w="25400" cap="flat" cmpd="sng" algn="ctr">
+          <a:solidFill>
+            <a:schemeClr val="phClr"/>
+          </a:solidFill>
+          <a:prstDash val="solid"/>
+        </a:ln>
+        <a:ln w="38100" cap="flat" cmpd="sng" algn="ctr">
+          <a:solidFill>
+            <a:schemeClr val="phClr"/>
+          </a:solidFill>
+          <a:prstDash val="solid"/>
+        </a:ln>
+      </a:lnStyleLst>
+      <a:effectStyleLst>
+        <a:effectStyle>
+          <a:effectLst>
+            <a:outerShdw blurRad="40000" dist="20000" dir="5400000" rotWithShape="0">
+              <a:srgbClr val="000000">
+                <a:alpha val="38000"/>
+              </a:srgbClr>
+            </a:outerShdw>
+          </a:effectLst>
+        </a:effectStyle>
+        <a:effectStyle>
+          <a:effectLst>
+            <a:outerShdw blurRad="40000" dist="23000" dir="5400000" rotWithShape="0">
+              <a:srgbClr val="000000">
+                <a:alpha val="35000"/>
+              </a:srgbClr>
+            </a:outerShdw>
+          </a:effectLst>
+        </a:effectStyle>
+        <a:effectStyle>
+          <a:effectLst>
+            <a:outerShdw blurRad="40000" dist="23000" dir="5400000" rotWithShape="0">
+              <a:srgbClr val="000000">
+                <a:alpha val="35000"/>
+              </a:srgbClr>
+            </a:outerShdw>
+          </a:effectLst>
+          <a:scene3d>
+            <a:camera prst="orthographicFront">
+              <a:rot lat="0" lon="0" rev="0"/>
+            </a:camera>
+            <a:lightRig rig="threePt" dir="t">
+              <a:rot lat="0" lon="0" rev="1200000"/>
+            </a:lightRig>
+          </a:scene3d>
+          <a:sp3d>
+            <a:bevelT w="63500" h="25400"/>
+          </a:sp3d>
+        </a:effectStyle>
+      </a:effectStyleLst>
+      <a:bgFillStyleLst>
+        <a:solidFill>
+          <a:schemeClr val="phClr"/>
+        </a:solidFill>
+        <a:gradFill rotWithShape="1">
+          <a:gsLst>
+            <a:gs pos="0">
+              <a:schemeClr val="phClr">
+                <a:tint val="40000"/>
+                <a:satMod val="350000"/>
+              </a:schemeClr>
+            </a:gs>
+            <a:gs pos="40000">
+              <a:schemeClr val="phClr">
+                <a:tint val="45000"/>
+                <a:shade val="99000"/>
+                <a:satMod val="350000"/>
+              </a:schemeClr>
+            </a:gs>
+            <a:gs pos="100000">
+              <a:schemeClr val="phClr">
+                <a:shade val="20000"/>
+                <a:satMod val="255000"/>
+              </a:schemeClr>
+            </a:gs>
+          </a:gsLst>
+          <a:path path="circle">
+            <a:fillToRect l="50000" t="-80000" r="50000" b="180000"/>
+          </a:path>
+        </a:gradFill>
+        <a:gradFill rotWithShape="1">
+          <a:gsLst>
+            <a:gs pos="0">
+              <a:schemeClr val="phClr">
+                <a:tint val="80000"/>
+                <a:satMod val="300000"/>
+              </a:schemeClr>
+            </a:gs>
+            <a:gs pos="100000">
+              <a:schemeClr val="phClr">
+                <a:shade val="30000"/>
+                <a:satMod val="200000"/>
+              </a:schemeClr>
+            </a:gs>
+          </a:gsLst>
+          <a:path path="circle">
+            <a:fillToRect l="50000" t="50000" r="50000" b="50000"/>
+          </a:path>
+        </a:gradFill>
+      </a:bgFillStyleLst>
+    </a:fmtScheme>
+  </a:themeElements>
+</a:theme>
+</file>
+
+<file path=ppt/theme/theme4.xml><?xml version="1.0" encoding="utf-8"?>
 <a:theme xmlns:a="http://schemas.openxmlformats.org/drawingml/2006/main" xmlns:r="http://schemas.openxmlformats.org/officeDocument/2006/relationships" name="Geometric">
   <a:themeElements>
     <a:clrScheme name="Geometric">
@@ -31746,283 +32025,4 @@
     </a:fmtScheme>
   </a:themeElements>
 </a:theme>
-</file>
-
-<file path=ppt/theme/theme4.xml><?xml version="1.0" encoding="utf-8"?>
-<a:theme xmlns:a="http://schemas.openxmlformats.org/drawingml/2006/main" xmlns:r="http://schemas.openxmlformats.org/officeDocument/2006/relationships" name="Simple Light">
-  <a:themeElements>
-    <a:clrScheme name="Simple Light">
-      <a:dk1>
-        <a:srgbClr val="000000"/>
-      </a:dk1>
-      <a:lt1>
-        <a:srgbClr val="FFFFFF"/>
-      </a:lt1>
-      <a:dk2>
-        <a:srgbClr val="595959"/>
-      </a:dk2>
-      <a:lt2>
-        <a:srgbClr val="EEEEEE"/>
-      </a:lt2>
-      <a:accent1>
-        <a:srgbClr val="4285F4"/>
-      </a:accent1>
-      <a:accent2>
-        <a:srgbClr val="212121"/>
-      </a:accent2>
-      <a:accent3>
-        <a:srgbClr val="78909C"/>
-      </a:accent3>
-      <a:accent4>
-        <a:srgbClr val="FFAB40"/>
-      </a:accent4>
-      <a:accent5>
-        <a:srgbClr val="0097A7"/>
-      </a:accent5>
-      <a:accent6>
-        <a:srgbClr val="EEFF41"/>
-      </a:accent6>
-      <a:hlink>
-        <a:srgbClr val="0097A7"/>
-      </a:hlink>
-      <a:folHlink>
-        <a:srgbClr val="0097A7"/>
-      </a:folHlink>
-    </a:clrScheme>
-    <a:fontScheme name="Office">
-      <a:majorFont>
-        <a:latin typeface="Arial"/>
-        <a:ea typeface=""/>
-        <a:cs typeface=""/>
-        <a:font script="Jpan" typeface="ＭＳ Ｐゴシック"/>
-        <a:font script="Hang" typeface="맑은 고딕"/>
-        <a:font script="Hans" typeface="宋体"/>
-        <a:font script="Hant" typeface="新細明體"/>
-        <a:font script="Arab" typeface="Times New Roman"/>
-        <a:font script="Hebr" typeface="Times New Roman"/>
-        <a:font script="Thai" typeface="Angsana New"/>
-        <a:font script="Ethi" typeface="Nyala"/>
-        <a:font script="Beng" typeface="Vrinda"/>
-        <a:font script="Gujr" typeface="Shruti"/>
-        <a:font script="Khmr" typeface="MoolBoran"/>
-        <a:font script="Knda" typeface="Tunga"/>
-        <a:font script="Guru" typeface="Raavi"/>
-        <a:font script="Cans" typeface="Euphemia"/>
-        <a:font script="Cher" typeface="Plantagenet Cherokee"/>
-        <a:font script="Yiii" typeface="Microsoft Yi Baiti"/>
-        <a:font script="Tibt" typeface="Microsoft Himalaya"/>
-        <a:font script="Thaa" typeface="MV Boli"/>
-        <a:font script="Deva" typeface="Mangal"/>
-        <a:font script="Telu" typeface="Gautami"/>
-        <a:font script="Taml" typeface="Latha"/>
-        <a:font script="Syrc" typeface="Estrangelo Edessa"/>
-        <a:font script="Orya" typeface="Kalinga"/>
-        <a:font script="Mlym" typeface="Kartika"/>
-        <a:font script="Laoo" typeface="DokChampa"/>
-        <a:font script="Sinh" typeface="Iskoola Pota"/>
-        <a:font script="Mong" typeface="Mongolian Baiti"/>
-        <a:font script="Viet" typeface="Times New Roman"/>
-        <a:font script="Uigh" typeface="Microsoft Uighur"/>
-        <a:font script="Geor" typeface="Sylfaen"/>
-      </a:majorFont>
-      <a:minorFont>
-        <a:latin typeface="Arial"/>
-        <a:ea typeface=""/>
-        <a:cs typeface=""/>
-        <a:font script="Jpan" typeface="ＭＳ Ｐゴシック"/>
-        <a:font script="Hang" typeface="맑은 고딕"/>
-        <a:font script="Hans" typeface="宋体"/>
-        <a:font script="Hant" typeface="新細明體"/>
-        <a:font script="Arab" typeface="Arial"/>
-        <a:font script="Hebr" typeface="Arial"/>
-        <a:font script="Thai" typeface="Cordia New"/>
-        <a:font script="Ethi" typeface="Nyala"/>
-        <a:font script="Beng" typeface="Vrinda"/>
-        <a:font script="Gujr" typeface="Shruti"/>
-        <a:font script="Khmr" typeface="DaunPenh"/>
-        <a:font script="Knda" typeface="Tunga"/>
-        <a:font script="Guru" typeface="Raavi"/>
-        <a:font script="Cans" typeface="Euphemia"/>
-        <a:font script="Cher" typeface="Plantagenet Cherokee"/>
-        <a:font script="Yiii" typeface="Microsoft Yi Baiti"/>
-        <a:font script="Tibt" typeface="Microsoft Himalaya"/>
-        <a:font script="Thaa" typeface="MV Boli"/>
-        <a:font script="Deva" typeface="Mangal"/>
-        <a:font script="Telu" typeface="Gautami"/>
-        <a:font script="Taml" typeface="Latha"/>
-        <a:font script="Syrc" typeface="Estrangelo Edessa"/>
-        <a:font script="Orya" typeface="Kalinga"/>
-        <a:font script="Mlym" typeface="Kartika"/>
-        <a:font script="Laoo" typeface="DokChampa"/>
-        <a:font script="Sinh" typeface="Iskoola Pota"/>
-        <a:font script="Mong" typeface="Mongolian Baiti"/>
-        <a:font script="Viet" typeface="Arial"/>
-        <a:font script="Uigh" typeface="Microsoft Uighur"/>
-        <a:font script="Geor" typeface="Sylfaen"/>
-      </a:minorFont>
-    </a:fontScheme>
-    <a:fmtScheme name="Office">
-      <a:fillStyleLst>
-        <a:solidFill>
-          <a:schemeClr val="phClr"/>
-        </a:solidFill>
-        <a:gradFill rotWithShape="1">
-          <a:gsLst>
-            <a:gs pos="0">
-              <a:schemeClr val="phClr">
-                <a:tint val="50000"/>
-                <a:satMod val="300000"/>
-              </a:schemeClr>
-            </a:gs>
-            <a:gs pos="35000">
-              <a:schemeClr val="phClr">
-                <a:tint val="37000"/>
-                <a:satMod val="300000"/>
-              </a:schemeClr>
-            </a:gs>
-            <a:gs pos="100000">
-              <a:schemeClr val="phClr">
-                <a:tint val="15000"/>
-                <a:satMod val="350000"/>
-              </a:schemeClr>
-            </a:gs>
-          </a:gsLst>
-          <a:lin ang="16200000" scaled="1"/>
-        </a:gradFill>
-        <a:gradFill rotWithShape="1">
-          <a:gsLst>
-            <a:gs pos="0">
-              <a:schemeClr val="phClr">
-                <a:tint val="100000"/>
-                <a:shade val="100000"/>
-                <a:satMod val="130000"/>
-              </a:schemeClr>
-            </a:gs>
-            <a:gs pos="100000">
-              <a:schemeClr val="phClr">
-                <a:tint val="50000"/>
-                <a:shade val="100000"/>
-                <a:satMod val="350000"/>
-              </a:schemeClr>
-            </a:gs>
-          </a:gsLst>
-          <a:lin ang="16200000" scaled="0"/>
-        </a:gradFill>
-      </a:fillStyleLst>
-      <a:lnStyleLst>
-        <a:ln w="9525" cap="flat" cmpd="sng" algn="ctr">
-          <a:solidFill>
-            <a:schemeClr val="phClr">
-              <a:shade val="95000"/>
-              <a:satMod val="105000"/>
-            </a:schemeClr>
-          </a:solidFill>
-          <a:prstDash val="solid"/>
-        </a:ln>
-        <a:ln w="25400" cap="flat" cmpd="sng" algn="ctr">
-          <a:solidFill>
-            <a:schemeClr val="phClr"/>
-          </a:solidFill>
-          <a:prstDash val="solid"/>
-        </a:ln>
-        <a:ln w="38100" cap="flat" cmpd="sng" algn="ctr">
-          <a:solidFill>
-            <a:schemeClr val="phClr"/>
-          </a:solidFill>
-          <a:prstDash val="solid"/>
-        </a:ln>
-      </a:lnStyleLst>
-      <a:effectStyleLst>
-        <a:effectStyle>
-          <a:effectLst>
-            <a:outerShdw blurRad="40000" dist="20000" dir="5400000" rotWithShape="0">
-              <a:srgbClr val="000000">
-                <a:alpha val="38000"/>
-              </a:srgbClr>
-            </a:outerShdw>
-          </a:effectLst>
-        </a:effectStyle>
-        <a:effectStyle>
-          <a:effectLst>
-            <a:outerShdw blurRad="40000" dist="23000" dir="5400000" rotWithShape="0">
-              <a:srgbClr val="000000">
-                <a:alpha val="35000"/>
-              </a:srgbClr>
-            </a:outerShdw>
-          </a:effectLst>
-        </a:effectStyle>
-        <a:effectStyle>
-          <a:effectLst>
-            <a:outerShdw blurRad="40000" dist="23000" dir="5400000" rotWithShape="0">
-              <a:srgbClr val="000000">
-                <a:alpha val="35000"/>
-              </a:srgbClr>
-            </a:outerShdw>
-          </a:effectLst>
-          <a:scene3d>
-            <a:camera prst="orthographicFront">
-              <a:rot lat="0" lon="0" rev="0"/>
-            </a:camera>
-            <a:lightRig rig="threePt" dir="t">
-              <a:rot lat="0" lon="0" rev="1200000"/>
-            </a:lightRig>
-          </a:scene3d>
-          <a:sp3d>
-            <a:bevelT w="63500" h="25400"/>
-          </a:sp3d>
-        </a:effectStyle>
-      </a:effectStyleLst>
-      <a:bgFillStyleLst>
-        <a:solidFill>
-          <a:schemeClr val="phClr"/>
-        </a:solidFill>
-        <a:gradFill rotWithShape="1">
-          <a:gsLst>
-            <a:gs pos="0">
-              <a:schemeClr val="phClr">
-                <a:tint val="40000"/>
-                <a:satMod val="350000"/>
-              </a:schemeClr>
-            </a:gs>
-            <a:gs pos="40000">
-              <a:schemeClr val="phClr">
-                <a:tint val="45000"/>
-                <a:shade val="99000"/>
-                <a:satMod val="350000"/>
-              </a:schemeClr>
-            </a:gs>
-            <a:gs pos="100000">
-              <a:schemeClr val="phClr">
-                <a:shade val="20000"/>
-                <a:satMod val="255000"/>
-              </a:schemeClr>
-            </a:gs>
-          </a:gsLst>
-          <a:path path="circle">
-            <a:fillToRect l="50000" t="-80000" r="50000" b="180000"/>
-          </a:path>
-        </a:gradFill>
-        <a:gradFill rotWithShape="1">
-          <a:gsLst>
-            <a:gs pos="0">
-              <a:schemeClr val="phClr">
-                <a:tint val="80000"/>
-                <a:satMod val="300000"/>
-              </a:schemeClr>
-            </a:gs>
-            <a:gs pos="100000">
-              <a:schemeClr val="phClr">
-                <a:shade val="30000"/>
-                <a:satMod val="200000"/>
-              </a:schemeClr>
-            </a:gs>
-          </a:gsLst>
-          <a:path path="circle">
-            <a:fillToRect l="50000" t="50000" r="50000" b="50000"/>
-          </a:path>
-        </a:gradFill>
-      </a:bgFillStyleLst>
-    </a:fmtScheme>
-  </a:themeElements>
-</a:theme>
 </file>
--- a/Day_2/Lectures/Day_2_Lecture_1_Data_Collection_Data_Preparation.pptx
+++ b/Day_2/Lectures/Day_2_Lecture_1_Data_Collection_Data_Preparation.pptx
@@ -30912,9 +30912,9 @@
 </file>
 
 <file path=ppt/theme/theme1.xml><?xml version="1.0" encoding="utf-8"?>
-<a:theme xmlns:a="http://schemas.openxmlformats.org/drawingml/2006/main" xmlns:r="http://schemas.openxmlformats.org/officeDocument/2006/relationships">
+<a:theme xmlns:a="http://schemas.openxmlformats.org/drawingml/2006/main" xmlns:r="http://schemas.openxmlformats.org/officeDocument/2006/relationships" name="Simple Light">
   <a:themeElements>
-    <a:clrScheme name="Default">
+    <a:clrScheme name="Simple Light">
       <a:dk1>
         <a:srgbClr val="000000"/>
       </a:dk1>
@@ -30922,34 +30922,34 @@
         <a:srgbClr val="FFFFFF"/>
       </a:lt1>
       <a:dk2>
-        <a:srgbClr val="158158"/>
+        <a:srgbClr val="595959"/>
       </a:dk2>
       <a:lt2>
-        <a:srgbClr val="F3F3F3"/>
+        <a:srgbClr val="EEEEEE"/>
       </a:lt2>
       <a:accent1>
-        <a:srgbClr val="058DC7"/>
+        <a:srgbClr val="4285F4"/>
       </a:accent1>
       <a:accent2>
-        <a:srgbClr val="50B432"/>
+        <a:srgbClr val="212121"/>
       </a:accent2>
       <a:accent3>
-        <a:srgbClr val="ED561B"/>
+        <a:srgbClr val="78909C"/>
       </a:accent3>
       <a:accent4>
-        <a:srgbClr val="EDEF00"/>
+        <a:srgbClr val="FFAB40"/>
       </a:accent4>
       <a:accent5>
-        <a:srgbClr val="24CBE5"/>
+        <a:srgbClr val="0097A7"/>
       </a:accent5>
       <a:accent6>
-        <a:srgbClr val="64E572"/>
+        <a:srgbClr val="EEFF41"/>
       </a:accent6>
       <a:hlink>
-        <a:srgbClr val="2200CC"/>
+        <a:srgbClr val="0097A7"/>
       </a:hlink>
       <a:folHlink>
-        <a:srgbClr val="551A8B"/>
+        <a:srgbClr val="0097A7"/>
       </a:folHlink>
     </a:clrScheme>
     <a:fontScheme name="Office">
@@ -31191,44 +31191,44 @@
 </file>
 
 <file path=ppt/theme/theme2.xml><?xml version="1.0" encoding="utf-8"?>
-<a:theme xmlns:a="http://schemas.openxmlformats.org/drawingml/2006/main" xmlns:r="http://schemas.openxmlformats.org/officeDocument/2006/relationships" name="Simple Light">
+<a:theme xmlns:a="http://schemas.openxmlformats.org/drawingml/2006/main" xmlns:r="http://schemas.openxmlformats.org/officeDocument/2006/relationships" name="Geometric">
   <a:themeElements>
-    <a:clrScheme name="Simple Light">
+    <a:clrScheme name="Geometric">
       <a:dk1>
-        <a:srgbClr val="000000"/>
+        <a:srgbClr val="2A3990"/>
       </a:dk1>
       <a:lt1>
         <a:srgbClr val="FFFFFF"/>
       </a:lt1>
       <a:dk2>
-        <a:srgbClr val="595959"/>
+        <a:srgbClr val="434343"/>
       </a:dk2>
       <a:lt2>
-        <a:srgbClr val="EEEEEE"/>
+        <a:srgbClr val="999999"/>
       </a:lt2>
       <a:accent1>
-        <a:srgbClr val="4285F4"/>
+        <a:srgbClr val="212D74"/>
       </a:accent1>
       <a:accent2>
-        <a:srgbClr val="212121"/>
+        <a:srgbClr val="3949AB"/>
       </a:accent2>
       <a:accent3>
-        <a:srgbClr val="78909C"/>
+        <a:srgbClr val="9C254D"/>
       </a:accent3>
       <a:accent4>
-        <a:srgbClr val="FFAB40"/>
+        <a:srgbClr val="D23369"/>
       </a:accent4>
       <a:accent5>
-        <a:srgbClr val="0097A7"/>
+        <a:srgbClr val="F06292"/>
       </a:accent5>
       <a:accent6>
-        <a:srgbClr val="EEFF41"/>
+        <a:srgbClr val="7890CD"/>
       </a:accent6>
       <a:hlink>
-        <a:srgbClr val="0097A7"/>
+        <a:srgbClr val="F06292"/>
       </a:hlink>
       <a:folHlink>
-        <a:srgbClr val="0097A7"/>
+        <a:srgbClr val="F06292"/>
       </a:folHlink>
     </a:clrScheme>
     <a:fontScheme name="Office">
@@ -31749,44 +31749,44 @@
 </file>
 
 <file path=ppt/theme/theme4.xml><?xml version="1.0" encoding="utf-8"?>
-<a:theme xmlns:a="http://schemas.openxmlformats.org/drawingml/2006/main" xmlns:r="http://schemas.openxmlformats.org/officeDocument/2006/relationships" name="Geometric">
+<a:theme xmlns:a="http://schemas.openxmlformats.org/drawingml/2006/main" xmlns:r="http://schemas.openxmlformats.org/officeDocument/2006/relationships">
   <a:themeElements>
-    <a:clrScheme name="Geometric">
+    <a:clrScheme name="Default">
       <a:dk1>
-        <a:srgbClr val="2A3990"/>
+        <a:srgbClr val="000000"/>
       </a:dk1>
       <a:lt1>
         <a:srgbClr val="FFFFFF"/>
       </a:lt1>
       <a:dk2>
-        <a:srgbClr val="434343"/>
+        <a:srgbClr val="158158"/>
       </a:dk2>
       <a:lt2>
-        <a:srgbClr val="999999"/>
+        <a:srgbClr val="F3F3F3"/>
       </a:lt2>
       <a:accent1>
-        <a:srgbClr val="212D74"/>
+        <a:srgbClr val="058DC7"/>
       </a:accent1>
       <a:accent2>
-        <a:srgbClr val="3949AB"/>
+        <a:srgbClr val="50B432"/>
       </a:accent2>
       <a:accent3>
-        <a:srgbClr val="9C254D"/>
+        <a:srgbClr val="ED561B"/>
       </a:accent3>
       <a:accent4>
-        <a:srgbClr val="D23369"/>
+        <a:srgbClr val="EDEF00"/>
       </a:accent4>
       <a:accent5>
-        <a:srgbClr val="F06292"/>
+        <a:srgbClr val="24CBE5"/>
       </a:accent5>
       <a:accent6>
-        <a:srgbClr val="7890CD"/>
+        <a:srgbClr val="64E572"/>
       </a:accent6>
       <a:hlink>
-        <a:srgbClr val="F06292"/>
+        <a:srgbClr val="2200CC"/>
       </a:hlink>
       <a:folHlink>
-        <a:srgbClr val="F06292"/>
+        <a:srgbClr val="551A8B"/>
       </a:folHlink>
     </a:clrScheme>
     <a:fontScheme name="Office">

--- a/Day_2/Lectures/Day_2_Lecture_1_Data_Collection_Data_Preparation.pptx
+++ b/Day_2/Lectures/Day_2_Lecture_1_Data_Collection_Data_Preparation.pptx
@@ -22443,7 +22443,7 @@
         <p:spPr>
           <a:xfrm>
             <a:off x="212175" y="740725"/>
-            <a:ext cx="8520600" cy="1212000"/>
+            <a:ext cx="8520600" cy="946500"/>
           </a:xfrm>
           <a:prstGeom prst="rect">
             <a:avLst/>
@@ -22474,7 +22474,7 @@
             </a:pPr>
             <a:r>
               <a:rPr lang="en" sz="1500"/>
-              <a:t>Data available in the form of tables in databases, or to be more specific, relational databases, comprise of another format of structured data that we encounter when working on different use cases, most of them conforming to the SQL standard.</a:t>
+              <a:t>Data available in the form of tables in databases, or to be more specific, relational databases, comprise of another format of structured data conforming to the SQL standard.</a:t>
             </a:r>
             <a:endParaRPr sz="1500"/>
           </a:p>
@@ -22534,7 +22534,7 @@
         </p:nvSpPr>
         <p:spPr>
           <a:xfrm>
-            <a:off x="212175" y="1573075"/>
+            <a:off x="212175" y="1440900"/>
             <a:ext cx="5869500" cy="2008800"/>
           </a:xfrm>
           <a:prstGeom prst="rect">
@@ -23618,8 +23618,8 @@
         </p:nvSpPr>
         <p:spPr>
           <a:xfrm>
-            <a:off x="769925" y="934200"/>
-            <a:ext cx="7682400" cy="1544100"/>
+            <a:off x="418525" y="934200"/>
+            <a:ext cx="8348400" cy="1544100"/>
           </a:xfrm>
           <a:prstGeom prst="roundRect">
             <a:avLst>
@@ -23744,7 +23744,7 @@
         </p:blipFill>
         <p:spPr>
           <a:xfrm>
-            <a:off x="923600" y="1083412"/>
+            <a:off x="548700" y="1050387"/>
             <a:ext cx="766300" cy="492125"/>
           </a:xfrm>
           <a:prstGeom prst="rect">
@@ -23764,8 +23764,8 @@
         </p:nvSpPr>
         <p:spPr>
           <a:xfrm>
-            <a:off x="690750" y="2670750"/>
-            <a:ext cx="8193300" cy="1761000"/>
+            <a:off x="418525" y="2713800"/>
+            <a:ext cx="8193300" cy="2026500"/>
           </a:xfrm>
           <a:prstGeom prst="rect">
             <a:avLst/>
@@ -28903,7 +28903,7 @@
             </a:pPr>
             <a:r>
               <a:rPr lang="en" sz="1600"/>
-              <a:t>Introduction to Google Colab, NumPy and Pandas, Gene family prediction</a:t>
+              <a:t>Introduction to Google Colab, NumPy and Pandas</a:t>
             </a:r>
             <a:endParaRPr sz="1600"/>
           </a:p>
@@ -31191,285 +31191,6 @@
 </file>
 
 <file path=ppt/theme/theme2.xml><?xml version="1.0" encoding="utf-8"?>
-<a:theme xmlns:a="http://schemas.openxmlformats.org/drawingml/2006/main" xmlns:r="http://schemas.openxmlformats.org/officeDocument/2006/relationships" name="Geometric">
-  <a:themeElements>
-    <a:clrScheme name="Geometric">
-      <a:dk1>
-        <a:srgbClr val="2A3990"/>
-      </a:dk1>
-      <a:lt1>
-        <a:srgbClr val="FFFFFF"/>
-      </a:lt1>
-      <a:dk2>
-        <a:srgbClr val="434343"/>
-      </a:dk2>
-      <a:lt2>
-        <a:srgbClr val="999999"/>
-      </a:lt2>
-      <a:accent1>
-        <a:srgbClr val="212D74"/>
-      </a:accent1>
-      <a:accent2>
-        <a:srgbClr val="3949AB"/>
-      </a:accent2>
-      <a:accent3>
-        <a:srgbClr val="9C254D"/>
-      </a:accent3>
-      <a:accent4>
-        <a:srgbClr val="D23369"/>
-      </a:accent4>
-      <a:accent5>
-        <a:srgbClr val="F06292"/>
-      </a:accent5>
-      <a:accent6>
-        <a:srgbClr val="7890CD"/>
-      </a:accent6>
-      <a:hlink>
-        <a:srgbClr val="F06292"/>
-      </a:hlink>
-      <a:folHlink>
-        <a:srgbClr val="F06292"/>
-      </a:folHlink>
-    </a:clrScheme>
-    <a:fontScheme name="Office">
-      <a:majorFont>
-        <a:latin typeface="Arial"/>
-        <a:ea typeface=""/>
-        <a:cs typeface=""/>
-        <a:font script="Jpan" typeface="ＭＳ Ｐゴシック"/>
-        <a:font script="Hang" typeface="맑은 고딕"/>
-        <a:font script="Hans" typeface="宋体"/>
-        <a:font script="Hant" typeface="新細明體"/>
-        <a:font script="Arab" typeface="Times New Roman"/>
-        <a:font script="Hebr" typeface="Times New Roman"/>
-        <a:font script="Thai" typeface="Angsana New"/>
-        <a:font script="Ethi" typeface="Nyala"/>
-        <a:font script="Beng" typeface="Vrinda"/>
-        <a:font script="Gujr" typeface="Shruti"/>
-        <a:font script="Khmr" typeface="MoolBoran"/>
-        <a:font script="Knda" typeface="Tunga"/>
-        <a:font script="Guru" typeface="Raavi"/>
-        <a:font script="Cans" typeface="Euphemia"/>
-        <a:font script="Cher" typeface="Plantagenet Cherokee"/>
-        <a:font script="Yiii" typeface="Microsoft Yi Baiti"/>
-        <a:font script="Tibt" typeface="Microsoft Himalaya"/>
-        <a:font script="Thaa" typeface="MV Boli"/>
-        <a:font script="Deva" typeface="Mangal"/>
-        <a:font script="Telu" typeface="Gautami"/>
-        <a:font script="Taml" typeface="Latha"/>
-        <a:font script="Syrc" typeface="Estrangelo Edessa"/>
-        <a:font script="Orya" typeface="Kalinga"/>
-        <a:font script="Mlym" typeface="Kartika"/>
-        <a:font script="Laoo" typeface="DokChampa"/>
-        <a:font script="Sinh" typeface="Iskoola Pota"/>
-        <a:font script="Mong" typeface="Mongolian Baiti"/>
-        <a:font script="Viet" typeface="Times New Roman"/>
-        <a:font script="Uigh" typeface="Microsoft Uighur"/>
-        <a:font script="Geor" typeface="Sylfaen"/>
-      </a:majorFont>
-      <a:minorFont>
-        <a:latin typeface="Arial"/>
-        <a:ea typeface=""/>
-        <a:cs typeface=""/>
-        <a:font script="Jpan" typeface="ＭＳ Ｐゴシック"/>
-        <a:font script="Hang" typeface="맑은 고딕"/>
-        <a:font script="Hans" typeface="宋体"/>
-        <a:font script="Hant" typeface="新細明體"/>
-        <a:font script="Arab" typeface="Arial"/>
-        <a:font script="Hebr" typeface="Arial"/>
-        <a:font script="Thai" typeface="Cordia New"/>
-        <a:font script="Ethi" typeface="Nyala"/>
-        <a:font script="Beng" typeface="Vrinda"/>
-        <a:font script="Gujr" typeface="Shruti"/>
-        <a:font script="Khmr" typeface="DaunPenh"/>
-        <a:font script="Knda" typeface="Tunga"/>
-        <a:font script="Guru" typeface="Raavi"/>
-        <a:font script="Cans" typeface="Euphemia"/>
-        <a:font script="Cher" typeface="Plantagenet Cherokee"/>
-        <a:font script="Yiii" typeface="Microsoft Yi Baiti"/>
-        <a:font script="Tibt" typeface="Microsoft Himalaya"/>
-        <a:font script="Thaa" typeface="MV Boli"/>
-        <a:font script="Deva" typeface="Mangal"/>
-        <a:font script="Telu" typeface="Gautami"/>
-        <a:font script="Taml" typeface="Latha"/>
-        <a:font script="Syrc" typeface="Estrangelo Edessa"/>
-        <a:font script="Orya" typeface="Kalinga"/>
-        <a:font script="Mlym" typeface="Kartika"/>
-        <a:font script="Laoo" typeface="DokChampa"/>
-        <a:font script="Sinh" typeface="Iskoola Pota"/>
-        <a:font script="Mong" typeface="Mongolian Baiti"/>
-        <a:font script="Viet" typeface="Arial"/>
-        <a:font script="Uigh" typeface="Microsoft Uighur"/>
-        <a:font script="Geor" typeface="Sylfaen"/>
-      </a:minorFont>
-    </a:fontScheme>
-    <a:fmtScheme name="Office">
-      <a:fillStyleLst>
-        <a:solidFill>
-          <a:schemeClr val="phClr"/>
-        </a:solidFill>
-        <a:gradFill rotWithShape="1">
-          <a:gsLst>
-            <a:gs pos="0">
-              <a:schemeClr val="phClr">
-                <a:tint val="50000"/>
-                <a:satMod val="300000"/>
-              </a:schemeClr>
-            </a:gs>
-            <a:gs pos="35000">
-              <a:schemeClr val="phClr">
-                <a:tint val="37000"/>
-                <a:satMod val="300000"/>
-              </a:schemeClr>
-            </a:gs>
-            <a:gs pos="100000">
-              <a:schemeClr val="phClr">
-                <a:tint val="15000"/>
-                <a:satMod val="350000"/>
-              </a:schemeClr>
-            </a:gs>
-          </a:gsLst>
-          <a:lin ang="16200000" scaled="1"/>
-        </a:gradFill>
-        <a:gradFill rotWithShape="1">
-          <a:gsLst>
-            <a:gs pos="0">
-              <a:schemeClr val="phClr">
-                <a:tint val="100000"/>
-                <a:shade val="100000"/>
-                <a:satMod val="130000"/>
-              </a:schemeClr>
-            </a:gs>
-            <a:gs pos="100000">
-              <a:schemeClr val="phClr">
-                <a:tint val="50000"/>
-                <a:shade val="100000"/>
-                <a:satMod val="350000"/>
-              </a:schemeClr>
-            </a:gs>
-          </a:gsLst>
-          <a:lin ang="16200000" scaled="0"/>
-        </a:gradFill>
-      </a:fillStyleLst>
-      <a:lnStyleLst>
-        <a:ln w="9525" cap="flat" cmpd="sng" algn="ctr">
-          <a:solidFill>
-            <a:schemeClr val="phClr">
-              <a:shade val="95000"/>
-              <a:satMod val="105000"/>
-            </a:schemeClr>
-          </a:solidFill>
-          <a:prstDash val="solid"/>
-        </a:ln>
-        <a:ln w="25400" cap="flat" cmpd="sng" algn="ctr">
-          <a:solidFill>
-            <a:schemeClr val="phClr"/>
-          </a:solidFill>
-          <a:prstDash val="solid"/>
-        </a:ln>
-        <a:ln w="38100" cap="flat" cmpd="sng" algn="ctr">
-          <a:solidFill>
-            <a:schemeClr val="phClr"/>
-          </a:solidFill>
-          <a:prstDash val="solid"/>
-        </a:ln>
-      </a:lnStyleLst>
-      <a:effectStyleLst>
-        <a:effectStyle>
-          <a:effectLst>
-            <a:outerShdw blurRad="40000" dist="20000" dir="5400000" rotWithShape="0">
-              <a:srgbClr val="000000">
-                <a:alpha val="38000"/>
-              </a:srgbClr>
-            </a:outerShdw>
-          </a:effectLst>
-        </a:effectStyle>
-        <a:effectStyle>
-          <a:effectLst>
-            <a:outerShdw blurRad="40000" dist="23000" dir="5400000" rotWithShape="0">
-              <a:srgbClr val="000000">
-                <a:alpha val="35000"/>
-              </a:srgbClr>
-            </a:outerShdw>
-          </a:effectLst>
-        </a:effectStyle>
-        <a:effectStyle>
-          <a:effectLst>
-            <a:outerShdw blurRad="40000" dist="23000" dir="5400000" rotWithShape="0">
-              <a:srgbClr val="000000">
-                <a:alpha val="35000"/>
-              </a:srgbClr>
-            </a:outerShdw>
-          </a:effectLst>
-          <a:scene3d>
-            <a:camera prst="orthographicFront">
-              <a:rot lat="0" lon="0" rev="0"/>
-            </a:camera>
-            <a:lightRig rig="threePt" dir="t">
-              <a:rot lat="0" lon="0" rev="1200000"/>
-            </a:lightRig>
-          </a:scene3d>
-          <a:sp3d>
-            <a:bevelT w="63500" h="25400"/>
-          </a:sp3d>
-        </a:effectStyle>
-      </a:effectStyleLst>
-      <a:bgFillStyleLst>
-        <a:solidFill>
-          <a:schemeClr val="phClr"/>
-        </a:solidFill>
-        <a:gradFill rotWithShape="1">
-          <a:gsLst>
-            <a:gs pos="0">
-              <a:schemeClr val="phClr">
-                <a:tint val="40000"/>
-                <a:satMod val="350000"/>
-              </a:schemeClr>
-            </a:gs>
-            <a:gs pos="40000">
-              <a:schemeClr val="phClr">
-                <a:tint val="45000"/>
-                <a:shade val="99000"/>
-                <a:satMod val="350000"/>
-              </a:schemeClr>
-            </a:gs>
-            <a:gs pos="100000">
-              <a:schemeClr val="phClr">
-                <a:shade val="20000"/>
-                <a:satMod val="255000"/>
-              </a:schemeClr>
-            </a:gs>
-          </a:gsLst>
-          <a:path path="circle">
-            <a:fillToRect l="50000" t="-80000" r="50000" b="180000"/>
-          </a:path>
-        </a:gradFill>
-        <a:gradFill rotWithShape="1">
-          <a:gsLst>
-            <a:gs pos="0">
-              <a:schemeClr val="phClr">
-                <a:tint val="80000"/>
-                <a:satMod val="300000"/>
-              </a:schemeClr>
-            </a:gs>
-            <a:gs pos="100000">
-              <a:schemeClr val="phClr">
-                <a:shade val="30000"/>
-                <a:satMod val="200000"/>
-              </a:schemeClr>
-            </a:gs>
-          </a:gsLst>
-          <a:path path="circle">
-            <a:fillToRect l="50000" t="50000" r="50000" b="50000"/>
-          </a:path>
-        </a:gradFill>
-      </a:bgFillStyleLst>
-    </a:fmtScheme>
-  </a:themeElements>
-</a:theme>
-</file>
-
-<file path=ppt/theme/theme3.xml><?xml version="1.0" encoding="utf-8"?>
 <a:theme xmlns:a="http://schemas.openxmlformats.org/drawingml/2006/main" xmlns:r="http://schemas.openxmlformats.org/officeDocument/2006/relationships" name="Simple Light">
   <a:themeElements>
     <a:clrScheme name="Simple Light">
@@ -31748,7 +31469,7 @@
 </a:theme>
 </file>
 
-<file path=ppt/theme/theme4.xml><?xml version="1.0" encoding="utf-8"?>
+<file path=ppt/theme/theme3.xml><?xml version="1.0" encoding="utf-8"?>
 <a:theme xmlns:a="http://schemas.openxmlformats.org/drawingml/2006/main" xmlns:r="http://schemas.openxmlformats.org/officeDocument/2006/relationships">
   <a:themeElements>
     <a:clrScheme name="Default">
@@ -32025,4 +31746,283 @@
     </a:fmtScheme>
   </a:themeElements>
 </a:theme>
+</file>
+
+<file path=ppt/theme/theme4.xml><?xml version="1.0" encoding="utf-8"?>
+<a:theme xmlns:a="http://schemas.openxmlformats.org/drawingml/2006/main" xmlns:r="http://schemas.openxmlformats.org/officeDocument/2006/relationships" name="Geometric">
+  <a:themeElements>
+    <a:clrScheme name="Geometric">
+      <a:dk1>
+        <a:srgbClr val="2A3990"/>
+      </a:dk1>
+      <a:lt1>
+        <a:srgbClr val="FFFFFF"/>
+      </a:lt1>
+      <a:dk2>
+        <a:srgbClr val="434343"/>
+      </a:dk2>
+      <a:lt2>
+        <a:srgbClr val="999999"/>
+      </a:lt2>
+      <a:accent1>
+        <a:srgbClr val="212D74"/>
+      </a:accent1>
+      <a:accent2>
+        <a:srgbClr val="3949AB"/>
+      </a:accent2>
+      <a:accent3>
+        <a:srgbClr val="9C254D"/>
+      </a:accent3>
+      <a:accent4>
+        <a:srgbClr val="D23369"/>
+      </a:accent4>
+      <a:accent5>
+        <a:srgbClr val="F06292"/>
+      </a:accent5>
+      <a:accent6>
+        <a:srgbClr val="7890CD"/>
+      </a:accent6>
+      <a:hlink>
+        <a:srgbClr val="F06292"/>
+      </a:hlink>
+      <a:folHlink>
+        <a:srgbClr val="F06292"/>
+      </a:folHlink>
+    </a:clrScheme>
+    <a:fontScheme name="Office">
+      <a:majorFont>
+        <a:latin typeface="Arial"/>
+        <a:ea typeface=""/>
+        <a:cs typeface=""/>
+        <a:font script="Jpan" typeface="ＭＳ Ｐゴシック"/>
+        <a:font script="Hang" typeface="맑은 고딕"/>
+        <a:font script="Hans" typeface="宋体"/>
+        <a:font script="Hant" typeface="新細明體"/>
+        <a:font script="Arab" typeface="Times New Roman"/>
+        <a:font script="Hebr" typeface="Times New Roman"/>
+        <a:font script="Thai" typeface="Angsana New"/>
+        <a:font script="Ethi" typeface="Nyala"/>
+        <a:font script="Beng" typeface="Vrinda"/>
+        <a:font script="Gujr" typeface="Shruti"/>
+        <a:font script="Khmr" typeface="MoolBoran"/>
+        <a:font script="Knda" typeface="Tunga"/>
+        <a:font script="Guru" typeface="Raavi"/>
+        <a:font script="Cans" typeface="Euphemia"/>
+        <a:font script="Cher" typeface="Plantagenet Cherokee"/>
+        <a:font script="Yiii" typeface="Microsoft Yi Baiti"/>
+        <a:font script="Tibt" typeface="Microsoft Himalaya"/>
+        <a:font script="Thaa" typeface="MV Boli"/>
+        <a:font script="Deva" typeface="Mangal"/>
+        <a:font script="Telu" typeface="Gautami"/>
+        <a:font script="Taml" typeface="Latha"/>
+        <a:font script="Syrc" typeface="Estrangelo Edessa"/>
+        <a:font script="Orya" typeface="Kalinga"/>
+        <a:font script="Mlym" typeface="Kartika"/>
+        <a:font script="Laoo" typeface="DokChampa"/>
+        <a:font script="Sinh" typeface="Iskoola Pota"/>
+        <a:font script="Mong" typeface="Mongolian Baiti"/>
+        <a:font script="Viet" typeface="Times New Roman"/>
+        <a:font script="Uigh" typeface="Microsoft Uighur"/>
+        <a:font script="Geor" typeface="Sylfaen"/>
+      </a:majorFont>
+      <a:minorFont>
+        <a:latin typeface="Arial"/>
+        <a:ea typeface=""/>
+        <a:cs typeface=""/>
+        <a:font script="Jpan" typeface="ＭＳ Ｐゴシック"/>
+        <a:font script="Hang" typeface="맑은 고딕"/>
+        <a:font script="Hans" typeface="宋体"/>
+        <a:font script="Hant" typeface="新細明體"/>
+        <a:font script="Arab" typeface="Arial"/>
+        <a:font script="Hebr" typeface="Arial"/>
+        <a:font script="Thai" typeface="Cordia New"/>
+        <a:font script="Ethi" typeface="Nyala"/>
+        <a:font script="Beng" typeface="Vrinda"/>
+        <a:font script="Gujr" typeface="Shruti"/>
+        <a:font script="Khmr" typeface="DaunPenh"/>
+        <a:font script="Knda" typeface="Tunga"/>
+        <a:font script="Guru" typeface="Raavi"/>
+        <a:font script="Cans" typeface="Euphemia"/>
+        <a:font script="Cher" typeface="Plantagenet Cherokee"/>
+        <a:font script="Yiii" typeface="Microsoft Yi Baiti"/>
+        <a:font script="Tibt" typeface="Microsoft Himalaya"/>
+        <a:font script="Thaa" typeface="MV Boli"/>
+        <a:font script="Deva" typeface="Mangal"/>
+        <a:font script="Telu" typeface="Gautami"/>
+        <a:font script="Taml" typeface="Latha"/>
+        <a:font script="Syrc" typeface="Estrangelo Edessa"/>
+        <a:font script="Orya" typeface="Kalinga"/>
+        <a:font script="Mlym" typeface="Kartika"/>
+        <a:font script="Laoo" typeface="DokChampa"/>
+        <a:font script="Sinh" typeface="Iskoola Pota"/>
+        <a:font script="Mong" typeface="Mongolian Baiti"/>
+        <a:font script="Viet" typeface="Arial"/>
+        <a:font script="Uigh" typeface="Microsoft Uighur"/>
+        <a:font script="Geor" typeface="Sylfaen"/>
+      </a:minorFont>
+    </a:fontScheme>
+    <a:fmtScheme name="Office">
+      <a:fillStyleLst>
+        <a:solidFill>
+          <a:schemeClr val="phClr"/>
+        </a:solidFill>
+        <a:gradFill rotWithShape="1">
+          <a:gsLst>
+            <a:gs pos="0">
+              <a:schemeClr val="phClr">
+                <a:tint val="50000"/>
+                <a:satMod val="300000"/>
+              </a:schemeClr>
+            </a:gs>
+            <a:gs pos="35000">
+              <a:schemeClr val="phClr">
+                <a:tint val="37000"/>
+                <a:satMod val="300000"/>
+              </a:schemeClr>
+            </a:gs>
+            <a:gs pos="100000">
+              <a:schemeClr val="phClr">
+                <a:tint val="15000"/>
+                <a:satMod val="350000"/>
+              </a:schemeClr>
+            </a:gs>
+          </a:gsLst>
+          <a:lin ang="16200000" scaled="1"/>
+        </a:gradFill>
+        <a:gradFill rotWithShape="1">
+          <a:gsLst>
+            <a:gs pos="0">
+              <a:schemeClr val="phClr">
+                <a:tint val="100000"/>
+                <a:shade val="100000"/>
+                <a:satMod val="130000"/>
+              </a:schemeClr>
+            </a:gs>
+            <a:gs pos="100000">
+              <a:schemeClr val="phClr">
+                <a:tint val="50000"/>
+                <a:shade val="100000"/>
+                <a:satMod val="350000"/>
+              </a:schemeClr>
+            </a:gs>
+          </a:gsLst>
+          <a:lin ang="16200000" scaled="0"/>
+        </a:gradFill>
+      </a:fillStyleLst>
+      <a:lnStyleLst>
+        <a:ln w="9525" cap="flat" cmpd="sng" algn="ctr">
+          <a:solidFill>
+            <a:schemeClr val="phClr">
+              <a:shade val="95000"/>
+              <a:satMod val="105000"/>
+            </a:schemeClr>
+          </a:solidFill>
+          <a:prstDash val="solid"/>
+        </a:ln>
+        <a:ln w="25400" cap="flat" cmpd="sng" algn="ctr">
+          <a:solidFill>
+            <a:schemeClr val="phClr"/>
+          </a:solidFill>
+          <a:prstDash val="solid"/>
+        </a:ln>
+        <a:ln w="38100" cap="flat" cmpd="sng" algn="ctr">
+          <a:solidFill>
+            <a:schemeClr val="phClr"/>
+          </a:solidFill>
+          <a:prstDash val="solid"/>
+        </a:ln>
+      </a:lnStyleLst>
+      <a:effectStyleLst>
+        <a:effectStyle>
+          <a:effectLst>
+            <a:outerShdw blurRad="40000" dist="20000" dir="5400000" rotWithShape="0">
+              <a:srgbClr val="000000">
+                <a:alpha val="38000"/>
+              </a:srgbClr>
+            </a:outerShdw>
+          </a:effectLst>
+        </a:effectStyle>
+        <a:effectStyle>
+          <a:effectLst>
+            <a:outerShdw blurRad="40000" dist="23000" dir="5400000" rotWithShape="0">
+              <a:srgbClr val="000000">
+                <a:alpha val="35000"/>
+              </a:srgbClr>
+            </a:outerShdw>
+          </a:effectLst>
+        </a:effectStyle>
+        <a:effectStyle>
+          <a:effectLst>
+            <a:outerShdw blurRad="40000" dist="23000" dir="5400000" rotWithShape="0">
+              <a:srgbClr val="000000">
+                <a:alpha val="35000"/>
+              </a:srgbClr>
+            </a:outerShdw>
+          </a:effectLst>
+          <a:scene3d>
+            <a:camera prst="orthographicFront">
+              <a:rot lat="0" lon="0" rev="0"/>
+            </a:camera>
+            <a:lightRig rig="threePt" dir="t">
+              <a:rot lat="0" lon="0" rev="1200000"/>
+            </a:lightRig>
+          </a:scene3d>
+          <a:sp3d>
+            <a:bevelT w="63500" h="25400"/>
+          </a:sp3d>
+        </a:effectStyle>
+      </a:effectStyleLst>
+      <a:bgFillStyleLst>
+        <a:solidFill>
+          <a:schemeClr val="phClr"/>
+        </a:solidFill>
+        <a:gradFill rotWithShape="1">
+          <a:gsLst>
+            <a:gs pos="0">
+              <a:schemeClr val="phClr">
+                <a:tint val="40000"/>
+                <a:satMod val="350000"/>
+              </a:schemeClr>
+            </a:gs>
+            <a:gs pos="40000">
+              <a:schemeClr val="phClr">
+                <a:tint val="45000"/>
+                <a:shade val="99000"/>
+                <a:satMod val="350000"/>
+              </a:schemeClr>
+            </a:gs>
+            <a:gs pos="100000">
+              <a:schemeClr val="phClr">
+                <a:shade val="20000"/>
+                <a:satMod val="255000"/>
+              </a:schemeClr>
+            </a:gs>
+          </a:gsLst>
+          <a:path path="circle">
+            <a:fillToRect l="50000" t="-80000" r="50000" b="180000"/>
+          </a:path>
+        </a:gradFill>
+        <a:gradFill rotWithShape="1">
+          <a:gsLst>
+            <a:gs pos="0">
+              <a:schemeClr val="phClr">
+                <a:tint val="80000"/>
+                <a:satMod val="300000"/>
+              </a:schemeClr>
+            </a:gs>
+            <a:gs pos="100000">
+              <a:schemeClr val="phClr">
+                <a:shade val="30000"/>
+                <a:satMod val="200000"/>
+              </a:schemeClr>
+            </a:gs>
+          </a:gsLst>
+          <a:path path="circle">
+            <a:fillToRect l="50000" t="50000" r="50000" b="50000"/>
+          </a:path>
+        </a:gradFill>
+      </a:bgFillStyleLst>
+    </a:fmtScheme>
+  </a:themeElements>
+</a:theme>
 </file>
--- a/Day_2/Lectures/Day_2_Lecture_1_Data_Collection_Data_Preparation.pptx
+++ b/Day_2/Lectures/Day_2_Lecture_1_Data_Collection_Data_Preparation.pptx
@@ -30912,6 +30912,564 @@
 </file>
 
 <file path=ppt/theme/theme1.xml><?xml version="1.0" encoding="utf-8"?>
+<a:theme xmlns:a="http://schemas.openxmlformats.org/drawingml/2006/main" xmlns:r="http://schemas.openxmlformats.org/officeDocument/2006/relationships">
+  <a:themeElements>
+    <a:clrScheme name="Default">
+      <a:dk1>
+        <a:srgbClr val="000000"/>
+      </a:dk1>
+      <a:lt1>
+        <a:srgbClr val="FFFFFF"/>
+      </a:lt1>
+      <a:dk2>
+        <a:srgbClr val="158158"/>
+      </a:dk2>
+      <a:lt2>
+        <a:srgbClr val="F3F3F3"/>
+      </a:lt2>
+      <a:accent1>
+        <a:srgbClr val="058DC7"/>
+      </a:accent1>
+      <a:accent2>
+        <a:srgbClr val="50B432"/>
+      </a:accent2>
+      <a:accent3>
+        <a:srgbClr val="ED561B"/>
+      </a:accent3>
+      <a:accent4>
+        <a:srgbClr val="EDEF00"/>
+      </a:accent4>
+      <a:accent5>
+        <a:srgbClr val="24CBE5"/>
+      </a:accent5>
+      <a:accent6>
+        <a:srgbClr val="64E572"/>
+      </a:accent6>
+      <a:hlink>
+        <a:srgbClr val="2200CC"/>
+      </a:hlink>
+      <a:folHlink>
+        <a:srgbClr val="551A8B"/>
+      </a:folHlink>
+    </a:clrScheme>
+    <a:fontScheme name="Office">
+      <a:majorFont>
+        <a:latin typeface="Arial"/>
+        <a:ea typeface=""/>
+        <a:cs typeface=""/>
+        <a:font script="Jpan" typeface="ＭＳ Ｐゴシック"/>
+        <a:font script="Hang" typeface="맑은 고딕"/>
+        <a:font script="Hans" typeface="宋体"/>
+        <a:font script="Hant" typeface="新細明體"/>
+        <a:font script="Arab" typeface="Times New Roman"/>
+        <a:font script="Hebr" typeface="Times New Roman"/>
+        <a:font script="Thai" typeface="Angsana New"/>
+        <a:font script="Ethi" typeface="Nyala"/>
+        <a:font script="Beng" typeface="Vrinda"/>
+        <a:font script="Gujr" typeface="Shruti"/>
+        <a:font script="Khmr" typeface="MoolBoran"/>
+        <a:font script="Knda" typeface="Tunga"/>
+        <a:font script="Guru" typeface="Raavi"/>
+        <a:font script="Cans" typeface="Euphemia"/>
+        <a:font script="Cher" typeface="Plantagenet Cherokee"/>
+        <a:font script="Yiii" typeface="Microsoft Yi Baiti"/>
+        <a:font script="Tibt" typeface="Microsoft Himalaya"/>
+        <a:font script="Thaa" typeface="MV Boli"/>
+        <a:font script="Deva" typeface="Mangal"/>
+        <a:font script="Telu" typeface="Gautami"/>
+        <a:font script="Taml" typeface="Latha"/>
+        <a:font script="Syrc" typeface="Estrangelo Edessa"/>
+        <a:font script="Orya" typeface="Kalinga"/>
+        <a:font script="Mlym" typeface="Kartika"/>
+        <a:font script="Laoo" typeface="DokChampa"/>
+        <a:font script="Sinh" typeface="Iskoola Pota"/>
+        <a:font script="Mong" typeface="Mongolian Baiti"/>
+        <a:font script="Viet" typeface="Times New Roman"/>
+        <a:font script="Uigh" typeface="Microsoft Uighur"/>
+        <a:font script="Geor" typeface="Sylfaen"/>
+      </a:majorFont>
+      <a:minorFont>
+        <a:latin typeface="Arial"/>
+        <a:ea typeface=""/>
+        <a:cs typeface=""/>
+        <a:font script="Jpan" typeface="ＭＳ Ｐゴシック"/>
+        <a:font script="Hang" typeface="맑은 고딕"/>
+        <a:font script="Hans" typeface="宋体"/>
+        <a:font script="Hant" typeface="新細明體"/>
+        <a:font script="Arab" typeface="Arial"/>
+        <a:font script="Hebr" typeface="Arial"/>
+        <a:font script="Thai" typeface="Cordia New"/>
+        <a:font script="Ethi" typeface="Nyala"/>
+        <a:font script="Beng" typeface="Vrinda"/>
+        <a:font script="Gujr" typeface="Shruti"/>
+        <a:font script="Khmr" typeface="DaunPenh"/>
+        <a:font script="Knda" typeface="Tunga"/>
+        <a:font script="Guru" typeface="Raavi"/>
+        <a:font script="Cans" typeface="Euphemia"/>
+        <a:font script="Cher" typeface="Plantagenet Cherokee"/>
+        <a:font script="Yiii" typeface="Microsoft Yi Baiti"/>
+        <a:font script="Tibt" typeface="Microsoft Himalaya"/>
+        <a:font script="Thaa" typeface="MV Boli"/>
+        <a:font script="Deva" typeface="Mangal"/>
+        <a:font script="Telu" typeface="Gautami"/>
+        <a:font script="Taml" typeface="Latha"/>
+        <a:font script="Syrc" typeface="Estrangelo Edessa"/>
+        <a:font script="Orya" typeface="Kalinga"/>
+        <a:font script="Mlym" typeface="Kartika"/>
+        <a:font script="Laoo" typeface="DokChampa"/>
+        <a:font script="Sinh" typeface="Iskoola Pota"/>
+        <a:font script="Mong" typeface="Mongolian Baiti"/>
+        <a:font script="Viet" typeface="Arial"/>
+        <a:font script="Uigh" typeface="Microsoft Uighur"/>
+        <a:font script="Geor" typeface="Sylfaen"/>
+      </a:minorFont>
+    </a:fontScheme>
+    <a:fmtScheme name="Office">
+      <a:fillStyleLst>
+        <a:solidFill>
+          <a:schemeClr val="phClr"/>
+        </a:solidFill>
+        <a:gradFill rotWithShape="1">
+          <a:gsLst>
+            <a:gs pos="0">
+              <a:schemeClr val="phClr">
+                <a:tint val="50000"/>
+                <a:satMod val="300000"/>
+              </a:schemeClr>
+            </a:gs>
+            <a:gs pos="35000">
+              <a:schemeClr val="phClr">
+                <a:tint val="37000"/>
+                <a:satMod val="300000"/>
+              </a:schemeClr>
+            </a:gs>
+            <a:gs pos="100000">
+              <a:schemeClr val="phClr">
+                <a:tint val="15000"/>
+                <a:satMod val="350000"/>
+              </a:schemeClr>
+            </a:gs>
+          </a:gsLst>
+          <a:lin ang="16200000" scaled="1"/>
+        </a:gradFill>
+        <a:gradFill rotWithShape="1">
+          <a:gsLst>
+            <a:gs pos="0">
+              <a:schemeClr val="phClr">
+                <a:tint val="100000"/>
+                <a:shade val="100000"/>
+                <a:satMod val="130000"/>
+              </a:schemeClr>
+            </a:gs>
+            <a:gs pos="100000">
+              <a:schemeClr val="phClr">
+                <a:tint val="50000"/>
+                <a:shade val="100000"/>
+                <a:satMod val="350000"/>
+              </a:schemeClr>
+            </a:gs>
+          </a:gsLst>
+          <a:lin ang="16200000" scaled="0"/>
+        </a:gradFill>
+      </a:fillStyleLst>
+      <a:lnStyleLst>
+        <a:ln w="9525" cap="flat" cmpd="sng" algn="ctr">
+          <a:solidFill>
+            <a:schemeClr val="phClr">
+              <a:shade val="95000"/>
+              <a:satMod val="105000"/>
+            </a:schemeClr>
+          </a:solidFill>
+          <a:prstDash val="solid"/>
+        </a:ln>
+        <a:ln w="25400" cap="flat" cmpd="sng" algn="ctr">
+          <a:solidFill>
+            <a:schemeClr val="phClr"/>
+          </a:solidFill>
+          <a:prstDash val="solid"/>
+        </a:ln>
+        <a:ln w="38100" cap="flat" cmpd="sng" algn="ctr">
+          <a:solidFill>
+            <a:schemeClr val="phClr"/>
+          </a:solidFill>
+          <a:prstDash val="solid"/>
+        </a:ln>
+      </a:lnStyleLst>
+      <a:effectStyleLst>
+        <a:effectStyle>
+          <a:effectLst>
+            <a:outerShdw blurRad="40000" dist="20000" dir="5400000" rotWithShape="0">
+              <a:srgbClr val="000000">
+                <a:alpha val="38000"/>
+              </a:srgbClr>
+            </a:outerShdw>
+          </a:effectLst>
+        </a:effectStyle>
+        <a:effectStyle>
+          <a:effectLst>
+            <a:outerShdw blurRad="40000" dist="23000" dir="5400000" rotWithShape="0">
+              <a:srgbClr val="000000">
+                <a:alpha val="35000"/>
+              </a:srgbClr>
+            </a:outerShdw>
+          </a:effectLst>
+        </a:effectStyle>
+        <a:effectStyle>
+          <a:effectLst>
+            <a:outerShdw blurRad="40000" dist="23000" dir="5400000" rotWithShape="0">
+              <a:srgbClr val="000000">
+                <a:alpha val="35000"/>
+              </a:srgbClr>
+            </a:outerShdw>
+          </a:effectLst>
+          <a:scene3d>
+            <a:camera prst="orthographicFront">
+              <a:rot lat="0" lon="0" rev="0"/>
+            </a:camera>
+            <a:lightRig rig="threePt" dir="t">
+              <a:rot lat="0" lon="0" rev="1200000"/>
+            </a:lightRig>
+          </a:scene3d>
+          <a:sp3d>
+            <a:bevelT w="63500" h="25400"/>
+          </a:sp3d>
+        </a:effectStyle>
+      </a:effectStyleLst>
+      <a:bgFillStyleLst>
+        <a:solidFill>
+          <a:schemeClr val="phClr"/>
+        </a:solidFill>
+        <a:gradFill rotWithShape="1">
+          <a:gsLst>
+            <a:gs pos="0">
+              <a:schemeClr val="phClr">
+                <a:tint val="40000"/>
+                <a:satMod val="350000"/>
+              </a:schemeClr>
+            </a:gs>
+            <a:gs pos="40000">
+              <a:schemeClr val="phClr">
+                <a:tint val="45000"/>
+                <a:shade val="99000"/>
+                <a:satMod val="350000"/>
+              </a:schemeClr>
+            </a:gs>
+            <a:gs pos="100000">
+              <a:schemeClr val="phClr">
+                <a:shade val="20000"/>
+                <a:satMod val="255000"/>
+              </a:schemeClr>
+            </a:gs>
+          </a:gsLst>
+          <a:path path="circle">
+            <a:fillToRect l="50000" t="-80000" r="50000" b="180000"/>
+          </a:path>
+        </a:gradFill>
+        <a:gradFill rotWithShape="1">
+          <a:gsLst>
+            <a:gs pos="0">
+              <a:schemeClr val="phClr">
+                <a:tint val="80000"/>
+                <a:satMod val="300000"/>
+              </a:schemeClr>
+            </a:gs>
+            <a:gs pos="100000">
+              <a:schemeClr val="phClr">
+                <a:shade val="30000"/>
+                <a:satMod val="200000"/>
+              </a:schemeClr>
+            </a:gs>
+          </a:gsLst>
+          <a:path path="circle">
+            <a:fillToRect l="50000" t="50000" r="50000" b="50000"/>
+          </a:path>
+        </a:gradFill>
+      </a:bgFillStyleLst>
+    </a:fmtScheme>
+  </a:themeElements>
+</a:theme>
+</file>
+
+<file path=ppt/theme/theme2.xml><?xml version="1.0" encoding="utf-8"?>
+<a:theme xmlns:a="http://schemas.openxmlformats.org/drawingml/2006/main" xmlns:r="http://schemas.openxmlformats.org/officeDocument/2006/relationships" name="Geometric">
+  <a:themeElements>
+    <a:clrScheme name="Geometric">
+      <a:dk1>
+        <a:srgbClr val="2A3990"/>
+      </a:dk1>
+      <a:lt1>
+        <a:srgbClr val="FFFFFF"/>
+      </a:lt1>
+      <a:dk2>
+        <a:srgbClr val="434343"/>
+      </a:dk2>
+      <a:lt2>
+        <a:srgbClr val="999999"/>
+      </a:lt2>
+      <a:accent1>
+        <a:srgbClr val="212D74"/>
+      </a:accent1>
+      <a:accent2>
+        <a:srgbClr val="3949AB"/>
+      </a:accent2>
+      <a:accent3>
+        <a:srgbClr val="9C254D"/>
+      </a:accent3>
+      <a:accent4>
+        <a:srgbClr val="D23369"/>
+      </a:accent4>
+      <a:accent5>
+        <a:srgbClr val="F06292"/>
+      </a:accent5>
+      <a:accent6>
+        <a:srgbClr val="7890CD"/>
+      </a:accent6>
+      <a:hlink>
+        <a:srgbClr val="F06292"/>
+      </a:hlink>
+      <a:folHlink>
+        <a:srgbClr val="F06292"/>
+      </a:folHlink>
+    </a:clrScheme>
+    <a:fontScheme name="Office">
+      <a:majorFont>
+        <a:latin typeface="Arial"/>
+        <a:ea typeface=""/>
+        <a:cs typeface=""/>
+        <a:font script="Jpan" typeface="ＭＳ Ｐゴシック"/>
+        <a:font script="Hang" typeface="맑은 고딕"/>
+        <a:font script="Hans" typeface="宋体"/>
+        <a:font script="Hant" typeface="新細明體"/>
+        <a:font script="Arab" typeface="Times New Roman"/>
+        <a:font script="Hebr" typeface="Times New Roman"/>
+        <a:font script="Thai" typeface="Angsana New"/>
+        <a:font script="Ethi" typeface="Nyala"/>
+        <a:font script="Beng" typeface="Vrinda"/>
+        <a:font script="Gujr" typeface="Shruti"/>
+        <a:font script="Khmr" typeface="MoolBoran"/>
+        <a:font script="Knda" typeface="Tunga"/>
+        <a:font script="Guru" typeface="Raavi"/>
+        <a:font script="Cans" typeface="Euphemia"/>
+        <a:font script="Cher" typeface="Plantagenet Cherokee"/>
+        <a:font script="Yiii" typeface="Microsoft Yi Baiti"/>
+        <a:font script="Tibt" typeface="Microsoft Himalaya"/>
+        <a:font script="Thaa" typeface="MV Boli"/>
+        <a:font script="Deva" typeface="Mangal"/>
+        <a:font script="Telu" typeface="Gautami"/>
+        <a:font script="Taml" typeface="Latha"/>
+        <a:font script="Syrc" typeface="Estrangelo Edessa"/>
+        <a:font script="Orya" typeface="Kalinga"/>
+        <a:font script="Mlym" typeface="Kartika"/>
+        <a:font script="Laoo" typeface="DokChampa"/>
+        <a:font script="Sinh" typeface="Iskoola Pota"/>
+        <a:font script="Mong" typeface="Mongolian Baiti"/>
+        <a:font script="Viet" typeface="Times New Roman"/>
+        <a:font script="Uigh" typeface="Microsoft Uighur"/>
+        <a:font script="Geor" typeface="Sylfaen"/>
+      </a:majorFont>
+      <a:minorFont>
+        <a:latin typeface="Arial"/>
+        <a:ea typeface=""/>
+        <a:cs typeface=""/>
+        <a:font script="Jpan" typeface="ＭＳ Ｐゴシック"/>
+        <a:font script="Hang" typeface="맑은 고딕"/>
+        <a:font script="Hans" typeface="宋体"/>
+        <a:font script="Hant" typeface="新細明體"/>
+        <a:font script="Arab" typeface="Arial"/>
+        <a:font script="Hebr" typeface="Arial"/>
+        <a:font script="Thai" typeface="Cordia New"/>
+        <a:font script="Ethi" typeface="Nyala"/>
+        <a:font script="Beng" typeface="Vrinda"/>
+        <a:font script="Gujr" typeface="Shruti"/>
+        <a:font script="Khmr" typeface="DaunPenh"/>
+        <a:font script="Knda" typeface="Tunga"/>
+        <a:font script="Guru" typeface="Raavi"/>
+        <a:font script="Cans" typeface="Euphemia"/>
+        <a:font script="Cher" typeface="Plantagenet Cherokee"/>
+        <a:font script="Yiii" typeface="Microsoft Yi Baiti"/>
+        <a:font script="Tibt" typeface="Microsoft Himalaya"/>
+        <a:font script="Thaa" typeface="MV Boli"/>
+        <a:font script="Deva" typeface="Mangal"/>
+        <a:font script="Telu" typeface="Gautami"/>
+        <a:font script="Taml" typeface="Latha"/>
+        <a:font script="Syrc" typeface="Estrangelo Edessa"/>
+        <a:font script="Orya" typeface="Kalinga"/>
+        <a:font script="Mlym" typeface="Kartika"/>
+        <a:font script="Laoo" typeface="DokChampa"/>
+        <a:font script="Sinh" typeface="Iskoola Pota"/>
+        <a:font script="Mong" typeface="Mongolian Baiti"/>
+        <a:font script="Viet" typeface="Arial"/>
+        <a:font script="Uigh" typeface="Microsoft Uighur"/>
+        <a:font script="Geor" typeface="Sylfaen"/>
+      </a:minorFont>
+    </a:fontScheme>
+    <a:fmtScheme name="Office">
+      <a:fillStyleLst>
+        <a:solidFill>
+          <a:schemeClr val="phClr"/>
+        </a:solidFill>
+        <a:gradFill rotWithShape="1">
+          <a:gsLst>
+            <a:gs pos="0">
+              <a:schemeClr val="phClr">
+                <a:tint val="50000"/>
+                <a:satMod val="300000"/>
+              </a:schemeClr>
+            </a:gs>
+            <a:gs pos="35000">
+              <a:schemeClr val="phClr">
+                <a:tint val="37000"/>
+                <a:satMod val="300000"/>
+              </a:schemeClr>
+            </a:gs>
+            <a:gs pos="100000">
+              <a:schemeClr val="phClr">
+                <a:tint val="15000"/>
+                <a:satMod val="350000"/>
+              </a:schemeClr>
+            </a:gs>
+          </a:gsLst>
+          <a:lin ang="16200000" scaled="1"/>
+        </a:gradFill>
+        <a:gradFill rotWithShape="1">
+          <a:gsLst>
+            <a:gs pos="0">
+              <a:schemeClr val="phClr">
+                <a:tint val="100000"/>
+                <a:shade val="100000"/>
+                <a:satMod val="130000"/>
+              </a:schemeClr>
+            </a:gs>
+            <a:gs pos="100000">
+              <a:schemeClr val="phClr">
+                <a:tint val="50000"/>
+                <a:shade val="100000"/>
+                <a:satMod val="350000"/>
+              </a:schemeClr>
+            </a:gs>
+          </a:gsLst>
+          <a:lin ang="16200000" scaled="0"/>
+        </a:gradFill>
+      </a:fillStyleLst>
+      <a:lnStyleLst>
+        <a:ln w="9525" cap="flat" cmpd="sng" algn="ctr">
+          <a:solidFill>
+            <a:schemeClr val="phClr">
+              <a:shade val="95000"/>
+              <a:satMod val="105000"/>
+            </a:schemeClr>
+          </a:solidFill>
+          <a:prstDash val="solid"/>
+        </a:ln>
+        <a:ln w="25400" cap="flat" cmpd="sng" algn="ctr">
+          <a:solidFill>
+            <a:schemeClr val="phClr"/>
+          </a:solidFill>
+          <a:prstDash val="solid"/>
+        </a:ln>
+        <a:ln w="38100" cap="flat" cmpd="sng" algn="ctr">
+          <a:solidFill>
+            <a:schemeClr val="phClr"/>
+          </a:solidFill>
+          <a:prstDash val="solid"/>
+        </a:ln>
+      </a:lnStyleLst>
+      <a:effectStyleLst>
+        <a:effectStyle>
+          <a:effectLst>
+            <a:outerShdw blurRad="40000" dist="20000" dir="5400000" rotWithShape="0">
+              <a:srgbClr val="000000">
+                <a:alpha val="38000"/>
+              </a:srgbClr>
+            </a:outerShdw>
+          </a:effectLst>
+        </a:effectStyle>
+        <a:effectStyle>
+          <a:effectLst>
+            <a:outerShdw blurRad="40000" dist="23000" dir="5400000" rotWithShape="0">
+              <a:srgbClr val="000000">
+                <a:alpha val="35000"/>
+              </a:srgbClr>
+            </a:outerShdw>
+          </a:effectLst>
+        </a:effectStyle>
+        <a:effectStyle>
+          <a:effectLst>
+            <a:outerShdw blurRad="40000" dist="23000" dir="5400000" rotWithShape="0">
+              <a:srgbClr val="000000">
+                <a:alpha val="35000"/>
+              </a:srgbClr>
+            </a:outerShdw>
+          </a:effectLst>
+          <a:scene3d>
+            <a:camera prst="orthographicFront">
+              <a:rot lat="0" lon="0" rev="0"/>
+            </a:camera>
+            <a:lightRig rig="threePt" dir="t">
+              <a:rot lat="0" lon="0" rev="1200000"/>
+            </a:lightRig>
+          </a:scene3d>
+          <a:sp3d>
+            <a:bevelT w="63500" h="25400"/>
+          </a:sp3d>
+        </a:effectStyle>
+      </a:effectStyleLst>
+      <a:bgFillStyleLst>
+        <a:solidFill>
+          <a:schemeClr val="phClr"/>
+        </a:solidFill>
+        <a:gradFill rotWithShape="1">
+          <a:gsLst>
+            <a:gs pos="0">
+              <a:schemeClr val="phClr">
+                <a:tint val="40000"/>
+                <a:satMod val="350000"/>
+              </a:schemeClr>
+            </a:gs>
+            <a:gs pos="40000">
+              <a:schemeClr val="phClr">
+                <a:tint val="45000"/>
+                <a:shade val="99000"/>
+                <a:satMod val="350000"/>
+              </a:schemeClr>
+            </a:gs>
+            <a:gs pos="100000">
+              <a:schemeClr val="phClr">
+                <a:shade val="20000"/>
+                <a:satMod val="255000"/>
+              </a:schemeClr>
+            </a:gs>
+          </a:gsLst>
+          <a:path path="circle">
+            <a:fillToRect l="50000" t="-80000" r="50000" b="180000"/>
+          </a:path>
+        </a:gradFill>
+        <a:gradFill rotWithShape="1">
+          <a:gsLst>
+            <a:gs pos="0">
+              <a:schemeClr val="phClr">
+                <a:tint val="80000"/>
+                <a:satMod val="300000"/>
+              </a:schemeClr>
+            </a:gs>
+            <a:gs pos="100000">
+              <a:schemeClr val="phClr">
+                <a:shade val="30000"/>
+                <a:satMod val="200000"/>
+              </a:schemeClr>
+            </a:gs>
+          </a:gsLst>
+          <a:path path="circle">
+            <a:fillToRect l="50000" t="50000" r="50000" b="50000"/>
+          </a:path>
+        </a:gradFill>
+      </a:bgFillStyleLst>
+    </a:fmtScheme>
+  </a:themeElements>
+</a:theme>
+</file>
+
+<file path=ppt/theme/theme3.xml><?xml version="1.0" encoding="utf-8"?>
 <a:theme xmlns:a="http://schemas.openxmlformats.org/drawingml/2006/main" xmlns:r="http://schemas.openxmlformats.org/officeDocument/2006/relationships" name="Simple Light">
   <a:themeElements>
     <a:clrScheme name="Simple Light">
@@ -31190,7 +31748,7 @@
 </a:theme>
 </file>
 
-<file path=ppt/theme/theme2.xml><?xml version="1.0" encoding="utf-8"?>
+<file path=ppt/theme/theme4.xml><?xml version="1.0" encoding="utf-8"?>
 <a:theme xmlns:a="http://schemas.openxmlformats.org/drawingml/2006/main" xmlns:r="http://schemas.openxmlformats.org/officeDocument/2006/relationships" name="Simple Light">
   <a:themeElements>
     <a:clrScheme name="Simple Light">
@@ -31467,562 +32025,4 @@
     </a:fmtScheme>
   </a:themeElements>
 </a:theme>
-</file>
-
-<file path=ppt/theme/theme3.xml><?xml version="1.0" encoding="utf-8"?>
-<a:theme xmlns:a="http://schemas.openxmlformats.org/drawingml/2006/main" xmlns:r="http://schemas.openxmlformats.org/officeDocument/2006/relationships">
-  <a:themeElements>
-    <a:clrScheme name="Default">
-      <a:dk1>
-        <a:srgbClr val="000000"/>
-      </a:dk1>
-      <a:lt1>
-        <a:srgbClr val="FFFFFF"/>
-      </a:lt1>
-      <a:dk2>
-        <a:srgbClr val="158158"/>
-      </a:dk2>
-      <a:lt2>
-        <a:srgbClr val="F3F3F3"/>
-      </a:lt2>
-      <a:accent1>
-        <a:srgbClr val="058DC7"/>
-      </a:accent1>
-      <a:accent2>
-        <a:srgbClr val="50B432"/>
-      </a:accent2>
-      <a:accent3>
-        <a:srgbClr val="ED561B"/>
-      </a:accent3>
-      <a:accent4>
-        <a:srgbClr val="EDEF00"/>
-      </a:accent4>
-      <a:accent5>
-        <a:srgbClr val="24CBE5"/>
-      </a:accent5>
-      <a:accent6>
-        <a:srgbClr val="64E572"/>
-      </a:accent6>
-      <a:hlink>
-        <a:srgbClr val="2200CC"/>
-      </a:hlink>
-      <a:folHlink>
-        <a:srgbClr val="551A8B"/>
-      </a:folHlink>
-    </a:clrScheme>
-    <a:fontScheme name="Office">
-      <a:majorFont>
-        <a:latin typeface="Arial"/>
-        <a:ea typeface=""/>
-        <a:cs typeface=""/>
-        <a:font script="Jpan" typeface="ＭＳ Ｐゴシック"/>
-        <a:font script="Hang" typeface="맑은 고딕"/>
-        <a:font script="Hans" typeface="宋体"/>
-        <a:font script="Hant" typeface="新細明體"/>
-        <a:font script="Arab" typeface="Times New Roman"/>
-        <a:font script="Hebr" typeface="Times New Roman"/>
-        <a:font script="Thai" typeface="Angsana New"/>
-        <a:font script="Ethi" typeface="Nyala"/>
-        <a:font script="Beng" typeface="Vrinda"/>
-        <a:font script="Gujr" typeface="Shruti"/>
-        <a:font script="Khmr" typeface="MoolBoran"/>
-        <a:font script="Knda" typeface="Tunga"/>
-        <a:font script="Guru" typeface="Raavi"/>
-        <a:font script="Cans" typeface="Euphemia"/>
-        <a:font script="Cher" typeface="Plantagenet Cherokee"/>
-        <a:font script="Yiii" typeface="Microsoft Yi Baiti"/>
-        <a:font script="Tibt" typeface="Microsoft Himalaya"/>
-        <a:font script="Thaa" typeface="MV Boli"/>
-        <a:font script="Deva" typeface="Mangal"/>
-        <a:font script="Telu" typeface="Gautami"/>
-        <a:font script="Taml" typeface="Latha"/>
-        <a:font script="Syrc" typeface="Estrangelo Edessa"/>
-        <a:font script="Orya" typeface="Kalinga"/>
-        <a:font script="Mlym" typeface="Kartika"/>
-        <a:font script="Laoo" typeface="DokChampa"/>
-        <a:font script="Sinh" typeface="Iskoola Pota"/>
-        <a:font script="Mong" typeface="Mongolian Baiti"/>
-        <a:font script="Viet" typeface="Times New Roman"/>
-        <a:font script="Uigh" typeface="Microsoft Uighur"/>
-        <a:font script="Geor" typeface="Sylfaen"/>
-      </a:majorFont>
-      <a:minorFont>
-        <a:latin typeface="Arial"/>
-        <a:ea typeface=""/>
-        <a:cs typeface=""/>
-        <a:font script="Jpan" typeface="ＭＳ Ｐゴシック"/>
-        <a:font script="Hang" typeface="맑은 고딕"/>
-        <a:font script="Hans" typeface="宋体"/>
-        <a:font script="Hant" typeface="新細明體"/>
-        <a:font script="Arab" typeface="Arial"/>
-        <a:font script="Hebr" typeface="Arial"/>
-        <a:font script="Thai" typeface="Cordia New"/>
-        <a:font script="Ethi" typeface="Nyala"/>
-        <a:font script="Beng" typeface="Vrinda"/>
-        <a:font script="Gujr" typeface="Shruti"/>
-        <a:font script="Khmr" typeface="DaunPenh"/>
-        <a:font script="Knda" typeface="Tunga"/>
-        <a:font script="Guru" typeface="Raavi"/>
-        <a:font script="Cans" typeface="Euphemia"/>
-        <a:font script="Cher" typeface="Plantagenet Cherokee"/>
-        <a:font script="Yiii" typeface="Microsoft Yi Baiti"/>
-        <a:font script="Tibt" typeface="Microsoft Himalaya"/>
-        <a:font script="Thaa" typeface="MV Boli"/>
-        <a:font script="Deva" typeface="Mangal"/>
-        <a:font script="Telu" typeface="Gautami"/>
-        <a:font script="Taml" typeface="Latha"/>
-        <a:font script="Syrc" typeface="Estrangelo Edessa"/>
-        <a:font script="Orya" typeface="Kalinga"/>
-        <a:font script="Mlym" typeface="Kartika"/>
-        <a:font script="Laoo" typeface="DokChampa"/>
-        <a:font script="Sinh" typeface="Iskoola Pota"/>
-        <a:font script="Mong" typeface="Mongolian Baiti"/>
-        <a:font script="Viet" typeface="Arial"/>
-        <a:font script="Uigh" typeface="Microsoft Uighur"/>
-        <a:font script="Geor" typeface="Sylfaen"/>
-      </a:minorFont>
-    </a:fontScheme>
-    <a:fmtScheme name="Office">
-      <a:fillStyleLst>
-        <a:solidFill>
-          <a:schemeClr val="phClr"/>
-        </a:solidFill>
-        <a:gradFill rotWithShape="1">
-          <a:gsLst>
-            <a:gs pos="0">
-              <a:schemeClr val="phClr">
-                <a:tint val="50000"/>
-                <a:satMod val="300000"/>
-              </a:schemeClr>
-            </a:gs>
-            <a:gs pos="35000">
-              <a:schemeClr val="phClr">
-                <a:tint val="37000"/>
-                <a:satMod val="300000"/>
-              </a:schemeClr>
-            </a:gs>
-            <a:gs pos="100000">
-              <a:schemeClr val="phClr">
-                <a:tint val="15000"/>
-                <a:satMod val="350000"/>
-              </a:schemeClr>
-            </a:gs>
-          </a:gsLst>
-          <a:lin ang="16200000" scaled="1"/>
-        </a:gradFill>
-        <a:gradFill rotWithShape="1">
-          <a:gsLst>
-            <a:gs pos="0">
-              <a:schemeClr val="phClr">
-                <a:tint val="100000"/>
-                <a:shade val="100000"/>
-                <a:satMod val="130000"/>
-              </a:schemeClr>
-            </a:gs>
-            <a:gs pos="100000">
-              <a:schemeClr val="phClr">
-                <a:tint val="50000"/>
-                <a:shade val="100000"/>
-                <a:satMod val="350000"/>
-              </a:schemeClr>
-            </a:gs>
-          </a:gsLst>
-          <a:lin ang="16200000" scaled="0"/>
-        </a:gradFill>
-      </a:fillStyleLst>
-      <a:lnStyleLst>
-        <a:ln w="9525" cap="flat" cmpd="sng" algn="ctr">
-          <a:solidFill>
-            <a:schemeClr val="phClr">
-              <a:shade val="95000"/>
-              <a:satMod val="105000"/>
-            </a:schemeClr>
-          </a:solidFill>
-          <a:prstDash val="solid"/>
-        </a:ln>
-        <a:ln w="25400" cap="flat" cmpd="sng" algn="ctr">
-          <a:solidFill>
-            <a:schemeClr val="phClr"/>
-          </a:solidFill>
-          <a:prstDash val="solid"/>
-        </a:ln>
-        <a:ln w="38100" cap="flat" cmpd="sng" algn="ctr">
-          <a:solidFill>
-            <a:schemeClr val="phClr"/>
-          </a:solidFill>
-          <a:prstDash val="solid"/>
-        </a:ln>
-      </a:lnStyleLst>
-      <a:effectStyleLst>
-        <a:effectStyle>
-          <a:effectLst>
-            <a:outerShdw blurRad="40000" dist="20000" dir="5400000" rotWithShape="0">
-              <a:srgbClr val="000000">
-                <a:alpha val="38000"/>
-              </a:srgbClr>
-            </a:outerShdw>
-          </a:effectLst>
-        </a:effectStyle>
-        <a:effectStyle>
-          <a:effectLst>
-            <a:outerShdw blurRad="40000" dist="23000" dir="5400000" rotWithShape="0">
-              <a:srgbClr val="000000">
-                <a:alpha val="35000"/>
-              </a:srgbClr>
-            </a:outerShdw>
-          </a:effectLst>
-        </a:effectStyle>
-        <a:effectStyle>
-          <a:effectLst>
-            <a:outerShdw blurRad="40000" dist="23000" dir="5400000" rotWithShape="0">
-              <a:srgbClr val="000000">
-                <a:alpha val="35000"/>
-              </a:srgbClr>
-            </a:outerShdw>
-          </a:effectLst>
-          <a:scene3d>
-            <a:camera prst="orthographicFront">
-              <a:rot lat="0" lon="0" rev="0"/>
-            </a:camera>
-            <a:lightRig rig="threePt" dir="t">
-              <a:rot lat="0" lon="0" rev="1200000"/>
-            </a:lightRig>
-          </a:scene3d>
-          <a:sp3d>
-            <a:bevelT w="63500" h="25400"/>
-          </a:sp3d>
-        </a:effectStyle>
-      </a:effectStyleLst>
-      <a:bgFillStyleLst>
-        <a:solidFill>
-          <a:schemeClr val="phClr"/>
-        </a:solidFill>
-        <a:gradFill rotWithShape="1">
-          <a:gsLst>
-            <a:gs pos="0">
-              <a:schemeClr val="phClr">
-                <a:tint val="40000"/>
-                <a:satMod val="350000"/>
-              </a:schemeClr>
-            </a:gs>
-            <a:gs pos="40000">
-              <a:schemeClr val="phClr">
-                <a:tint val="45000"/>
-                <a:shade val="99000"/>
-                <a:satMod val="350000"/>
-              </a:schemeClr>
-            </a:gs>
-            <a:gs pos="100000">
-              <a:schemeClr val="phClr">
-                <a:shade val="20000"/>
-                <a:satMod val="255000"/>
-              </a:schemeClr>
-            </a:gs>
-          </a:gsLst>
-          <a:path path="circle">
-            <a:fillToRect l="50000" t="-80000" r="50000" b="180000"/>
-          </a:path>
-        </a:gradFill>
-        <a:gradFill rotWithShape="1">
-          <a:gsLst>
-            <a:gs pos="0">
-              <a:schemeClr val="phClr">
-                <a:tint val="80000"/>
-                <a:satMod val="300000"/>
-              </a:schemeClr>
-            </a:gs>
-            <a:gs pos="100000">
-              <a:schemeClr val="phClr">
-                <a:shade val="30000"/>
-                <a:satMod val="200000"/>
-              </a:schemeClr>
-            </a:gs>
-          </a:gsLst>
-          <a:path path="circle">
-            <a:fillToRect l="50000" t="50000" r="50000" b="50000"/>
-          </a:path>
-        </a:gradFill>
-      </a:bgFillStyleLst>
-    </a:fmtScheme>
-  </a:themeElements>
-</a:theme>
-</file>
-
-<file path=ppt/theme/theme4.xml><?xml version="1.0" encoding="utf-8"?>
-<a:theme xmlns:a="http://schemas.openxmlformats.org/drawingml/2006/main" xmlns:r="http://schemas.openxmlformats.org/officeDocument/2006/relationships" name="Geometric">
-  <a:themeElements>
-    <a:clrScheme name="Geometric">
-      <a:dk1>
-        <a:srgbClr val="2A3990"/>
-      </a:dk1>
-      <a:lt1>
-        <a:srgbClr val="FFFFFF"/>
-      </a:lt1>
-      <a:dk2>
-        <a:srgbClr val="434343"/>
-      </a:dk2>
-      <a:lt2>
-        <a:srgbClr val="999999"/>
-      </a:lt2>
-      <a:accent1>
-        <a:srgbClr val="212D74"/>
-      </a:accent1>
-      <a:accent2>
-        <a:srgbClr val="3949AB"/>
-      </a:accent2>
-      <a:accent3>
-        <a:srgbClr val="9C254D"/>
-      </a:accent3>
-      <a:accent4>
-        <a:srgbClr val="D23369"/>
-      </a:accent4>
-      <a:accent5>
-        <a:srgbClr val="F06292"/>
-      </a:accent5>
-      <a:accent6>
-        <a:srgbClr val="7890CD"/>
-      </a:accent6>
-      <a:hlink>
-        <a:srgbClr val="F06292"/>
-      </a:hlink>
-      <a:folHlink>
-        <a:srgbClr val="F06292"/>
-      </a:folHlink>
-    </a:clrScheme>
-    <a:fontScheme name="Office">
-      <a:majorFont>
-        <a:latin typeface="Arial"/>
-        <a:ea typeface=""/>
-        <a:cs typeface=""/>
-        <a:font script="Jpan" typeface="ＭＳ Ｐゴシック"/>
-        <a:font script="Hang" typeface="맑은 고딕"/>
-        <a:font script="Hans" typeface="宋体"/>
-        <a:font script="Hant" typeface="新細明體"/>
-        <a:font script="Arab" typeface="Times New Roman"/>
-        <a:font script="Hebr" typeface="Times New Roman"/>
-        <a:font script="Thai" typeface="Angsana New"/>
-        <a:font script="Ethi" typeface="Nyala"/>
-        <a:font script="Beng" typeface="Vrinda"/>
-        <a:font script="Gujr" typeface="Shruti"/>
-        <a:font script="Khmr" typeface="MoolBoran"/>
-        <a:font script="Knda" typeface="Tunga"/>
-        <a:font script="Guru" typeface="Raavi"/>
-        <a:font script="Cans" typeface="Euphemia"/>
-        <a:font script="Cher" typeface="Plantagenet Cherokee"/>
-        <a:font script="Yiii" typeface="Microsoft Yi Baiti"/>
-        <a:font script="Tibt" typeface="Microsoft Himalaya"/>
-        <a:font script="Thaa" typeface="MV Boli"/>
-        <a:font script="Deva" typeface="Mangal"/>
-        <a:font script="Telu" typeface="Gautami"/>
-        <a:font script="Taml" typeface="Latha"/>
-        <a:font script="Syrc" typeface="Estrangelo Edessa"/>
-        <a:font script="Orya" typeface="Kalinga"/>
-        <a:font script="Mlym" typeface="Kartika"/>
-        <a:font script="Laoo" typeface="DokChampa"/>
-        <a:font script="Sinh" typeface="Iskoola Pota"/>
-        <a:font script="Mong" typeface="Mongolian Baiti"/>
-        <a:font script="Viet" typeface="Times New Roman"/>
-        <a:font script="Uigh" typeface="Microsoft Uighur"/>
-        <a:font script="Geor" typeface="Sylfaen"/>
-      </a:majorFont>
-      <a:minorFont>
-        <a:latin typeface="Arial"/>
-        <a:ea typeface=""/>
-        <a:cs typeface=""/>
-        <a:font script="Jpan" typeface="ＭＳ Ｐゴシック"/>
-        <a:font script="Hang" typeface="맑은 고딕"/>
-        <a:font script="Hans" typeface="宋体"/>
-        <a:font script="Hant" typeface="新細明體"/>
-        <a:font script="Arab" typeface="Arial"/>
-        <a:font script="Hebr" typeface="Arial"/>
-        <a:font script="Thai" typeface="Cordia New"/>
-        <a:font script="Ethi" typeface="Nyala"/>
-        <a:font script="Beng" typeface="Vrinda"/>
-        <a:font script="Gujr" typeface="Shruti"/>
-        <a:font script="Khmr" typeface="DaunPenh"/>
-        <a:font script="Knda" typeface="Tunga"/>
-        <a:font script="Guru" typeface="Raavi"/>
-        <a:font script="Cans" typeface="Euphemia"/>
-        <a:font script="Cher" typeface="Plantagenet Cherokee"/>
-        <a:font script="Yiii" typeface="Microsoft Yi Baiti"/>
-        <a:font script="Tibt" typeface="Microsoft Himalaya"/>
-        <a:font script="Thaa" typeface="MV Boli"/>
-        <a:font script="Deva" typeface="Mangal"/>
-        <a:font script="Telu" typeface="Gautami"/>
-        <a:font script="Taml" typeface="Latha"/>
-        <a:font script="Syrc" typeface="Estrangelo Edessa"/>
-        <a:font script="Orya" typeface="Kalinga"/>
-        <a:font script="Mlym" typeface="Kartika"/>
-        <a:font script="Laoo" typeface="DokChampa"/>
-        <a:font script="Sinh" typeface="Iskoola Pota"/>
-        <a:font script="Mong" typeface="Mongolian Baiti"/>
-        <a:font script="Viet" typeface="Arial"/>
-        <a:font script="Uigh" typeface="Microsoft Uighur"/>
-        <a:font script="Geor" typeface="Sylfaen"/>
-      </a:minorFont>
-    </a:fontScheme>
-    <a:fmtScheme name="Office">
-      <a:fillStyleLst>
-        <a:solidFill>
-          <a:schemeClr val="phClr"/>
-        </a:solidFill>
-        <a:gradFill rotWithShape="1">
-          <a:gsLst>
-            <a:gs pos="0">
-              <a:schemeClr val="phClr">
-                <a:tint val="50000"/>
-                <a:satMod val="300000"/>
-              </a:schemeClr>
-            </a:gs>
-            <a:gs pos="35000">
-              <a:schemeClr val="phClr">
-                <a:tint val="37000"/>
-                <a:satMod val="300000"/>
-              </a:schemeClr>
-            </a:gs>
-            <a:gs pos="100000">
-              <a:schemeClr val="phClr">
-                <a:tint val="15000"/>
-                <a:satMod val="350000"/>
-              </a:schemeClr>
-            </a:gs>
-          </a:gsLst>
-          <a:lin ang="16200000" scaled="1"/>
-        </a:gradFill>
-        <a:gradFill rotWithShape="1">
-          <a:gsLst>
-            <a:gs pos="0">
-              <a:schemeClr val="phClr">
-                <a:tint val="100000"/>
-                <a:shade val="100000"/>
-                <a:satMod val="130000"/>
-              </a:schemeClr>
-            </a:gs>
-            <a:gs pos="100000">
-              <a:schemeClr val="phClr">
-                <a:tint val="50000"/>
-                <a:shade val="100000"/>
-                <a:satMod val="350000"/>
-              </a:schemeClr>
-            </a:gs>
-          </a:gsLst>
-          <a:lin ang="16200000" scaled="0"/>
-        </a:gradFill>
-      </a:fillStyleLst>
-      <a:lnStyleLst>
-        <a:ln w="9525" cap="flat" cmpd="sng" algn="ctr">
-          <a:solidFill>
-            <a:schemeClr val="phClr">
-              <a:shade val="95000"/>
-              <a:satMod val="105000"/>
-            </a:schemeClr>
-          </a:solidFill>
-          <a:prstDash val="solid"/>
-        </a:ln>
-        <a:ln w="25400" cap="flat" cmpd="sng" algn="ctr">
-          <a:solidFill>
-            <a:schemeClr val="phClr"/>
-          </a:solidFill>
-          <a:prstDash val="solid"/>
-        </a:ln>
-        <a:ln w="38100" cap="flat" cmpd="sng" algn="ctr">
-          <a:solidFill>
-            <a:schemeClr val="phClr"/>
-          </a:solidFill>
-          <a:prstDash val="solid"/>
-        </a:ln>
-      </a:lnStyleLst>
-      <a:effectStyleLst>
-        <a:effectStyle>
-          <a:effectLst>
-            <a:outerShdw blurRad="40000" dist="20000" dir="5400000" rotWithShape="0">
-              <a:srgbClr val="000000">
-                <a:alpha val="38000"/>
-              </a:srgbClr>
-            </a:outerShdw>
-          </a:effectLst>
-        </a:effectStyle>
-        <a:effectStyle>
-          <a:effectLst>
-            <a:outerShdw blurRad="40000" dist="23000" dir="5400000" rotWithShape="0">
-              <a:srgbClr val="000000">
-                <a:alpha val="35000"/>
-              </a:srgbClr>
-            </a:outerShdw>
-          </a:effectLst>
-        </a:effectStyle>
-        <a:effectStyle>
-          <a:effectLst>
-            <a:outerShdw blurRad="40000" dist="23000" dir="5400000" rotWithShape="0">
-              <a:srgbClr val="000000">
-                <a:alpha val="35000"/>
-              </a:srgbClr>
-            </a:outerShdw>
-          </a:effectLst>
-          <a:scene3d>
-            <a:camera prst="orthographicFront">
-              <a:rot lat="0" lon="0" rev="0"/>
-            </a:camera>
-            <a:lightRig rig="threePt" dir="t">
-              <a:rot lat="0" lon="0" rev="1200000"/>
-            </a:lightRig>
-          </a:scene3d>
-          <a:sp3d>
-            <a:bevelT w="63500" h="25400"/>
-          </a:sp3d>
-        </a:effectStyle>
-      </a:effectStyleLst>
-      <a:bgFillStyleLst>
-        <a:solidFill>
-          <a:schemeClr val="phClr"/>
-        </a:solidFill>
-        <a:gradFill rotWithShape="1">
-          <a:gsLst>
-            <a:gs pos="0">
-              <a:schemeClr val="phClr">
-                <a:tint val="40000"/>
-                <a:satMod val="350000"/>
-              </a:schemeClr>
-            </a:gs>
-            <a:gs pos="40000">
-              <a:schemeClr val="phClr">
-                <a:tint val="45000"/>
-                <a:shade val="99000"/>
-                <a:satMod val="350000"/>
-              </a:schemeClr>
-            </a:gs>
-            <a:gs pos="100000">
-              <a:schemeClr val="phClr">
-                <a:shade val="20000"/>
-                <a:satMod val="255000"/>
-              </a:schemeClr>
-            </a:gs>
-          </a:gsLst>
-          <a:path path="circle">
-            <a:fillToRect l="50000" t="-80000" r="50000" b="180000"/>
-          </a:path>
-        </a:gradFill>
-        <a:gradFill rotWithShape="1">
-          <a:gsLst>
-            <a:gs pos="0">
-              <a:schemeClr val="phClr">
-                <a:tint val="80000"/>
-                <a:satMod val="300000"/>
-              </a:schemeClr>
-            </a:gs>
-            <a:gs pos="100000">
-              <a:schemeClr val="phClr">
-                <a:shade val="30000"/>
-                <a:satMod val="200000"/>
-              </a:schemeClr>
-            </a:gs>
-          </a:gsLst>
-          <a:path path="circle">
-            <a:fillToRect l="50000" t="50000" r="50000" b="50000"/>
-          </a:path>
-        </a:gradFill>
-      </a:bgFillStyleLst>
-    </a:fmtScheme>
-  </a:themeElements>
-</a:theme>
 </file>
--- a/Day_2/Lectures/Day_2_Lecture_1_Data_Collection_Data_Preparation.pptx
+++ b/Day_2/Lectures/Day_2_Lecture_1_Data_Collection_Data_Preparation.pptx
@@ -30912,9 +30912,9 @@
 </file>
 
 <file path=ppt/theme/theme1.xml><?xml version="1.0" encoding="utf-8"?>
-<a:theme xmlns:a="http://schemas.openxmlformats.org/drawingml/2006/main" xmlns:r="http://schemas.openxmlformats.org/officeDocument/2006/relationships">
+<a:theme xmlns:a="http://schemas.openxmlformats.org/drawingml/2006/main" xmlns:r="http://schemas.openxmlformats.org/officeDocument/2006/relationships" name="Simple Light">
   <a:themeElements>
-    <a:clrScheme name="Default">
+    <a:clrScheme name="Simple Light">
       <a:dk1>
         <a:srgbClr val="000000"/>
       </a:dk1>
@@ -30922,34 +30922,34 @@
         <a:srgbClr val="FFFFFF"/>
       </a:lt1>
       <a:dk2>
-        <a:srgbClr val="158158"/>
+        <a:srgbClr val="595959"/>
       </a:dk2>
       <a:lt2>
-        <a:srgbClr val="F3F3F3"/>
+        <a:srgbClr val="EEEEEE"/>
       </a:lt2>
       <a:accent1>
-        <a:srgbClr val="058DC7"/>
+        <a:srgbClr val="4285F4"/>
       </a:accent1>
       <a:accent2>
-        <a:srgbClr val="50B432"/>
+        <a:srgbClr val="212121"/>
       </a:accent2>
       <a:accent3>
-        <a:srgbClr val="ED561B"/>
+        <a:srgbClr val="78909C"/>
       </a:accent3>
       <a:accent4>
-        <a:srgbClr val="EDEF00"/>
+        <a:srgbClr val="FFAB40"/>
       </a:accent4>
       <a:accent5>
-        <a:srgbClr val="24CBE5"/>
+        <a:srgbClr val="0097A7"/>
       </a:accent5>
       <a:accent6>
-        <a:srgbClr val="64E572"/>
+        <a:srgbClr val="EEFF41"/>
       </a:accent6>
       <a:hlink>
-        <a:srgbClr val="2200CC"/>
+        <a:srgbClr val="0097A7"/>
       </a:hlink>
       <a:folHlink>
-        <a:srgbClr val="551A8B"/>
+        <a:srgbClr val="0097A7"/>
       </a:folHlink>
     </a:clrScheme>
     <a:fontScheme name="Office">
@@ -31749,9 +31749,9 @@
 </file>
 
 <file path=ppt/theme/theme4.xml><?xml version="1.0" encoding="utf-8"?>
-<a:theme xmlns:a="http://schemas.openxmlformats.org/drawingml/2006/main" xmlns:r="http://schemas.openxmlformats.org/officeDocument/2006/relationships" name="Simple Light">
+<a:theme xmlns:a="http://schemas.openxmlformats.org/drawingml/2006/main" xmlns:r="http://schemas.openxmlformats.org/officeDocument/2006/relationships">
   <a:themeElements>
-    <a:clrScheme name="Simple Light">
+    <a:clrScheme name="Default">
       <a:dk1>
         <a:srgbClr val="000000"/>
       </a:dk1>
@@ -31759,34 +31759,34 @@
         <a:srgbClr val="FFFFFF"/>
       </a:lt1>
       <a:dk2>
-        <a:srgbClr val="595959"/>
+        <a:srgbClr val="158158"/>
       </a:dk2>
       <a:lt2>
-        <a:srgbClr val="EEEEEE"/>
+        <a:srgbClr val="F3F3F3"/>
       </a:lt2>
       <a:accent1>
-        <a:srgbClr val="4285F4"/>
+        <a:srgbClr val="058DC7"/>
       </a:accent1>
       <a:accent2>
-        <a:srgbClr val="212121"/>
+        <a:srgbClr val="50B432"/>
       </a:accent2>
       <a:accent3>
-        <a:srgbClr val="78909C"/>
+        <a:srgbClr val="ED561B"/>
       </a:accent3>
       <a:accent4>
-        <a:srgbClr val="FFAB40"/>
+        <a:srgbClr val="EDEF00"/>
       </a:accent4>
       <a:accent5>
-        <a:srgbClr val="0097A7"/>
+        <a:srgbClr val="24CBE5"/>
       </a:accent5>
       <a:accent6>
-        <a:srgbClr val="EEFF41"/>
+        <a:srgbClr val="64E572"/>
       </a:accent6>
       <a:hlink>
-        <a:srgbClr val="0097A7"/>
+        <a:srgbClr val="2200CC"/>
       </a:hlink>
       <a:folHlink>
-        <a:srgbClr val="0097A7"/>
+        <a:srgbClr val="551A8B"/>
       </a:folHlink>
     </a:clrScheme>
     <a:fontScheme name="Office">
